--- a/Documents/Go4Food.pptx
+++ b/Documents/Go4Food.pptx
@@ -2,19 +2,27 @@
 <file path=ppt/presentation.xml><?xml version="1.0" encoding="utf-8"?>
 <p:presentation xmlns:a="http://schemas.openxmlformats.org/drawingml/2006/main" xmlns:r="http://schemas.openxmlformats.org/officeDocument/2006/relationships" xmlns:p="http://schemas.openxmlformats.org/presentationml/2006/main" saveSubsetFonts="1">
   <p:sldMasterIdLst>
-    <p:sldMasterId id="2147483660" r:id="rId1"/>
+    <p:sldMasterId id="2147483677" r:id="rId1"/>
   </p:sldMasterIdLst>
   <p:sldIdLst>
     <p:sldId id="257" r:id="rId2"/>
     <p:sldId id="258" r:id="rId3"/>
     <p:sldId id="259" r:id="rId4"/>
     <p:sldId id="260" r:id="rId5"/>
-    <p:sldId id="261" r:id="rId6"/>
-    <p:sldId id="262" r:id="rId7"/>
-    <p:sldId id="264" r:id="rId8"/>
-    <p:sldId id="265" r:id="rId9"/>
-    <p:sldId id="263" r:id="rId10"/>
-    <p:sldId id="266" r:id="rId11"/>
+    <p:sldId id="262" r:id="rId6"/>
+    <p:sldId id="274" r:id="rId7"/>
+    <p:sldId id="273" r:id="rId8"/>
+    <p:sldId id="272" r:id="rId9"/>
+    <p:sldId id="264" r:id="rId10"/>
+    <p:sldId id="276" r:id="rId11"/>
+    <p:sldId id="277" r:id="rId12"/>
+    <p:sldId id="267" r:id="rId13"/>
+    <p:sldId id="278" r:id="rId14"/>
+    <p:sldId id="268" r:id="rId15"/>
+    <p:sldId id="279" r:id="rId16"/>
+    <p:sldId id="280" r:id="rId17"/>
+    <p:sldId id="263" r:id="rId18"/>
+    <p:sldId id="266" r:id="rId19"/>
   </p:sldIdLst>
   <p:sldSz cx="12192000" cy="6858000"/>
   <p:notesSz cx="6858000" cy="9144000"/>
@@ -113,11 +121,16 @@
       </a:defRPr>
     </a:lvl9pPr>
   </p:defaultTextStyle>
+  <p:extLst>
+    <p:ext uri="{EFAFB233-063F-42B5-8137-9DF3F51BA10A}">
+      <p15:sldGuideLst xmlns:p15="http://schemas.microsoft.com/office/powerpoint/2012/main"/>
+    </p:ext>
+  </p:extLst>
 </p:presentation>
 </file>
 
 <file path=ppt/slideLayouts/slideLayout1.xml><?xml version="1.0" encoding="utf-8"?>
-<p:sldLayout xmlns:a="http://schemas.openxmlformats.org/drawingml/2006/main" xmlns:r="http://schemas.openxmlformats.org/officeDocument/2006/relationships" xmlns:p="http://schemas.openxmlformats.org/presentationml/2006/main" showMasterSp="0" type="title" preserve="1">
+<p:sldLayout xmlns:a="http://schemas.openxmlformats.org/drawingml/2006/main" xmlns:r="http://schemas.openxmlformats.org/officeDocument/2006/relationships" xmlns:p="http://schemas.openxmlformats.org/presentationml/2006/main" type="title" preserve="1">
   <p:cSld name="Title Slide">
     <p:spTree>
       <p:nvGrpSpPr>
@@ -133,536 +146,6 @@
           <a:chExt cx="0" cy="0"/>
         </a:xfrm>
       </p:grpSpPr>
-      <p:grpSp>
-        <p:nvGrpSpPr>
-          <p:cNvPr id="7" name="Group 6"/>
-          <p:cNvGrpSpPr/>
-          <p:nvPr/>
-        </p:nvGrpSpPr>
-        <p:grpSpPr>
-          <a:xfrm>
-            <a:off x="0" y="-8467"/>
-            <a:ext cx="12192000" cy="6866467"/>
-            <a:chOff x="0" y="-8467"/>
-            <a:chExt cx="12192000" cy="6866467"/>
-          </a:xfrm>
-        </p:grpSpPr>
-        <p:cxnSp>
-          <p:nvCxnSpPr>
-            <p:cNvPr id="32" name="Straight Connector 31"/>
-            <p:cNvCxnSpPr/>
-            <p:nvPr/>
-          </p:nvCxnSpPr>
-          <p:spPr>
-            <a:xfrm>
-              <a:off x="9371012" y="0"/>
-              <a:ext cx="1219200" cy="6858000"/>
-            </a:xfrm>
-            <a:prstGeom prst="line">
-              <a:avLst/>
-            </a:prstGeom>
-            <a:ln w="9525">
-              <a:solidFill>
-                <a:schemeClr val="bg1">
-                  <a:lumMod val="75000"/>
-                </a:schemeClr>
-              </a:solidFill>
-            </a:ln>
-          </p:spPr>
-          <p:style>
-            <a:lnRef idx="2">
-              <a:schemeClr val="accent1"/>
-            </a:lnRef>
-            <a:fillRef idx="0">
-              <a:schemeClr val="accent1"/>
-            </a:fillRef>
-            <a:effectRef idx="1">
-              <a:schemeClr val="accent1"/>
-            </a:effectRef>
-            <a:fontRef idx="minor">
-              <a:schemeClr val="tx1"/>
-            </a:fontRef>
-          </p:style>
-        </p:cxnSp>
-        <p:cxnSp>
-          <p:nvCxnSpPr>
-            <p:cNvPr id="21" name="Straight Connector 20"/>
-            <p:cNvCxnSpPr/>
-            <p:nvPr/>
-          </p:nvCxnSpPr>
-          <p:spPr>
-            <a:xfrm flipH="1">
-              <a:off x="7425267" y="3681413"/>
-              <a:ext cx="4763558" cy="3176587"/>
-            </a:xfrm>
-            <a:prstGeom prst="line">
-              <a:avLst/>
-            </a:prstGeom>
-            <a:ln w="9525">
-              <a:solidFill>
-                <a:schemeClr val="bg1">
-                  <a:lumMod val="85000"/>
-                </a:schemeClr>
-              </a:solidFill>
-            </a:ln>
-          </p:spPr>
-          <p:style>
-            <a:lnRef idx="2">
-              <a:schemeClr val="accent1"/>
-            </a:lnRef>
-            <a:fillRef idx="0">
-              <a:schemeClr val="accent1"/>
-            </a:fillRef>
-            <a:effectRef idx="1">
-              <a:schemeClr val="accent1"/>
-            </a:effectRef>
-            <a:fontRef idx="minor">
-              <a:schemeClr val="tx1"/>
-            </a:fontRef>
-          </p:style>
-        </p:cxnSp>
-        <p:sp>
-          <p:nvSpPr>
-            <p:cNvPr id="24" name="Rectangle 23"/>
-            <p:cNvSpPr/>
-            <p:nvPr/>
-          </p:nvSpPr>
-          <p:spPr>
-            <a:xfrm>
-              <a:off x="9181476" y="-8467"/>
-              <a:ext cx="3007349" cy="6866467"/>
-            </a:xfrm>
-            <a:custGeom>
-              <a:avLst/>
-              <a:gdLst/>
-              <a:ahLst/>
-              <a:cxnLst/>
-              <a:rect l="l" t="t" r="r" b="b"/>
-              <a:pathLst>
-                <a:path w="3007349" h="6866467">
-                  <a:moveTo>
-                    <a:pt x="2045532" y="0"/>
-                  </a:moveTo>
-                  <a:lnTo>
-                    <a:pt x="3007349" y="0"/>
-                  </a:lnTo>
-                  <a:lnTo>
-                    <a:pt x="3007349" y="6866467"/>
-                  </a:lnTo>
-                  <a:lnTo>
-                    <a:pt x="0" y="6866467"/>
-                  </a:lnTo>
-                  <a:lnTo>
-                    <a:pt x="2045532" y="0"/>
-                  </a:lnTo>
-                  <a:close/>
-                </a:path>
-              </a:pathLst>
-            </a:custGeom>
-            <a:solidFill>
-              <a:schemeClr val="accent1">
-                <a:alpha val="30000"/>
-              </a:schemeClr>
-            </a:solidFill>
-            <a:ln>
-              <a:noFill/>
-            </a:ln>
-            <a:effectLst/>
-          </p:spPr>
-          <p:style>
-            <a:lnRef idx="1">
-              <a:schemeClr val="accent1"/>
-            </a:lnRef>
-            <a:fillRef idx="3">
-              <a:schemeClr val="accent1"/>
-            </a:fillRef>
-            <a:effectRef idx="2">
-              <a:schemeClr val="accent1"/>
-            </a:effectRef>
-            <a:fontRef idx="minor">
-              <a:schemeClr val="lt1"/>
-            </a:fontRef>
-          </p:style>
-        </p:sp>
-        <p:sp>
-          <p:nvSpPr>
-            <p:cNvPr id="26" name="Rectangle 25"/>
-            <p:cNvSpPr/>
-            <p:nvPr/>
-          </p:nvSpPr>
-          <p:spPr>
-            <a:xfrm>
-              <a:off x="9603442" y="-8467"/>
-              <a:ext cx="2588558" cy="6866467"/>
-            </a:xfrm>
-            <a:custGeom>
-              <a:avLst/>
-              <a:gdLst/>
-              <a:ahLst/>
-              <a:cxnLst/>
-              <a:rect l="l" t="t" r="r" b="b"/>
-              <a:pathLst>
-                <a:path w="2573311" h="6866467">
-                  <a:moveTo>
-                    <a:pt x="0" y="0"/>
-                  </a:moveTo>
-                  <a:lnTo>
-                    <a:pt x="2573311" y="0"/>
-                  </a:lnTo>
-                  <a:lnTo>
-                    <a:pt x="2573311" y="6866467"/>
-                  </a:lnTo>
-                  <a:lnTo>
-                    <a:pt x="1202336" y="6866467"/>
-                  </a:lnTo>
-                  <a:lnTo>
-                    <a:pt x="0" y="0"/>
-                  </a:lnTo>
-                  <a:close/>
-                </a:path>
-              </a:pathLst>
-            </a:custGeom>
-            <a:solidFill>
-              <a:schemeClr val="accent1">
-                <a:alpha val="20000"/>
-              </a:schemeClr>
-            </a:solidFill>
-            <a:ln>
-              <a:noFill/>
-            </a:ln>
-            <a:effectLst/>
-          </p:spPr>
-          <p:style>
-            <a:lnRef idx="1">
-              <a:schemeClr val="accent1"/>
-            </a:lnRef>
-            <a:fillRef idx="3">
-              <a:schemeClr val="accent1"/>
-            </a:fillRef>
-            <a:effectRef idx="2">
-              <a:schemeClr val="accent1"/>
-            </a:effectRef>
-            <a:fontRef idx="minor">
-              <a:schemeClr val="lt1"/>
-            </a:fontRef>
-          </p:style>
-        </p:sp>
-        <p:sp>
-          <p:nvSpPr>
-            <p:cNvPr id="27" name="Isosceles Triangle 26"/>
-            <p:cNvSpPr/>
-            <p:nvPr/>
-          </p:nvSpPr>
-          <p:spPr>
-            <a:xfrm>
-              <a:off x="8932333" y="3048000"/>
-              <a:ext cx="3259667" cy="3810000"/>
-            </a:xfrm>
-            <a:prstGeom prst="triangle">
-              <a:avLst>
-                <a:gd name="adj" fmla="val 100000"/>
-              </a:avLst>
-            </a:prstGeom>
-            <a:solidFill>
-              <a:schemeClr val="accent2">
-                <a:alpha val="72000"/>
-              </a:schemeClr>
-            </a:solidFill>
-            <a:ln>
-              <a:noFill/>
-            </a:ln>
-            <a:effectLst/>
-          </p:spPr>
-          <p:style>
-            <a:lnRef idx="1">
-              <a:schemeClr val="accent1"/>
-            </a:lnRef>
-            <a:fillRef idx="3">
-              <a:schemeClr val="accent1"/>
-            </a:fillRef>
-            <a:effectRef idx="2">
-              <a:schemeClr val="accent1"/>
-            </a:effectRef>
-            <a:fontRef idx="minor">
-              <a:schemeClr val="lt1"/>
-            </a:fontRef>
-          </p:style>
-        </p:sp>
-        <p:sp>
-          <p:nvSpPr>
-            <p:cNvPr id="28" name="Rectangle 27"/>
-            <p:cNvSpPr/>
-            <p:nvPr/>
-          </p:nvSpPr>
-          <p:spPr>
-            <a:xfrm>
-              <a:off x="9334500" y="-8467"/>
-              <a:ext cx="2854326" cy="6866467"/>
-            </a:xfrm>
-            <a:custGeom>
-              <a:avLst/>
-              <a:gdLst/>
-              <a:ahLst/>
-              <a:cxnLst/>
-              <a:rect l="l" t="t" r="r" b="b"/>
-              <a:pathLst>
-                <a:path w="2858013" h="6866467">
-                  <a:moveTo>
-                    <a:pt x="0" y="0"/>
-                  </a:moveTo>
-                  <a:lnTo>
-                    <a:pt x="2858013" y="0"/>
-                  </a:lnTo>
-                  <a:lnTo>
-                    <a:pt x="2858013" y="6866467"/>
-                  </a:lnTo>
-                  <a:lnTo>
-                    <a:pt x="2473942" y="6866467"/>
-                  </a:lnTo>
-                  <a:lnTo>
-                    <a:pt x="0" y="0"/>
-                  </a:lnTo>
-                  <a:close/>
-                </a:path>
-              </a:pathLst>
-            </a:custGeom>
-            <a:solidFill>
-              <a:schemeClr val="accent2">
-                <a:lumMod val="75000"/>
-                <a:alpha val="70000"/>
-              </a:schemeClr>
-            </a:solidFill>
-            <a:ln>
-              <a:noFill/>
-            </a:ln>
-            <a:effectLst/>
-          </p:spPr>
-          <p:style>
-            <a:lnRef idx="1">
-              <a:schemeClr val="accent1"/>
-            </a:lnRef>
-            <a:fillRef idx="3">
-              <a:schemeClr val="accent1"/>
-            </a:fillRef>
-            <a:effectRef idx="2">
-              <a:schemeClr val="accent1"/>
-            </a:effectRef>
-            <a:fontRef idx="minor">
-              <a:schemeClr val="lt1"/>
-            </a:fontRef>
-          </p:style>
-        </p:sp>
-        <p:sp>
-          <p:nvSpPr>
-            <p:cNvPr id="29" name="Rectangle 28"/>
-            <p:cNvSpPr/>
-            <p:nvPr/>
-          </p:nvSpPr>
-          <p:spPr>
-            <a:xfrm>
-              <a:off x="10898730" y="-8467"/>
-              <a:ext cx="1290094" cy="6866467"/>
-            </a:xfrm>
-            <a:custGeom>
-              <a:avLst/>
-              <a:gdLst/>
-              <a:ahLst/>
-              <a:cxnLst/>
-              <a:rect l="l" t="t" r="r" b="b"/>
-              <a:pathLst>
-                <a:path w="1290094" h="6858000">
-                  <a:moveTo>
-                    <a:pt x="1019735" y="0"/>
-                  </a:moveTo>
-                  <a:lnTo>
-                    <a:pt x="1290094" y="0"/>
-                  </a:lnTo>
-                  <a:lnTo>
-                    <a:pt x="1290094" y="6858000"/>
-                  </a:lnTo>
-                  <a:lnTo>
-                    <a:pt x="0" y="6858000"/>
-                  </a:lnTo>
-                  <a:lnTo>
-                    <a:pt x="1019735" y="0"/>
-                  </a:lnTo>
-                  <a:close/>
-                </a:path>
-              </a:pathLst>
-            </a:custGeom>
-            <a:solidFill>
-              <a:schemeClr val="accent1">
-                <a:lumMod val="60000"/>
-                <a:lumOff val="40000"/>
-                <a:alpha val="70000"/>
-              </a:schemeClr>
-            </a:solidFill>
-            <a:ln>
-              <a:noFill/>
-            </a:ln>
-            <a:effectLst/>
-          </p:spPr>
-          <p:style>
-            <a:lnRef idx="1">
-              <a:schemeClr val="accent1"/>
-            </a:lnRef>
-            <a:fillRef idx="3">
-              <a:schemeClr val="accent1"/>
-            </a:fillRef>
-            <a:effectRef idx="2">
-              <a:schemeClr val="accent1"/>
-            </a:effectRef>
-            <a:fontRef idx="minor">
-              <a:schemeClr val="lt1"/>
-            </a:fontRef>
-          </p:style>
-        </p:sp>
-        <p:sp>
-          <p:nvSpPr>
-            <p:cNvPr id="30" name="Rectangle 29"/>
-            <p:cNvSpPr/>
-            <p:nvPr/>
-          </p:nvSpPr>
-          <p:spPr>
-            <a:xfrm>
-              <a:off x="10938999" y="-8467"/>
-              <a:ext cx="1249825" cy="6866467"/>
-            </a:xfrm>
-            <a:custGeom>
-              <a:avLst/>
-              <a:gdLst/>
-              <a:ahLst/>
-              <a:cxnLst/>
-              <a:rect l="l" t="t" r="r" b="b"/>
-              <a:pathLst>
-                <a:path w="1249825" h="6858000">
-                  <a:moveTo>
-                    <a:pt x="0" y="0"/>
-                  </a:moveTo>
-                  <a:lnTo>
-                    <a:pt x="1249825" y="0"/>
-                  </a:lnTo>
-                  <a:lnTo>
-                    <a:pt x="1249825" y="6858000"/>
-                  </a:lnTo>
-                  <a:lnTo>
-                    <a:pt x="1109382" y="6858000"/>
-                  </a:lnTo>
-                  <a:lnTo>
-                    <a:pt x="0" y="0"/>
-                  </a:lnTo>
-                  <a:close/>
-                </a:path>
-              </a:pathLst>
-            </a:custGeom>
-            <a:solidFill>
-              <a:schemeClr val="accent1">
-                <a:alpha val="65000"/>
-              </a:schemeClr>
-            </a:solidFill>
-            <a:ln>
-              <a:noFill/>
-            </a:ln>
-            <a:effectLst/>
-          </p:spPr>
-          <p:style>
-            <a:lnRef idx="1">
-              <a:schemeClr val="accent1"/>
-            </a:lnRef>
-            <a:fillRef idx="3">
-              <a:schemeClr val="accent1"/>
-            </a:fillRef>
-            <a:effectRef idx="2">
-              <a:schemeClr val="accent1"/>
-            </a:effectRef>
-            <a:fontRef idx="minor">
-              <a:schemeClr val="lt1"/>
-            </a:fontRef>
-          </p:style>
-        </p:sp>
-        <p:sp>
-          <p:nvSpPr>
-            <p:cNvPr id="31" name="Isosceles Triangle 30"/>
-            <p:cNvSpPr/>
-            <p:nvPr/>
-          </p:nvSpPr>
-          <p:spPr>
-            <a:xfrm>
-              <a:off x="10371666" y="3589867"/>
-              <a:ext cx="1817159" cy="3268133"/>
-            </a:xfrm>
-            <a:prstGeom prst="triangle">
-              <a:avLst>
-                <a:gd name="adj" fmla="val 100000"/>
-              </a:avLst>
-            </a:prstGeom>
-            <a:solidFill>
-              <a:schemeClr val="accent1">
-                <a:alpha val="80000"/>
-              </a:schemeClr>
-            </a:solidFill>
-            <a:ln>
-              <a:noFill/>
-            </a:ln>
-            <a:effectLst/>
-          </p:spPr>
-          <p:style>
-            <a:lnRef idx="1">
-              <a:schemeClr val="accent1"/>
-            </a:lnRef>
-            <a:fillRef idx="3">
-              <a:schemeClr val="accent1"/>
-            </a:fillRef>
-            <a:effectRef idx="2">
-              <a:schemeClr val="accent1"/>
-            </a:effectRef>
-            <a:fontRef idx="minor">
-              <a:schemeClr val="lt1"/>
-            </a:fontRef>
-          </p:style>
-        </p:sp>
-        <p:sp>
-          <p:nvSpPr>
-            <p:cNvPr id="19" name="Isosceles Triangle 18"/>
-            <p:cNvSpPr/>
-            <p:nvPr/>
-          </p:nvSpPr>
-          <p:spPr>
-            <a:xfrm rot="10800000">
-              <a:off x="0" y="0"/>
-              <a:ext cx="842596" cy="5666154"/>
-            </a:xfrm>
-            <a:prstGeom prst="triangle">
-              <a:avLst>
-                <a:gd name="adj" fmla="val 100000"/>
-              </a:avLst>
-            </a:prstGeom>
-            <a:solidFill>
-              <a:schemeClr val="accent1">
-                <a:alpha val="85000"/>
-              </a:schemeClr>
-            </a:solidFill>
-            <a:ln>
-              <a:noFill/>
-            </a:ln>
-            <a:effectLst/>
-          </p:spPr>
-          <p:style>
-            <a:lnRef idx="1">
-              <a:schemeClr val="accent1"/>
-            </a:lnRef>
-            <a:fillRef idx="3">
-              <a:schemeClr val="accent1"/>
-            </a:fillRef>
-            <a:effectRef idx="2">
-              <a:schemeClr val="accent1"/>
-            </a:effectRef>
-            <a:fontRef idx="minor">
-              <a:schemeClr val="lt1"/>
-            </a:fontRef>
-          </p:style>
-        </p:sp>
-      </p:grpSp>
       <p:sp>
         <p:nvSpPr>
           <p:cNvPr id="2" name="Title 1"/>
@@ -675,21 +158,15 @@
         </p:nvSpPr>
         <p:spPr>
           <a:xfrm>
-            <a:off x="1507067" y="2404534"/>
-            <a:ext cx="7766936" cy="1646302"/>
+            <a:off x="1154955" y="1447800"/>
+            <a:ext cx="8825658" cy="3329581"/>
           </a:xfrm>
         </p:spPr>
         <p:txBody>
-          <a:bodyPr anchor="b">
-            <a:noAutofit/>
-          </a:bodyPr>
+          <a:bodyPr anchor="b"/>
           <a:lstStyle>
-            <a:lvl1pPr algn="r">
-              <a:defRPr sz="5400">
-                <a:solidFill>
-                  <a:schemeClr val="accent1"/>
-                </a:solidFill>
-              </a:defRPr>
+            <a:lvl1pPr>
+              <a:defRPr sz="7200"/>
             </a:lvl1pPr>
           </a:lstStyle>
           <a:p>
@@ -713,20 +190,20 @@
         </p:nvSpPr>
         <p:spPr>
           <a:xfrm>
-            <a:off x="1507067" y="4050833"/>
-            <a:ext cx="7766936" cy="1096899"/>
+            <a:off x="1154955" y="4777380"/>
+            <a:ext cx="8825658" cy="861420"/>
           </a:xfrm>
         </p:spPr>
         <p:txBody>
           <a:bodyPr anchor="t"/>
           <a:lstStyle>
-            <a:lvl1pPr marL="0" indent="0" algn="r">
-              <a:buNone/>
-              <a:defRPr>
+            <a:lvl1pPr marL="0" indent="0" algn="l">
+              <a:buNone/>
+              <a:defRPr cap="all">
                 <a:solidFill>
-                  <a:schemeClr val="tx1">
-                    <a:lumMod val="50000"/>
-                    <a:lumOff val="50000"/>
+                  <a:schemeClr val="bg2">
+                    <a:lumMod val="40000"/>
+                    <a:lumOff val="60000"/>
                   </a:schemeClr>
                 </a:solidFill>
               </a:defRPr>
@@ -838,7 +315,7 @@
           <a:p>
             <a:fld id="{FD49D357-028A-436C-9364-82B3DD197A27}" type="datetimeFigureOut">
               <a:rPr lang="en-CA" smtClean="0"/>
-              <a:t>2023-07-05</a:t>
+              <a:t>2023-07-21</a:t>
             </a:fld>
             <a:endParaRPr lang="en-CA"/>
           </a:p>
@@ -889,7 +366,7 @@
     </p:spTree>
     <p:extLst>
       <p:ext uri="{BB962C8B-B14F-4D97-AF65-F5344CB8AC3E}">
-        <p14:creationId xmlns:p14="http://schemas.microsoft.com/office/powerpoint/2010/main" val="3645655646"/>
+        <p14:creationId xmlns:p14="http://schemas.microsoft.com/office/powerpoint/2010/main" val="1680404501"/>
       </p:ext>
     </p:extLst>
   </p:cSld>
@@ -900,6 +377,281 @@
 </file>
 
 <file path=ppt/slideLayouts/slideLayout10.xml><?xml version="1.0" encoding="utf-8"?>
+<p:sldLayout xmlns:a="http://schemas.openxmlformats.org/drawingml/2006/main" xmlns:r="http://schemas.openxmlformats.org/officeDocument/2006/relationships" xmlns:p="http://schemas.openxmlformats.org/presentationml/2006/main" preserve="1">
+  <p:cSld name="Panoramic Picture with Caption">
+    <p:spTree>
+      <p:nvGrpSpPr>
+        <p:cNvPr id="1" name=""/>
+        <p:cNvGrpSpPr/>
+        <p:nvPr/>
+      </p:nvGrpSpPr>
+      <p:grpSpPr>
+        <a:xfrm>
+          <a:off x="0" y="0"/>
+          <a:ext cx="0" cy="0"/>
+          <a:chOff x="0" y="0"/>
+          <a:chExt cx="0" cy="0"/>
+        </a:xfrm>
+      </p:grpSpPr>
+      <p:sp>
+        <p:nvSpPr>
+          <p:cNvPr id="2" name="Title 1"/>
+          <p:cNvSpPr>
+            <a:spLocks noGrp="1"/>
+          </p:cNvSpPr>
+          <p:nvPr>
+            <p:ph type="title"/>
+          </p:nvPr>
+        </p:nvSpPr>
+        <p:spPr>
+          <a:xfrm>
+            <a:off x="1154956" y="4800587"/>
+            <a:ext cx="8825657" cy="566738"/>
+          </a:xfrm>
+        </p:spPr>
+        <p:txBody>
+          <a:bodyPr anchor="b">
+            <a:normAutofit/>
+          </a:bodyPr>
+          <a:lstStyle>
+            <a:lvl1pPr algn="l">
+              <a:defRPr sz="2400" b="0"/>
+            </a:lvl1pPr>
+          </a:lstStyle>
+          <a:p>
+            <a:r>
+              <a:rPr lang="en-US" smtClean="0"/>
+              <a:t>Click to edit Master title style</a:t>
+            </a:r>
+            <a:endParaRPr lang="en-US" dirty="0"/>
+          </a:p>
+        </p:txBody>
+      </p:sp>
+      <p:sp>
+        <p:nvSpPr>
+          <p:cNvPr id="3" name="Picture Placeholder 2"/>
+          <p:cNvSpPr>
+            <a:spLocks noGrp="1" noChangeAspect="1"/>
+          </p:cNvSpPr>
+          <p:nvPr>
+            <p:ph type="pic" idx="1"/>
+          </p:nvPr>
+        </p:nvSpPr>
+        <p:spPr>
+          <a:xfrm>
+            <a:off x="1154955" y="685800"/>
+            <a:ext cx="8825658" cy="3640666"/>
+          </a:xfrm>
+          <a:prstGeom prst="roundRect">
+            <a:avLst>
+              <a:gd name="adj" fmla="val 1858"/>
+            </a:avLst>
+          </a:prstGeom>
+          <a:effectLst>
+            <a:outerShdw blurRad="50800" dist="50800" dir="5400000" algn="tl" rotWithShape="0">
+              <a:srgbClr val="000000">
+                <a:alpha val="43000"/>
+              </a:srgbClr>
+            </a:outerShdw>
+          </a:effectLst>
+        </p:spPr>
+        <p:txBody>
+          <a:bodyPr anchor="t">
+            <a:normAutofit/>
+          </a:bodyPr>
+          <a:lstStyle>
+            <a:lvl1pPr marL="0" indent="0" algn="ctr">
+              <a:buNone/>
+              <a:defRPr sz="1600"/>
+            </a:lvl1pPr>
+            <a:lvl2pPr marL="457200" indent="0">
+              <a:buNone/>
+              <a:defRPr sz="1600"/>
+            </a:lvl2pPr>
+            <a:lvl3pPr marL="914400" indent="0">
+              <a:buNone/>
+              <a:defRPr sz="1600"/>
+            </a:lvl3pPr>
+            <a:lvl4pPr marL="1371600" indent="0">
+              <a:buNone/>
+              <a:defRPr sz="1600"/>
+            </a:lvl4pPr>
+            <a:lvl5pPr marL="1828800" indent="0">
+              <a:buNone/>
+              <a:defRPr sz="1600"/>
+            </a:lvl5pPr>
+            <a:lvl6pPr marL="2286000" indent="0">
+              <a:buNone/>
+              <a:defRPr sz="1600"/>
+            </a:lvl6pPr>
+            <a:lvl7pPr marL="2743200" indent="0">
+              <a:buNone/>
+              <a:defRPr sz="1600"/>
+            </a:lvl7pPr>
+            <a:lvl8pPr marL="3200400" indent="0">
+              <a:buNone/>
+              <a:defRPr sz="1600"/>
+            </a:lvl8pPr>
+            <a:lvl9pPr marL="3657600" indent="0">
+              <a:buNone/>
+              <a:defRPr sz="1600"/>
+            </a:lvl9pPr>
+          </a:lstStyle>
+          <a:p>
+            <a:r>
+              <a:rPr lang="en-US" smtClean="0"/>
+              <a:t>Click icon to add picture</a:t>
+            </a:r>
+            <a:endParaRPr lang="en-US" dirty="0"/>
+          </a:p>
+        </p:txBody>
+      </p:sp>
+      <p:sp>
+        <p:nvSpPr>
+          <p:cNvPr id="4" name="Text Placeholder 3"/>
+          <p:cNvSpPr>
+            <a:spLocks noGrp="1"/>
+          </p:cNvSpPr>
+          <p:nvPr>
+            <p:ph type="body" sz="half" idx="2"/>
+          </p:nvPr>
+        </p:nvSpPr>
+        <p:spPr>
+          <a:xfrm>
+            <a:off x="1154956" y="5367325"/>
+            <a:ext cx="8825656" cy="493712"/>
+          </a:xfrm>
+        </p:spPr>
+        <p:txBody>
+          <a:bodyPr>
+            <a:normAutofit/>
+          </a:bodyPr>
+          <a:lstStyle>
+            <a:lvl1pPr marL="0" indent="0">
+              <a:buNone/>
+              <a:defRPr sz="1200"/>
+            </a:lvl1pPr>
+            <a:lvl2pPr marL="457200" indent="0">
+              <a:buNone/>
+              <a:defRPr sz="1200"/>
+            </a:lvl2pPr>
+            <a:lvl3pPr marL="914400" indent="0">
+              <a:buNone/>
+              <a:defRPr sz="1000"/>
+            </a:lvl3pPr>
+            <a:lvl4pPr marL="1371600" indent="0">
+              <a:buNone/>
+              <a:defRPr sz="900"/>
+            </a:lvl4pPr>
+            <a:lvl5pPr marL="1828800" indent="0">
+              <a:buNone/>
+              <a:defRPr sz="900"/>
+            </a:lvl5pPr>
+            <a:lvl6pPr marL="2286000" indent="0">
+              <a:buNone/>
+              <a:defRPr sz="900"/>
+            </a:lvl6pPr>
+            <a:lvl7pPr marL="2743200" indent="0">
+              <a:buNone/>
+              <a:defRPr sz="900"/>
+            </a:lvl7pPr>
+            <a:lvl8pPr marL="3200400" indent="0">
+              <a:buNone/>
+              <a:defRPr sz="900"/>
+            </a:lvl8pPr>
+            <a:lvl9pPr marL="3657600" indent="0">
+              <a:buNone/>
+              <a:defRPr sz="900"/>
+            </a:lvl9pPr>
+          </a:lstStyle>
+          <a:p>
+            <a:pPr lvl="0"/>
+            <a:r>
+              <a:rPr lang="en-US" smtClean="0"/>
+              <a:t>Click to edit Master text styles</a:t>
+            </a:r>
+          </a:p>
+        </p:txBody>
+      </p:sp>
+      <p:sp>
+        <p:nvSpPr>
+          <p:cNvPr id="5" name="Date Placeholder 4"/>
+          <p:cNvSpPr>
+            <a:spLocks noGrp="1"/>
+          </p:cNvSpPr>
+          <p:nvPr>
+            <p:ph type="dt" sz="half" idx="10"/>
+          </p:nvPr>
+        </p:nvSpPr>
+        <p:spPr/>
+        <p:txBody>
+          <a:bodyPr/>
+          <a:lstStyle/>
+          <a:p>
+            <a:fld id="{FD49D357-028A-436C-9364-82B3DD197A27}" type="datetimeFigureOut">
+              <a:rPr lang="en-CA" smtClean="0"/>
+              <a:t>2023-07-21</a:t>
+            </a:fld>
+            <a:endParaRPr lang="en-CA"/>
+          </a:p>
+        </p:txBody>
+      </p:sp>
+      <p:sp>
+        <p:nvSpPr>
+          <p:cNvPr id="6" name="Footer Placeholder 5"/>
+          <p:cNvSpPr>
+            <a:spLocks noGrp="1"/>
+          </p:cNvSpPr>
+          <p:nvPr>
+            <p:ph type="ftr" sz="quarter" idx="11"/>
+          </p:nvPr>
+        </p:nvSpPr>
+        <p:spPr/>
+        <p:txBody>
+          <a:bodyPr/>
+          <a:lstStyle/>
+          <a:p>
+            <a:endParaRPr lang="en-CA"/>
+          </a:p>
+        </p:txBody>
+      </p:sp>
+      <p:sp>
+        <p:nvSpPr>
+          <p:cNvPr id="7" name="Slide Number Placeholder 6"/>
+          <p:cNvSpPr>
+            <a:spLocks noGrp="1"/>
+          </p:cNvSpPr>
+          <p:nvPr>
+            <p:ph type="sldNum" sz="quarter" idx="12"/>
+          </p:nvPr>
+        </p:nvSpPr>
+        <p:spPr/>
+        <p:txBody>
+          <a:bodyPr/>
+          <a:lstStyle/>
+          <a:p>
+            <a:fld id="{472A56A5-521C-4943-ADA6-F151D85FE968}" type="slidenum">
+              <a:rPr lang="en-CA" smtClean="0"/>
+              <a:t>‹#›</a:t>
+            </a:fld>
+            <a:endParaRPr lang="en-CA"/>
+          </a:p>
+        </p:txBody>
+      </p:sp>
+    </p:spTree>
+    <p:extLst>
+      <p:ext uri="{BB962C8B-B14F-4D97-AF65-F5344CB8AC3E}">
+        <p14:creationId xmlns:p14="http://schemas.microsoft.com/office/powerpoint/2010/main" val="1352362811"/>
+      </p:ext>
+    </p:extLst>
+  </p:cSld>
+  <p:clrMapOvr>
+    <a:masterClrMapping/>
+  </p:clrMapOvr>
+</p:sldLayout>
+</file>
+
+<file path=ppt/slideLayouts/slideLayout11.xml><?xml version="1.0" encoding="utf-8"?>
 <p:sldLayout xmlns:a="http://schemas.openxmlformats.org/drawingml/2006/main" xmlns:r="http://schemas.openxmlformats.org/officeDocument/2006/relationships" xmlns:p="http://schemas.openxmlformats.org/presentationml/2006/main" preserve="1">
   <p:cSld name="Title and Caption">
     <p:spTree>
@@ -928,8 +680,40 @@
         </p:nvSpPr>
         <p:spPr>
           <a:xfrm>
-            <a:off x="677335" y="609600"/>
-            <a:ext cx="8596668" cy="3403600"/>
+            <a:off x="1154954" y="1447800"/>
+            <a:ext cx="8825659" cy="1981200"/>
+          </a:xfrm>
+        </p:spPr>
+        <p:txBody>
+          <a:bodyPr/>
+          <a:lstStyle>
+            <a:lvl1pPr>
+              <a:defRPr sz="4800"/>
+            </a:lvl1pPr>
+          </a:lstStyle>
+          <a:p>
+            <a:r>
+              <a:rPr lang="en-US" smtClean="0"/>
+              <a:t>Click to edit Master title style</a:t>
+            </a:r>
+            <a:endParaRPr lang="en-US" dirty="0"/>
+          </a:p>
+        </p:txBody>
+      </p:sp>
+      <p:sp>
+        <p:nvSpPr>
+          <p:cNvPr id="8" name="Text Placeholder 3"/>
+          <p:cNvSpPr>
+            <a:spLocks noGrp="1"/>
+          </p:cNvSpPr>
+          <p:nvPr>
+            <p:ph type="body" sz="half" idx="2"/>
+          </p:nvPr>
+        </p:nvSpPr>
+        <p:spPr>
+          <a:xfrm>
+            <a:off x="1154954" y="3657600"/>
+            <a:ext cx="8825659" cy="2362200"/>
           </a:xfrm>
         </p:spPr>
         <p:txBody>
@@ -937,130 +721,41 @@
             <a:normAutofit/>
           </a:bodyPr>
           <a:lstStyle>
-            <a:lvl1pPr algn="l">
-              <a:defRPr sz="4400" b="0" cap="none"/>
-            </a:lvl1pPr>
-          </a:lstStyle>
-          <a:p>
-            <a:r>
-              <a:rPr lang="en-US" smtClean="0"/>
-              <a:t>Click to edit Master title style</a:t>
-            </a:r>
-            <a:endParaRPr lang="en-US" dirty="0"/>
-          </a:p>
-        </p:txBody>
-      </p:sp>
-      <p:sp>
-        <p:nvSpPr>
-          <p:cNvPr id="3" name="Text Placeholder 2"/>
-          <p:cNvSpPr>
-            <a:spLocks noGrp="1"/>
-          </p:cNvSpPr>
-          <p:nvPr>
-            <p:ph type="body" idx="1"/>
-          </p:nvPr>
-        </p:nvSpPr>
-        <p:spPr>
-          <a:xfrm>
-            <a:off x="677335" y="4470400"/>
-            <a:ext cx="8596668" cy="1570962"/>
-          </a:xfrm>
-        </p:spPr>
-        <p:txBody>
-          <a:bodyPr anchor="ctr">
-            <a:normAutofit/>
-          </a:bodyPr>
-          <a:lstStyle>
-            <a:lvl1pPr marL="0" indent="0" algn="l">
-              <a:buNone/>
-              <a:defRPr sz="1800">
-                <a:solidFill>
-                  <a:schemeClr val="tx1">
-                    <a:lumMod val="75000"/>
-                    <a:lumOff val="25000"/>
-                  </a:schemeClr>
-                </a:solidFill>
-              </a:defRPr>
+            <a:lvl1pPr marL="0" indent="0">
+              <a:buNone/>
+              <a:defRPr sz="1800"/>
             </a:lvl1pPr>
             <a:lvl2pPr marL="457200" indent="0">
               <a:buNone/>
-              <a:defRPr sz="1800">
-                <a:solidFill>
-                  <a:schemeClr val="tx1">
-                    <a:tint val="75000"/>
-                  </a:schemeClr>
-                </a:solidFill>
-              </a:defRPr>
+              <a:defRPr sz="1200"/>
             </a:lvl2pPr>
             <a:lvl3pPr marL="914400" indent="0">
               <a:buNone/>
-              <a:defRPr sz="1600">
-                <a:solidFill>
-                  <a:schemeClr val="tx1">
-                    <a:tint val="75000"/>
-                  </a:schemeClr>
-                </a:solidFill>
-              </a:defRPr>
+              <a:defRPr sz="1000"/>
             </a:lvl3pPr>
             <a:lvl4pPr marL="1371600" indent="0">
               <a:buNone/>
-              <a:defRPr sz="1400">
-                <a:solidFill>
-                  <a:schemeClr val="tx1">
-                    <a:tint val="75000"/>
-                  </a:schemeClr>
-                </a:solidFill>
-              </a:defRPr>
+              <a:defRPr sz="900"/>
             </a:lvl4pPr>
             <a:lvl5pPr marL="1828800" indent="0">
               <a:buNone/>
-              <a:defRPr sz="1400">
-                <a:solidFill>
-                  <a:schemeClr val="tx1">
-                    <a:tint val="75000"/>
-                  </a:schemeClr>
-                </a:solidFill>
-              </a:defRPr>
+              <a:defRPr sz="900"/>
             </a:lvl5pPr>
             <a:lvl6pPr marL="2286000" indent="0">
               <a:buNone/>
-              <a:defRPr sz="1400">
-                <a:solidFill>
-                  <a:schemeClr val="tx1">
-                    <a:tint val="75000"/>
-                  </a:schemeClr>
-                </a:solidFill>
-              </a:defRPr>
+              <a:defRPr sz="900"/>
             </a:lvl6pPr>
             <a:lvl7pPr marL="2743200" indent="0">
               <a:buNone/>
-              <a:defRPr sz="1400">
-                <a:solidFill>
-                  <a:schemeClr val="tx1">
-                    <a:tint val="75000"/>
-                  </a:schemeClr>
-                </a:solidFill>
-              </a:defRPr>
+              <a:defRPr sz="900"/>
             </a:lvl7pPr>
             <a:lvl8pPr marL="3200400" indent="0">
               <a:buNone/>
-              <a:defRPr sz="1400">
-                <a:solidFill>
-                  <a:schemeClr val="tx1">
-                    <a:tint val="75000"/>
-                  </a:schemeClr>
-                </a:solidFill>
-              </a:defRPr>
+              <a:defRPr sz="900"/>
             </a:lvl8pPr>
             <a:lvl9pPr marL="3657600" indent="0">
               <a:buNone/>
-              <a:defRPr sz="1400">
-                <a:solidFill>
-                  <a:schemeClr val="tx1">
-                    <a:tint val="75000"/>
-                  </a:schemeClr>
-                </a:solidFill>
-              </a:defRPr>
+              <a:defRPr sz="900"/>
             </a:lvl9pPr>
           </a:lstStyle>
           <a:p>
@@ -1089,7 +784,7 @@
           <a:p>
             <a:fld id="{FD49D357-028A-436C-9364-82B3DD197A27}" type="datetimeFigureOut">
               <a:rPr lang="en-CA" smtClean="0"/>
-              <a:t>2023-07-05</a:t>
+              <a:t>2023-07-21</a:t>
             </a:fld>
             <a:endParaRPr lang="en-CA"/>
           </a:p>
@@ -1140,7 +835,7 @@
     </p:spTree>
     <p:extLst>
       <p:ext uri="{BB962C8B-B14F-4D97-AF65-F5344CB8AC3E}">
-        <p14:creationId xmlns:p14="http://schemas.microsoft.com/office/powerpoint/2010/main" val="475946119"/>
+        <p14:creationId xmlns:p14="http://schemas.microsoft.com/office/powerpoint/2010/main" val="3494514059"/>
       </p:ext>
     </p:extLst>
   </p:cSld>
@@ -1150,7 +845,7 @@
 </p:sldLayout>
 </file>
 
-<file path=ppt/slideLayouts/slideLayout11.xml><?xml version="1.0" encoding="utf-8"?>
+<file path=ppt/slideLayouts/slideLayout12.xml><?xml version="1.0" encoding="utf-8"?>
 <p:sldLayout xmlns:a="http://schemas.openxmlformats.org/drawingml/2006/main" xmlns:r="http://schemas.openxmlformats.org/officeDocument/2006/relationships" xmlns:p="http://schemas.openxmlformats.org/presentationml/2006/main" preserve="1">
   <p:cSld name="Quote with Caption">
     <p:spTree>
@@ -1179,8 +874,119 @@
         </p:nvSpPr>
         <p:spPr>
           <a:xfrm>
-            <a:off x="931334" y="609600"/>
-            <a:ext cx="8094134" cy="3022600"/>
+            <a:off x="1574801" y="1447800"/>
+            <a:ext cx="7999315" cy="2323374"/>
+          </a:xfrm>
+        </p:spPr>
+        <p:txBody>
+          <a:bodyPr/>
+          <a:lstStyle>
+            <a:lvl1pPr>
+              <a:defRPr sz="4800"/>
+            </a:lvl1pPr>
+          </a:lstStyle>
+          <a:p>
+            <a:r>
+              <a:rPr lang="en-US" smtClean="0"/>
+              <a:t>Click to edit Master title style</a:t>
+            </a:r>
+            <a:endParaRPr lang="en-US" dirty="0"/>
+          </a:p>
+        </p:txBody>
+      </p:sp>
+      <p:sp>
+        <p:nvSpPr>
+          <p:cNvPr id="11" name="Text Placeholder 3"/>
+          <p:cNvSpPr>
+            <a:spLocks noGrp="1"/>
+          </p:cNvSpPr>
+          <p:nvPr>
+            <p:ph type="body" sz="half" idx="14"/>
+          </p:nvPr>
+        </p:nvSpPr>
+        <p:spPr>
+          <a:xfrm>
+            <a:off x="1930400" y="3771174"/>
+            <a:ext cx="7279649" cy="342174"/>
+          </a:xfrm>
+        </p:spPr>
+        <p:txBody>
+          <a:bodyPr vert="horz" lIns="91440" tIns="45720" rIns="91440" bIns="45720" rtlCol="0" anchor="t">
+            <a:normAutofit/>
+          </a:bodyPr>
+          <a:lstStyle>
+            <a:lvl1pPr marL="0" indent="0">
+              <a:buNone/>
+              <a:defRPr lang="en-US" sz="1400" b="0" i="0" kern="1200" cap="small" dirty="0">
+                <a:solidFill>
+                  <a:schemeClr val="bg2">
+                    <a:lumMod val="40000"/>
+                    <a:lumOff val="60000"/>
+                  </a:schemeClr>
+                </a:solidFill>
+                <a:latin typeface="+mj-lt"/>
+                <a:ea typeface="+mj-ea"/>
+                <a:cs typeface="+mj-cs"/>
+              </a:defRPr>
+            </a:lvl1pPr>
+            <a:lvl2pPr marL="457200" indent="0">
+              <a:buNone/>
+              <a:defRPr sz="1200"/>
+            </a:lvl2pPr>
+            <a:lvl3pPr marL="914400" indent="0">
+              <a:buNone/>
+              <a:defRPr sz="1000"/>
+            </a:lvl3pPr>
+            <a:lvl4pPr marL="1371600" indent="0">
+              <a:buNone/>
+              <a:defRPr sz="900"/>
+            </a:lvl4pPr>
+            <a:lvl5pPr marL="1828800" indent="0">
+              <a:buNone/>
+              <a:defRPr sz="900"/>
+            </a:lvl5pPr>
+            <a:lvl6pPr marL="2286000" indent="0">
+              <a:buNone/>
+              <a:defRPr sz="900"/>
+            </a:lvl6pPr>
+            <a:lvl7pPr marL="2743200" indent="0">
+              <a:buNone/>
+              <a:defRPr sz="900"/>
+            </a:lvl7pPr>
+            <a:lvl8pPr marL="3200400" indent="0">
+              <a:buNone/>
+              <a:defRPr sz="900"/>
+            </a:lvl8pPr>
+            <a:lvl9pPr marL="3657600" indent="0">
+              <a:buNone/>
+              <a:defRPr sz="900"/>
+            </a:lvl9pPr>
+          </a:lstStyle>
+          <a:p>
+            <a:pPr marL="0" lvl="0" indent="0">
+              <a:buNone/>
+            </a:pPr>
+            <a:r>
+              <a:rPr lang="en-US" smtClean="0"/>
+              <a:t>Click to edit Master text styles</a:t>
+            </a:r>
+          </a:p>
+        </p:txBody>
+      </p:sp>
+      <p:sp>
+        <p:nvSpPr>
+          <p:cNvPr id="10" name="Text Placeholder 3"/>
+          <p:cNvSpPr>
+            <a:spLocks noGrp="1"/>
+          </p:cNvSpPr>
+          <p:nvPr>
+            <p:ph type="body" sz="half" idx="2"/>
+          </p:nvPr>
+        </p:nvSpPr>
+        <p:spPr>
+          <a:xfrm>
+            <a:off x="1154954" y="4350657"/>
+            <a:ext cx="8825659" cy="1676400"/>
           </a:xfrm>
         </p:spPr>
         <p:txBody>
@@ -1188,193 +994,41 @@
             <a:normAutofit/>
           </a:bodyPr>
           <a:lstStyle>
-            <a:lvl1pPr algn="l">
-              <a:defRPr sz="4400" b="0" cap="none"/>
-            </a:lvl1pPr>
-          </a:lstStyle>
-          <a:p>
-            <a:r>
-              <a:rPr lang="en-US" smtClean="0"/>
-              <a:t>Click to edit Master title style</a:t>
-            </a:r>
-            <a:endParaRPr lang="en-US" dirty="0"/>
-          </a:p>
-        </p:txBody>
-      </p:sp>
-      <p:sp>
-        <p:nvSpPr>
-          <p:cNvPr id="23" name="Text Placeholder 9"/>
-          <p:cNvSpPr>
-            <a:spLocks noGrp="1"/>
-          </p:cNvSpPr>
-          <p:nvPr>
-            <p:ph type="body" sz="quarter" idx="13"/>
-          </p:nvPr>
-        </p:nvSpPr>
-        <p:spPr>
-          <a:xfrm>
-            <a:off x="1366139" y="3632200"/>
-            <a:ext cx="7224524" cy="381000"/>
-          </a:xfrm>
-        </p:spPr>
-        <p:txBody>
-          <a:bodyPr anchor="ctr">
-            <a:noAutofit/>
-          </a:bodyPr>
-          <a:lstStyle>
             <a:lvl1pPr marL="0" indent="0">
-              <a:buFontTx/>
-              <a:buNone/>
-              <a:defRPr sz="1600">
-                <a:solidFill>
-                  <a:schemeClr val="tx1">
-                    <a:lumMod val="50000"/>
-                    <a:lumOff val="50000"/>
-                  </a:schemeClr>
-                </a:solidFill>
-              </a:defRPr>
+              <a:buNone/>
+              <a:defRPr sz="1800"/>
             </a:lvl1pPr>
             <a:lvl2pPr marL="457200" indent="0">
-              <a:buFontTx/>
-              <a:buNone/>
-              <a:defRPr/>
+              <a:buNone/>
+              <a:defRPr sz="1200"/>
             </a:lvl2pPr>
             <a:lvl3pPr marL="914400" indent="0">
-              <a:buFontTx/>
-              <a:buNone/>
-              <a:defRPr/>
+              <a:buNone/>
+              <a:defRPr sz="1000"/>
             </a:lvl3pPr>
             <a:lvl4pPr marL="1371600" indent="0">
-              <a:buFontTx/>
-              <a:buNone/>
-              <a:defRPr/>
+              <a:buNone/>
+              <a:defRPr sz="900"/>
             </a:lvl4pPr>
             <a:lvl5pPr marL="1828800" indent="0">
-              <a:buFontTx/>
-              <a:buNone/>
-              <a:defRPr/>
-            </a:lvl5pPr>
-          </a:lstStyle>
-          <a:p>
-            <a:pPr lvl="0"/>
-            <a:r>
-              <a:rPr lang="en-US" smtClean="0"/>
-              <a:t>Click to edit Master text styles</a:t>
-            </a:r>
-          </a:p>
-        </p:txBody>
-      </p:sp>
-      <p:sp>
-        <p:nvSpPr>
-          <p:cNvPr id="3" name="Text Placeholder 2"/>
-          <p:cNvSpPr>
-            <a:spLocks noGrp="1"/>
-          </p:cNvSpPr>
-          <p:nvPr>
-            <p:ph type="body" idx="1"/>
-          </p:nvPr>
-        </p:nvSpPr>
-        <p:spPr>
-          <a:xfrm>
-            <a:off x="677335" y="4470400"/>
-            <a:ext cx="8596668" cy="1570962"/>
-          </a:xfrm>
-        </p:spPr>
-        <p:txBody>
-          <a:bodyPr anchor="ctr">
-            <a:normAutofit/>
-          </a:bodyPr>
-          <a:lstStyle>
-            <a:lvl1pPr marL="0" indent="0" algn="l">
-              <a:buNone/>
-              <a:defRPr sz="1800">
-                <a:solidFill>
-                  <a:schemeClr val="tx1">
-                    <a:lumMod val="75000"/>
-                    <a:lumOff val="25000"/>
-                  </a:schemeClr>
-                </a:solidFill>
-              </a:defRPr>
-            </a:lvl1pPr>
-            <a:lvl2pPr marL="457200" indent="0">
-              <a:buNone/>
-              <a:defRPr sz="1800">
-                <a:solidFill>
-                  <a:schemeClr val="tx1">
-                    <a:tint val="75000"/>
-                  </a:schemeClr>
-                </a:solidFill>
-              </a:defRPr>
-            </a:lvl2pPr>
-            <a:lvl3pPr marL="914400" indent="0">
-              <a:buNone/>
-              <a:defRPr sz="1600">
-                <a:solidFill>
-                  <a:schemeClr val="tx1">
-                    <a:tint val="75000"/>
-                  </a:schemeClr>
-                </a:solidFill>
-              </a:defRPr>
-            </a:lvl3pPr>
-            <a:lvl4pPr marL="1371600" indent="0">
-              <a:buNone/>
-              <a:defRPr sz="1400">
-                <a:solidFill>
-                  <a:schemeClr val="tx1">
-                    <a:tint val="75000"/>
-                  </a:schemeClr>
-                </a:solidFill>
-              </a:defRPr>
-            </a:lvl4pPr>
-            <a:lvl5pPr marL="1828800" indent="0">
-              <a:buNone/>
-              <a:defRPr sz="1400">
-                <a:solidFill>
-                  <a:schemeClr val="tx1">
-                    <a:tint val="75000"/>
-                  </a:schemeClr>
-                </a:solidFill>
-              </a:defRPr>
+              <a:buNone/>
+              <a:defRPr sz="900"/>
             </a:lvl5pPr>
             <a:lvl6pPr marL="2286000" indent="0">
               <a:buNone/>
-              <a:defRPr sz="1400">
-                <a:solidFill>
-                  <a:schemeClr val="tx1">
-                    <a:tint val="75000"/>
-                  </a:schemeClr>
-                </a:solidFill>
-              </a:defRPr>
+              <a:defRPr sz="900"/>
             </a:lvl6pPr>
             <a:lvl7pPr marL="2743200" indent="0">
               <a:buNone/>
-              <a:defRPr sz="1400">
-                <a:solidFill>
-                  <a:schemeClr val="tx1">
-                    <a:tint val="75000"/>
-                  </a:schemeClr>
-                </a:solidFill>
-              </a:defRPr>
+              <a:defRPr sz="900"/>
             </a:lvl7pPr>
             <a:lvl8pPr marL="3200400" indent="0">
               <a:buNone/>
-              <a:defRPr sz="1400">
-                <a:solidFill>
-                  <a:schemeClr val="tx1">
-                    <a:tint val="75000"/>
-                  </a:schemeClr>
-                </a:solidFill>
-              </a:defRPr>
+              <a:defRPr sz="900"/>
             </a:lvl8pPr>
             <a:lvl9pPr marL="3657600" indent="0">
               <a:buNone/>
-              <a:defRPr sz="1400">
-                <a:solidFill>
-                  <a:schemeClr val="tx1">
-                    <a:tint val="75000"/>
-                  </a:schemeClr>
-                </a:solidFill>
-              </a:defRPr>
+              <a:defRPr sz="900"/>
             </a:lvl9pPr>
           </a:lstStyle>
           <a:p>
@@ -1403,7 +1057,7 @@
           <a:p>
             <a:fld id="{FD49D357-028A-436C-9364-82B3DD197A27}" type="datetimeFigureOut">
               <a:rPr lang="en-CA" smtClean="0"/>
-              <a:t>2023-07-05</a:t>
+              <a:t>2023-07-21</a:t>
             </a:fld>
             <a:endParaRPr lang="en-CA"/>
           </a:p>
@@ -1453,40 +1107,46 @@
       </p:sp>
       <p:sp>
         <p:nvSpPr>
-          <p:cNvPr id="20" name="TextBox 19"/>
+          <p:cNvPr id="12" name="TextBox 11"/>
           <p:cNvSpPr txBox="1"/>
           <p:nvPr/>
         </p:nvSpPr>
         <p:spPr>
           <a:xfrm>
-            <a:off x="541870" y="790378"/>
-            <a:ext cx="609600" cy="584776"/>
+            <a:off x="898295" y="971253"/>
+            <a:ext cx="801912" cy="1969770"/>
           </a:xfrm>
           <a:prstGeom prst="rect">
             <a:avLst/>
           </a:prstGeom>
+          <a:noFill/>
         </p:spPr>
         <p:txBody>
-          <a:bodyPr vert="horz" lIns="91440" tIns="45720" rIns="91440" bIns="45720" rtlCol="0" anchor="ctr">
-            <a:noAutofit/>
+          <a:bodyPr wrap="square" rtlCol="0">
+            <a:spAutoFit/>
           </a:bodyPr>
-          <a:lstStyle/>
-          <a:p>
-            <a:pPr lvl="0"/>
-            <a:r>
-              <a:rPr lang="en-US" sz="8000" baseline="0" dirty="0">
-                <a:ln w="3175" cmpd="sng">
-                  <a:noFill/>
-                </a:ln>
+          <a:lstStyle>
+            <a:defPPr>
+              <a:defRPr lang="en-US"/>
+            </a:defPPr>
+            <a:lvl1pPr algn="r">
+              <a:defRPr sz="12200" b="0" i="0">
                 <a:solidFill>
-                  <a:schemeClr val="accent1">
-                    <a:lumMod val="60000"/>
-                    <a:lumOff val="40000"/>
+                  <a:schemeClr val="bg2">
+                    <a:lumMod val="40000"/>
+                    <a:lumOff val="60000"/>
                   </a:schemeClr>
                 </a:solidFill>
-                <a:effectLst/>
                 <a:latin typeface="Arial"/>
-              </a:rPr>
+                <a:ea typeface="+mj-ea"/>
+                <a:cs typeface="+mj-cs"/>
+              </a:defRPr>
+            </a:lvl1pPr>
+          </a:lstStyle>
+          <a:p>
+            <a:pPr lvl="0"/>
+            <a:r>
+              <a:rPr lang="en-US" dirty="0"/>
               <a:t>“</a:t>
             </a:r>
           </a:p>
@@ -1494,57 +1154,55 @@
       </p:sp>
       <p:sp>
         <p:nvSpPr>
-          <p:cNvPr id="22" name="TextBox 21"/>
+          <p:cNvPr id="15" name="TextBox 14"/>
           <p:cNvSpPr txBox="1"/>
           <p:nvPr/>
         </p:nvSpPr>
         <p:spPr>
           <a:xfrm>
-            <a:off x="8893011" y="2886556"/>
-            <a:ext cx="609600" cy="584776"/>
+            <a:off x="9330490" y="2613787"/>
+            <a:ext cx="801912" cy="1969770"/>
           </a:xfrm>
           <a:prstGeom prst="rect">
             <a:avLst/>
           </a:prstGeom>
+          <a:noFill/>
         </p:spPr>
         <p:txBody>
-          <a:bodyPr vert="horz" lIns="91440" tIns="45720" rIns="91440" bIns="45720" rtlCol="0" anchor="ctr">
-            <a:noAutofit/>
+          <a:bodyPr wrap="square" rtlCol="0">
+            <a:spAutoFit/>
           </a:bodyPr>
-          <a:lstStyle/>
-          <a:p>
-            <a:pPr lvl="0"/>
-            <a:r>
-              <a:rPr lang="en-US" sz="8000" baseline="0" dirty="0">
-                <a:ln w="3175" cmpd="sng">
-                  <a:noFill/>
-                </a:ln>
+          <a:lstStyle>
+            <a:defPPr>
+              <a:defRPr lang="en-US"/>
+            </a:defPPr>
+            <a:lvl1pPr algn="r">
+              <a:defRPr sz="12200" b="0" i="0">
                 <a:solidFill>
-                  <a:schemeClr val="accent1">
-                    <a:lumMod val="60000"/>
-                    <a:lumOff val="40000"/>
+                  <a:schemeClr val="bg2">
+                    <a:lumMod val="40000"/>
+                    <a:lumOff val="60000"/>
                   </a:schemeClr>
                 </a:solidFill>
                 <a:latin typeface="Arial"/>
-              </a:rPr>
+                <a:ea typeface="+mj-ea"/>
+                <a:cs typeface="+mj-cs"/>
+              </a:defRPr>
+            </a:lvl1pPr>
+          </a:lstStyle>
+          <a:p>
+            <a:pPr lvl="0"/>
+            <a:r>
+              <a:rPr lang="en-US" dirty="0"/>
               <a:t>”</a:t>
             </a:r>
-            <a:endParaRPr lang="en-US" dirty="0">
-              <a:solidFill>
-                <a:schemeClr val="accent1">
-                  <a:lumMod val="60000"/>
-                  <a:lumOff val="40000"/>
-                </a:schemeClr>
-              </a:solidFill>
-              <a:latin typeface="Arial"/>
-            </a:endParaRPr>
           </a:p>
         </p:txBody>
       </p:sp>
     </p:spTree>
     <p:extLst>
       <p:ext uri="{BB962C8B-B14F-4D97-AF65-F5344CB8AC3E}">
-        <p14:creationId xmlns:p14="http://schemas.microsoft.com/office/powerpoint/2010/main" val="192443017"/>
+        <p14:creationId xmlns:p14="http://schemas.microsoft.com/office/powerpoint/2010/main" val="1578767939"/>
       </p:ext>
     </p:extLst>
   </p:cSld>
@@ -1554,7 +1212,7 @@
 </p:sldLayout>
 </file>
 
-<file path=ppt/slideLayouts/slideLayout12.xml><?xml version="1.0" encoding="utf-8"?>
+<file path=ppt/slideLayouts/slideLayout13.xml><?xml version="1.0" encoding="utf-8"?>
 <p:sldLayout xmlns:a="http://schemas.openxmlformats.org/drawingml/2006/main" xmlns:r="http://schemas.openxmlformats.org/officeDocument/2006/relationships" xmlns:p="http://schemas.openxmlformats.org/presentationml/2006/main" preserve="1">
   <p:cSld name="Name Card">
     <p:spTree>
@@ -1583,17 +1241,15 @@
         </p:nvSpPr>
         <p:spPr>
           <a:xfrm>
-            <a:off x="677335" y="1931988"/>
-            <a:ext cx="8596668" cy="2595460"/>
+            <a:off x="1154954" y="3124201"/>
+            <a:ext cx="8825660" cy="1653180"/>
           </a:xfrm>
         </p:spPr>
         <p:txBody>
-          <a:bodyPr anchor="b">
-            <a:normAutofit/>
-          </a:bodyPr>
+          <a:bodyPr anchor="b"/>
           <a:lstStyle>
             <a:lvl1pPr algn="l">
-              <a:defRPr sz="4400" b="0" cap="none"/>
+              <a:defRPr sz="4000" b="0" cap="none"/>
             </a:lvl1pPr>
           </a:lstStyle>
           <a:p>
@@ -1617,22 +1273,20 @@
         </p:nvSpPr>
         <p:spPr>
           <a:xfrm>
-            <a:off x="677335" y="4527448"/>
-            <a:ext cx="8596668" cy="1513914"/>
+            <a:off x="1154954" y="4777381"/>
+            <a:ext cx="8825659" cy="860400"/>
           </a:xfrm>
         </p:spPr>
         <p:txBody>
-          <a:bodyPr anchor="t">
-            <a:normAutofit/>
-          </a:bodyPr>
+          <a:bodyPr anchor="t"/>
           <a:lstStyle>
             <a:lvl1pPr marL="0" indent="0" algn="l">
               <a:buNone/>
-              <a:defRPr sz="1800">
+              <a:defRPr sz="2000" cap="none">
                 <a:solidFill>
-                  <a:schemeClr val="tx1">
-                    <a:lumMod val="75000"/>
-                    <a:lumOff val="25000"/>
+                  <a:schemeClr val="bg2">
+                    <a:lumMod val="40000"/>
+                    <a:lumOff val="60000"/>
                   </a:schemeClr>
                 </a:solidFill>
               </a:defRPr>
@@ -1744,7 +1398,7 @@
           <a:p>
             <a:fld id="{FD49D357-028A-436C-9364-82B3DD197A27}" type="datetimeFigureOut">
               <a:rPr lang="en-CA" smtClean="0"/>
-              <a:t>2023-07-05</a:t>
+              <a:t>2023-07-21</a:t>
             </a:fld>
             <a:endParaRPr lang="en-CA"/>
           </a:p>
@@ -1795,7 +1449,7 @@
     </p:spTree>
     <p:extLst>
       <p:ext uri="{BB962C8B-B14F-4D97-AF65-F5344CB8AC3E}">
-        <p14:creationId xmlns:p14="http://schemas.microsoft.com/office/powerpoint/2010/main" val="3195131613"/>
+        <p14:creationId xmlns:p14="http://schemas.microsoft.com/office/powerpoint/2010/main" val="2581861736"/>
       </p:ext>
     </p:extLst>
   </p:cSld>
@@ -1805,9 +1459,9 @@
 </p:sldLayout>
 </file>
 
-<file path=ppt/slideLayouts/slideLayout13.xml><?xml version="1.0" encoding="utf-8"?>
+<file path=ppt/slideLayouts/slideLayout14.xml><?xml version="1.0" encoding="utf-8"?>
 <p:sldLayout xmlns:a="http://schemas.openxmlformats.org/drawingml/2006/main" xmlns:r="http://schemas.openxmlformats.org/officeDocument/2006/relationships" xmlns:p="http://schemas.openxmlformats.org/presentationml/2006/main" preserve="1">
-  <p:cSld name="Quote Name Card">
+  <p:cSld name="3 Column">
     <p:spTree>
       <p:nvGrpSpPr>
         <p:cNvPr id="1" name=""/>
@@ -1832,44 +1486,37 @@
             <p:ph type="title"/>
           </p:nvPr>
         </p:nvSpPr>
+        <p:spPr/>
+        <p:txBody>
+          <a:bodyPr/>
+          <a:lstStyle>
+            <a:lvl1pPr>
+              <a:defRPr sz="4200"/>
+            </a:lvl1pPr>
+          </a:lstStyle>
+          <a:p>
+            <a:r>
+              <a:rPr lang="en-US" smtClean="0"/>
+              <a:t>Click to edit Master title style</a:t>
+            </a:r>
+            <a:endParaRPr lang="en-US" dirty="0"/>
+          </a:p>
+        </p:txBody>
+      </p:sp>
+      <p:sp>
+        <p:nvSpPr>
+          <p:cNvPr id="3" name="Text Placeholder 2"/>
+          <p:cNvSpPr>
+            <a:spLocks noGrp="1"/>
+          </p:cNvSpPr>
+          <p:nvPr>
+            <p:ph type="body" idx="1"/>
+          </p:nvPr>
+        </p:nvSpPr>
         <p:spPr>
           <a:xfrm>
-            <a:off x="931334" y="609600"/>
-            <a:ext cx="8094134" cy="3022600"/>
-          </a:xfrm>
-        </p:spPr>
-        <p:txBody>
-          <a:bodyPr anchor="ctr">
-            <a:normAutofit/>
-          </a:bodyPr>
-          <a:lstStyle>
-            <a:lvl1pPr algn="l">
-              <a:defRPr sz="4400" b="0" cap="none"/>
-            </a:lvl1pPr>
-          </a:lstStyle>
-          <a:p>
-            <a:r>
-              <a:rPr lang="en-US" smtClean="0"/>
-              <a:t>Click to edit Master title style</a:t>
-            </a:r>
-            <a:endParaRPr lang="en-US" dirty="0"/>
-          </a:p>
-        </p:txBody>
-      </p:sp>
-      <p:sp>
-        <p:nvSpPr>
-          <p:cNvPr id="23" name="Text Placeholder 9"/>
-          <p:cNvSpPr>
-            <a:spLocks noGrp="1"/>
-          </p:cNvSpPr>
-          <p:nvPr>
-            <p:ph type="body" sz="quarter" idx="13"/>
-          </p:nvPr>
-        </p:nvSpPr>
-        <p:spPr>
-          <a:xfrm>
-            <a:off x="677332" y="4013200"/>
-            <a:ext cx="8596669" cy="514248"/>
+            <a:off x="632947" y="1981200"/>
+            <a:ext cx="2946866" cy="576262"/>
           </a:xfrm>
         </p:spPr>
         <p:txBody>
@@ -1878,37 +1525,48 @@
           </a:bodyPr>
           <a:lstStyle>
             <a:lvl1pPr marL="0" indent="0">
-              <a:buFontTx/>
-              <a:buNone/>
-              <a:defRPr sz="2400">
+              <a:buNone/>
+              <a:defRPr sz="2400" b="0">
                 <a:solidFill>
-                  <a:schemeClr val="tx1">
-                    <a:lumMod val="75000"/>
-                    <a:lumOff val="25000"/>
+                  <a:schemeClr val="bg2">
+                    <a:lumMod val="40000"/>
+                    <a:lumOff val="60000"/>
                   </a:schemeClr>
                 </a:solidFill>
               </a:defRPr>
             </a:lvl1pPr>
             <a:lvl2pPr marL="457200" indent="0">
-              <a:buFontTx/>
-              <a:buNone/>
-              <a:defRPr/>
+              <a:buNone/>
+              <a:defRPr sz="2000" b="1"/>
             </a:lvl2pPr>
             <a:lvl3pPr marL="914400" indent="0">
-              <a:buFontTx/>
-              <a:buNone/>
-              <a:defRPr/>
+              <a:buNone/>
+              <a:defRPr sz="1800" b="1"/>
             </a:lvl3pPr>
             <a:lvl4pPr marL="1371600" indent="0">
-              <a:buFontTx/>
-              <a:buNone/>
-              <a:defRPr/>
+              <a:buNone/>
+              <a:defRPr sz="1600" b="1"/>
             </a:lvl4pPr>
             <a:lvl5pPr marL="1828800" indent="0">
-              <a:buFontTx/>
-              <a:buNone/>
-              <a:defRPr/>
+              <a:buNone/>
+              <a:defRPr sz="1600" b="1"/>
             </a:lvl5pPr>
+            <a:lvl6pPr marL="2286000" indent="0">
+              <a:buNone/>
+              <a:defRPr sz="1600" b="1"/>
+            </a:lvl6pPr>
+            <a:lvl7pPr marL="2743200" indent="0">
+              <a:buNone/>
+              <a:defRPr sz="1600" b="1"/>
+            </a:lvl7pPr>
+            <a:lvl8pPr marL="3200400" indent="0">
+              <a:buNone/>
+              <a:defRPr sz="1600" b="1"/>
+            </a:lvl8pPr>
+            <a:lvl9pPr marL="3657600" indent="0">
+              <a:buNone/>
+              <a:defRPr sz="1600" b="1"/>
+            </a:lvl9pPr>
           </a:lstStyle>
           <a:p>
             <a:pPr lvl="0"/>
@@ -1921,18 +1579,18 @@
       </p:sp>
       <p:sp>
         <p:nvSpPr>
-          <p:cNvPr id="3" name="Text Placeholder 2"/>
-          <p:cNvSpPr>
-            <a:spLocks noGrp="1"/>
-          </p:cNvSpPr>
-          <p:nvPr>
-            <p:ph type="body" idx="1"/>
+          <p:cNvPr id="16" name="Text Placeholder 3"/>
+          <p:cNvSpPr>
+            <a:spLocks noGrp="1"/>
+          </p:cNvSpPr>
+          <p:nvPr>
+            <p:ph type="body" sz="half" idx="15"/>
           </p:nvPr>
         </p:nvSpPr>
         <p:spPr>
           <a:xfrm>
-            <a:off x="677335" y="4527448"/>
-            <a:ext cx="8596668" cy="1513914"/>
+            <a:off x="652463" y="2667000"/>
+            <a:ext cx="2927350" cy="3589338"/>
           </a:xfrm>
         </p:spPr>
         <p:txBody>
@@ -1940,96 +1598,256 @@
             <a:normAutofit/>
           </a:bodyPr>
           <a:lstStyle>
-            <a:lvl1pPr marL="0" indent="0" algn="l">
-              <a:buNone/>
-              <a:defRPr sz="1800">
+            <a:lvl1pPr marL="0" indent="0">
+              <a:buNone/>
+              <a:defRPr sz="1400"/>
+            </a:lvl1pPr>
+            <a:lvl2pPr marL="457200" indent="0">
+              <a:buNone/>
+              <a:defRPr sz="1200"/>
+            </a:lvl2pPr>
+            <a:lvl3pPr marL="914400" indent="0">
+              <a:buNone/>
+              <a:defRPr sz="1000"/>
+            </a:lvl3pPr>
+            <a:lvl4pPr marL="1371600" indent="0">
+              <a:buNone/>
+              <a:defRPr sz="900"/>
+            </a:lvl4pPr>
+            <a:lvl5pPr marL="1828800" indent="0">
+              <a:buNone/>
+              <a:defRPr sz="900"/>
+            </a:lvl5pPr>
+            <a:lvl6pPr marL="2286000" indent="0">
+              <a:buNone/>
+              <a:defRPr sz="900"/>
+            </a:lvl6pPr>
+            <a:lvl7pPr marL="2743200" indent="0">
+              <a:buNone/>
+              <a:defRPr sz="900"/>
+            </a:lvl7pPr>
+            <a:lvl8pPr marL="3200400" indent="0">
+              <a:buNone/>
+              <a:defRPr sz="900"/>
+            </a:lvl8pPr>
+            <a:lvl9pPr marL="3657600" indent="0">
+              <a:buNone/>
+              <a:defRPr sz="900"/>
+            </a:lvl9pPr>
+          </a:lstStyle>
+          <a:p>
+            <a:pPr lvl="0"/>
+            <a:r>
+              <a:rPr lang="en-US" smtClean="0"/>
+              <a:t>Click to edit Master text styles</a:t>
+            </a:r>
+          </a:p>
+        </p:txBody>
+      </p:sp>
+      <p:sp>
+        <p:nvSpPr>
+          <p:cNvPr id="5" name="Text Placeholder 4"/>
+          <p:cNvSpPr>
+            <a:spLocks noGrp="1"/>
+          </p:cNvSpPr>
+          <p:nvPr>
+            <p:ph type="body" sz="quarter" idx="3"/>
+          </p:nvPr>
+        </p:nvSpPr>
+        <p:spPr>
+          <a:xfrm>
+            <a:off x="3883659" y="1981200"/>
+            <a:ext cx="2936241" cy="576262"/>
+          </a:xfrm>
+        </p:spPr>
+        <p:txBody>
+          <a:bodyPr anchor="b">
+            <a:noAutofit/>
+          </a:bodyPr>
+          <a:lstStyle>
+            <a:lvl1pPr marL="0" indent="0">
+              <a:buNone/>
+              <a:defRPr sz="2400" b="0">
                 <a:solidFill>
-                  <a:schemeClr val="tx1">
-                    <a:lumMod val="50000"/>
-                    <a:lumOff val="50000"/>
+                  <a:schemeClr val="bg2">
+                    <a:lumMod val="40000"/>
+                    <a:lumOff val="60000"/>
                   </a:schemeClr>
                 </a:solidFill>
               </a:defRPr>
             </a:lvl1pPr>
             <a:lvl2pPr marL="457200" indent="0">
               <a:buNone/>
-              <a:defRPr sz="1800">
+              <a:defRPr sz="2000" b="1"/>
+            </a:lvl2pPr>
+            <a:lvl3pPr marL="914400" indent="0">
+              <a:buNone/>
+              <a:defRPr sz="1800" b="1"/>
+            </a:lvl3pPr>
+            <a:lvl4pPr marL="1371600" indent="0">
+              <a:buNone/>
+              <a:defRPr sz="1600" b="1"/>
+            </a:lvl4pPr>
+            <a:lvl5pPr marL="1828800" indent="0">
+              <a:buNone/>
+              <a:defRPr sz="1600" b="1"/>
+            </a:lvl5pPr>
+            <a:lvl6pPr marL="2286000" indent="0">
+              <a:buNone/>
+              <a:defRPr sz="1600" b="1"/>
+            </a:lvl6pPr>
+            <a:lvl7pPr marL="2743200" indent="0">
+              <a:buNone/>
+              <a:defRPr sz="1600" b="1"/>
+            </a:lvl7pPr>
+            <a:lvl8pPr marL="3200400" indent="0">
+              <a:buNone/>
+              <a:defRPr sz="1600" b="1"/>
+            </a:lvl8pPr>
+            <a:lvl9pPr marL="3657600" indent="0">
+              <a:buNone/>
+              <a:defRPr sz="1600" b="1"/>
+            </a:lvl9pPr>
+          </a:lstStyle>
+          <a:p>
+            <a:pPr lvl="0"/>
+            <a:r>
+              <a:rPr lang="en-US" smtClean="0"/>
+              <a:t>Click to edit Master text styles</a:t>
+            </a:r>
+          </a:p>
+        </p:txBody>
+      </p:sp>
+      <p:sp>
+        <p:nvSpPr>
+          <p:cNvPr id="19" name="Text Placeholder 3"/>
+          <p:cNvSpPr>
+            <a:spLocks noGrp="1"/>
+          </p:cNvSpPr>
+          <p:nvPr>
+            <p:ph type="body" sz="half" idx="16"/>
+          </p:nvPr>
+        </p:nvSpPr>
+        <p:spPr>
+          <a:xfrm>
+            <a:off x="3873106" y="2667000"/>
+            <a:ext cx="2946794" cy="3589338"/>
+          </a:xfrm>
+        </p:spPr>
+        <p:txBody>
+          <a:bodyPr anchor="t">
+            <a:normAutofit/>
+          </a:bodyPr>
+          <a:lstStyle>
+            <a:lvl1pPr marL="0" indent="0">
+              <a:buNone/>
+              <a:defRPr sz="1400"/>
+            </a:lvl1pPr>
+            <a:lvl2pPr marL="457200" indent="0">
+              <a:buNone/>
+              <a:defRPr sz="1200"/>
+            </a:lvl2pPr>
+            <a:lvl3pPr marL="914400" indent="0">
+              <a:buNone/>
+              <a:defRPr sz="1000"/>
+            </a:lvl3pPr>
+            <a:lvl4pPr marL="1371600" indent="0">
+              <a:buNone/>
+              <a:defRPr sz="900"/>
+            </a:lvl4pPr>
+            <a:lvl5pPr marL="1828800" indent="0">
+              <a:buNone/>
+              <a:defRPr sz="900"/>
+            </a:lvl5pPr>
+            <a:lvl6pPr marL="2286000" indent="0">
+              <a:buNone/>
+              <a:defRPr sz="900"/>
+            </a:lvl6pPr>
+            <a:lvl7pPr marL="2743200" indent="0">
+              <a:buNone/>
+              <a:defRPr sz="900"/>
+            </a:lvl7pPr>
+            <a:lvl8pPr marL="3200400" indent="0">
+              <a:buNone/>
+              <a:defRPr sz="900"/>
+            </a:lvl8pPr>
+            <a:lvl9pPr marL="3657600" indent="0">
+              <a:buNone/>
+              <a:defRPr sz="900"/>
+            </a:lvl9pPr>
+          </a:lstStyle>
+          <a:p>
+            <a:pPr lvl="0"/>
+            <a:r>
+              <a:rPr lang="en-US" smtClean="0"/>
+              <a:t>Click to edit Master text styles</a:t>
+            </a:r>
+          </a:p>
+        </p:txBody>
+      </p:sp>
+      <p:sp>
+        <p:nvSpPr>
+          <p:cNvPr id="14" name="Text Placeholder 4"/>
+          <p:cNvSpPr>
+            <a:spLocks noGrp="1"/>
+          </p:cNvSpPr>
+          <p:nvPr>
+            <p:ph type="body" sz="quarter" idx="13"/>
+          </p:nvPr>
+        </p:nvSpPr>
+        <p:spPr>
+          <a:xfrm>
+            <a:off x="7124700" y="1981200"/>
+            <a:ext cx="2932113" cy="576262"/>
+          </a:xfrm>
+        </p:spPr>
+        <p:txBody>
+          <a:bodyPr anchor="b">
+            <a:noAutofit/>
+          </a:bodyPr>
+          <a:lstStyle>
+            <a:lvl1pPr marL="0" indent="0">
+              <a:buNone/>
+              <a:defRPr sz="2400" b="0">
                 <a:solidFill>
-                  <a:schemeClr val="tx1">
-                    <a:tint val="75000"/>
+                  <a:schemeClr val="bg2">
+                    <a:lumMod val="40000"/>
+                    <a:lumOff val="60000"/>
                   </a:schemeClr>
                 </a:solidFill>
               </a:defRPr>
+            </a:lvl1pPr>
+            <a:lvl2pPr marL="457200" indent="0">
+              <a:buNone/>
+              <a:defRPr sz="2000" b="1"/>
             </a:lvl2pPr>
             <a:lvl3pPr marL="914400" indent="0">
               <a:buNone/>
-              <a:defRPr sz="1600">
-                <a:solidFill>
-                  <a:schemeClr val="tx1">
-                    <a:tint val="75000"/>
-                  </a:schemeClr>
-                </a:solidFill>
-              </a:defRPr>
+              <a:defRPr sz="1800" b="1"/>
             </a:lvl3pPr>
             <a:lvl4pPr marL="1371600" indent="0">
               <a:buNone/>
-              <a:defRPr sz="1400">
-                <a:solidFill>
-                  <a:schemeClr val="tx1">
-                    <a:tint val="75000"/>
-                  </a:schemeClr>
-                </a:solidFill>
-              </a:defRPr>
+              <a:defRPr sz="1600" b="1"/>
             </a:lvl4pPr>
             <a:lvl5pPr marL="1828800" indent="0">
               <a:buNone/>
-              <a:defRPr sz="1400">
-                <a:solidFill>
-                  <a:schemeClr val="tx1">
-                    <a:tint val="75000"/>
-                  </a:schemeClr>
-                </a:solidFill>
-              </a:defRPr>
+              <a:defRPr sz="1600" b="1"/>
             </a:lvl5pPr>
             <a:lvl6pPr marL="2286000" indent="0">
               <a:buNone/>
-              <a:defRPr sz="1400">
-                <a:solidFill>
-                  <a:schemeClr val="tx1">
-                    <a:tint val="75000"/>
-                  </a:schemeClr>
-                </a:solidFill>
-              </a:defRPr>
+              <a:defRPr sz="1600" b="1"/>
             </a:lvl6pPr>
             <a:lvl7pPr marL="2743200" indent="0">
               <a:buNone/>
-              <a:defRPr sz="1400">
-                <a:solidFill>
-                  <a:schemeClr val="tx1">
-                    <a:tint val="75000"/>
-                  </a:schemeClr>
-                </a:solidFill>
-              </a:defRPr>
+              <a:defRPr sz="1600" b="1"/>
             </a:lvl7pPr>
             <a:lvl8pPr marL="3200400" indent="0">
               <a:buNone/>
-              <a:defRPr sz="1400">
-                <a:solidFill>
-                  <a:schemeClr val="tx1">
-                    <a:tint val="75000"/>
-                  </a:schemeClr>
-                </a:solidFill>
-              </a:defRPr>
+              <a:defRPr sz="1600" b="1"/>
             </a:lvl8pPr>
             <a:lvl9pPr marL="3657600" indent="0">
               <a:buNone/>
-              <a:defRPr sz="1400">
-                <a:solidFill>
-                  <a:schemeClr val="tx1">
-                    <a:tint val="75000"/>
-                  </a:schemeClr>
-                </a:solidFill>
-              </a:defRPr>
+              <a:defRPr sz="1600" b="1"/>
             </a:lvl9pPr>
           </a:lstStyle>
           <a:p>
@@ -2043,7 +1861,152 @@
       </p:sp>
       <p:sp>
         <p:nvSpPr>
-          <p:cNvPr id="4" name="Date Placeholder 3"/>
+          <p:cNvPr id="20" name="Text Placeholder 3"/>
+          <p:cNvSpPr>
+            <a:spLocks noGrp="1"/>
+          </p:cNvSpPr>
+          <p:nvPr>
+            <p:ph type="body" sz="half" idx="17"/>
+          </p:nvPr>
+        </p:nvSpPr>
+        <p:spPr>
+          <a:xfrm>
+            <a:off x="7124700" y="2667000"/>
+            <a:ext cx="2932113" cy="3589338"/>
+          </a:xfrm>
+        </p:spPr>
+        <p:txBody>
+          <a:bodyPr anchor="t">
+            <a:normAutofit/>
+          </a:bodyPr>
+          <a:lstStyle>
+            <a:lvl1pPr marL="0" indent="0">
+              <a:buNone/>
+              <a:defRPr sz="1400"/>
+            </a:lvl1pPr>
+            <a:lvl2pPr marL="457200" indent="0">
+              <a:buNone/>
+              <a:defRPr sz="1200"/>
+            </a:lvl2pPr>
+            <a:lvl3pPr marL="914400" indent="0">
+              <a:buNone/>
+              <a:defRPr sz="1000"/>
+            </a:lvl3pPr>
+            <a:lvl4pPr marL="1371600" indent="0">
+              <a:buNone/>
+              <a:defRPr sz="900"/>
+            </a:lvl4pPr>
+            <a:lvl5pPr marL="1828800" indent="0">
+              <a:buNone/>
+              <a:defRPr sz="900"/>
+            </a:lvl5pPr>
+            <a:lvl6pPr marL="2286000" indent="0">
+              <a:buNone/>
+              <a:defRPr sz="900"/>
+            </a:lvl6pPr>
+            <a:lvl7pPr marL="2743200" indent="0">
+              <a:buNone/>
+              <a:defRPr sz="900"/>
+            </a:lvl7pPr>
+            <a:lvl8pPr marL="3200400" indent="0">
+              <a:buNone/>
+              <a:defRPr sz="900"/>
+            </a:lvl8pPr>
+            <a:lvl9pPr marL="3657600" indent="0">
+              <a:buNone/>
+              <a:defRPr sz="900"/>
+            </a:lvl9pPr>
+          </a:lstStyle>
+          <a:p>
+            <a:pPr lvl="0"/>
+            <a:r>
+              <a:rPr lang="en-US" smtClean="0"/>
+              <a:t>Click to edit Master text styles</a:t>
+            </a:r>
+          </a:p>
+        </p:txBody>
+      </p:sp>
+      <p:cxnSp>
+        <p:nvCxnSpPr>
+          <p:cNvPr id="17" name="Straight Connector 16"/>
+          <p:cNvCxnSpPr/>
+          <p:nvPr/>
+        </p:nvCxnSpPr>
+        <p:spPr>
+          <a:xfrm>
+            <a:off x="3726142" y="2133600"/>
+            <a:ext cx="0" cy="3962400"/>
+          </a:xfrm>
+          <a:prstGeom prst="line">
+            <a:avLst/>
+          </a:prstGeom>
+          <a:ln w="12700" cmpd="sng">
+            <a:solidFill>
+              <a:schemeClr val="bg2">
+                <a:lumMod val="40000"/>
+                <a:lumOff val="60000"/>
+                <a:alpha val="40000"/>
+              </a:schemeClr>
+            </a:solidFill>
+          </a:ln>
+        </p:spPr>
+        <p:style>
+          <a:lnRef idx="2">
+            <a:schemeClr val="accent1"/>
+          </a:lnRef>
+          <a:fillRef idx="0">
+            <a:schemeClr val="accent1"/>
+          </a:fillRef>
+          <a:effectRef idx="1">
+            <a:schemeClr val="accent1"/>
+          </a:effectRef>
+          <a:fontRef idx="minor">
+            <a:schemeClr val="tx1"/>
+          </a:fontRef>
+        </p:style>
+      </p:cxnSp>
+      <p:cxnSp>
+        <p:nvCxnSpPr>
+          <p:cNvPr id="18" name="Straight Connector 17"/>
+          <p:cNvCxnSpPr/>
+          <p:nvPr/>
+        </p:nvCxnSpPr>
+        <p:spPr>
+          <a:xfrm>
+            <a:off x="6962227" y="2133600"/>
+            <a:ext cx="0" cy="3966882"/>
+          </a:xfrm>
+          <a:prstGeom prst="line">
+            <a:avLst/>
+          </a:prstGeom>
+          <a:ln w="12700" cmpd="sng">
+            <a:solidFill>
+              <a:schemeClr val="bg2">
+                <a:lumMod val="40000"/>
+                <a:lumOff val="60000"/>
+                <a:alpha val="40000"/>
+              </a:schemeClr>
+            </a:solidFill>
+          </a:ln>
+        </p:spPr>
+        <p:style>
+          <a:lnRef idx="2">
+            <a:schemeClr val="accent1"/>
+          </a:lnRef>
+          <a:fillRef idx="0">
+            <a:schemeClr val="accent1"/>
+          </a:fillRef>
+          <a:effectRef idx="1">
+            <a:schemeClr val="accent1"/>
+          </a:effectRef>
+          <a:fontRef idx="minor">
+            <a:schemeClr val="tx1"/>
+          </a:fontRef>
+        </p:style>
+      </p:cxnSp>
+      <p:sp>
+        <p:nvSpPr>
+          <p:cNvPr id="7" name="Date Placeholder 3"/>
           <p:cNvSpPr>
             <a:spLocks noGrp="1"/>
           </p:cNvSpPr>
@@ -2058,7 +2021,7 @@
           <a:p>
             <a:fld id="{FD49D357-028A-436C-9364-82B3DD197A27}" type="datetimeFigureOut">
               <a:rPr lang="en-CA" smtClean="0"/>
-              <a:t>2023-07-05</a:t>
+              <a:t>2023-07-21</a:t>
             </a:fld>
             <a:endParaRPr lang="en-CA"/>
           </a:p>
@@ -2066,7 +2029,7 @@
       </p:sp>
       <p:sp>
         <p:nvSpPr>
-          <p:cNvPr id="5" name="Footer Placeholder 4"/>
+          <p:cNvPr id="4" name="Footer Placeholder 4"/>
           <p:cNvSpPr>
             <a:spLocks noGrp="1"/>
           </p:cNvSpPr>
@@ -2106,92 +2069,10 @@
           </a:p>
         </p:txBody>
       </p:sp>
-      <p:sp>
-        <p:nvSpPr>
-          <p:cNvPr id="24" name="TextBox 23"/>
-          <p:cNvSpPr txBox="1"/>
-          <p:nvPr/>
-        </p:nvSpPr>
-        <p:spPr>
-          <a:xfrm>
-            <a:off x="541870" y="790378"/>
-            <a:ext cx="609600" cy="584776"/>
-          </a:xfrm>
-          <a:prstGeom prst="rect">
-            <a:avLst/>
-          </a:prstGeom>
-        </p:spPr>
-        <p:txBody>
-          <a:bodyPr vert="horz" lIns="91440" tIns="45720" rIns="91440" bIns="45720" rtlCol="0" anchor="ctr">
-            <a:noAutofit/>
-          </a:bodyPr>
-          <a:lstStyle/>
-          <a:p>
-            <a:pPr lvl="0"/>
-            <a:r>
-              <a:rPr lang="en-US" sz="8000" baseline="0" dirty="0">
-                <a:ln w="3175" cmpd="sng">
-                  <a:noFill/>
-                </a:ln>
-                <a:solidFill>
-                  <a:schemeClr val="accent1">
-                    <a:lumMod val="60000"/>
-                    <a:lumOff val="40000"/>
-                  </a:schemeClr>
-                </a:solidFill>
-                <a:effectLst/>
-                <a:latin typeface="Arial"/>
-              </a:rPr>
-              <a:t>“</a:t>
-            </a:r>
-          </a:p>
-        </p:txBody>
-      </p:sp>
-      <p:sp>
-        <p:nvSpPr>
-          <p:cNvPr id="25" name="TextBox 24"/>
-          <p:cNvSpPr txBox="1"/>
-          <p:nvPr/>
-        </p:nvSpPr>
-        <p:spPr>
-          <a:xfrm>
-            <a:off x="8893011" y="2886556"/>
-            <a:ext cx="609600" cy="584776"/>
-          </a:xfrm>
-          <a:prstGeom prst="rect">
-            <a:avLst/>
-          </a:prstGeom>
-        </p:spPr>
-        <p:txBody>
-          <a:bodyPr vert="horz" lIns="91440" tIns="45720" rIns="91440" bIns="45720" rtlCol="0" anchor="ctr">
-            <a:noAutofit/>
-          </a:bodyPr>
-          <a:lstStyle/>
-          <a:p>
-            <a:pPr lvl="0"/>
-            <a:r>
-              <a:rPr lang="en-US" sz="8000" baseline="0" dirty="0">
-                <a:ln w="3175" cmpd="sng">
-                  <a:noFill/>
-                </a:ln>
-                <a:solidFill>
-                  <a:schemeClr val="accent1">
-                    <a:lumMod val="60000"/>
-                    <a:lumOff val="40000"/>
-                  </a:schemeClr>
-                </a:solidFill>
-                <a:effectLst/>
-                <a:latin typeface="Arial"/>
-              </a:rPr>
-              <a:t>”</a:t>
-            </a:r>
-          </a:p>
-        </p:txBody>
-      </p:sp>
     </p:spTree>
     <p:extLst>
       <p:ext uri="{BB962C8B-B14F-4D97-AF65-F5344CB8AC3E}">
-        <p14:creationId xmlns:p14="http://schemas.microsoft.com/office/powerpoint/2010/main" val="192103442"/>
+        <p14:creationId xmlns:p14="http://schemas.microsoft.com/office/powerpoint/2010/main" val="3983969012"/>
       </p:ext>
     </p:extLst>
   </p:cSld>
@@ -2201,9 +2082,9 @@
 </p:sldLayout>
 </file>
 
-<file path=ppt/slideLayouts/slideLayout14.xml><?xml version="1.0" encoding="utf-8"?>
+<file path=ppt/slideLayouts/slideLayout15.xml><?xml version="1.0" encoding="utf-8"?>
 <p:sldLayout xmlns:a="http://schemas.openxmlformats.org/drawingml/2006/main" xmlns:r="http://schemas.openxmlformats.org/officeDocument/2006/relationships" xmlns:p="http://schemas.openxmlformats.org/presentationml/2006/main" preserve="1">
-  <p:cSld name="True or False">
+  <p:cSld name="3 Picture Column">
     <p:spTree>
       <p:nvGrpSpPr>
         <p:cNvPr id="1" name=""/>
@@ -2228,44 +2109,37 @@
             <p:ph type="title"/>
           </p:nvPr>
         </p:nvSpPr>
+        <p:spPr/>
+        <p:txBody>
+          <a:bodyPr/>
+          <a:lstStyle>
+            <a:lvl1pPr>
+              <a:defRPr sz="4200"/>
+            </a:lvl1pPr>
+          </a:lstStyle>
+          <a:p>
+            <a:r>
+              <a:rPr lang="en-US" smtClean="0"/>
+              <a:t>Click to edit Master title style</a:t>
+            </a:r>
+            <a:endParaRPr lang="en-US" dirty="0"/>
+          </a:p>
+        </p:txBody>
+      </p:sp>
+      <p:sp>
+        <p:nvSpPr>
+          <p:cNvPr id="3" name="Text Placeholder 2"/>
+          <p:cNvSpPr>
+            <a:spLocks noGrp="1"/>
+          </p:cNvSpPr>
+          <p:nvPr>
+            <p:ph type="body" idx="1"/>
+          </p:nvPr>
+        </p:nvSpPr>
         <p:spPr>
           <a:xfrm>
-            <a:off x="685799" y="609600"/>
-            <a:ext cx="8588203" cy="3022600"/>
-          </a:xfrm>
-        </p:spPr>
-        <p:txBody>
-          <a:bodyPr anchor="ctr">
-            <a:normAutofit/>
-          </a:bodyPr>
-          <a:lstStyle>
-            <a:lvl1pPr algn="l">
-              <a:defRPr sz="4400" b="0" cap="none"/>
-            </a:lvl1pPr>
-          </a:lstStyle>
-          <a:p>
-            <a:r>
-              <a:rPr lang="en-US" smtClean="0"/>
-              <a:t>Click to edit Master title style</a:t>
-            </a:r>
-            <a:endParaRPr lang="en-US" dirty="0"/>
-          </a:p>
-        </p:txBody>
-      </p:sp>
-      <p:sp>
-        <p:nvSpPr>
-          <p:cNvPr id="23" name="Text Placeholder 9"/>
-          <p:cNvSpPr>
-            <a:spLocks noGrp="1"/>
-          </p:cNvSpPr>
-          <p:nvPr>
-            <p:ph type="body" sz="quarter" idx="13"/>
-          </p:nvPr>
-        </p:nvSpPr>
-        <p:spPr>
-          <a:xfrm>
-            <a:off x="677332" y="4013200"/>
-            <a:ext cx="8596669" cy="514248"/>
+            <a:off x="652463" y="4250949"/>
+            <a:ext cx="2940050" cy="576262"/>
           </a:xfrm>
         </p:spPr>
         <p:txBody>
@@ -2274,155 +2148,487 @@
           </a:bodyPr>
           <a:lstStyle>
             <a:lvl1pPr marL="0" indent="0">
-              <a:buFontTx/>
-              <a:buNone/>
-              <a:defRPr sz="2400">
+              <a:buNone/>
+              <a:defRPr sz="2400" b="0">
                 <a:solidFill>
-                  <a:schemeClr val="accent1"/>
-                </a:solidFill>
-              </a:defRPr>
-            </a:lvl1pPr>
-            <a:lvl2pPr marL="457200" indent="0">
-              <a:buFontTx/>
-              <a:buNone/>
-              <a:defRPr/>
-            </a:lvl2pPr>
-            <a:lvl3pPr marL="914400" indent="0">
-              <a:buFontTx/>
-              <a:buNone/>
-              <a:defRPr/>
-            </a:lvl3pPr>
-            <a:lvl4pPr marL="1371600" indent="0">
-              <a:buFontTx/>
-              <a:buNone/>
-              <a:defRPr/>
-            </a:lvl4pPr>
-            <a:lvl5pPr marL="1828800" indent="0">
-              <a:buFontTx/>
-              <a:buNone/>
-              <a:defRPr/>
-            </a:lvl5pPr>
-          </a:lstStyle>
-          <a:p>
-            <a:pPr lvl="0"/>
-            <a:r>
-              <a:rPr lang="en-US" smtClean="0"/>
-              <a:t>Click to edit Master text styles</a:t>
-            </a:r>
-          </a:p>
-        </p:txBody>
-      </p:sp>
-      <p:sp>
-        <p:nvSpPr>
-          <p:cNvPr id="3" name="Text Placeholder 2"/>
-          <p:cNvSpPr>
-            <a:spLocks noGrp="1"/>
-          </p:cNvSpPr>
-          <p:nvPr>
-            <p:ph type="body" idx="1"/>
-          </p:nvPr>
-        </p:nvSpPr>
-        <p:spPr>
-          <a:xfrm>
-            <a:off x="677335" y="4527448"/>
-            <a:ext cx="8596668" cy="1513914"/>
-          </a:xfrm>
-        </p:spPr>
-        <p:txBody>
-          <a:bodyPr anchor="t">
-            <a:normAutofit/>
-          </a:bodyPr>
-          <a:lstStyle>
-            <a:lvl1pPr marL="0" indent="0" algn="l">
-              <a:buNone/>
-              <a:defRPr sz="1800">
-                <a:solidFill>
-                  <a:schemeClr val="tx1">
-                    <a:lumMod val="50000"/>
-                    <a:lumOff val="50000"/>
+                  <a:schemeClr val="bg2">
+                    <a:lumMod val="40000"/>
+                    <a:lumOff val="60000"/>
                   </a:schemeClr>
                 </a:solidFill>
               </a:defRPr>
             </a:lvl1pPr>
             <a:lvl2pPr marL="457200" indent="0">
               <a:buNone/>
-              <a:defRPr sz="1800">
+              <a:defRPr sz="2000" b="1"/>
+            </a:lvl2pPr>
+            <a:lvl3pPr marL="914400" indent="0">
+              <a:buNone/>
+              <a:defRPr sz="1800" b="1"/>
+            </a:lvl3pPr>
+            <a:lvl4pPr marL="1371600" indent="0">
+              <a:buNone/>
+              <a:defRPr sz="1600" b="1"/>
+            </a:lvl4pPr>
+            <a:lvl5pPr marL="1828800" indent="0">
+              <a:buNone/>
+              <a:defRPr sz="1600" b="1"/>
+            </a:lvl5pPr>
+            <a:lvl6pPr marL="2286000" indent="0">
+              <a:buNone/>
+              <a:defRPr sz="1600" b="1"/>
+            </a:lvl6pPr>
+            <a:lvl7pPr marL="2743200" indent="0">
+              <a:buNone/>
+              <a:defRPr sz="1600" b="1"/>
+            </a:lvl7pPr>
+            <a:lvl8pPr marL="3200400" indent="0">
+              <a:buNone/>
+              <a:defRPr sz="1600" b="1"/>
+            </a:lvl8pPr>
+            <a:lvl9pPr marL="3657600" indent="0">
+              <a:buNone/>
+              <a:defRPr sz="1600" b="1"/>
+            </a:lvl9pPr>
+          </a:lstStyle>
+          <a:p>
+            <a:pPr lvl="0"/>
+            <a:r>
+              <a:rPr lang="en-US" smtClean="0"/>
+              <a:t>Click to edit Master text styles</a:t>
+            </a:r>
+          </a:p>
+        </p:txBody>
+      </p:sp>
+      <p:sp>
+        <p:nvSpPr>
+          <p:cNvPr id="29" name="Picture Placeholder 2"/>
+          <p:cNvSpPr>
+            <a:spLocks noGrp="1" noChangeAspect="1"/>
+          </p:cNvSpPr>
+          <p:nvPr>
+            <p:ph type="pic" idx="15"/>
+          </p:nvPr>
+        </p:nvSpPr>
+        <p:spPr>
+          <a:xfrm>
+            <a:off x="652463" y="2209800"/>
+            <a:ext cx="2940050" cy="1524000"/>
+          </a:xfrm>
+          <a:prstGeom prst="roundRect">
+            <a:avLst>
+              <a:gd name="adj" fmla="val 1858"/>
+            </a:avLst>
+          </a:prstGeom>
+          <a:effectLst>
+            <a:outerShdw blurRad="50800" dist="50800" dir="5400000" algn="tl" rotWithShape="0">
+              <a:srgbClr val="000000">
+                <a:alpha val="43000"/>
+              </a:srgbClr>
+            </a:outerShdw>
+          </a:effectLst>
+        </p:spPr>
+        <p:txBody>
+          <a:bodyPr anchor="t">
+            <a:normAutofit/>
+          </a:bodyPr>
+          <a:lstStyle>
+            <a:lvl1pPr marL="0" indent="0" algn="ctr">
+              <a:buNone/>
+              <a:defRPr sz="1600"/>
+            </a:lvl1pPr>
+            <a:lvl2pPr marL="457200" indent="0">
+              <a:buNone/>
+              <a:defRPr sz="1600"/>
+            </a:lvl2pPr>
+            <a:lvl3pPr marL="914400" indent="0">
+              <a:buNone/>
+              <a:defRPr sz="1600"/>
+            </a:lvl3pPr>
+            <a:lvl4pPr marL="1371600" indent="0">
+              <a:buNone/>
+              <a:defRPr sz="1600"/>
+            </a:lvl4pPr>
+            <a:lvl5pPr marL="1828800" indent="0">
+              <a:buNone/>
+              <a:defRPr sz="1600"/>
+            </a:lvl5pPr>
+            <a:lvl6pPr marL="2286000" indent="0">
+              <a:buNone/>
+              <a:defRPr sz="1600"/>
+            </a:lvl6pPr>
+            <a:lvl7pPr marL="2743200" indent="0">
+              <a:buNone/>
+              <a:defRPr sz="1600"/>
+            </a:lvl7pPr>
+            <a:lvl8pPr marL="3200400" indent="0">
+              <a:buNone/>
+              <a:defRPr sz="1600"/>
+            </a:lvl8pPr>
+            <a:lvl9pPr marL="3657600" indent="0">
+              <a:buNone/>
+              <a:defRPr sz="1600"/>
+            </a:lvl9pPr>
+          </a:lstStyle>
+          <a:p>
+            <a:r>
+              <a:rPr lang="en-US" smtClean="0"/>
+              <a:t>Click icon to add picture</a:t>
+            </a:r>
+            <a:endParaRPr lang="en-US" dirty="0"/>
+          </a:p>
+        </p:txBody>
+      </p:sp>
+      <p:sp>
+        <p:nvSpPr>
+          <p:cNvPr id="22" name="Text Placeholder 3"/>
+          <p:cNvSpPr>
+            <a:spLocks noGrp="1"/>
+          </p:cNvSpPr>
+          <p:nvPr>
+            <p:ph type="body" sz="half" idx="18"/>
+          </p:nvPr>
+        </p:nvSpPr>
+        <p:spPr>
+          <a:xfrm>
+            <a:off x="652463" y="4827211"/>
+            <a:ext cx="2940050" cy="659189"/>
+          </a:xfrm>
+        </p:spPr>
+        <p:txBody>
+          <a:bodyPr anchor="t">
+            <a:normAutofit/>
+          </a:bodyPr>
+          <a:lstStyle>
+            <a:lvl1pPr marL="0" indent="0">
+              <a:buNone/>
+              <a:defRPr sz="1400"/>
+            </a:lvl1pPr>
+            <a:lvl2pPr marL="457200" indent="0">
+              <a:buNone/>
+              <a:defRPr sz="1200"/>
+            </a:lvl2pPr>
+            <a:lvl3pPr marL="914400" indent="0">
+              <a:buNone/>
+              <a:defRPr sz="1000"/>
+            </a:lvl3pPr>
+            <a:lvl4pPr marL="1371600" indent="0">
+              <a:buNone/>
+              <a:defRPr sz="900"/>
+            </a:lvl4pPr>
+            <a:lvl5pPr marL="1828800" indent="0">
+              <a:buNone/>
+              <a:defRPr sz="900"/>
+            </a:lvl5pPr>
+            <a:lvl6pPr marL="2286000" indent="0">
+              <a:buNone/>
+              <a:defRPr sz="900"/>
+            </a:lvl6pPr>
+            <a:lvl7pPr marL="2743200" indent="0">
+              <a:buNone/>
+              <a:defRPr sz="900"/>
+            </a:lvl7pPr>
+            <a:lvl8pPr marL="3200400" indent="0">
+              <a:buNone/>
+              <a:defRPr sz="900"/>
+            </a:lvl8pPr>
+            <a:lvl9pPr marL="3657600" indent="0">
+              <a:buNone/>
+              <a:defRPr sz="900"/>
+            </a:lvl9pPr>
+          </a:lstStyle>
+          <a:p>
+            <a:pPr lvl="0"/>
+            <a:r>
+              <a:rPr lang="en-US" smtClean="0"/>
+              <a:t>Click to edit Master text styles</a:t>
+            </a:r>
+          </a:p>
+        </p:txBody>
+      </p:sp>
+      <p:sp>
+        <p:nvSpPr>
+          <p:cNvPr id="5" name="Text Placeholder 4"/>
+          <p:cNvSpPr>
+            <a:spLocks noGrp="1"/>
+          </p:cNvSpPr>
+          <p:nvPr>
+            <p:ph type="body" sz="quarter" idx="3"/>
+          </p:nvPr>
+        </p:nvSpPr>
+        <p:spPr>
+          <a:xfrm>
+            <a:off x="3889375" y="4250949"/>
+            <a:ext cx="2930525" cy="576262"/>
+          </a:xfrm>
+        </p:spPr>
+        <p:txBody>
+          <a:bodyPr anchor="b">
+            <a:noAutofit/>
+          </a:bodyPr>
+          <a:lstStyle>
+            <a:lvl1pPr marL="0" indent="0">
+              <a:buNone/>
+              <a:defRPr sz="2400" b="0">
                 <a:solidFill>
-                  <a:schemeClr val="tx1">
-                    <a:tint val="75000"/>
+                  <a:schemeClr val="bg2">
+                    <a:lumMod val="40000"/>
+                    <a:lumOff val="60000"/>
                   </a:schemeClr>
                 </a:solidFill>
               </a:defRPr>
+            </a:lvl1pPr>
+            <a:lvl2pPr marL="457200" indent="0">
+              <a:buNone/>
+              <a:defRPr sz="2000" b="1"/>
             </a:lvl2pPr>
             <a:lvl3pPr marL="914400" indent="0">
               <a:buNone/>
-              <a:defRPr sz="1600">
+              <a:defRPr sz="1800" b="1"/>
+            </a:lvl3pPr>
+            <a:lvl4pPr marL="1371600" indent="0">
+              <a:buNone/>
+              <a:defRPr sz="1600" b="1"/>
+            </a:lvl4pPr>
+            <a:lvl5pPr marL="1828800" indent="0">
+              <a:buNone/>
+              <a:defRPr sz="1600" b="1"/>
+            </a:lvl5pPr>
+            <a:lvl6pPr marL="2286000" indent="0">
+              <a:buNone/>
+              <a:defRPr sz="1600" b="1"/>
+            </a:lvl6pPr>
+            <a:lvl7pPr marL="2743200" indent="0">
+              <a:buNone/>
+              <a:defRPr sz="1600" b="1"/>
+            </a:lvl7pPr>
+            <a:lvl8pPr marL="3200400" indent="0">
+              <a:buNone/>
+              <a:defRPr sz="1600" b="1"/>
+            </a:lvl8pPr>
+            <a:lvl9pPr marL="3657600" indent="0">
+              <a:buNone/>
+              <a:defRPr sz="1600" b="1"/>
+            </a:lvl9pPr>
+          </a:lstStyle>
+          <a:p>
+            <a:pPr lvl="0"/>
+            <a:r>
+              <a:rPr lang="en-US" smtClean="0"/>
+              <a:t>Click to edit Master text styles</a:t>
+            </a:r>
+          </a:p>
+        </p:txBody>
+      </p:sp>
+      <p:sp>
+        <p:nvSpPr>
+          <p:cNvPr id="30" name="Picture Placeholder 2"/>
+          <p:cNvSpPr>
+            <a:spLocks noGrp="1" noChangeAspect="1"/>
+          </p:cNvSpPr>
+          <p:nvPr>
+            <p:ph type="pic" idx="21"/>
+          </p:nvPr>
+        </p:nvSpPr>
+        <p:spPr>
+          <a:xfrm>
+            <a:off x="3889374" y="2209800"/>
+            <a:ext cx="2930525" cy="1524000"/>
+          </a:xfrm>
+          <a:prstGeom prst="roundRect">
+            <a:avLst>
+              <a:gd name="adj" fmla="val 1858"/>
+            </a:avLst>
+          </a:prstGeom>
+          <a:effectLst>
+            <a:outerShdw blurRad="50800" dist="50800" dir="5400000" algn="tl" rotWithShape="0">
+              <a:srgbClr val="000000">
+                <a:alpha val="43000"/>
+              </a:srgbClr>
+            </a:outerShdw>
+          </a:effectLst>
+        </p:spPr>
+        <p:txBody>
+          <a:bodyPr anchor="t">
+            <a:normAutofit/>
+          </a:bodyPr>
+          <a:lstStyle>
+            <a:lvl1pPr marL="0" indent="0" algn="ctr">
+              <a:buNone/>
+              <a:defRPr sz="1600"/>
+            </a:lvl1pPr>
+            <a:lvl2pPr marL="457200" indent="0">
+              <a:buNone/>
+              <a:defRPr sz="1600"/>
+            </a:lvl2pPr>
+            <a:lvl3pPr marL="914400" indent="0">
+              <a:buNone/>
+              <a:defRPr sz="1600"/>
+            </a:lvl3pPr>
+            <a:lvl4pPr marL="1371600" indent="0">
+              <a:buNone/>
+              <a:defRPr sz="1600"/>
+            </a:lvl4pPr>
+            <a:lvl5pPr marL="1828800" indent="0">
+              <a:buNone/>
+              <a:defRPr sz="1600"/>
+            </a:lvl5pPr>
+            <a:lvl6pPr marL="2286000" indent="0">
+              <a:buNone/>
+              <a:defRPr sz="1600"/>
+            </a:lvl6pPr>
+            <a:lvl7pPr marL="2743200" indent="0">
+              <a:buNone/>
+              <a:defRPr sz="1600"/>
+            </a:lvl7pPr>
+            <a:lvl8pPr marL="3200400" indent="0">
+              <a:buNone/>
+              <a:defRPr sz="1600"/>
+            </a:lvl8pPr>
+            <a:lvl9pPr marL="3657600" indent="0">
+              <a:buNone/>
+              <a:defRPr sz="1600"/>
+            </a:lvl9pPr>
+          </a:lstStyle>
+          <a:p>
+            <a:r>
+              <a:rPr lang="en-US" smtClean="0"/>
+              <a:t>Click icon to add picture</a:t>
+            </a:r>
+            <a:endParaRPr lang="en-US" dirty="0"/>
+          </a:p>
+        </p:txBody>
+      </p:sp>
+      <p:sp>
+        <p:nvSpPr>
+          <p:cNvPr id="23" name="Text Placeholder 3"/>
+          <p:cNvSpPr>
+            <a:spLocks noGrp="1"/>
+          </p:cNvSpPr>
+          <p:nvPr>
+            <p:ph type="body" sz="half" idx="19"/>
+          </p:nvPr>
+        </p:nvSpPr>
+        <p:spPr>
+          <a:xfrm>
+            <a:off x="3888022" y="4827210"/>
+            <a:ext cx="2934406" cy="659189"/>
+          </a:xfrm>
+        </p:spPr>
+        <p:txBody>
+          <a:bodyPr anchor="t">
+            <a:normAutofit/>
+          </a:bodyPr>
+          <a:lstStyle>
+            <a:lvl1pPr marL="0" indent="0">
+              <a:buNone/>
+              <a:defRPr sz="1400"/>
+            </a:lvl1pPr>
+            <a:lvl2pPr marL="457200" indent="0">
+              <a:buNone/>
+              <a:defRPr sz="1200"/>
+            </a:lvl2pPr>
+            <a:lvl3pPr marL="914400" indent="0">
+              <a:buNone/>
+              <a:defRPr sz="1000"/>
+            </a:lvl3pPr>
+            <a:lvl4pPr marL="1371600" indent="0">
+              <a:buNone/>
+              <a:defRPr sz="900"/>
+            </a:lvl4pPr>
+            <a:lvl5pPr marL="1828800" indent="0">
+              <a:buNone/>
+              <a:defRPr sz="900"/>
+            </a:lvl5pPr>
+            <a:lvl6pPr marL="2286000" indent="0">
+              <a:buNone/>
+              <a:defRPr sz="900"/>
+            </a:lvl6pPr>
+            <a:lvl7pPr marL="2743200" indent="0">
+              <a:buNone/>
+              <a:defRPr sz="900"/>
+            </a:lvl7pPr>
+            <a:lvl8pPr marL="3200400" indent="0">
+              <a:buNone/>
+              <a:defRPr sz="900"/>
+            </a:lvl8pPr>
+            <a:lvl9pPr marL="3657600" indent="0">
+              <a:buNone/>
+              <a:defRPr sz="900"/>
+            </a:lvl9pPr>
+          </a:lstStyle>
+          <a:p>
+            <a:pPr lvl="0"/>
+            <a:r>
+              <a:rPr lang="en-US" smtClean="0"/>
+              <a:t>Click to edit Master text styles</a:t>
+            </a:r>
+          </a:p>
+        </p:txBody>
+      </p:sp>
+      <p:sp>
+        <p:nvSpPr>
+          <p:cNvPr id="14" name="Text Placeholder 4"/>
+          <p:cNvSpPr>
+            <a:spLocks noGrp="1"/>
+          </p:cNvSpPr>
+          <p:nvPr>
+            <p:ph type="body" sz="quarter" idx="13"/>
+          </p:nvPr>
+        </p:nvSpPr>
+        <p:spPr>
+          <a:xfrm>
+            <a:off x="7124700" y="4250949"/>
+            <a:ext cx="2932113" cy="576262"/>
+          </a:xfrm>
+        </p:spPr>
+        <p:txBody>
+          <a:bodyPr anchor="b">
+            <a:noAutofit/>
+          </a:bodyPr>
+          <a:lstStyle>
+            <a:lvl1pPr marL="0" indent="0">
+              <a:buNone/>
+              <a:defRPr sz="2400" b="0">
                 <a:solidFill>
-                  <a:schemeClr val="tx1">
-                    <a:tint val="75000"/>
+                  <a:schemeClr val="bg2">
+                    <a:lumMod val="40000"/>
+                    <a:lumOff val="60000"/>
                   </a:schemeClr>
                 </a:solidFill>
               </a:defRPr>
+            </a:lvl1pPr>
+            <a:lvl2pPr marL="457200" indent="0">
+              <a:buNone/>
+              <a:defRPr sz="2000" b="1"/>
+            </a:lvl2pPr>
+            <a:lvl3pPr marL="914400" indent="0">
+              <a:buNone/>
+              <a:defRPr sz="1800" b="1"/>
             </a:lvl3pPr>
             <a:lvl4pPr marL="1371600" indent="0">
               <a:buNone/>
-              <a:defRPr sz="1400">
-                <a:solidFill>
-                  <a:schemeClr val="tx1">
-                    <a:tint val="75000"/>
-                  </a:schemeClr>
-                </a:solidFill>
-              </a:defRPr>
+              <a:defRPr sz="1600" b="1"/>
             </a:lvl4pPr>
             <a:lvl5pPr marL="1828800" indent="0">
               <a:buNone/>
-              <a:defRPr sz="1400">
-                <a:solidFill>
-                  <a:schemeClr val="tx1">
-                    <a:tint val="75000"/>
-                  </a:schemeClr>
-                </a:solidFill>
-              </a:defRPr>
+              <a:defRPr sz="1600" b="1"/>
             </a:lvl5pPr>
             <a:lvl6pPr marL="2286000" indent="0">
               <a:buNone/>
-              <a:defRPr sz="1400">
-                <a:solidFill>
-                  <a:schemeClr val="tx1">
-                    <a:tint val="75000"/>
-                  </a:schemeClr>
-                </a:solidFill>
-              </a:defRPr>
+              <a:defRPr sz="1600" b="1"/>
             </a:lvl6pPr>
             <a:lvl7pPr marL="2743200" indent="0">
               <a:buNone/>
-              <a:defRPr sz="1400">
-                <a:solidFill>
-                  <a:schemeClr val="tx1">
-                    <a:tint val="75000"/>
-                  </a:schemeClr>
-                </a:solidFill>
-              </a:defRPr>
+              <a:defRPr sz="1600" b="1"/>
             </a:lvl7pPr>
             <a:lvl8pPr marL="3200400" indent="0">
               <a:buNone/>
-              <a:defRPr sz="1400">
-                <a:solidFill>
-                  <a:schemeClr val="tx1">
-                    <a:tint val="75000"/>
-                  </a:schemeClr>
-                </a:solidFill>
-              </a:defRPr>
+              <a:defRPr sz="1600" b="1"/>
             </a:lvl8pPr>
             <a:lvl9pPr marL="3657600" indent="0">
               <a:buNone/>
-              <a:defRPr sz="1400">
-                <a:solidFill>
-                  <a:schemeClr val="tx1">
-                    <a:tint val="75000"/>
-                  </a:schemeClr>
-                </a:solidFill>
-              </a:defRPr>
+              <a:defRPr sz="1600" b="1"/>
             </a:lvl9pPr>
           </a:lstStyle>
           <a:p>
@@ -2436,7 +2642,231 @@
       </p:sp>
       <p:sp>
         <p:nvSpPr>
-          <p:cNvPr id="4" name="Date Placeholder 3"/>
+          <p:cNvPr id="31" name="Picture Placeholder 2"/>
+          <p:cNvSpPr>
+            <a:spLocks noGrp="1" noChangeAspect="1"/>
+          </p:cNvSpPr>
+          <p:nvPr>
+            <p:ph type="pic" idx="22"/>
+          </p:nvPr>
+        </p:nvSpPr>
+        <p:spPr>
+          <a:xfrm>
+            <a:off x="7124699" y="2209800"/>
+            <a:ext cx="2932113" cy="1524000"/>
+          </a:xfrm>
+          <a:prstGeom prst="roundRect">
+            <a:avLst>
+              <a:gd name="adj" fmla="val 1858"/>
+            </a:avLst>
+          </a:prstGeom>
+          <a:effectLst>
+            <a:outerShdw blurRad="50800" dist="50800" dir="5400000" algn="tl" rotWithShape="0">
+              <a:srgbClr val="000000">
+                <a:alpha val="43000"/>
+              </a:srgbClr>
+            </a:outerShdw>
+          </a:effectLst>
+        </p:spPr>
+        <p:txBody>
+          <a:bodyPr anchor="t">
+            <a:normAutofit/>
+          </a:bodyPr>
+          <a:lstStyle>
+            <a:lvl1pPr marL="0" indent="0" algn="ctr">
+              <a:buNone/>
+              <a:defRPr sz="1600"/>
+            </a:lvl1pPr>
+            <a:lvl2pPr marL="457200" indent="0">
+              <a:buNone/>
+              <a:defRPr sz="1600"/>
+            </a:lvl2pPr>
+            <a:lvl3pPr marL="914400" indent="0">
+              <a:buNone/>
+              <a:defRPr sz="1600"/>
+            </a:lvl3pPr>
+            <a:lvl4pPr marL="1371600" indent="0">
+              <a:buNone/>
+              <a:defRPr sz="1600"/>
+            </a:lvl4pPr>
+            <a:lvl5pPr marL="1828800" indent="0">
+              <a:buNone/>
+              <a:defRPr sz="1600"/>
+            </a:lvl5pPr>
+            <a:lvl6pPr marL="2286000" indent="0">
+              <a:buNone/>
+              <a:defRPr sz="1600"/>
+            </a:lvl6pPr>
+            <a:lvl7pPr marL="2743200" indent="0">
+              <a:buNone/>
+              <a:defRPr sz="1600"/>
+            </a:lvl7pPr>
+            <a:lvl8pPr marL="3200400" indent="0">
+              <a:buNone/>
+              <a:defRPr sz="1600"/>
+            </a:lvl8pPr>
+            <a:lvl9pPr marL="3657600" indent="0">
+              <a:buNone/>
+              <a:defRPr sz="1600"/>
+            </a:lvl9pPr>
+          </a:lstStyle>
+          <a:p>
+            <a:r>
+              <a:rPr lang="en-US" smtClean="0"/>
+              <a:t>Click icon to add picture</a:t>
+            </a:r>
+            <a:endParaRPr lang="en-US" dirty="0"/>
+          </a:p>
+        </p:txBody>
+      </p:sp>
+      <p:sp>
+        <p:nvSpPr>
+          <p:cNvPr id="24" name="Text Placeholder 3"/>
+          <p:cNvSpPr>
+            <a:spLocks noGrp="1"/>
+          </p:cNvSpPr>
+          <p:nvPr>
+            <p:ph type="body" sz="half" idx="20"/>
+          </p:nvPr>
+        </p:nvSpPr>
+        <p:spPr>
+          <a:xfrm>
+            <a:off x="7124575" y="4827208"/>
+            <a:ext cx="2935997" cy="659189"/>
+          </a:xfrm>
+        </p:spPr>
+        <p:txBody>
+          <a:bodyPr anchor="t">
+            <a:normAutofit/>
+          </a:bodyPr>
+          <a:lstStyle>
+            <a:lvl1pPr marL="0" indent="0">
+              <a:buNone/>
+              <a:defRPr sz="1400"/>
+            </a:lvl1pPr>
+            <a:lvl2pPr marL="457200" indent="0">
+              <a:buNone/>
+              <a:defRPr sz="1200"/>
+            </a:lvl2pPr>
+            <a:lvl3pPr marL="914400" indent="0">
+              <a:buNone/>
+              <a:defRPr sz="1000"/>
+            </a:lvl3pPr>
+            <a:lvl4pPr marL="1371600" indent="0">
+              <a:buNone/>
+              <a:defRPr sz="900"/>
+            </a:lvl4pPr>
+            <a:lvl5pPr marL="1828800" indent="0">
+              <a:buNone/>
+              <a:defRPr sz="900"/>
+            </a:lvl5pPr>
+            <a:lvl6pPr marL="2286000" indent="0">
+              <a:buNone/>
+              <a:defRPr sz="900"/>
+            </a:lvl6pPr>
+            <a:lvl7pPr marL="2743200" indent="0">
+              <a:buNone/>
+              <a:defRPr sz="900"/>
+            </a:lvl7pPr>
+            <a:lvl8pPr marL="3200400" indent="0">
+              <a:buNone/>
+              <a:defRPr sz="900"/>
+            </a:lvl8pPr>
+            <a:lvl9pPr marL="3657600" indent="0">
+              <a:buNone/>
+              <a:defRPr sz="900"/>
+            </a:lvl9pPr>
+          </a:lstStyle>
+          <a:p>
+            <a:pPr lvl="0"/>
+            <a:r>
+              <a:rPr lang="en-US" smtClean="0"/>
+              <a:t>Click to edit Master text styles</a:t>
+            </a:r>
+          </a:p>
+        </p:txBody>
+      </p:sp>
+      <p:cxnSp>
+        <p:nvCxnSpPr>
+          <p:cNvPr id="19" name="Straight Connector 18"/>
+          <p:cNvCxnSpPr/>
+          <p:nvPr/>
+        </p:nvCxnSpPr>
+        <p:spPr>
+          <a:xfrm>
+            <a:off x="3726142" y="2133600"/>
+            <a:ext cx="0" cy="3962400"/>
+          </a:xfrm>
+          <a:prstGeom prst="line">
+            <a:avLst/>
+          </a:prstGeom>
+          <a:ln w="12700" cmpd="sng">
+            <a:solidFill>
+              <a:schemeClr val="bg2">
+                <a:lumMod val="40000"/>
+                <a:lumOff val="60000"/>
+                <a:alpha val="40000"/>
+              </a:schemeClr>
+            </a:solidFill>
+          </a:ln>
+        </p:spPr>
+        <p:style>
+          <a:lnRef idx="2">
+            <a:schemeClr val="accent1"/>
+          </a:lnRef>
+          <a:fillRef idx="0">
+            <a:schemeClr val="accent1"/>
+          </a:fillRef>
+          <a:effectRef idx="1">
+            <a:schemeClr val="accent1"/>
+          </a:effectRef>
+          <a:fontRef idx="minor">
+            <a:schemeClr val="tx1"/>
+          </a:fontRef>
+        </p:style>
+      </p:cxnSp>
+      <p:cxnSp>
+        <p:nvCxnSpPr>
+          <p:cNvPr id="20" name="Straight Connector 19"/>
+          <p:cNvCxnSpPr/>
+          <p:nvPr/>
+        </p:nvCxnSpPr>
+        <p:spPr>
+          <a:xfrm>
+            <a:off x="6962227" y="2133600"/>
+            <a:ext cx="0" cy="3966882"/>
+          </a:xfrm>
+          <a:prstGeom prst="line">
+            <a:avLst/>
+          </a:prstGeom>
+          <a:ln w="12700" cmpd="sng">
+            <a:solidFill>
+              <a:schemeClr val="bg2">
+                <a:lumMod val="40000"/>
+                <a:lumOff val="60000"/>
+                <a:alpha val="40000"/>
+              </a:schemeClr>
+            </a:solidFill>
+          </a:ln>
+        </p:spPr>
+        <p:style>
+          <a:lnRef idx="2">
+            <a:schemeClr val="accent1"/>
+          </a:lnRef>
+          <a:fillRef idx="0">
+            <a:schemeClr val="accent1"/>
+          </a:fillRef>
+          <a:effectRef idx="1">
+            <a:schemeClr val="accent1"/>
+          </a:effectRef>
+          <a:fontRef idx="minor">
+            <a:schemeClr val="tx1"/>
+          </a:fontRef>
+        </p:style>
+      </p:cxnSp>
+      <p:sp>
+        <p:nvSpPr>
+          <p:cNvPr id="7" name="Date Placeholder 3"/>
           <p:cNvSpPr>
             <a:spLocks noGrp="1"/>
           </p:cNvSpPr>
@@ -2451,7 +2881,7 @@
           <a:p>
             <a:fld id="{FD49D357-028A-436C-9364-82B3DD197A27}" type="datetimeFigureOut">
               <a:rPr lang="en-CA" smtClean="0"/>
-              <a:t>2023-07-05</a:t>
+              <a:t>2023-07-21</a:t>
             </a:fld>
             <a:endParaRPr lang="en-CA"/>
           </a:p>
@@ -2459,7 +2889,7 @@
       </p:sp>
       <p:sp>
         <p:nvSpPr>
-          <p:cNvPr id="5" name="Footer Placeholder 4"/>
+          <p:cNvPr id="4" name="Footer Placeholder 4"/>
           <p:cNvSpPr>
             <a:spLocks noGrp="1"/>
           </p:cNvSpPr>
@@ -2502,7 +2932,7 @@
     </p:spTree>
     <p:extLst>
       <p:ext uri="{BB962C8B-B14F-4D97-AF65-F5344CB8AC3E}">
-        <p14:creationId xmlns:p14="http://schemas.microsoft.com/office/powerpoint/2010/main" val="4066339186"/>
+        <p14:creationId xmlns:p14="http://schemas.microsoft.com/office/powerpoint/2010/main" val="772571945"/>
       </p:ext>
     </p:extLst>
   </p:cSld>
@@ -2512,7 +2942,7 @@
 </p:sldLayout>
 </file>
 
-<file path=ppt/slideLayouts/slideLayout15.xml><?xml version="1.0" encoding="utf-8"?>
+<file path=ppt/slideLayouts/slideLayout16.xml><?xml version="1.0" encoding="utf-8"?>
 <p:sldLayout xmlns:a="http://schemas.openxmlformats.org/drawingml/2006/main" xmlns:r="http://schemas.openxmlformats.org/officeDocument/2006/relationships" xmlns:p="http://schemas.openxmlformats.org/presentationml/2006/main" type="vertTx" preserve="1">
   <p:cSld name="Title and Vertical Text">
     <p:spTree>
@@ -2564,7 +2994,7 @@
         </p:nvSpPr>
         <p:spPr/>
         <p:txBody>
-          <a:bodyPr vert="eaVert"/>
+          <a:bodyPr vert="eaVert" anchor="t" anchorCtr="0"/>
           <a:lstStyle/>
           <a:p>
             <a:pPr lvl="0"/>
@@ -2621,7 +3051,7 @@
           <a:p>
             <a:fld id="{FD49D357-028A-436C-9364-82B3DD197A27}" type="datetimeFigureOut">
               <a:rPr lang="en-CA" smtClean="0"/>
-              <a:t>2023-07-05</a:t>
+              <a:t>2023-07-21</a:t>
             </a:fld>
             <a:endParaRPr lang="en-CA"/>
           </a:p>
@@ -2672,7 +3102,7 @@
     </p:spTree>
     <p:extLst>
       <p:ext uri="{BB962C8B-B14F-4D97-AF65-F5344CB8AC3E}">
-        <p14:creationId xmlns:p14="http://schemas.microsoft.com/office/powerpoint/2010/main" val="38329353"/>
+        <p14:creationId xmlns:p14="http://schemas.microsoft.com/office/powerpoint/2010/main" val="1182722204"/>
       </p:ext>
     </p:extLst>
   </p:cSld>
@@ -2682,7 +3112,7 @@
 </p:sldLayout>
 </file>
 
-<file path=ppt/slideLayouts/slideLayout16.xml><?xml version="1.0" encoding="utf-8"?>
+<file path=ppt/slideLayouts/slideLayout17.xml><?xml version="1.0" encoding="utf-8"?>
 <p:sldLayout xmlns:a="http://schemas.openxmlformats.org/drawingml/2006/main" xmlns:r="http://schemas.openxmlformats.org/officeDocument/2006/relationships" xmlns:p="http://schemas.openxmlformats.org/presentationml/2006/main" type="vertTitleAndTx" preserve="1">
   <p:cSld name="Vertical Title and Text">
     <p:spTree>
@@ -2711,12 +3141,12 @@
         </p:nvSpPr>
         <p:spPr>
           <a:xfrm>
-            <a:off x="7967673" y="609599"/>
-            <a:ext cx="1304743" cy="5251451"/>
+            <a:off x="8304212" y="430213"/>
+            <a:ext cx="1752601" cy="5826125"/>
           </a:xfrm>
         </p:spPr>
         <p:txBody>
-          <a:bodyPr vert="eaVert" anchor="ctr"/>
+          <a:bodyPr vert="eaVert" anchor="b" anchorCtr="0"/>
           <a:lstStyle/>
           <a:p>
             <a:r>
@@ -2739,8 +3169,8 @@
         </p:nvSpPr>
         <p:spPr>
           <a:xfrm>
-            <a:off x="677335" y="609600"/>
-            <a:ext cx="7060150" cy="5251450"/>
+            <a:off x="652463" y="887414"/>
+            <a:ext cx="7423149" cy="5368924"/>
           </a:xfrm>
         </p:spPr>
         <p:txBody>
@@ -2801,7 +3231,7 @@
           <a:p>
             <a:fld id="{FD49D357-028A-436C-9364-82B3DD197A27}" type="datetimeFigureOut">
               <a:rPr lang="en-CA" smtClean="0"/>
-              <a:t>2023-07-05</a:t>
+              <a:t>2023-07-21</a:t>
             </a:fld>
             <a:endParaRPr lang="en-CA"/>
           </a:p>
@@ -2852,7 +3282,7 @@
     </p:spTree>
     <p:extLst>
       <p:ext uri="{BB962C8B-B14F-4D97-AF65-F5344CB8AC3E}">
-        <p14:creationId xmlns:p14="http://schemas.microsoft.com/office/powerpoint/2010/main" val="2818276040"/>
+        <p14:creationId xmlns:p14="http://schemas.microsoft.com/office/powerpoint/2010/main" val="2122170768"/>
       </p:ext>
     </p:extLst>
   </p:cSld>
@@ -2891,14 +3321,8 @@
         </p:nvSpPr>
         <p:spPr/>
         <p:txBody>
-          <a:bodyPr>
-            <a:normAutofit/>
-          </a:bodyPr>
-          <a:lstStyle>
-            <a:lvl1pPr>
-              <a:defRPr sz="3600"/>
-            </a:lvl1pPr>
-          </a:lstStyle>
+          <a:bodyPr/>
+          <a:lstStyle/>
           <a:p>
             <a:r>
               <a:rPr lang="en-US" smtClean="0"/>
@@ -2962,7 +3386,7 @@
       </p:sp>
       <p:sp>
         <p:nvSpPr>
-          <p:cNvPr id="4" name="Date Placeholder 3"/>
+          <p:cNvPr id="7" name="Date Placeholder 3"/>
           <p:cNvSpPr>
             <a:spLocks noGrp="1"/>
           </p:cNvSpPr>
@@ -2977,7 +3401,7 @@
           <a:p>
             <a:fld id="{FD49D357-028A-436C-9364-82B3DD197A27}" type="datetimeFigureOut">
               <a:rPr lang="en-CA" smtClean="0"/>
-              <a:t>2023-07-05</a:t>
+              <a:t>2023-07-21</a:t>
             </a:fld>
             <a:endParaRPr lang="en-CA"/>
           </a:p>
@@ -3028,7 +3452,7 @@
     </p:spTree>
     <p:extLst>
       <p:ext uri="{BB962C8B-B14F-4D97-AF65-F5344CB8AC3E}">
-        <p14:creationId xmlns:p14="http://schemas.microsoft.com/office/powerpoint/2010/main" val="1083865172"/>
+        <p14:creationId xmlns:p14="http://schemas.microsoft.com/office/powerpoint/2010/main" val="2888586872"/>
       </p:ext>
     </p:extLst>
   </p:cSld>
@@ -3067,8 +3491,8 @@
         </p:nvSpPr>
         <p:spPr>
           <a:xfrm>
-            <a:off x="677335" y="2700867"/>
-            <a:ext cx="8596668" cy="1826581"/>
+            <a:off x="1154956" y="2861733"/>
+            <a:ext cx="8825657" cy="1915647"/>
           </a:xfrm>
         </p:spPr>
         <p:txBody>
@@ -3099,8 +3523,8 @@
         </p:nvSpPr>
         <p:spPr>
           <a:xfrm>
-            <a:off x="677335" y="4527448"/>
-            <a:ext cx="8596668" cy="860400"/>
+            <a:off x="1154955" y="4777381"/>
+            <a:ext cx="8825658" cy="860400"/>
           </a:xfrm>
         </p:spPr>
         <p:txBody>
@@ -3108,11 +3532,11 @@
           <a:lstStyle>
             <a:lvl1pPr marL="0" indent="0" algn="l">
               <a:buNone/>
-              <a:defRPr sz="2000">
+              <a:defRPr sz="2000" cap="all">
                 <a:solidFill>
-                  <a:schemeClr val="tx1">
-                    <a:lumMod val="50000"/>
-                    <a:lumOff val="50000"/>
+                  <a:schemeClr val="bg2">
+                    <a:lumMod val="40000"/>
+                    <a:lumOff val="60000"/>
                   </a:schemeClr>
                 </a:solidFill>
               </a:defRPr>
@@ -3224,7 +3648,7 @@
           <a:p>
             <a:fld id="{FD49D357-028A-436C-9364-82B3DD197A27}" type="datetimeFigureOut">
               <a:rPr lang="en-CA" smtClean="0"/>
-              <a:t>2023-07-05</a:t>
+              <a:t>2023-07-21</a:t>
             </a:fld>
             <a:endParaRPr lang="en-CA"/>
           </a:p>
@@ -3275,7 +3699,7 @@
     </p:spTree>
     <p:extLst>
       <p:ext uri="{BB962C8B-B14F-4D97-AF65-F5344CB8AC3E}">
-        <p14:creationId xmlns:p14="http://schemas.microsoft.com/office/powerpoint/2010/main" val="3310530060"/>
+        <p14:creationId xmlns:p14="http://schemas.microsoft.com/office/powerpoint/2010/main" val="70647330"/>
       </p:ext>
     </p:extLst>
   </p:cSld>
@@ -3337,13 +3761,43 @@
         </p:nvSpPr>
         <p:spPr>
           <a:xfrm>
-            <a:off x="677334" y="2160589"/>
-            <a:ext cx="4184035" cy="3880772"/>
+            <a:off x="1103312" y="2060575"/>
+            <a:ext cx="4396339" cy="4195763"/>
           </a:xfrm>
         </p:spPr>
         <p:txBody>
-          <a:bodyPr/>
-          <a:lstStyle/>
+          <a:bodyPr>
+            <a:normAutofit/>
+          </a:bodyPr>
+          <a:lstStyle>
+            <a:lvl1pPr>
+              <a:defRPr sz="1800"/>
+            </a:lvl1pPr>
+            <a:lvl2pPr>
+              <a:defRPr sz="1600"/>
+            </a:lvl2pPr>
+            <a:lvl3pPr>
+              <a:defRPr sz="1400"/>
+            </a:lvl3pPr>
+            <a:lvl4pPr>
+              <a:defRPr sz="1200"/>
+            </a:lvl4pPr>
+            <a:lvl5pPr>
+              <a:defRPr sz="1200"/>
+            </a:lvl5pPr>
+            <a:lvl6pPr>
+              <a:defRPr sz="1200"/>
+            </a:lvl6pPr>
+            <a:lvl7pPr>
+              <a:defRPr sz="1200"/>
+            </a:lvl7pPr>
+            <a:lvl8pPr>
+              <a:defRPr sz="1200"/>
+            </a:lvl8pPr>
+            <a:lvl9pPr>
+              <a:defRPr sz="1200"/>
+            </a:lvl9pPr>
+          </a:lstStyle>
           <a:p>
             <a:pPr lvl="0"/>
             <a:r>
@@ -3394,13 +3848,43 @@
         </p:nvSpPr>
         <p:spPr>
           <a:xfrm>
-            <a:off x="5089970" y="2160589"/>
-            <a:ext cx="4184034" cy="3880773"/>
+            <a:off x="5654493" y="2056092"/>
+            <a:ext cx="4396341" cy="4200245"/>
           </a:xfrm>
         </p:spPr>
         <p:txBody>
-          <a:bodyPr/>
-          <a:lstStyle/>
+          <a:bodyPr>
+            <a:normAutofit/>
+          </a:bodyPr>
+          <a:lstStyle>
+            <a:lvl1pPr>
+              <a:defRPr sz="1800"/>
+            </a:lvl1pPr>
+            <a:lvl2pPr>
+              <a:defRPr sz="1600"/>
+            </a:lvl2pPr>
+            <a:lvl3pPr>
+              <a:defRPr sz="1400"/>
+            </a:lvl3pPr>
+            <a:lvl4pPr>
+              <a:defRPr sz="1200"/>
+            </a:lvl4pPr>
+            <a:lvl5pPr>
+              <a:defRPr sz="1200"/>
+            </a:lvl5pPr>
+            <a:lvl6pPr>
+              <a:defRPr sz="1200"/>
+            </a:lvl6pPr>
+            <a:lvl7pPr>
+              <a:defRPr sz="1200"/>
+            </a:lvl7pPr>
+            <a:lvl8pPr>
+              <a:defRPr sz="1200"/>
+            </a:lvl8pPr>
+            <a:lvl9pPr>
+              <a:defRPr sz="1200"/>
+            </a:lvl9pPr>
+          </a:lstStyle>
           <a:p>
             <a:pPr lvl="0"/>
             <a:r>
@@ -3456,7 +3940,7 @@
           <a:p>
             <a:fld id="{FD49D357-028A-436C-9364-82B3DD197A27}" type="datetimeFigureOut">
               <a:rPr lang="en-CA" smtClean="0"/>
-              <a:t>2023-07-05</a:t>
+              <a:t>2023-07-21</a:t>
             </a:fld>
             <a:endParaRPr lang="en-CA"/>
           </a:p>
@@ -3507,7 +3991,7 @@
     </p:spTree>
     <p:extLst>
       <p:ext uri="{BB962C8B-B14F-4D97-AF65-F5344CB8AC3E}">
-        <p14:creationId xmlns:p14="http://schemas.microsoft.com/office/powerpoint/2010/main" val="1886015817"/>
+        <p14:creationId xmlns:p14="http://schemas.microsoft.com/office/powerpoint/2010/main" val="2122584998"/>
       </p:ext>
     </p:extLst>
   </p:cSld>
@@ -3573,8 +4057,8 @@
         </p:nvSpPr>
         <p:spPr>
           <a:xfrm>
-            <a:off x="675745" y="2160983"/>
-            <a:ext cx="4185623" cy="576262"/>
+            <a:off x="1103313" y="1905000"/>
+            <a:ext cx="4396338" cy="576262"/>
           </a:xfrm>
         </p:spPr>
         <p:txBody>
@@ -3584,7 +4068,14 @@
           <a:lstStyle>
             <a:lvl1pPr marL="0" indent="0">
               <a:buNone/>
-              <a:defRPr sz="2400" b="0"/>
+              <a:defRPr sz="2400" b="0">
+                <a:solidFill>
+                  <a:schemeClr val="bg2">
+                    <a:lumMod val="40000"/>
+                    <a:lumOff val="60000"/>
+                  </a:schemeClr>
+                </a:solidFill>
+              </a:defRPr>
             </a:lvl1pPr>
             <a:lvl2pPr marL="457200" indent="0">
               <a:buNone/>
@@ -3640,15 +4131,43 @@
         </p:nvSpPr>
         <p:spPr>
           <a:xfrm>
-            <a:off x="675745" y="2737245"/>
-            <a:ext cx="4185623" cy="3304117"/>
+            <a:off x="1103312" y="2514600"/>
+            <a:ext cx="4396339" cy="3741738"/>
           </a:xfrm>
         </p:spPr>
         <p:txBody>
           <a:bodyPr>
             <a:normAutofit/>
           </a:bodyPr>
-          <a:lstStyle/>
+          <a:lstStyle>
+            <a:lvl1pPr>
+              <a:defRPr sz="1800"/>
+            </a:lvl1pPr>
+            <a:lvl2pPr>
+              <a:defRPr sz="1600"/>
+            </a:lvl2pPr>
+            <a:lvl3pPr>
+              <a:defRPr sz="1400"/>
+            </a:lvl3pPr>
+            <a:lvl4pPr>
+              <a:defRPr sz="1200"/>
+            </a:lvl4pPr>
+            <a:lvl5pPr>
+              <a:defRPr sz="1200"/>
+            </a:lvl5pPr>
+            <a:lvl6pPr>
+              <a:defRPr sz="1200"/>
+            </a:lvl6pPr>
+            <a:lvl7pPr>
+              <a:defRPr sz="1200"/>
+            </a:lvl7pPr>
+            <a:lvl8pPr>
+              <a:defRPr sz="1200"/>
+            </a:lvl8pPr>
+            <a:lvl9pPr>
+              <a:defRPr sz="1200"/>
+            </a:lvl9pPr>
+          </a:lstStyle>
           <a:p>
             <a:pPr lvl="0"/>
             <a:r>
@@ -3699,8 +4218,8 @@
         </p:nvSpPr>
         <p:spPr>
           <a:xfrm>
-            <a:off x="5088383" y="2160983"/>
-            <a:ext cx="4185618" cy="576262"/>
+            <a:off x="5654495" y="1905000"/>
+            <a:ext cx="4396339" cy="576262"/>
           </a:xfrm>
         </p:spPr>
         <p:txBody>
@@ -3710,7 +4229,14 @@
           <a:lstStyle>
             <a:lvl1pPr marL="0" indent="0">
               <a:buNone/>
-              <a:defRPr sz="2400" b="0"/>
+              <a:defRPr sz="2400" b="0">
+                <a:solidFill>
+                  <a:schemeClr val="bg2">
+                    <a:lumMod val="40000"/>
+                    <a:lumOff val="60000"/>
+                  </a:schemeClr>
+                </a:solidFill>
+              </a:defRPr>
             </a:lvl1pPr>
             <a:lvl2pPr marL="457200" indent="0">
               <a:buNone/>
@@ -3766,15 +4292,43 @@
         </p:nvSpPr>
         <p:spPr>
           <a:xfrm>
-            <a:off x="5088384" y="2737245"/>
-            <a:ext cx="4185617" cy="3304117"/>
+            <a:off x="5654495" y="2514600"/>
+            <a:ext cx="4396339" cy="3741738"/>
           </a:xfrm>
         </p:spPr>
         <p:txBody>
           <a:bodyPr>
             <a:normAutofit/>
           </a:bodyPr>
-          <a:lstStyle/>
+          <a:lstStyle>
+            <a:lvl1pPr>
+              <a:defRPr sz="1800"/>
+            </a:lvl1pPr>
+            <a:lvl2pPr>
+              <a:defRPr sz="1600"/>
+            </a:lvl2pPr>
+            <a:lvl3pPr>
+              <a:defRPr sz="1400"/>
+            </a:lvl3pPr>
+            <a:lvl4pPr>
+              <a:defRPr sz="1200"/>
+            </a:lvl4pPr>
+            <a:lvl5pPr>
+              <a:defRPr sz="1200"/>
+            </a:lvl5pPr>
+            <a:lvl6pPr>
+              <a:defRPr sz="1200"/>
+            </a:lvl6pPr>
+            <a:lvl7pPr>
+              <a:defRPr sz="1200"/>
+            </a:lvl7pPr>
+            <a:lvl8pPr>
+              <a:defRPr sz="1200"/>
+            </a:lvl8pPr>
+            <a:lvl9pPr>
+              <a:defRPr sz="1200"/>
+            </a:lvl9pPr>
+          </a:lstStyle>
           <a:p>
             <a:pPr lvl="0"/>
             <a:r>
@@ -3830,7 +4384,7 @@
           <a:p>
             <a:fld id="{FD49D357-028A-436C-9364-82B3DD197A27}" type="datetimeFigureOut">
               <a:rPr lang="en-CA" smtClean="0"/>
-              <a:t>2023-07-05</a:t>
+              <a:t>2023-07-21</a:t>
             </a:fld>
             <a:endParaRPr lang="en-CA"/>
           </a:p>
@@ -3881,7 +4435,7 @@
     </p:spTree>
     <p:extLst>
       <p:ext uri="{BB962C8B-B14F-4D97-AF65-F5344CB8AC3E}">
-        <p14:creationId xmlns:p14="http://schemas.microsoft.com/office/powerpoint/2010/main" val="830126455"/>
+        <p14:creationId xmlns:p14="http://schemas.microsoft.com/office/powerpoint/2010/main" val="1605513973"/>
       </p:ext>
     </p:extLst>
   </p:cSld>
@@ -3918,12 +4472,7 @@
             <p:ph type="title"/>
           </p:nvPr>
         </p:nvSpPr>
-        <p:spPr>
-          <a:xfrm>
-            <a:off x="677334" y="609600"/>
-            <a:ext cx="8596668" cy="1320800"/>
-          </a:xfrm>
-        </p:spPr>
+        <p:spPr/>
         <p:txBody>
           <a:bodyPr/>
           <a:lstStyle/>
@@ -3938,7 +4487,7 @@
       </p:sp>
       <p:sp>
         <p:nvSpPr>
-          <p:cNvPr id="3" name="Date Placeholder 2"/>
+          <p:cNvPr id="7" name="Date Placeholder 2"/>
           <p:cNvSpPr>
             <a:spLocks noGrp="1"/>
           </p:cNvSpPr>
@@ -3953,7 +4502,7 @@
           <a:p>
             <a:fld id="{FD49D357-028A-436C-9364-82B3DD197A27}" type="datetimeFigureOut">
               <a:rPr lang="en-CA" smtClean="0"/>
-              <a:t>2023-07-05</a:t>
+              <a:t>2023-07-21</a:t>
             </a:fld>
             <a:endParaRPr lang="en-CA"/>
           </a:p>
@@ -3961,7 +4510,7 @@
       </p:sp>
       <p:sp>
         <p:nvSpPr>
-          <p:cNvPr id="4" name="Footer Placeholder 3"/>
+          <p:cNvPr id="5" name="Footer Placeholder 3"/>
           <p:cNvSpPr>
             <a:spLocks noGrp="1"/>
           </p:cNvSpPr>
@@ -3980,7 +4529,7 @@
       </p:sp>
       <p:sp>
         <p:nvSpPr>
-          <p:cNvPr id="5" name="Slide Number Placeholder 4"/>
+          <p:cNvPr id="6" name="Slide Number Placeholder 4"/>
           <p:cNvSpPr>
             <a:spLocks noGrp="1"/>
           </p:cNvSpPr>
@@ -4004,7 +4553,7 @@
     </p:spTree>
     <p:extLst>
       <p:ext uri="{BB962C8B-B14F-4D97-AF65-F5344CB8AC3E}">
-        <p14:creationId xmlns:p14="http://schemas.microsoft.com/office/powerpoint/2010/main" val="4146512340"/>
+        <p14:creationId xmlns:p14="http://schemas.microsoft.com/office/powerpoint/2010/main" val="3120559708"/>
       </p:ext>
     </p:extLst>
   </p:cSld>
@@ -4033,7 +4582,7 @@
       </p:grpSpPr>
       <p:sp>
         <p:nvSpPr>
-          <p:cNvPr id="2" name="Date Placeholder 1"/>
+          <p:cNvPr id="7" name="Date Placeholder 1"/>
           <p:cNvSpPr>
             <a:spLocks noGrp="1"/>
           </p:cNvSpPr>
@@ -4048,7 +4597,7 @@
           <a:p>
             <a:fld id="{FD49D357-028A-436C-9364-82B3DD197A27}" type="datetimeFigureOut">
               <a:rPr lang="en-CA" smtClean="0"/>
-              <a:t>2023-07-05</a:t>
+              <a:t>2023-07-21</a:t>
             </a:fld>
             <a:endParaRPr lang="en-CA"/>
           </a:p>
@@ -4056,7 +4605,7 @@
       </p:sp>
       <p:sp>
         <p:nvSpPr>
-          <p:cNvPr id="3" name="Footer Placeholder 2"/>
+          <p:cNvPr id="5" name="Footer Placeholder 2"/>
           <p:cNvSpPr>
             <a:spLocks noGrp="1"/>
           </p:cNvSpPr>
@@ -4075,7 +4624,7 @@
       </p:sp>
       <p:sp>
         <p:nvSpPr>
-          <p:cNvPr id="4" name="Slide Number Placeholder 3"/>
+          <p:cNvPr id="6" name="Slide Number Placeholder 3"/>
           <p:cNvSpPr>
             <a:spLocks noGrp="1"/>
           </p:cNvSpPr>
@@ -4099,7 +4648,7 @@
     </p:spTree>
     <p:extLst>
       <p:ext uri="{BB962C8B-B14F-4D97-AF65-F5344CB8AC3E}">
-        <p14:creationId xmlns:p14="http://schemas.microsoft.com/office/powerpoint/2010/main" val="2054087282"/>
+        <p14:creationId xmlns:p14="http://schemas.microsoft.com/office/powerpoint/2010/main" val="1228535393"/>
       </p:ext>
     </p:extLst>
   </p:cSld>
@@ -4138,23 +4687,108 @@
         </p:nvSpPr>
         <p:spPr>
           <a:xfrm>
-            <a:off x="677334" y="1498604"/>
-            <a:ext cx="3854528" cy="1278466"/>
+            <a:off x="1154953" y="1447800"/>
+            <a:ext cx="3401064" cy="1447800"/>
           </a:xfrm>
         </p:spPr>
         <p:txBody>
-          <a:bodyPr anchor="b">
+          <a:bodyPr anchor="b"/>
+          <a:lstStyle>
+            <a:lvl1pPr algn="l">
+              <a:defRPr sz="2400" b="0"/>
+            </a:lvl1pPr>
+          </a:lstStyle>
+          <a:p>
+            <a:r>
+              <a:rPr lang="en-US" smtClean="0"/>
+              <a:t>Click to edit Master title style</a:t>
+            </a:r>
+            <a:endParaRPr lang="en-US" dirty="0"/>
+          </a:p>
+        </p:txBody>
+      </p:sp>
+      <p:sp>
+        <p:nvSpPr>
+          <p:cNvPr id="3" name="Content Placeholder 2"/>
+          <p:cNvSpPr>
+            <a:spLocks noGrp="1"/>
+          </p:cNvSpPr>
+          <p:nvPr>
+            <p:ph idx="1"/>
+          </p:nvPr>
+        </p:nvSpPr>
+        <p:spPr>
+          <a:xfrm>
+            <a:off x="4784616" y="1447800"/>
+            <a:ext cx="5195997" cy="4572000"/>
+          </a:xfrm>
+        </p:spPr>
+        <p:txBody>
+          <a:bodyPr anchor="ctr">
             <a:normAutofit/>
           </a:bodyPr>
           <a:lstStyle>
             <a:lvl1pPr>
               <a:defRPr sz="2000"/>
             </a:lvl1pPr>
+            <a:lvl2pPr>
+              <a:defRPr sz="1800"/>
+            </a:lvl2pPr>
+            <a:lvl3pPr>
+              <a:defRPr sz="1600"/>
+            </a:lvl3pPr>
+            <a:lvl4pPr>
+              <a:defRPr sz="1400"/>
+            </a:lvl4pPr>
+            <a:lvl5pPr>
+              <a:defRPr sz="1400"/>
+            </a:lvl5pPr>
+            <a:lvl6pPr>
+              <a:defRPr sz="1400"/>
+            </a:lvl6pPr>
+            <a:lvl7pPr>
+              <a:defRPr sz="1400"/>
+            </a:lvl7pPr>
+            <a:lvl8pPr>
+              <a:defRPr sz="1400"/>
+            </a:lvl8pPr>
+            <a:lvl9pPr>
+              <a:defRPr sz="1400"/>
+            </a:lvl9pPr>
           </a:lstStyle>
           <a:p>
-            <a:r>
-              <a:rPr lang="en-US" smtClean="0"/>
-              <a:t>Click to edit Master title style</a:t>
+            <a:pPr lvl="0"/>
+            <a:r>
+              <a:rPr lang="en-US" smtClean="0"/>
+              <a:t>Click to edit Master text styles</a:t>
+            </a:r>
+          </a:p>
+          <a:p>
+            <a:pPr lvl="1"/>
+            <a:r>
+              <a:rPr lang="en-US" smtClean="0"/>
+              <a:t>Second level</a:t>
+            </a:r>
+          </a:p>
+          <a:p>
+            <a:pPr lvl="2"/>
+            <a:r>
+              <a:rPr lang="en-US" smtClean="0"/>
+              <a:t>Third level</a:t>
+            </a:r>
+          </a:p>
+          <a:p>
+            <a:pPr lvl="3"/>
+            <a:r>
+              <a:rPr lang="en-US" smtClean="0"/>
+              <a:t>Fourth level</a:t>
+            </a:r>
+          </a:p>
+          <a:p>
+            <a:pPr lvl="4"/>
+            <a:r>
+              <a:rPr lang="en-US" smtClean="0"/>
+              <a:t>Fifth level</a:t>
             </a:r>
             <a:endParaRPr lang="en-US" dirty="0"/>
           </a:p>
@@ -4162,119 +4796,58 @@
       </p:sp>
       <p:sp>
         <p:nvSpPr>
-          <p:cNvPr id="3" name="Content Placeholder 2"/>
-          <p:cNvSpPr>
-            <a:spLocks noGrp="1"/>
-          </p:cNvSpPr>
-          <p:nvPr>
-            <p:ph idx="1"/>
+          <p:cNvPr id="4" name="Text Placeholder 3"/>
+          <p:cNvSpPr>
+            <a:spLocks noGrp="1"/>
+          </p:cNvSpPr>
+          <p:nvPr>
+            <p:ph type="body" sz="half" idx="2"/>
           </p:nvPr>
         </p:nvSpPr>
         <p:spPr>
           <a:xfrm>
-            <a:off x="4760461" y="514924"/>
-            <a:ext cx="4513541" cy="5526437"/>
+            <a:off x="1154953" y="3129280"/>
+            <a:ext cx="3401063" cy="2895599"/>
           </a:xfrm>
         </p:spPr>
         <p:txBody>
-          <a:bodyPr>
-            <a:normAutofit/>
-          </a:bodyPr>
-          <a:lstStyle/>
-          <a:p>
-            <a:pPr lvl="0"/>
-            <a:r>
-              <a:rPr lang="en-US" smtClean="0"/>
-              <a:t>Click to edit Master text styles</a:t>
-            </a:r>
-          </a:p>
-          <a:p>
-            <a:pPr lvl="1"/>
-            <a:r>
-              <a:rPr lang="en-US" smtClean="0"/>
-              <a:t>Second level</a:t>
-            </a:r>
-          </a:p>
-          <a:p>
-            <a:pPr lvl="2"/>
-            <a:r>
-              <a:rPr lang="en-US" smtClean="0"/>
-              <a:t>Third level</a:t>
-            </a:r>
-          </a:p>
-          <a:p>
-            <a:pPr lvl="3"/>
-            <a:r>
-              <a:rPr lang="en-US" smtClean="0"/>
-              <a:t>Fourth level</a:t>
-            </a:r>
-          </a:p>
-          <a:p>
-            <a:pPr lvl="4"/>
-            <a:r>
-              <a:rPr lang="en-US" smtClean="0"/>
-              <a:t>Fifth level</a:t>
-            </a:r>
-            <a:endParaRPr lang="en-US" dirty="0"/>
-          </a:p>
-        </p:txBody>
-      </p:sp>
-      <p:sp>
-        <p:nvSpPr>
-          <p:cNvPr id="4" name="Text Placeholder 3"/>
-          <p:cNvSpPr>
-            <a:spLocks noGrp="1"/>
-          </p:cNvSpPr>
-          <p:nvPr>
-            <p:ph type="body" sz="half" idx="2"/>
-          </p:nvPr>
-        </p:nvSpPr>
-        <p:spPr>
-          <a:xfrm>
-            <a:off x="677334" y="2777069"/>
-            <a:ext cx="3854528" cy="2584449"/>
-          </a:xfrm>
-        </p:spPr>
-        <p:txBody>
-          <a:bodyPr>
-            <a:normAutofit/>
-          </a:bodyPr>
+          <a:bodyPr/>
           <a:lstStyle>
             <a:lvl1pPr marL="0" indent="0">
               <a:buNone/>
               <a:defRPr sz="1400"/>
             </a:lvl1pPr>
-            <a:lvl2pPr marL="457063" indent="0">
-              <a:buNone/>
-              <a:defRPr sz="1400"/>
+            <a:lvl2pPr marL="457200" indent="0">
+              <a:buNone/>
+              <a:defRPr sz="1200"/>
             </a:lvl2pPr>
-            <a:lvl3pPr marL="914126" indent="0">
-              <a:buNone/>
-              <a:defRPr sz="1200"/>
+            <a:lvl3pPr marL="914400" indent="0">
+              <a:buNone/>
+              <a:defRPr sz="1000"/>
             </a:lvl3pPr>
-            <a:lvl4pPr marL="1371189" indent="0">
-              <a:buNone/>
-              <a:defRPr sz="1000"/>
+            <a:lvl4pPr marL="1371600" indent="0">
+              <a:buNone/>
+              <a:defRPr sz="900"/>
             </a:lvl4pPr>
-            <a:lvl5pPr marL="1828251" indent="0">
-              <a:buNone/>
-              <a:defRPr sz="1000"/>
+            <a:lvl5pPr marL="1828800" indent="0">
+              <a:buNone/>
+              <a:defRPr sz="900"/>
             </a:lvl5pPr>
-            <a:lvl6pPr marL="2285314" indent="0">
-              <a:buNone/>
-              <a:defRPr sz="1000"/>
+            <a:lvl6pPr marL="2286000" indent="0">
+              <a:buNone/>
+              <a:defRPr sz="900"/>
             </a:lvl6pPr>
-            <a:lvl7pPr marL="2742377" indent="0">
-              <a:buNone/>
-              <a:defRPr sz="1000"/>
+            <a:lvl7pPr marL="2743200" indent="0">
+              <a:buNone/>
+              <a:defRPr sz="900"/>
             </a:lvl7pPr>
-            <a:lvl8pPr marL="3199440" indent="0">
-              <a:buNone/>
-              <a:defRPr sz="1000"/>
+            <a:lvl8pPr marL="3200400" indent="0">
+              <a:buNone/>
+              <a:defRPr sz="900"/>
             </a:lvl8pPr>
-            <a:lvl9pPr marL="3656503" indent="0">
-              <a:buNone/>
-              <a:defRPr sz="1000"/>
+            <a:lvl9pPr marL="3657600" indent="0">
+              <a:buNone/>
+              <a:defRPr sz="900"/>
             </a:lvl9pPr>
           </a:lstStyle>
           <a:p>
@@ -4288,7 +4861,7 @@
       </p:sp>
       <p:sp>
         <p:nvSpPr>
-          <p:cNvPr id="5" name="Date Placeholder 4"/>
+          <p:cNvPr id="7" name="Date Placeholder 4"/>
           <p:cNvSpPr>
             <a:spLocks noGrp="1"/>
           </p:cNvSpPr>
@@ -4303,7 +4876,7 @@
           <a:p>
             <a:fld id="{FD49D357-028A-436C-9364-82B3DD197A27}" type="datetimeFigureOut">
               <a:rPr lang="en-CA" smtClean="0"/>
-              <a:t>2023-07-05</a:t>
+              <a:t>2023-07-21</a:t>
             </a:fld>
             <a:endParaRPr lang="en-CA"/>
           </a:p>
@@ -4311,7 +4884,7 @@
       </p:sp>
       <p:sp>
         <p:nvSpPr>
-          <p:cNvPr id="6" name="Footer Placeholder 5"/>
+          <p:cNvPr id="5" name="Footer Placeholder 5"/>
           <p:cNvSpPr>
             <a:spLocks noGrp="1"/>
           </p:cNvSpPr>
@@ -4330,7 +4903,7 @@
       </p:sp>
       <p:sp>
         <p:nvSpPr>
-          <p:cNvPr id="7" name="Slide Number Placeholder 6"/>
+          <p:cNvPr id="6" name="Slide Number Placeholder 6"/>
           <p:cNvSpPr>
             <a:spLocks noGrp="1"/>
           </p:cNvSpPr>
@@ -4354,7 +4927,7 @@
     </p:spTree>
     <p:extLst>
       <p:ext uri="{BB962C8B-B14F-4D97-AF65-F5344CB8AC3E}">
-        <p14:creationId xmlns:p14="http://schemas.microsoft.com/office/powerpoint/2010/main" val="793904225"/>
+        <p14:creationId xmlns:p14="http://schemas.microsoft.com/office/powerpoint/2010/main" val="1540118059"/>
       </p:ext>
     </p:extLst>
   </p:cSld>
@@ -4393,8 +4966,8 @@
         </p:nvSpPr>
         <p:spPr>
           <a:xfrm>
-            <a:off x="677334" y="4800600"/>
-            <a:ext cx="8596667" cy="566738"/>
+            <a:off x="1153907" y="1854192"/>
+            <a:ext cx="5092906" cy="1574808"/>
           </a:xfrm>
         </p:spPr>
         <p:txBody>
@@ -4403,7 +4976,7 @@
           </a:bodyPr>
           <a:lstStyle>
             <a:lvl1pPr algn="l">
-              <a:defRPr sz="2400" b="0"/>
+              <a:defRPr sz="3600" b="0"/>
             </a:lvl1pPr>
           </a:lstStyle>
           <a:p>
@@ -4427,9 +5000,21 @@
         </p:nvSpPr>
         <p:spPr>
           <a:xfrm>
-            <a:off x="677334" y="609600"/>
-            <a:ext cx="8596668" cy="3845718"/>
+            <a:off x="6949546" y="1143000"/>
+            <a:ext cx="3200400" cy="4572000"/>
           </a:xfrm>
+          <a:prstGeom prst="roundRect">
+            <a:avLst>
+              <a:gd name="adj" fmla="val 1858"/>
+            </a:avLst>
+          </a:prstGeom>
+          <a:effectLst>
+            <a:outerShdw blurRad="50800" dist="50800" dir="5400000" algn="tl" rotWithShape="0">
+              <a:srgbClr val="000000">
+                <a:alpha val="43000"/>
+              </a:srgbClr>
+            </a:outerShdw>
+          </a:effectLst>
         </p:spPr>
         <p:txBody>
           <a:bodyPr anchor="t">
@@ -4494,8 +5079,8 @@
         </p:nvSpPr>
         <p:spPr>
           <a:xfrm>
-            <a:off x="677334" y="5367338"/>
-            <a:ext cx="8596667" cy="674024"/>
+            <a:off x="1154954" y="3657600"/>
+            <a:ext cx="5084979" cy="1371600"/>
           </a:xfrm>
         </p:spPr>
         <p:txBody>
@@ -4505,7 +5090,7 @@
           <a:lstStyle>
             <a:lvl1pPr marL="0" indent="0">
               <a:buNone/>
-              <a:defRPr sz="1200"/>
+              <a:defRPr sz="1400"/>
             </a:lvl1pPr>
             <a:lvl2pPr marL="457200" indent="0">
               <a:buNone/>
@@ -4566,7 +5151,7 @@
           <a:p>
             <a:fld id="{FD49D357-028A-436C-9364-82B3DD197A27}" type="datetimeFigureOut">
               <a:rPr lang="en-CA" smtClean="0"/>
-              <a:t>2023-07-05</a:t>
+              <a:t>2023-07-21</a:t>
             </a:fld>
             <a:endParaRPr lang="en-CA"/>
           </a:p>
@@ -4617,7 +5202,7 @@
     </p:spTree>
     <p:extLst>
       <p:ext uri="{BB962C8B-B14F-4D97-AF65-F5344CB8AC3E}">
-        <p14:creationId xmlns:p14="http://schemas.microsoft.com/office/powerpoint/2010/main" val="478489646"/>
+        <p14:creationId xmlns:p14="http://schemas.microsoft.com/office/powerpoint/2010/main" val="582911688"/>
       </p:ext>
     </p:extLst>
   </p:cSld>
@@ -4631,8 +5216,8 @@
 <p:sldMaster xmlns:a="http://schemas.openxmlformats.org/drawingml/2006/main" xmlns:r="http://schemas.openxmlformats.org/officeDocument/2006/relationships" xmlns:p="http://schemas.openxmlformats.org/presentationml/2006/main">
   <p:cSld>
     <p:bg>
-      <p:bgRef idx="1001">
-        <a:schemeClr val="bg1"/>
+      <p:bgRef idx="1003">
+        <a:schemeClr val="bg2"/>
       </p:bgRef>
     </p:bg>
     <p:spTree>
@@ -4649,655 +5234,420 @@
           <a:chExt cx="0" cy="0"/>
         </a:xfrm>
       </p:grpSpPr>
-      <p:grpSp>
-        <p:nvGrpSpPr>
-          <p:cNvPr id="7" name="Group 6"/>
-          <p:cNvGrpSpPr/>
+      <p:pic>
+        <p:nvPicPr>
+          <p:cNvPr id="8" name="Picture 7"/>
+          <p:cNvPicPr>
+            <a:picLocks noChangeAspect="1"/>
+          </p:cNvPicPr>
           <p:nvPr/>
-        </p:nvGrpSpPr>
-        <p:grpSpPr>
-          <a:xfrm>
-            <a:off x="0" y="-8467"/>
-            <a:ext cx="12192000" cy="6866467"/>
-            <a:chOff x="0" y="-8467"/>
-            <a:chExt cx="12192000" cy="6866467"/>
-          </a:xfrm>
-        </p:grpSpPr>
-        <p:cxnSp>
-          <p:nvCxnSpPr>
-            <p:cNvPr id="20" name="Straight Connector 19"/>
-            <p:cNvCxnSpPr/>
-            <p:nvPr/>
-          </p:nvCxnSpPr>
-          <p:spPr>
-            <a:xfrm>
-              <a:off x="9371012" y="0"/>
-              <a:ext cx="1219200" cy="6858000"/>
-            </a:xfrm>
-            <a:prstGeom prst="line">
-              <a:avLst/>
-            </a:prstGeom>
-            <a:ln w="9525">
-              <a:solidFill>
-                <a:schemeClr val="bg1">
-                  <a:lumMod val="75000"/>
-                </a:schemeClr>
-              </a:solidFill>
-            </a:ln>
-          </p:spPr>
-          <p:style>
-            <a:lnRef idx="2">
-              <a:schemeClr val="accent1"/>
-            </a:lnRef>
-            <a:fillRef idx="0">
-              <a:schemeClr val="accent1"/>
-            </a:fillRef>
-            <a:effectRef idx="1">
-              <a:schemeClr val="accent1"/>
-            </a:effectRef>
-            <a:fontRef idx="minor">
-              <a:schemeClr val="tx1"/>
-            </a:fontRef>
-          </p:style>
-        </p:cxnSp>
-        <p:cxnSp>
-          <p:nvCxnSpPr>
-            <p:cNvPr id="21" name="Straight Connector 20"/>
-            <p:cNvCxnSpPr/>
-            <p:nvPr/>
-          </p:nvCxnSpPr>
-          <p:spPr>
-            <a:xfrm flipH="1">
-              <a:off x="7425267" y="3681413"/>
-              <a:ext cx="4763558" cy="3176587"/>
-            </a:xfrm>
-            <a:prstGeom prst="line">
-              <a:avLst/>
-            </a:prstGeom>
-            <a:ln w="9525">
-              <a:solidFill>
-                <a:schemeClr val="bg1">
-                  <a:lumMod val="85000"/>
-                </a:schemeClr>
-              </a:solidFill>
-            </a:ln>
-          </p:spPr>
-          <p:style>
-            <a:lnRef idx="2">
-              <a:schemeClr val="accent1"/>
-            </a:lnRef>
-            <a:fillRef idx="0">
-              <a:schemeClr val="accent1"/>
-            </a:fillRef>
-            <a:effectRef idx="1">
-              <a:schemeClr val="accent1"/>
-            </a:effectRef>
-            <a:fontRef idx="minor">
-              <a:schemeClr val="tx1"/>
-            </a:fontRef>
-          </p:style>
-        </p:cxnSp>
-        <p:sp>
-          <p:nvSpPr>
-            <p:cNvPr id="22" name="Rectangle 23"/>
-            <p:cNvSpPr/>
-            <p:nvPr/>
-          </p:nvSpPr>
-          <p:spPr>
-            <a:xfrm>
-              <a:off x="9181476" y="-8467"/>
-              <a:ext cx="3007349" cy="6866467"/>
-            </a:xfrm>
-            <a:custGeom>
-              <a:avLst/>
-              <a:gdLst/>
-              <a:ahLst/>
-              <a:cxnLst/>
-              <a:rect l="l" t="t" r="r" b="b"/>
-              <a:pathLst>
-                <a:path w="3007349" h="6866467">
-                  <a:moveTo>
-                    <a:pt x="2045532" y="0"/>
-                  </a:moveTo>
-                  <a:lnTo>
-                    <a:pt x="3007349" y="0"/>
-                  </a:lnTo>
-                  <a:lnTo>
-                    <a:pt x="3007349" y="6866467"/>
-                  </a:lnTo>
-                  <a:lnTo>
-                    <a:pt x="0" y="6866467"/>
-                  </a:lnTo>
-                  <a:lnTo>
-                    <a:pt x="2045532" y="0"/>
-                  </a:lnTo>
-                  <a:close/>
-                </a:path>
-              </a:pathLst>
-            </a:custGeom>
-            <a:solidFill>
-              <a:schemeClr val="accent1">
-                <a:alpha val="30000"/>
-              </a:schemeClr>
-            </a:solidFill>
-            <a:ln>
-              <a:noFill/>
-            </a:ln>
-            <a:effectLst/>
-          </p:spPr>
-          <p:style>
-            <a:lnRef idx="1">
-              <a:schemeClr val="accent1"/>
-            </a:lnRef>
-            <a:fillRef idx="3">
-              <a:schemeClr val="accent1"/>
-            </a:fillRef>
-            <a:effectRef idx="2">
-              <a:schemeClr val="accent1"/>
-            </a:effectRef>
-            <a:fontRef idx="minor">
-              <a:schemeClr val="lt1"/>
-            </a:fontRef>
-          </p:style>
-        </p:sp>
-        <p:sp>
-          <p:nvSpPr>
-            <p:cNvPr id="23" name="Rectangle 25"/>
-            <p:cNvSpPr/>
-            <p:nvPr/>
-          </p:nvSpPr>
-          <p:spPr>
-            <a:xfrm>
-              <a:off x="9603442" y="-8467"/>
-              <a:ext cx="2588558" cy="6866467"/>
-            </a:xfrm>
-            <a:custGeom>
-              <a:avLst/>
-              <a:gdLst/>
-              <a:ahLst/>
-              <a:cxnLst/>
-              <a:rect l="l" t="t" r="r" b="b"/>
-              <a:pathLst>
-                <a:path w="2573311" h="6866467">
-                  <a:moveTo>
-                    <a:pt x="0" y="0"/>
-                  </a:moveTo>
-                  <a:lnTo>
-                    <a:pt x="2573311" y="0"/>
-                  </a:lnTo>
-                  <a:lnTo>
-                    <a:pt x="2573311" y="6866467"/>
-                  </a:lnTo>
-                  <a:lnTo>
-                    <a:pt x="1202336" y="6866467"/>
-                  </a:lnTo>
-                  <a:lnTo>
-                    <a:pt x="0" y="0"/>
-                  </a:lnTo>
-                  <a:close/>
-                </a:path>
-              </a:pathLst>
-            </a:custGeom>
-            <a:solidFill>
-              <a:schemeClr val="accent1">
-                <a:alpha val="20000"/>
-              </a:schemeClr>
-            </a:solidFill>
-            <a:ln>
-              <a:noFill/>
-            </a:ln>
-            <a:effectLst/>
-          </p:spPr>
-          <p:style>
-            <a:lnRef idx="1">
-              <a:schemeClr val="accent1"/>
-            </a:lnRef>
-            <a:fillRef idx="3">
-              <a:schemeClr val="accent1"/>
-            </a:fillRef>
-            <a:effectRef idx="2">
-              <a:schemeClr val="accent1"/>
-            </a:effectRef>
-            <a:fontRef idx="minor">
-              <a:schemeClr val="lt1"/>
-            </a:fontRef>
-          </p:style>
-        </p:sp>
-        <p:sp>
-          <p:nvSpPr>
-            <p:cNvPr id="24" name="Isosceles Triangle 23"/>
-            <p:cNvSpPr/>
-            <p:nvPr/>
-          </p:nvSpPr>
-          <p:spPr>
-            <a:xfrm>
-              <a:off x="8932333" y="3048000"/>
-              <a:ext cx="3259667" cy="3810000"/>
-            </a:xfrm>
-            <a:prstGeom prst="triangle">
-              <a:avLst>
-                <a:gd name="adj" fmla="val 100000"/>
-              </a:avLst>
-            </a:prstGeom>
-            <a:solidFill>
-              <a:schemeClr val="accent2">
-                <a:alpha val="72000"/>
-              </a:schemeClr>
-            </a:solidFill>
-            <a:ln>
-              <a:noFill/>
-            </a:ln>
-            <a:effectLst/>
-          </p:spPr>
-          <p:style>
-            <a:lnRef idx="1">
-              <a:schemeClr val="accent1"/>
-            </a:lnRef>
-            <a:fillRef idx="3">
-              <a:schemeClr val="accent1"/>
-            </a:fillRef>
-            <a:effectRef idx="2">
-              <a:schemeClr val="accent1"/>
-            </a:effectRef>
-            <a:fontRef idx="minor">
-              <a:schemeClr val="lt1"/>
-            </a:fontRef>
-          </p:style>
-        </p:sp>
-        <p:sp>
-          <p:nvSpPr>
-            <p:cNvPr id="25" name="Rectangle 27"/>
-            <p:cNvSpPr/>
-            <p:nvPr/>
-          </p:nvSpPr>
-          <p:spPr>
-            <a:xfrm>
-              <a:off x="9334500" y="-8467"/>
-              <a:ext cx="2854326" cy="6866467"/>
-            </a:xfrm>
-            <a:custGeom>
-              <a:avLst/>
-              <a:gdLst/>
-              <a:ahLst/>
-              <a:cxnLst/>
-              <a:rect l="l" t="t" r="r" b="b"/>
-              <a:pathLst>
-                <a:path w="2858013" h="6866467">
-                  <a:moveTo>
-                    <a:pt x="0" y="0"/>
-                  </a:moveTo>
-                  <a:lnTo>
-                    <a:pt x="2858013" y="0"/>
-                  </a:lnTo>
-                  <a:lnTo>
-                    <a:pt x="2858013" y="6866467"/>
-                  </a:lnTo>
-                  <a:lnTo>
-                    <a:pt x="2473942" y="6866467"/>
-                  </a:lnTo>
-                  <a:lnTo>
-                    <a:pt x="0" y="0"/>
-                  </a:lnTo>
-                  <a:close/>
-                </a:path>
-              </a:pathLst>
-            </a:custGeom>
-            <a:solidFill>
-              <a:schemeClr val="accent2">
-                <a:lumMod val="75000"/>
-                <a:alpha val="70000"/>
-              </a:schemeClr>
-            </a:solidFill>
-            <a:ln>
-              <a:noFill/>
-            </a:ln>
-            <a:effectLst/>
-          </p:spPr>
-          <p:style>
-            <a:lnRef idx="1">
-              <a:schemeClr val="accent1"/>
-            </a:lnRef>
-            <a:fillRef idx="3">
-              <a:schemeClr val="accent1"/>
-            </a:fillRef>
-            <a:effectRef idx="2">
-              <a:schemeClr val="accent1"/>
-            </a:effectRef>
-            <a:fontRef idx="minor">
-              <a:schemeClr val="lt1"/>
-            </a:fontRef>
-          </p:style>
-        </p:sp>
-        <p:sp>
-          <p:nvSpPr>
-            <p:cNvPr id="26" name="Rectangle 28"/>
-            <p:cNvSpPr/>
-            <p:nvPr/>
-          </p:nvSpPr>
-          <p:spPr>
-            <a:xfrm>
-              <a:off x="10898730" y="-8467"/>
-              <a:ext cx="1290094" cy="6866467"/>
-            </a:xfrm>
-            <a:custGeom>
-              <a:avLst/>
-              <a:gdLst/>
-              <a:ahLst/>
-              <a:cxnLst/>
-              <a:rect l="l" t="t" r="r" b="b"/>
-              <a:pathLst>
-                <a:path w="1290094" h="6858000">
-                  <a:moveTo>
-                    <a:pt x="1019735" y="0"/>
-                  </a:moveTo>
-                  <a:lnTo>
-                    <a:pt x="1290094" y="0"/>
-                  </a:lnTo>
-                  <a:lnTo>
-                    <a:pt x="1290094" y="6858000"/>
-                  </a:lnTo>
-                  <a:lnTo>
-                    <a:pt x="0" y="6858000"/>
-                  </a:lnTo>
-                  <a:lnTo>
-                    <a:pt x="1019735" y="0"/>
-                  </a:lnTo>
-                  <a:close/>
-                </a:path>
-              </a:pathLst>
-            </a:custGeom>
-            <a:solidFill>
-              <a:schemeClr val="accent1">
-                <a:lumMod val="60000"/>
-                <a:lumOff val="40000"/>
-                <a:alpha val="70000"/>
-              </a:schemeClr>
-            </a:solidFill>
-            <a:ln>
-              <a:noFill/>
-            </a:ln>
-            <a:effectLst/>
-          </p:spPr>
-          <p:style>
-            <a:lnRef idx="1">
-              <a:schemeClr val="accent1"/>
-            </a:lnRef>
-            <a:fillRef idx="3">
-              <a:schemeClr val="accent1"/>
-            </a:fillRef>
-            <a:effectRef idx="2">
-              <a:schemeClr val="accent1"/>
-            </a:effectRef>
-            <a:fontRef idx="minor">
-              <a:schemeClr val="lt1"/>
-            </a:fontRef>
-          </p:style>
-        </p:sp>
-        <p:sp>
-          <p:nvSpPr>
-            <p:cNvPr id="27" name="Rectangle 29"/>
-            <p:cNvSpPr/>
-            <p:nvPr/>
-          </p:nvSpPr>
-          <p:spPr>
-            <a:xfrm>
-              <a:off x="10938999" y="-8467"/>
-              <a:ext cx="1249825" cy="6866467"/>
-            </a:xfrm>
-            <a:custGeom>
-              <a:avLst/>
-              <a:gdLst/>
-              <a:ahLst/>
-              <a:cxnLst/>
-              <a:rect l="l" t="t" r="r" b="b"/>
-              <a:pathLst>
-                <a:path w="1249825" h="6858000">
-                  <a:moveTo>
-                    <a:pt x="0" y="0"/>
-                  </a:moveTo>
-                  <a:lnTo>
-                    <a:pt x="1249825" y="0"/>
-                  </a:lnTo>
-                  <a:lnTo>
-                    <a:pt x="1249825" y="6858000"/>
-                  </a:lnTo>
-                  <a:lnTo>
-                    <a:pt x="1109382" y="6858000"/>
-                  </a:lnTo>
-                  <a:lnTo>
-                    <a:pt x="0" y="0"/>
-                  </a:lnTo>
-                  <a:close/>
-                </a:path>
-              </a:pathLst>
-            </a:custGeom>
-            <a:solidFill>
-              <a:schemeClr val="accent1">
-                <a:alpha val="65000"/>
-              </a:schemeClr>
-            </a:solidFill>
-            <a:ln>
-              <a:noFill/>
-            </a:ln>
-            <a:effectLst/>
-          </p:spPr>
-          <p:style>
-            <a:lnRef idx="1">
-              <a:schemeClr val="accent1"/>
-            </a:lnRef>
-            <a:fillRef idx="3">
-              <a:schemeClr val="accent1"/>
-            </a:fillRef>
-            <a:effectRef idx="2">
-              <a:schemeClr val="accent1"/>
-            </a:effectRef>
-            <a:fontRef idx="minor">
-              <a:schemeClr val="lt1"/>
-            </a:fontRef>
-          </p:style>
-        </p:sp>
-        <p:sp>
-          <p:nvSpPr>
-            <p:cNvPr id="28" name="Isosceles Triangle 27"/>
-            <p:cNvSpPr/>
-            <p:nvPr/>
-          </p:nvSpPr>
-          <p:spPr>
-            <a:xfrm>
-              <a:off x="10371666" y="3589867"/>
-              <a:ext cx="1817159" cy="3268133"/>
-            </a:xfrm>
-            <a:prstGeom prst="triangle">
-              <a:avLst>
-                <a:gd name="adj" fmla="val 100000"/>
-              </a:avLst>
-            </a:prstGeom>
-            <a:solidFill>
-              <a:schemeClr val="accent1">
-                <a:alpha val="80000"/>
-              </a:schemeClr>
-            </a:solidFill>
-            <a:ln>
-              <a:noFill/>
-            </a:ln>
-            <a:effectLst/>
-          </p:spPr>
-          <p:style>
-            <a:lnRef idx="1">
-              <a:schemeClr val="accent1"/>
-            </a:lnRef>
-            <a:fillRef idx="3">
-              <a:schemeClr val="accent1"/>
-            </a:fillRef>
-            <a:effectRef idx="2">
-              <a:schemeClr val="accent1"/>
-            </a:effectRef>
-            <a:fontRef idx="minor">
-              <a:schemeClr val="lt1"/>
-            </a:fontRef>
-          </p:style>
-        </p:sp>
-        <p:sp>
-          <p:nvSpPr>
-            <p:cNvPr id="29" name="Isosceles Triangle 28"/>
-            <p:cNvSpPr/>
-            <p:nvPr/>
-          </p:nvSpPr>
-          <p:spPr>
-            <a:xfrm>
-              <a:off x="0" y="4013200"/>
-              <a:ext cx="448733" cy="2844800"/>
-            </a:xfrm>
-            <a:prstGeom prst="triangle">
-              <a:avLst>
-                <a:gd name="adj" fmla="val 0"/>
-              </a:avLst>
-            </a:prstGeom>
-            <a:solidFill>
-              <a:schemeClr val="accent1">
-                <a:alpha val="85000"/>
-              </a:schemeClr>
-            </a:solidFill>
-            <a:ln>
-              <a:noFill/>
-            </a:ln>
-            <a:effectLst/>
-          </p:spPr>
-          <p:style>
-            <a:lnRef idx="1">
-              <a:schemeClr val="accent1"/>
-            </a:lnRef>
-            <a:fillRef idx="3">
-              <a:schemeClr val="accent1"/>
-            </a:fillRef>
-            <a:effectRef idx="2">
-              <a:schemeClr val="accent1"/>
-            </a:effectRef>
-            <a:fontRef idx="minor">
-              <a:schemeClr val="lt1"/>
-            </a:fontRef>
-          </p:style>
-        </p:sp>
-      </p:grpSp>
-      <p:sp>
-        <p:nvSpPr>
-          <p:cNvPr id="2" name="Title Placeholder 1"/>
-          <p:cNvSpPr>
-            <a:spLocks noGrp="1"/>
-          </p:cNvSpPr>
-          <p:nvPr>
-            <p:ph type="title"/>
-          </p:nvPr>
-        </p:nvSpPr>
+        </p:nvPicPr>
+        <p:blipFill rotWithShape="1">
+          <a:blip r:embed="rId19">
+            <a:extLst>
+              <a:ext uri="{28A0092B-C50C-407E-A947-70E740481C1C}">
+                <a14:useLocalDpi xmlns:a14="http://schemas.microsoft.com/office/drawing/2010/main" val="0"/>
+              </a:ext>
+            </a:extLst>
+          </a:blip>
+          <a:srcRect l="3613"/>
+          <a:stretch/>
+        </p:blipFill>
         <p:spPr>
           <a:xfrm>
-            <a:off x="677334" y="609600"/>
-            <a:ext cx="8596668" cy="1320800"/>
+            <a:off x="0" y="2669685"/>
+            <a:ext cx="4037012" cy="4188315"/>
           </a:xfrm>
           <a:prstGeom prst="rect">
             <a:avLst/>
           </a:prstGeom>
         </p:spPr>
-        <p:txBody>
-          <a:bodyPr vert="horz" lIns="91440" tIns="45720" rIns="91440" bIns="45720" rtlCol="0" anchor="t">
-            <a:normAutofit/>
-          </a:bodyPr>
-          <a:lstStyle/>
-          <a:p>
-            <a:r>
-              <a:rPr lang="en-US" smtClean="0"/>
-              <a:t>Click to edit Master title style</a:t>
-            </a:r>
-            <a:endParaRPr lang="en-US" dirty="0"/>
-          </a:p>
-        </p:txBody>
-      </p:sp>
-      <p:sp>
-        <p:nvSpPr>
-          <p:cNvPr id="3" name="Text Placeholder 2"/>
-          <p:cNvSpPr>
-            <a:spLocks noGrp="1"/>
-          </p:cNvSpPr>
-          <p:nvPr>
-            <p:ph type="body" idx="1"/>
-          </p:nvPr>
-        </p:nvSpPr>
+      </p:pic>
+      <p:pic>
+        <p:nvPicPr>
+          <p:cNvPr id="7" name="Picture 6"/>
+          <p:cNvPicPr>
+            <a:picLocks noChangeAspect="1"/>
+          </p:cNvPicPr>
+          <p:nvPr/>
+        </p:nvPicPr>
+        <p:blipFill rotWithShape="1">
+          <a:blip r:embed="rId20">
+            <a:extLst>
+              <a:ext uri="{28A0092B-C50C-407E-A947-70E740481C1C}">
+                <a14:useLocalDpi xmlns:a14="http://schemas.microsoft.com/office/drawing/2010/main" val="0"/>
+              </a:ext>
+            </a:extLst>
+          </a:blip>
+          <a:srcRect l="35640"/>
+          <a:stretch/>
+        </p:blipFill>
         <p:spPr>
           <a:xfrm>
-            <a:off x="677334" y="2160589"/>
-            <a:ext cx="8596668" cy="3880773"/>
+            <a:off x="0" y="2892347"/>
+            <a:ext cx="1522412" cy="2365453"/>
           </a:xfrm>
           <a:prstGeom prst="rect">
             <a:avLst/>
           </a:prstGeom>
         </p:spPr>
-        <p:txBody>
-          <a:bodyPr vert="horz" lIns="91440" tIns="45720" rIns="91440" bIns="45720" rtlCol="0">
-            <a:normAutofit/>
-          </a:bodyPr>
-          <a:lstStyle/>
-          <a:p>
-            <a:pPr lvl="0"/>
-            <a:r>
-              <a:rPr lang="en-US" smtClean="0"/>
-              <a:t>Click to edit Master text styles</a:t>
-            </a:r>
-          </a:p>
-          <a:p>
-            <a:pPr lvl="1"/>
-            <a:r>
-              <a:rPr lang="en-US" smtClean="0"/>
-              <a:t>Second level</a:t>
-            </a:r>
-          </a:p>
-          <a:p>
-            <a:pPr lvl="2"/>
-            <a:r>
-              <a:rPr lang="en-US" smtClean="0"/>
-              <a:t>Third level</a:t>
-            </a:r>
-          </a:p>
-          <a:p>
-            <a:pPr lvl="3"/>
-            <a:r>
-              <a:rPr lang="en-US" smtClean="0"/>
-              <a:t>Fourth level</a:t>
-            </a:r>
-          </a:p>
-          <a:p>
-            <a:pPr lvl="4"/>
-            <a:r>
-              <a:rPr lang="en-US" smtClean="0"/>
-              <a:t>Fifth level</a:t>
-            </a:r>
-            <a:endParaRPr lang="en-US" dirty="0"/>
-          </a:p>
-        </p:txBody>
-      </p:sp>
-      <p:sp>
-        <p:nvSpPr>
-          <p:cNvPr id="4" name="Date Placeholder 3"/>
-          <p:cNvSpPr>
-            <a:spLocks noGrp="1"/>
-          </p:cNvSpPr>
-          <p:nvPr>
-            <p:ph type="dt" sz="half" idx="2"/>
-          </p:nvPr>
+      </p:pic>
+      <p:sp>
+        <p:nvSpPr>
+          <p:cNvPr id="16" name="Oval 15"/>
+          <p:cNvSpPr/>
+          <p:nvPr/>
         </p:nvSpPr>
         <p:spPr>
           <a:xfrm>
-            <a:off x="7205133" y="6041362"/>
-            <a:ext cx="911939" cy="365125"/>
+            <a:off x="8609012" y="1676400"/>
+            <a:ext cx="2819400" cy="2819400"/>
+          </a:xfrm>
+          <a:prstGeom prst="ellipse">
+            <a:avLst/>
+          </a:prstGeom>
+          <a:gradFill flip="none" rotWithShape="1">
+            <a:gsLst>
+              <a:gs pos="0">
+                <a:schemeClr val="bg2">
+                  <a:lumMod val="60000"/>
+                  <a:lumOff val="40000"/>
+                  <a:alpha val="7000"/>
+                </a:schemeClr>
+              </a:gs>
+              <a:gs pos="69000">
+                <a:schemeClr val="bg2">
+                  <a:lumMod val="60000"/>
+                  <a:lumOff val="40000"/>
+                  <a:alpha val="0"/>
+                </a:schemeClr>
+              </a:gs>
+              <a:gs pos="36000">
+                <a:schemeClr val="bg2">
+                  <a:lumMod val="60000"/>
+                  <a:lumOff val="40000"/>
+                  <a:alpha val="6000"/>
+                </a:schemeClr>
+              </a:gs>
+            </a:gsLst>
+            <a:path path="circle">
+              <a:fillToRect l="50000" t="50000" r="50000" b="50000"/>
+            </a:path>
+            <a:tileRect/>
+          </a:gradFill>
+          <a:ln>
+            <a:noFill/>
+          </a:ln>
+          <a:effectLst/>
+        </p:spPr>
+        <p:style>
+          <a:lnRef idx="1">
+            <a:schemeClr val="accent1"/>
+          </a:lnRef>
+          <a:fillRef idx="3">
+            <a:schemeClr val="accent1"/>
+          </a:fillRef>
+          <a:effectRef idx="2">
+            <a:schemeClr val="accent1"/>
+          </a:effectRef>
+          <a:fontRef idx="minor">
+            <a:schemeClr val="lt1"/>
+          </a:fontRef>
+        </p:style>
+      </p:sp>
+      <p:pic>
+        <p:nvPicPr>
+          <p:cNvPr id="9" name="Picture 8"/>
+          <p:cNvPicPr>
+            <a:picLocks noChangeAspect="1"/>
+          </p:cNvPicPr>
+          <p:nvPr/>
+        </p:nvPicPr>
+        <p:blipFill rotWithShape="1">
+          <a:blip r:embed="rId21">
+            <a:extLst>
+              <a:ext uri="{28A0092B-C50C-407E-A947-70E740481C1C}">
+                <a14:useLocalDpi xmlns:a14="http://schemas.microsoft.com/office/drawing/2010/main" val="0"/>
+              </a:ext>
+            </a:extLst>
+          </a:blip>
+          <a:srcRect t="28813"/>
+          <a:stretch/>
+        </p:blipFill>
+        <p:spPr>
+          <a:xfrm>
+            <a:off x="7999412" y="0"/>
+            <a:ext cx="1603387" cy="1141407"/>
           </a:xfrm>
           <a:prstGeom prst="rect">
             <a:avLst/>
           </a:prstGeom>
         </p:spPr>
-        <p:txBody>
-          <a:bodyPr vert="horz" lIns="91440" tIns="45720" rIns="91440" bIns="45720" rtlCol="0" anchor="ctr"/>
+      </p:pic>
+      <p:pic>
+        <p:nvPicPr>
+          <p:cNvPr id="10" name="Picture 9"/>
+          <p:cNvPicPr>
+            <a:picLocks noChangeAspect="1"/>
+          </p:cNvPicPr>
+          <p:nvPr/>
+        </p:nvPicPr>
+        <p:blipFill rotWithShape="1">
+          <a:blip r:embed="rId22">
+            <a:extLst>
+              <a:ext uri="{28A0092B-C50C-407E-A947-70E740481C1C}">
+                <a14:useLocalDpi xmlns:a14="http://schemas.microsoft.com/office/drawing/2010/main" val="0"/>
+              </a:ext>
+            </a:extLst>
+          </a:blip>
+          <a:srcRect b="23320"/>
+          <a:stretch/>
+        </p:blipFill>
+        <p:spPr>
+          <a:xfrm>
+            <a:off x="8605878" y="6096000"/>
+            <a:ext cx="993734" cy="762000"/>
+          </a:xfrm>
+          <a:prstGeom prst="rect">
+            <a:avLst/>
+          </a:prstGeom>
+        </p:spPr>
+      </p:pic>
+      <p:sp>
+        <p:nvSpPr>
+          <p:cNvPr id="14" name="Rectangle 13"/>
+          <p:cNvSpPr/>
+          <p:nvPr/>
+        </p:nvSpPr>
+        <p:spPr>
+          <a:xfrm>
+            <a:off x="10437812" y="0"/>
+            <a:ext cx="685800" cy="1143000"/>
+          </a:xfrm>
+          <a:prstGeom prst="rect">
+            <a:avLst/>
+          </a:prstGeom>
+          <a:solidFill>
+            <a:schemeClr val="accent1"/>
+          </a:solidFill>
+          <a:ln>
+            <a:noFill/>
+          </a:ln>
+        </p:spPr>
+        <p:style>
+          <a:lnRef idx="1">
+            <a:schemeClr val="accent1"/>
+          </a:lnRef>
+          <a:fillRef idx="3">
+            <a:schemeClr val="accent1"/>
+          </a:fillRef>
+          <a:effectRef idx="2">
+            <a:schemeClr val="accent1"/>
+          </a:effectRef>
+          <a:fontRef idx="minor">
+            <a:schemeClr val="lt1"/>
+          </a:fontRef>
+        </p:style>
+      </p:sp>
+      <p:sp>
+        <p:nvSpPr>
+          <p:cNvPr id="2" name="Title Placeholder 1"/>
+          <p:cNvSpPr>
+            <a:spLocks noGrp="1"/>
+          </p:cNvSpPr>
+          <p:nvPr>
+            <p:ph type="title"/>
+          </p:nvPr>
+        </p:nvSpPr>
+        <p:spPr>
+          <a:xfrm>
+            <a:off x="646111" y="452718"/>
+            <a:ext cx="9404723" cy="1400530"/>
+          </a:xfrm>
+          <a:prstGeom prst="rect">
+            <a:avLst/>
+          </a:prstGeom>
+        </p:spPr>
+        <p:txBody>
+          <a:bodyPr vert="horz" lIns="91440" tIns="45720" rIns="91440" bIns="45720" rtlCol="0" anchor="t">
+            <a:noAutofit/>
+          </a:bodyPr>
+          <a:lstStyle/>
+          <a:p>
+            <a:r>
+              <a:rPr lang="en-US" smtClean="0"/>
+              <a:t>Click to edit Master title style</a:t>
+            </a:r>
+            <a:endParaRPr lang="en-US" dirty="0"/>
+          </a:p>
+        </p:txBody>
+      </p:sp>
+      <p:sp>
+        <p:nvSpPr>
+          <p:cNvPr id="3" name="Text Placeholder 2"/>
+          <p:cNvSpPr>
+            <a:spLocks noGrp="1"/>
+          </p:cNvSpPr>
+          <p:nvPr>
+            <p:ph type="body" idx="1"/>
+          </p:nvPr>
+        </p:nvSpPr>
+        <p:spPr>
+          <a:xfrm>
+            <a:off x="1103312" y="2052918"/>
+            <a:ext cx="8946541" cy="4195481"/>
+          </a:xfrm>
+          <a:prstGeom prst="rect">
+            <a:avLst/>
+          </a:prstGeom>
+        </p:spPr>
+        <p:txBody>
+          <a:bodyPr vert="horz" lIns="91440" tIns="45720" rIns="91440" bIns="45720" rtlCol="0">
+            <a:normAutofit/>
+          </a:bodyPr>
+          <a:lstStyle/>
+          <a:p>
+            <a:pPr lvl="0"/>
+            <a:r>
+              <a:rPr lang="en-US" smtClean="0"/>
+              <a:t>Click to edit Master text styles</a:t>
+            </a:r>
+          </a:p>
+          <a:p>
+            <a:pPr lvl="1"/>
+            <a:r>
+              <a:rPr lang="en-US" smtClean="0"/>
+              <a:t>Second level</a:t>
+            </a:r>
+          </a:p>
+          <a:p>
+            <a:pPr lvl="2"/>
+            <a:r>
+              <a:rPr lang="en-US" smtClean="0"/>
+              <a:t>Third level</a:t>
+            </a:r>
+          </a:p>
+          <a:p>
+            <a:pPr lvl="3"/>
+            <a:r>
+              <a:rPr lang="en-US" smtClean="0"/>
+              <a:t>Fourth level</a:t>
+            </a:r>
+          </a:p>
+          <a:p>
+            <a:pPr lvl="4"/>
+            <a:r>
+              <a:rPr lang="en-US" smtClean="0"/>
+              <a:t>Fifth level</a:t>
+            </a:r>
+            <a:endParaRPr lang="en-US" dirty="0"/>
+          </a:p>
+        </p:txBody>
+      </p:sp>
+      <p:sp>
+        <p:nvSpPr>
+          <p:cNvPr id="4" name="Date Placeholder 3"/>
+          <p:cNvSpPr>
+            <a:spLocks noGrp="1"/>
+          </p:cNvSpPr>
+          <p:nvPr>
+            <p:ph type="dt" sz="half" idx="2"/>
+          </p:nvPr>
+        </p:nvSpPr>
+        <p:spPr>
+          <a:xfrm rot="5400000">
+            <a:off x="10155639" y="1790701"/>
+            <a:ext cx="990599" cy="304799"/>
+          </a:xfrm>
+          <a:prstGeom prst="rect">
+            <a:avLst/>
+          </a:prstGeom>
+        </p:spPr>
+        <p:txBody>
+          <a:bodyPr vert="horz" lIns="91440" tIns="45720" rIns="91440" bIns="45720" rtlCol="0" anchor="t"/>
           <a:lstStyle>
-            <a:lvl1pPr algn="r">
-              <a:defRPr sz="900">
+            <a:lvl1pPr algn="l">
+              <a:defRPr sz="1100" b="0" i="0">
+                <a:solidFill>
+                  <a:schemeClr val="tx1">
+                    <a:tint val="75000"/>
+                    <a:alpha val="60000"/>
+                  </a:schemeClr>
+                </a:solidFill>
+              </a:defRPr>
+            </a:lvl1pPr>
+          </a:lstStyle>
+          <a:p>
+            <a:fld id="{FD49D357-028A-436C-9364-82B3DD197A27}" type="datetimeFigureOut">
+              <a:rPr lang="en-CA" smtClean="0"/>
+              <a:t>2023-07-21</a:t>
+            </a:fld>
+            <a:endParaRPr lang="en-CA"/>
+          </a:p>
+        </p:txBody>
+      </p:sp>
+      <p:sp>
+        <p:nvSpPr>
+          <p:cNvPr id="5" name="Footer Placeholder 4"/>
+          <p:cNvSpPr>
+            <a:spLocks noGrp="1"/>
+          </p:cNvSpPr>
+          <p:nvPr>
+            <p:ph type="ftr" sz="quarter" idx="3"/>
+          </p:nvPr>
+        </p:nvSpPr>
+        <p:spPr>
+          <a:xfrm rot="5400000">
+            <a:off x="8951573" y="3225297"/>
+            <a:ext cx="3859795" cy="304801"/>
+          </a:xfrm>
+          <a:prstGeom prst="rect">
+            <a:avLst/>
+          </a:prstGeom>
+        </p:spPr>
+        <p:txBody>
+          <a:bodyPr vert="horz" lIns="91440" tIns="45720" rIns="91440" bIns="45720" rtlCol="0" anchor="b"/>
+          <a:lstStyle>
+            <a:lvl1pPr algn="l">
+              <a:defRPr sz="1100" b="0" i="0">
+                <a:solidFill>
+                  <a:schemeClr val="tx1">
+                    <a:tint val="75000"/>
+                    <a:alpha val="60000"/>
+                  </a:schemeClr>
+                </a:solidFill>
+              </a:defRPr>
+            </a:lvl1pPr>
+          </a:lstStyle>
+          <a:p>
+            <a:endParaRPr lang="en-CA"/>
+          </a:p>
+        </p:txBody>
+      </p:sp>
+      <p:sp>
+        <p:nvSpPr>
+          <p:cNvPr id="6" name="Slide Number Placeholder 5"/>
+          <p:cNvSpPr>
+            <a:spLocks noGrp="1"/>
+          </p:cNvSpPr>
+          <p:nvPr>
+            <p:ph type="sldNum" sz="quarter" idx="4"/>
+          </p:nvPr>
+        </p:nvSpPr>
+        <p:spPr bwMode="gray">
+          <a:xfrm>
+            <a:off x="10352540" y="295729"/>
+            <a:ext cx="838199" cy="767687"/>
+          </a:xfrm>
+          <a:prstGeom prst="rect">
+            <a:avLst/>
+          </a:prstGeom>
+        </p:spPr>
+        <p:txBody>
+          <a:bodyPr vert="horz" lIns="91440" tIns="45720" rIns="91440" bIns="45720" rtlCol="0" anchor="b"/>
+          <a:lstStyle>
+            <a:lvl1pPr algn="ctr">
+              <a:defRPr sz="2800" b="0" i="0">
                 <a:solidFill>
                   <a:schemeClr val="tx1">
                     <a:tint val="75000"/>
@@ -5307,82 +5657,6 @@
             </a:lvl1pPr>
           </a:lstStyle>
           <a:p>
-            <a:fld id="{FD49D357-028A-436C-9364-82B3DD197A27}" type="datetimeFigureOut">
-              <a:rPr lang="en-CA" smtClean="0"/>
-              <a:t>2023-07-05</a:t>
-            </a:fld>
-            <a:endParaRPr lang="en-CA"/>
-          </a:p>
-        </p:txBody>
-      </p:sp>
-      <p:sp>
-        <p:nvSpPr>
-          <p:cNvPr id="5" name="Footer Placeholder 4"/>
-          <p:cNvSpPr>
-            <a:spLocks noGrp="1"/>
-          </p:cNvSpPr>
-          <p:nvPr>
-            <p:ph type="ftr" sz="quarter" idx="3"/>
-          </p:nvPr>
-        </p:nvSpPr>
-        <p:spPr>
-          <a:xfrm>
-            <a:off x="677334" y="6041362"/>
-            <a:ext cx="6297612" cy="365125"/>
-          </a:xfrm>
-          <a:prstGeom prst="rect">
-            <a:avLst/>
-          </a:prstGeom>
-        </p:spPr>
-        <p:txBody>
-          <a:bodyPr vert="horz" lIns="91440" tIns="45720" rIns="91440" bIns="45720" rtlCol="0" anchor="ctr"/>
-          <a:lstStyle>
-            <a:lvl1pPr algn="l">
-              <a:defRPr sz="900">
-                <a:solidFill>
-                  <a:schemeClr val="tx1">
-                    <a:tint val="75000"/>
-                  </a:schemeClr>
-                </a:solidFill>
-              </a:defRPr>
-            </a:lvl1pPr>
-          </a:lstStyle>
-          <a:p>
-            <a:endParaRPr lang="en-CA"/>
-          </a:p>
-        </p:txBody>
-      </p:sp>
-      <p:sp>
-        <p:nvSpPr>
-          <p:cNvPr id="6" name="Slide Number Placeholder 5"/>
-          <p:cNvSpPr>
-            <a:spLocks noGrp="1"/>
-          </p:cNvSpPr>
-          <p:nvPr>
-            <p:ph type="sldNum" sz="quarter" idx="4"/>
-          </p:nvPr>
-        </p:nvSpPr>
-        <p:spPr>
-          <a:xfrm>
-            <a:off x="8590663" y="6041362"/>
-            <a:ext cx="683339" cy="365125"/>
-          </a:xfrm>
-          <a:prstGeom prst="rect">
-            <a:avLst/>
-          </a:prstGeom>
-        </p:spPr>
-        <p:txBody>
-          <a:bodyPr vert="horz" lIns="91440" tIns="45720" rIns="91440" bIns="45720" rtlCol="0" anchor="ctr"/>
-          <a:lstStyle>
-            <a:lvl1pPr algn="r">
-              <a:defRPr sz="900">
-                <a:solidFill>
-                  <a:schemeClr val="accent1"/>
-                </a:solidFill>
-              </a:defRPr>
-            </a:lvl1pPr>
-          </a:lstStyle>
-          <a:p>
             <a:fld id="{472A56A5-521C-4943-ADA6-F151D85FE968}" type="slidenum">
               <a:rPr lang="en-CA" smtClean="0"/>
               <a:t>‹#›</a:t>
@@ -5394,28 +5668,29 @@
     </p:spTree>
     <p:extLst>
       <p:ext uri="{BB962C8B-B14F-4D97-AF65-F5344CB8AC3E}">
-        <p14:creationId xmlns:p14="http://schemas.microsoft.com/office/powerpoint/2010/main" val="379805705"/>
+        <p14:creationId xmlns:p14="http://schemas.microsoft.com/office/powerpoint/2010/main" val="2865783642"/>
       </p:ext>
     </p:extLst>
   </p:cSld>
-  <p:clrMap bg1="lt1" tx1="dk1" bg2="lt2" tx2="dk2" accent1="accent1" accent2="accent2" accent3="accent3" accent4="accent4" accent5="accent5" accent6="accent6" hlink="hlink" folHlink="folHlink"/>
+  <p:clrMap bg1="dk1" tx1="lt1" bg2="dk2" tx2="lt2" accent1="accent1" accent2="accent2" accent3="accent3" accent4="accent4" accent5="accent5" accent6="accent6" hlink="hlink" folHlink="folHlink"/>
   <p:sldLayoutIdLst>
-    <p:sldLayoutId id="2147483661" r:id="rId1"/>
-    <p:sldLayoutId id="2147483662" r:id="rId2"/>
-    <p:sldLayoutId id="2147483663" r:id="rId3"/>
-    <p:sldLayoutId id="2147483664" r:id="rId4"/>
-    <p:sldLayoutId id="2147483665" r:id="rId5"/>
-    <p:sldLayoutId id="2147483666" r:id="rId6"/>
-    <p:sldLayoutId id="2147483667" r:id="rId7"/>
-    <p:sldLayoutId id="2147483668" r:id="rId8"/>
-    <p:sldLayoutId id="2147483669" r:id="rId9"/>
-    <p:sldLayoutId id="2147483670" r:id="rId10"/>
-    <p:sldLayoutId id="2147483671" r:id="rId11"/>
-    <p:sldLayoutId id="2147483672" r:id="rId12"/>
-    <p:sldLayoutId id="2147483673" r:id="rId13"/>
-    <p:sldLayoutId id="2147483674" r:id="rId14"/>
-    <p:sldLayoutId id="2147483675" r:id="rId15"/>
-    <p:sldLayoutId id="2147483676" r:id="rId16"/>
+    <p:sldLayoutId id="2147483678" r:id="rId1"/>
+    <p:sldLayoutId id="2147483679" r:id="rId2"/>
+    <p:sldLayoutId id="2147483680" r:id="rId3"/>
+    <p:sldLayoutId id="2147483681" r:id="rId4"/>
+    <p:sldLayoutId id="2147483682" r:id="rId5"/>
+    <p:sldLayoutId id="2147483683" r:id="rId6"/>
+    <p:sldLayoutId id="2147483684" r:id="rId7"/>
+    <p:sldLayoutId id="2147483685" r:id="rId8"/>
+    <p:sldLayoutId id="2147483686" r:id="rId9"/>
+    <p:sldLayoutId id="2147483687" r:id="rId10"/>
+    <p:sldLayoutId id="2147483688" r:id="rId11"/>
+    <p:sldLayoutId id="2147483689" r:id="rId12"/>
+    <p:sldLayoutId id="2147483690" r:id="rId13"/>
+    <p:sldLayoutId id="2147483691" r:id="rId14"/>
+    <p:sldLayoutId id="2147483692" r:id="rId15"/>
+    <p:sldLayoutId id="2147483693" r:id="rId16"/>
+    <p:sldLayoutId id="2147483694" r:id="rId17"/>
   </p:sldLayoutIdLst>
   <p:txStyles>
     <p:titleStyle>
@@ -5424,9 +5699,9 @@
           <a:spcPct val="0"/>
         </a:spcBef>
         <a:buNone/>
-        <a:defRPr sz="3600" kern="1200">
+        <a:defRPr sz="4200" b="0" i="0" kern="1200">
           <a:solidFill>
-            <a:schemeClr val="accent1"/>
+            <a:schemeClr val="tx2"/>
           </a:solidFill>
           <a:latin typeface="+mj-lt"/>
           <a:ea typeface="+mj-ea"/>
@@ -5499,21 +5774,21 @@
           <a:spcPts val="0"/>
         </a:spcAft>
         <a:buClr>
-          <a:schemeClr val="accent1"/>
+          <a:schemeClr val="bg2">
+            <a:lumMod val="40000"/>
+            <a:lumOff val="60000"/>
+          </a:schemeClr>
         </a:buClr>
         <a:buSzPct val="80000"/>
         <a:buFont typeface="Wingdings 3" charset="2"/>
         <a:buChar char=""/>
-        <a:defRPr sz="1800" kern="1200">
+        <a:defRPr sz="2000" b="0" i="0" kern="1200">
           <a:solidFill>
-            <a:schemeClr val="tx1">
-              <a:lumMod val="75000"/>
-              <a:lumOff val="25000"/>
-            </a:schemeClr>
+            <a:schemeClr val="tx1"/>
           </a:solidFill>
-          <a:latin typeface="+mn-lt"/>
-          <a:ea typeface="+mn-ea"/>
-          <a:cs typeface="+mn-cs"/>
+          <a:latin typeface="+mj-lt"/>
+          <a:ea typeface="+mj-ea"/>
+          <a:cs typeface="+mj-cs"/>
         </a:defRPr>
       </a:lvl1pPr>
       <a:lvl2pPr marL="742950" indent="-285750" algn="l" defTabSz="457200" rtl="0" eaLnBrk="1" latinLnBrk="0" hangingPunct="1">
@@ -5524,21 +5799,21 @@
           <a:spcPts val="0"/>
         </a:spcAft>
         <a:buClr>
-          <a:schemeClr val="accent1"/>
+          <a:schemeClr val="bg2">
+            <a:lumMod val="40000"/>
+            <a:lumOff val="60000"/>
+          </a:schemeClr>
         </a:buClr>
         <a:buSzPct val="80000"/>
         <a:buFont typeface="Wingdings 3" charset="2"/>
         <a:buChar char=""/>
-        <a:defRPr sz="1600" kern="1200">
+        <a:defRPr sz="1800" b="0" i="0" kern="1200">
           <a:solidFill>
-            <a:schemeClr val="tx1">
-              <a:lumMod val="75000"/>
-              <a:lumOff val="25000"/>
-            </a:schemeClr>
+            <a:schemeClr val="tx1"/>
           </a:solidFill>
-          <a:latin typeface="+mn-lt"/>
-          <a:ea typeface="+mn-ea"/>
-          <a:cs typeface="+mn-cs"/>
+          <a:latin typeface="+mj-lt"/>
+          <a:ea typeface="+mj-ea"/>
+          <a:cs typeface="+mj-cs"/>
         </a:defRPr>
       </a:lvl2pPr>
       <a:lvl3pPr marL="1143000" indent="-228600" algn="l" defTabSz="457200" rtl="0" eaLnBrk="1" latinLnBrk="0" hangingPunct="1">
@@ -5549,21 +5824,21 @@
           <a:spcPts val="0"/>
         </a:spcAft>
         <a:buClr>
-          <a:schemeClr val="accent1"/>
+          <a:schemeClr val="bg2">
+            <a:lumMod val="40000"/>
+            <a:lumOff val="60000"/>
+          </a:schemeClr>
         </a:buClr>
         <a:buSzPct val="80000"/>
         <a:buFont typeface="Wingdings 3" charset="2"/>
         <a:buChar char=""/>
-        <a:defRPr sz="1400" kern="1200">
+        <a:defRPr sz="1600" b="0" i="0" kern="1200">
           <a:solidFill>
-            <a:schemeClr val="tx1">
-              <a:lumMod val="75000"/>
-              <a:lumOff val="25000"/>
-            </a:schemeClr>
+            <a:schemeClr val="tx1"/>
           </a:solidFill>
-          <a:latin typeface="+mn-lt"/>
-          <a:ea typeface="+mn-ea"/>
-          <a:cs typeface="+mn-cs"/>
+          <a:latin typeface="+mj-lt"/>
+          <a:ea typeface="+mj-ea"/>
+          <a:cs typeface="+mj-cs"/>
         </a:defRPr>
       </a:lvl3pPr>
       <a:lvl4pPr marL="1600200" indent="-228600" algn="l" defTabSz="457200" rtl="0" eaLnBrk="1" latinLnBrk="0" hangingPunct="1">
@@ -5574,21 +5849,21 @@
           <a:spcPts val="0"/>
         </a:spcAft>
         <a:buClr>
-          <a:schemeClr val="accent1"/>
+          <a:schemeClr val="bg2">
+            <a:lumMod val="40000"/>
+            <a:lumOff val="60000"/>
+          </a:schemeClr>
         </a:buClr>
         <a:buSzPct val="80000"/>
         <a:buFont typeface="Wingdings 3" charset="2"/>
         <a:buChar char=""/>
-        <a:defRPr sz="1200" kern="1200">
+        <a:defRPr sz="1400" b="0" i="0" kern="1200">
           <a:solidFill>
-            <a:schemeClr val="tx1">
-              <a:lumMod val="75000"/>
-              <a:lumOff val="25000"/>
-            </a:schemeClr>
+            <a:schemeClr val="tx1"/>
           </a:solidFill>
-          <a:latin typeface="+mn-lt"/>
-          <a:ea typeface="+mn-ea"/>
-          <a:cs typeface="+mn-cs"/>
+          <a:latin typeface="+mj-lt"/>
+          <a:ea typeface="+mj-ea"/>
+          <a:cs typeface="+mj-cs"/>
         </a:defRPr>
       </a:lvl4pPr>
       <a:lvl5pPr marL="2057400" indent="-228600" algn="l" defTabSz="457200" rtl="0" eaLnBrk="1" latinLnBrk="0" hangingPunct="1">
@@ -5599,24 +5874,24 @@
           <a:spcPts val="0"/>
         </a:spcAft>
         <a:buClr>
-          <a:schemeClr val="accent1"/>
+          <a:schemeClr val="bg2">
+            <a:lumMod val="40000"/>
+            <a:lumOff val="60000"/>
+          </a:schemeClr>
         </a:buClr>
         <a:buSzPct val="80000"/>
         <a:buFont typeface="Wingdings 3" charset="2"/>
         <a:buChar char=""/>
-        <a:defRPr sz="1200" kern="1200">
+        <a:defRPr sz="1400" b="0" i="0" kern="1200">
           <a:solidFill>
-            <a:schemeClr val="tx1">
-              <a:lumMod val="75000"/>
-              <a:lumOff val="25000"/>
-            </a:schemeClr>
+            <a:schemeClr val="tx1"/>
           </a:solidFill>
-          <a:latin typeface="+mn-lt"/>
-          <a:ea typeface="+mn-ea"/>
-          <a:cs typeface="+mn-cs"/>
+          <a:latin typeface="+mj-lt"/>
+          <a:ea typeface="+mj-ea"/>
+          <a:cs typeface="+mj-cs"/>
         </a:defRPr>
       </a:lvl5pPr>
-      <a:lvl6pPr marL="2514600" indent="-228600" algn="l" defTabSz="457200" rtl="0" eaLnBrk="1" latinLnBrk="0" hangingPunct="1">
+      <a:lvl6pPr marL="2506000" indent="-228600" algn="l" defTabSz="457200" rtl="0" eaLnBrk="1" latinLnBrk="0" hangingPunct="1">
         <a:spcBef>
           <a:spcPts val="1000"/>
         </a:spcBef>
@@ -5624,21 +5899,21 @@
           <a:spcPts val="0"/>
         </a:spcAft>
         <a:buClr>
-          <a:schemeClr val="accent1"/>
+          <a:schemeClr val="bg2">
+            <a:lumMod val="40000"/>
+            <a:lumOff val="60000"/>
+          </a:schemeClr>
         </a:buClr>
         <a:buSzPct val="80000"/>
         <a:buFont typeface="Wingdings 3" charset="2"/>
         <a:buChar char=""/>
-        <a:defRPr sz="1200" kern="1200">
+        <a:defRPr sz="1400" b="0" i="0" kern="1200">
           <a:solidFill>
-            <a:schemeClr val="tx1">
-              <a:lumMod val="75000"/>
-              <a:lumOff val="25000"/>
-            </a:schemeClr>
+            <a:schemeClr val="tx1"/>
           </a:solidFill>
-          <a:latin typeface="+mn-lt"/>
-          <a:ea typeface="+mn-ea"/>
-          <a:cs typeface="+mn-cs"/>
+          <a:latin typeface="+mj-lt"/>
+          <a:ea typeface="+mj-ea"/>
+          <a:cs typeface="+mj-cs"/>
         </a:defRPr>
       </a:lvl6pPr>
       <a:lvl7pPr marL="2971800" indent="-228600" algn="l" defTabSz="457200" rtl="0" eaLnBrk="1" latinLnBrk="0" hangingPunct="1">
@@ -5649,21 +5924,21 @@
           <a:spcPts val="0"/>
         </a:spcAft>
         <a:buClr>
-          <a:schemeClr val="accent1"/>
+          <a:schemeClr val="bg2">
+            <a:lumMod val="40000"/>
+            <a:lumOff val="60000"/>
+          </a:schemeClr>
         </a:buClr>
         <a:buSzPct val="80000"/>
         <a:buFont typeface="Wingdings 3" charset="2"/>
         <a:buChar char=""/>
-        <a:defRPr sz="1200" kern="1200">
+        <a:defRPr sz="1400" b="0" i="0" kern="1200">
           <a:solidFill>
-            <a:schemeClr val="tx1">
-              <a:lumMod val="75000"/>
-              <a:lumOff val="25000"/>
-            </a:schemeClr>
+            <a:schemeClr val="tx1"/>
           </a:solidFill>
-          <a:latin typeface="+mn-lt"/>
-          <a:ea typeface="+mn-ea"/>
-          <a:cs typeface="+mn-cs"/>
+          <a:latin typeface="+mj-lt"/>
+          <a:ea typeface="+mj-ea"/>
+          <a:cs typeface="+mj-cs"/>
         </a:defRPr>
       </a:lvl7pPr>
       <a:lvl8pPr marL="3429000" indent="-228600" algn="l" defTabSz="457200" rtl="0" eaLnBrk="1" latinLnBrk="0" hangingPunct="1">
@@ -5674,21 +5949,21 @@
           <a:spcPts val="0"/>
         </a:spcAft>
         <a:buClr>
-          <a:schemeClr val="accent1"/>
+          <a:schemeClr val="bg2">
+            <a:lumMod val="40000"/>
+            <a:lumOff val="60000"/>
+          </a:schemeClr>
         </a:buClr>
         <a:buSzPct val="80000"/>
         <a:buFont typeface="Wingdings 3" charset="2"/>
         <a:buChar char=""/>
-        <a:defRPr sz="1200" kern="1200">
+        <a:defRPr sz="1400" b="0" i="0" kern="1200">
           <a:solidFill>
-            <a:schemeClr val="tx1">
-              <a:lumMod val="75000"/>
-              <a:lumOff val="25000"/>
-            </a:schemeClr>
+            <a:schemeClr val="tx1"/>
           </a:solidFill>
-          <a:latin typeface="+mn-lt"/>
-          <a:ea typeface="+mn-ea"/>
-          <a:cs typeface="+mn-cs"/>
+          <a:latin typeface="+mj-lt"/>
+          <a:ea typeface="+mj-ea"/>
+          <a:cs typeface="+mj-cs"/>
         </a:defRPr>
       </a:lvl8pPr>
       <a:lvl9pPr marL="3886200" indent="-228600" algn="l" defTabSz="457200" rtl="0" eaLnBrk="1" latinLnBrk="0" hangingPunct="1">
@@ -5699,21 +5974,21 @@
           <a:spcPts val="0"/>
         </a:spcAft>
         <a:buClr>
-          <a:schemeClr val="accent1"/>
+          <a:schemeClr val="bg2">
+            <a:lumMod val="40000"/>
+            <a:lumOff val="60000"/>
+          </a:schemeClr>
         </a:buClr>
         <a:buSzPct val="80000"/>
         <a:buFont typeface="Wingdings 3" charset="2"/>
         <a:buChar char=""/>
-        <a:defRPr sz="1200" kern="1200">
+        <a:defRPr sz="1400" b="0" i="0" kern="1200">
           <a:solidFill>
-            <a:schemeClr val="tx1">
-              <a:lumMod val="75000"/>
-              <a:lumOff val="25000"/>
-            </a:schemeClr>
+            <a:schemeClr val="tx1"/>
           </a:solidFill>
-          <a:latin typeface="+mn-lt"/>
-          <a:ea typeface="+mn-ea"/>
-          <a:cs typeface="+mn-cs"/>
+          <a:latin typeface="+mj-lt"/>
+          <a:ea typeface="+mj-ea"/>
+          <a:cs typeface="+mj-cs"/>
         </a:defRPr>
       </a:lvl9pPr>
     </p:bodyStyle>
@@ -5931,6 +6206,690 @@
           <a:p>
             <a:r>
               <a:rPr lang="en-CA" dirty="0" smtClean="0"/>
+              <a:t>Use Case Diagram - Restaurant</a:t>
+            </a:r>
+            <a:endParaRPr lang="en-CA" dirty="0"/>
+          </a:p>
+        </p:txBody>
+      </p:sp>
+      <p:pic>
+        <p:nvPicPr>
+          <p:cNvPr id="5" name="Content Placeholder 4"/>
+          <p:cNvPicPr>
+            <a:picLocks noGrp="1" noChangeAspect="1"/>
+          </p:cNvPicPr>
+          <p:nvPr>
+            <p:ph sz="half" idx="1"/>
+          </p:nvPr>
+        </p:nvPicPr>
+        <p:blipFill>
+          <a:blip r:embed="rId2" cstate="print">
+            <a:extLst>
+              <a:ext uri="{28A0092B-C50C-407E-A947-70E740481C1C}">
+                <a14:useLocalDpi xmlns:a14="http://schemas.microsoft.com/office/drawing/2010/main" val="0"/>
+              </a:ext>
+            </a:extLst>
+          </a:blip>
+          <a:stretch>
+            <a:fillRect/>
+          </a:stretch>
+        </p:blipFill>
+        <p:spPr>
+          <a:xfrm>
+            <a:off x="3441470" y="1269691"/>
+            <a:ext cx="5428210" cy="5336788"/>
+          </a:xfrm>
+        </p:spPr>
+      </p:pic>
+    </p:spTree>
+    <p:extLst>
+      <p:ext uri="{BB962C8B-B14F-4D97-AF65-F5344CB8AC3E}">
+        <p14:creationId xmlns:p14="http://schemas.microsoft.com/office/powerpoint/2010/main" val="2794713783"/>
+      </p:ext>
+    </p:extLst>
+  </p:cSld>
+  <p:clrMapOvr>
+    <a:masterClrMapping/>
+  </p:clrMapOvr>
+</p:sld>
+</file>
+
+<file path=ppt/slides/slide11.xml><?xml version="1.0" encoding="utf-8"?>
+<p:sld xmlns:a="http://schemas.openxmlformats.org/drawingml/2006/main" xmlns:r="http://schemas.openxmlformats.org/officeDocument/2006/relationships" xmlns:p="http://schemas.openxmlformats.org/presentationml/2006/main">
+  <p:cSld>
+    <p:spTree>
+      <p:nvGrpSpPr>
+        <p:cNvPr id="1" name=""/>
+        <p:cNvGrpSpPr/>
+        <p:nvPr/>
+      </p:nvGrpSpPr>
+      <p:grpSpPr>
+        <a:xfrm>
+          <a:off x="0" y="0"/>
+          <a:ext cx="0" cy="0"/>
+          <a:chOff x="0" y="0"/>
+          <a:chExt cx="0" cy="0"/>
+        </a:xfrm>
+      </p:grpSpPr>
+      <p:sp>
+        <p:nvSpPr>
+          <p:cNvPr id="2" name="Title 1"/>
+          <p:cNvSpPr>
+            <a:spLocks noGrp="1"/>
+          </p:cNvSpPr>
+          <p:nvPr>
+            <p:ph type="title"/>
+          </p:nvPr>
+        </p:nvSpPr>
+        <p:spPr/>
+        <p:txBody>
+          <a:bodyPr/>
+          <a:lstStyle/>
+          <a:p>
+            <a:r>
+              <a:rPr lang="en-CA" dirty="0" smtClean="0"/>
+              <a:t>Class Diagram</a:t>
+            </a:r>
+            <a:endParaRPr lang="en-CA" dirty="0"/>
+          </a:p>
+        </p:txBody>
+      </p:sp>
+      <p:sp>
+        <p:nvSpPr>
+          <p:cNvPr id="3" name="Content Placeholder 2"/>
+          <p:cNvSpPr>
+            <a:spLocks noGrp="1"/>
+          </p:cNvSpPr>
+          <p:nvPr>
+            <p:ph idx="1"/>
+          </p:nvPr>
+        </p:nvSpPr>
+        <p:spPr/>
+        <p:txBody>
+          <a:bodyPr/>
+          <a:lstStyle/>
+          <a:p>
+            <a:endParaRPr lang="en-CA" dirty="0"/>
+          </a:p>
+        </p:txBody>
+      </p:sp>
+    </p:spTree>
+    <p:extLst>
+      <p:ext uri="{BB962C8B-B14F-4D97-AF65-F5344CB8AC3E}">
+        <p14:creationId xmlns:p14="http://schemas.microsoft.com/office/powerpoint/2010/main" val="2555347140"/>
+      </p:ext>
+    </p:extLst>
+  </p:cSld>
+  <p:clrMapOvr>
+    <a:masterClrMapping/>
+  </p:clrMapOvr>
+</p:sld>
+</file>
+
+<file path=ppt/slides/slide12.xml><?xml version="1.0" encoding="utf-8"?>
+<p:sld xmlns:a="http://schemas.openxmlformats.org/drawingml/2006/main" xmlns:r="http://schemas.openxmlformats.org/officeDocument/2006/relationships" xmlns:p="http://schemas.openxmlformats.org/presentationml/2006/main">
+  <p:cSld>
+    <p:spTree>
+      <p:nvGrpSpPr>
+        <p:cNvPr id="1" name=""/>
+        <p:cNvGrpSpPr/>
+        <p:nvPr/>
+      </p:nvGrpSpPr>
+      <p:grpSpPr>
+        <a:xfrm>
+          <a:off x="0" y="0"/>
+          <a:ext cx="0" cy="0"/>
+          <a:chOff x="0" y="0"/>
+          <a:chExt cx="0" cy="0"/>
+        </a:xfrm>
+      </p:grpSpPr>
+      <p:sp>
+        <p:nvSpPr>
+          <p:cNvPr id="2" name="Title 1"/>
+          <p:cNvSpPr>
+            <a:spLocks noGrp="1"/>
+          </p:cNvSpPr>
+          <p:nvPr>
+            <p:ph type="title"/>
+          </p:nvPr>
+        </p:nvSpPr>
+        <p:spPr/>
+        <p:txBody>
+          <a:bodyPr/>
+          <a:lstStyle/>
+          <a:p>
+            <a:r>
+              <a:rPr lang="en-CA" dirty="0" smtClean="0"/>
+              <a:t>Design Pattern1</a:t>
+            </a:r>
+            <a:endParaRPr lang="en-CA" dirty="0"/>
+          </a:p>
+        </p:txBody>
+      </p:sp>
+      <p:sp>
+        <p:nvSpPr>
+          <p:cNvPr id="3" name="Content Placeholder 2"/>
+          <p:cNvSpPr>
+            <a:spLocks noGrp="1"/>
+          </p:cNvSpPr>
+          <p:nvPr>
+            <p:ph sz="half" idx="1"/>
+          </p:nvPr>
+        </p:nvSpPr>
+        <p:spPr/>
+        <p:txBody>
+          <a:bodyPr/>
+          <a:lstStyle/>
+          <a:p>
+            <a:r>
+              <a:rPr lang="en-CA" dirty="0" smtClean="0"/>
+              <a:t>Description</a:t>
+            </a:r>
+            <a:endParaRPr lang="en-CA" dirty="0"/>
+          </a:p>
+        </p:txBody>
+      </p:sp>
+      <p:sp>
+        <p:nvSpPr>
+          <p:cNvPr id="4" name="Content Placeholder 3"/>
+          <p:cNvSpPr>
+            <a:spLocks noGrp="1"/>
+          </p:cNvSpPr>
+          <p:nvPr>
+            <p:ph sz="half" idx="2"/>
+          </p:nvPr>
+        </p:nvSpPr>
+        <p:spPr/>
+        <p:txBody>
+          <a:bodyPr/>
+          <a:lstStyle/>
+          <a:p>
+            <a:endParaRPr lang="en-CA" dirty="0"/>
+          </a:p>
+        </p:txBody>
+      </p:sp>
+    </p:spTree>
+    <p:extLst>
+      <p:ext uri="{BB962C8B-B14F-4D97-AF65-F5344CB8AC3E}">
+        <p14:creationId xmlns:p14="http://schemas.microsoft.com/office/powerpoint/2010/main" val="898104490"/>
+      </p:ext>
+    </p:extLst>
+  </p:cSld>
+  <p:clrMapOvr>
+    <a:masterClrMapping/>
+  </p:clrMapOvr>
+</p:sld>
+</file>
+
+<file path=ppt/slides/slide13.xml><?xml version="1.0" encoding="utf-8"?>
+<p:sld xmlns:a="http://schemas.openxmlformats.org/drawingml/2006/main" xmlns:r="http://schemas.openxmlformats.org/officeDocument/2006/relationships" xmlns:p="http://schemas.openxmlformats.org/presentationml/2006/main">
+  <p:cSld>
+    <p:spTree>
+      <p:nvGrpSpPr>
+        <p:cNvPr id="1" name=""/>
+        <p:cNvGrpSpPr/>
+        <p:nvPr/>
+      </p:nvGrpSpPr>
+      <p:grpSpPr>
+        <a:xfrm>
+          <a:off x="0" y="0"/>
+          <a:ext cx="0" cy="0"/>
+          <a:chOff x="0" y="0"/>
+          <a:chExt cx="0" cy="0"/>
+        </a:xfrm>
+      </p:grpSpPr>
+      <p:sp>
+        <p:nvSpPr>
+          <p:cNvPr id="2" name="Title 1"/>
+          <p:cNvSpPr>
+            <a:spLocks noGrp="1"/>
+          </p:cNvSpPr>
+          <p:nvPr>
+            <p:ph type="title"/>
+          </p:nvPr>
+        </p:nvSpPr>
+        <p:spPr/>
+        <p:txBody>
+          <a:bodyPr/>
+          <a:lstStyle/>
+          <a:p>
+            <a:r>
+              <a:rPr lang="en-CA" dirty="0" smtClean="0"/>
+              <a:t>Design Pattern1</a:t>
+            </a:r>
+            <a:endParaRPr lang="en-CA" dirty="0"/>
+          </a:p>
+        </p:txBody>
+      </p:sp>
+      <p:sp>
+        <p:nvSpPr>
+          <p:cNvPr id="3" name="Content Placeholder 2"/>
+          <p:cNvSpPr>
+            <a:spLocks noGrp="1"/>
+          </p:cNvSpPr>
+          <p:nvPr>
+            <p:ph sz="half" idx="1"/>
+          </p:nvPr>
+        </p:nvSpPr>
+        <p:spPr/>
+        <p:txBody>
+          <a:bodyPr/>
+          <a:lstStyle/>
+          <a:p>
+            <a:r>
+              <a:rPr lang="en-CA" dirty="0" smtClean="0"/>
+              <a:t>Code Picture</a:t>
+            </a:r>
+            <a:endParaRPr lang="en-CA" dirty="0"/>
+          </a:p>
+        </p:txBody>
+      </p:sp>
+      <p:sp>
+        <p:nvSpPr>
+          <p:cNvPr id="4" name="Content Placeholder 3"/>
+          <p:cNvSpPr>
+            <a:spLocks noGrp="1"/>
+          </p:cNvSpPr>
+          <p:nvPr>
+            <p:ph sz="half" idx="2"/>
+          </p:nvPr>
+        </p:nvSpPr>
+        <p:spPr/>
+        <p:txBody>
+          <a:bodyPr/>
+          <a:lstStyle/>
+          <a:p>
+            <a:endParaRPr lang="en-CA" dirty="0"/>
+          </a:p>
+        </p:txBody>
+      </p:sp>
+    </p:spTree>
+    <p:extLst>
+      <p:ext uri="{BB962C8B-B14F-4D97-AF65-F5344CB8AC3E}">
+        <p14:creationId xmlns:p14="http://schemas.microsoft.com/office/powerpoint/2010/main" val="3413050902"/>
+      </p:ext>
+    </p:extLst>
+  </p:cSld>
+  <p:clrMapOvr>
+    <a:masterClrMapping/>
+  </p:clrMapOvr>
+</p:sld>
+</file>
+
+<file path=ppt/slides/slide14.xml><?xml version="1.0" encoding="utf-8"?>
+<p:sld xmlns:a="http://schemas.openxmlformats.org/drawingml/2006/main" xmlns:r="http://schemas.openxmlformats.org/officeDocument/2006/relationships" xmlns:p="http://schemas.openxmlformats.org/presentationml/2006/main">
+  <p:cSld>
+    <p:spTree>
+      <p:nvGrpSpPr>
+        <p:cNvPr id="1" name=""/>
+        <p:cNvGrpSpPr/>
+        <p:nvPr/>
+      </p:nvGrpSpPr>
+      <p:grpSpPr>
+        <a:xfrm>
+          <a:off x="0" y="0"/>
+          <a:ext cx="0" cy="0"/>
+          <a:chOff x="0" y="0"/>
+          <a:chExt cx="0" cy="0"/>
+        </a:xfrm>
+      </p:grpSpPr>
+      <p:sp>
+        <p:nvSpPr>
+          <p:cNvPr id="2" name="Title 1"/>
+          <p:cNvSpPr>
+            <a:spLocks noGrp="1"/>
+          </p:cNvSpPr>
+          <p:nvPr>
+            <p:ph type="title"/>
+          </p:nvPr>
+        </p:nvSpPr>
+        <p:spPr/>
+        <p:txBody>
+          <a:bodyPr/>
+          <a:lstStyle/>
+          <a:p>
+            <a:r>
+              <a:rPr lang="en-CA" dirty="0" smtClean="0"/>
+              <a:t>Design Pattern2</a:t>
+            </a:r>
+            <a:endParaRPr lang="en-CA" dirty="0"/>
+          </a:p>
+        </p:txBody>
+      </p:sp>
+      <p:sp>
+        <p:nvSpPr>
+          <p:cNvPr id="3" name="Content Placeholder 2"/>
+          <p:cNvSpPr>
+            <a:spLocks noGrp="1"/>
+          </p:cNvSpPr>
+          <p:nvPr>
+            <p:ph sz="half" idx="1"/>
+          </p:nvPr>
+        </p:nvSpPr>
+        <p:spPr/>
+        <p:txBody>
+          <a:bodyPr/>
+          <a:lstStyle/>
+          <a:p>
+            <a:r>
+              <a:rPr lang="en-CA" dirty="0"/>
+              <a:t>Description</a:t>
+            </a:r>
+          </a:p>
+        </p:txBody>
+      </p:sp>
+      <p:sp>
+        <p:nvSpPr>
+          <p:cNvPr id="4" name="Content Placeholder 3"/>
+          <p:cNvSpPr>
+            <a:spLocks noGrp="1"/>
+          </p:cNvSpPr>
+          <p:nvPr>
+            <p:ph sz="half" idx="2"/>
+          </p:nvPr>
+        </p:nvSpPr>
+        <p:spPr/>
+        <p:txBody>
+          <a:bodyPr/>
+          <a:lstStyle/>
+          <a:p>
+            <a:endParaRPr lang="en-CA" dirty="0"/>
+          </a:p>
+        </p:txBody>
+      </p:sp>
+    </p:spTree>
+    <p:extLst>
+      <p:ext uri="{BB962C8B-B14F-4D97-AF65-F5344CB8AC3E}">
+        <p14:creationId xmlns:p14="http://schemas.microsoft.com/office/powerpoint/2010/main" val="4192460451"/>
+      </p:ext>
+    </p:extLst>
+  </p:cSld>
+  <p:clrMapOvr>
+    <a:masterClrMapping/>
+  </p:clrMapOvr>
+</p:sld>
+</file>
+
+<file path=ppt/slides/slide15.xml><?xml version="1.0" encoding="utf-8"?>
+<p:sld xmlns:a="http://schemas.openxmlformats.org/drawingml/2006/main" xmlns:r="http://schemas.openxmlformats.org/officeDocument/2006/relationships" xmlns:p="http://schemas.openxmlformats.org/presentationml/2006/main">
+  <p:cSld>
+    <p:spTree>
+      <p:nvGrpSpPr>
+        <p:cNvPr id="1" name=""/>
+        <p:cNvGrpSpPr/>
+        <p:nvPr/>
+      </p:nvGrpSpPr>
+      <p:grpSpPr>
+        <a:xfrm>
+          <a:off x="0" y="0"/>
+          <a:ext cx="0" cy="0"/>
+          <a:chOff x="0" y="0"/>
+          <a:chExt cx="0" cy="0"/>
+        </a:xfrm>
+      </p:grpSpPr>
+      <p:sp>
+        <p:nvSpPr>
+          <p:cNvPr id="2" name="Title 1"/>
+          <p:cNvSpPr>
+            <a:spLocks noGrp="1"/>
+          </p:cNvSpPr>
+          <p:nvPr>
+            <p:ph type="title"/>
+          </p:nvPr>
+        </p:nvSpPr>
+        <p:spPr/>
+        <p:txBody>
+          <a:bodyPr/>
+          <a:lstStyle/>
+          <a:p>
+            <a:r>
+              <a:rPr lang="en-CA" dirty="0" smtClean="0"/>
+              <a:t>Design Pattern2</a:t>
+            </a:r>
+            <a:endParaRPr lang="en-CA" dirty="0"/>
+          </a:p>
+        </p:txBody>
+      </p:sp>
+      <p:sp>
+        <p:nvSpPr>
+          <p:cNvPr id="3" name="Content Placeholder 2"/>
+          <p:cNvSpPr>
+            <a:spLocks noGrp="1"/>
+          </p:cNvSpPr>
+          <p:nvPr>
+            <p:ph sz="half" idx="1"/>
+          </p:nvPr>
+        </p:nvSpPr>
+        <p:spPr/>
+        <p:txBody>
+          <a:bodyPr/>
+          <a:lstStyle/>
+          <a:p>
+            <a:r>
+              <a:rPr lang="en-CA" dirty="0" smtClean="0"/>
+              <a:t>(CODE PICTURE)</a:t>
+            </a:r>
+            <a:endParaRPr lang="en-CA" dirty="0"/>
+          </a:p>
+        </p:txBody>
+      </p:sp>
+      <p:sp>
+        <p:nvSpPr>
+          <p:cNvPr id="4" name="Content Placeholder 3"/>
+          <p:cNvSpPr>
+            <a:spLocks noGrp="1"/>
+          </p:cNvSpPr>
+          <p:nvPr>
+            <p:ph sz="half" idx="2"/>
+          </p:nvPr>
+        </p:nvSpPr>
+        <p:spPr/>
+        <p:txBody>
+          <a:bodyPr/>
+          <a:lstStyle/>
+          <a:p>
+            <a:endParaRPr lang="en-CA" dirty="0"/>
+          </a:p>
+        </p:txBody>
+      </p:sp>
+    </p:spTree>
+    <p:extLst>
+      <p:ext uri="{BB962C8B-B14F-4D97-AF65-F5344CB8AC3E}">
+        <p14:creationId xmlns:p14="http://schemas.microsoft.com/office/powerpoint/2010/main" val="3458060785"/>
+      </p:ext>
+    </p:extLst>
+  </p:cSld>
+  <p:clrMapOvr>
+    <a:masterClrMapping/>
+  </p:clrMapOvr>
+</p:sld>
+</file>
+
+<file path=ppt/slides/slide16.xml><?xml version="1.0" encoding="utf-8"?>
+<p:sld xmlns:a="http://schemas.openxmlformats.org/drawingml/2006/main" xmlns:r="http://schemas.openxmlformats.org/officeDocument/2006/relationships" xmlns:p="http://schemas.openxmlformats.org/presentationml/2006/main">
+  <p:cSld>
+    <p:spTree>
+      <p:nvGrpSpPr>
+        <p:cNvPr id="1" name=""/>
+        <p:cNvGrpSpPr/>
+        <p:nvPr/>
+      </p:nvGrpSpPr>
+      <p:grpSpPr>
+        <a:xfrm>
+          <a:off x="0" y="0"/>
+          <a:ext cx="0" cy="0"/>
+          <a:chOff x="0" y="0"/>
+          <a:chExt cx="0" cy="0"/>
+        </a:xfrm>
+      </p:grpSpPr>
+      <p:sp>
+        <p:nvSpPr>
+          <p:cNvPr id="2" name="Title 1"/>
+          <p:cNvSpPr>
+            <a:spLocks noGrp="1"/>
+          </p:cNvSpPr>
+          <p:nvPr>
+            <p:ph type="title"/>
+          </p:nvPr>
+        </p:nvSpPr>
+        <p:spPr/>
+        <p:txBody>
+          <a:bodyPr/>
+          <a:lstStyle/>
+          <a:p>
+            <a:r>
+              <a:rPr lang="en-CA" dirty="0" smtClean="0"/>
+              <a:t>Design </a:t>
+            </a:r>
+            <a:r>
+              <a:rPr lang="en-CA" dirty="0"/>
+              <a:t>Pattern</a:t>
+            </a:r>
+          </a:p>
+        </p:txBody>
+      </p:sp>
+      <p:sp>
+        <p:nvSpPr>
+          <p:cNvPr id="3" name="Content Placeholder 2"/>
+          <p:cNvSpPr>
+            <a:spLocks noGrp="1"/>
+          </p:cNvSpPr>
+          <p:nvPr>
+            <p:ph sz="half" idx="1"/>
+          </p:nvPr>
+        </p:nvSpPr>
+        <p:spPr/>
+        <p:txBody>
+          <a:bodyPr/>
+          <a:lstStyle/>
+          <a:p>
+            <a:r>
+              <a:rPr lang="en-CA" dirty="0" smtClean="0"/>
+              <a:t>(CODE PICTURE)</a:t>
+            </a:r>
+            <a:endParaRPr lang="en-CA" dirty="0"/>
+          </a:p>
+        </p:txBody>
+      </p:sp>
+      <p:sp>
+        <p:nvSpPr>
+          <p:cNvPr id="4" name="Content Placeholder 3"/>
+          <p:cNvSpPr>
+            <a:spLocks noGrp="1"/>
+          </p:cNvSpPr>
+          <p:nvPr>
+            <p:ph sz="half" idx="2"/>
+          </p:nvPr>
+        </p:nvSpPr>
+        <p:spPr/>
+        <p:txBody>
+          <a:bodyPr/>
+          <a:lstStyle/>
+          <a:p>
+            <a:endParaRPr lang="en-CA" dirty="0"/>
+          </a:p>
+        </p:txBody>
+      </p:sp>
+    </p:spTree>
+    <p:extLst>
+      <p:ext uri="{BB962C8B-B14F-4D97-AF65-F5344CB8AC3E}">
+        <p14:creationId xmlns:p14="http://schemas.microsoft.com/office/powerpoint/2010/main" val="1571068922"/>
+      </p:ext>
+    </p:extLst>
+  </p:cSld>
+  <p:clrMapOvr>
+    <a:masterClrMapping/>
+  </p:clrMapOvr>
+</p:sld>
+</file>
+
+<file path=ppt/slides/slide17.xml><?xml version="1.0" encoding="utf-8"?>
+<p:sld xmlns:a="http://schemas.openxmlformats.org/drawingml/2006/main" xmlns:r="http://schemas.openxmlformats.org/officeDocument/2006/relationships" xmlns:p="http://schemas.openxmlformats.org/presentationml/2006/main">
+  <p:cSld>
+    <p:spTree>
+      <p:nvGrpSpPr>
+        <p:cNvPr id="1" name=""/>
+        <p:cNvGrpSpPr/>
+        <p:nvPr/>
+      </p:nvGrpSpPr>
+      <p:grpSpPr>
+        <a:xfrm>
+          <a:off x="0" y="0"/>
+          <a:ext cx="0" cy="0"/>
+          <a:chOff x="0" y="0"/>
+          <a:chExt cx="0" cy="0"/>
+        </a:xfrm>
+      </p:grpSpPr>
+      <p:sp>
+        <p:nvSpPr>
+          <p:cNvPr id="2" name="Title 1"/>
+          <p:cNvSpPr>
+            <a:spLocks noGrp="1"/>
+          </p:cNvSpPr>
+          <p:nvPr>
+            <p:ph type="title"/>
+          </p:nvPr>
+        </p:nvSpPr>
+        <p:spPr/>
+        <p:txBody>
+          <a:bodyPr/>
+          <a:lstStyle/>
+          <a:p>
+            <a:r>
+              <a:rPr lang="en-CA" dirty="0" smtClean="0"/>
+              <a:t>Project Demo</a:t>
+            </a:r>
+            <a:endParaRPr lang="en-CA" dirty="0"/>
+          </a:p>
+        </p:txBody>
+      </p:sp>
+    </p:spTree>
+    <p:extLst>
+      <p:ext uri="{BB962C8B-B14F-4D97-AF65-F5344CB8AC3E}">
+        <p14:creationId xmlns:p14="http://schemas.microsoft.com/office/powerpoint/2010/main" val="1736004580"/>
+      </p:ext>
+    </p:extLst>
+  </p:cSld>
+  <p:clrMapOvr>
+    <a:masterClrMapping/>
+  </p:clrMapOvr>
+</p:sld>
+</file>
+
+<file path=ppt/slides/slide18.xml><?xml version="1.0" encoding="utf-8"?>
+<p:sld xmlns:a="http://schemas.openxmlformats.org/drawingml/2006/main" xmlns:r="http://schemas.openxmlformats.org/officeDocument/2006/relationships" xmlns:p="http://schemas.openxmlformats.org/presentationml/2006/main">
+  <p:cSld>
+    <p:spTree>
+      <p:nvGrpSpPr>
+        <p:cNvPr id="1" name=""/>
+        <p:cNvGrpSpPr/>
+        <p:nvPr/>
+      </p:nvGrpSpPr>
+      <p:grpSpPr>
+        <a:xfrm>
+          <a:off x="0" y="0"/>
+          <a:ext cx="0" cy="0"/>
+          <a:chOff x="0" y="0"/>
+          <a:chExt cx="0" cy="0"/>
+        </a:xfrm>
+      </p:grpSpPr>
+      <p:sp>
+        <p:nvSpPr>
+          <p:cNvPr id="2" name="Title 1"/>
+          <p:cNvSpPr>
+            <a:spLocks noGrp="1"/>
+          </p:cNvSpPr>
+          <p:nvPr>
+            <p:ph type="title"/>
+          </p:nvPr>
+        </p:nvSpPr>
+        <p:spPr/>
+        <p:txBody>
+          <a:bodyPr/>
+          <a:lstStyle/>
+          <a:p>
+            <a:r>
+              <a:rPr lang="en-CA" dirty="0" smtClean="0"/>
               <a:t>Feedbacks and Q&amp;As </a:t>
             </a:r>
             <a:endParaRPr lang="en-CA" dirty="0"/>
@@ -6007,7 +6966,7 @@
           <a:p>
             <a:r>
               <a:rPr lang="en-CA" dirty="0" smtClean="0"/>
-              <a:t>Team and Roles</a:t>
+              <a:t>The Team and Roles</a:t>
             </a:r>
             <a:endParaRPr lang="en-CA" dirty="0"/>
           </a:p>
@@ -6015,7 +6974,7 @@
       </p:sp>
       <p:sp>
         <p:nvSpPr>
-          <p:cNvPr id="3" name="Content Placeholder 2"/>
+          <p:cNvPr id="8" name="Content Placeholder 7"/>
           <p:cNvSpPr>
             <a:spLocks noGrp="1"/>
           </p:cNvSpPr>
@@ -6023,46 +6982,32 @@
             <p:ph sz="half" idx="1"/>
           </p:nvPr>
         </p:nvSpPr>
-        <p:spPr/>
+        <p:spPr>
+          <a:xfrm>
+            <a:off x="646111" y="1853248"/>
+            <a:ext cx="6610900" cy="4300172"/>
+          </a:xfrm>
+        </p:spPr>
         <p:txBody>
           <a:bodyPr/>
           <a:lstStyle/>
           <a:p>
             <a:r>
               <a:rPr lang="en-CA" dirty="0" smtClean="0"/>
-              <a:t>Adnan</a:t>
+              <a:t>Adnan – Full Stack Development</a:t>
             </a:r>
           </a:p>
           <a:p>
             <a:r>
               <a:rPr lang="en-CA" dirty="0" smtClean="0"/>
-              <a:t>JJ</a:t>
-            </a:r>
-          </a:p>
-          <a:p>
-            <a:r>
-              <a:rPr lang="en-CA" dirty="0"/>
-              <a:t>Mohammad</a:t>
-            </a:r>
-            <a:endParaRPr lang="en-CA" dirty="0"/>
-          </a:p>
-        </p:txBody>
-      </p:sp>
-      <p:sp>
-        <p:nvSpPr>
-          <p:cNvPr id="4" name="Content Placeholder 3"/>
-          <p:cNvSpPr>
-            <a:spLocks noGrp="1"/>
-          </p:cNvSpPr>
-          <p:nvPr>
-            <p:ph sz="half" idx="2"/>
-          </p:nvPr>
-        </p:nvSpPr>
-        <p:spPr/>
-        <p:txBody>
-          <a:bodyPr/>
-          <a:lstStyle/>
-          <a:p>
+              <a:t>JJ – Project Manager and Full Stack</a:t>
+            </a:r>
+          </a:p>
+          <a:p>
+            <a:r>
+              <a:rPr lang="en-CA" dirty="0" smtClean="0"/>
+              <a:t>Mohammad – Project Manager and Front End</a:t>
+            </a:r>
             <a:endParaRPr lang="en-CA" dirty="0"/>
           </a:p>
         </p:txBody>
@@ -6114,7 +7059,7 @@
           <a:p>
             <a:r>
               <a:rPr lang="en-CA" dirty="0" smtClean="0"/>
-              <a:t>Project Idea</a:t>
+              <a:t>Project Idea – Go4Food</a:t>
             </a:r>
             <a:endParaRPr lang="en-CA" dirty="0"/>
           </a:p>
@@ -6135,7 +7080,27 @@
           <a:bodyPr/>
           <a:lstStyle/>
           <a:p>
-            <a:endParaRPr lang="en-CA"/>
+            <a:endParaRPr lang="en-CA" dirty="0"/>
+          </a:p>
+          <a:p>
+            <a:r>
+              <a:rPr lang="en-US" dirty="0" smtClean="0"/>
+              <a:t>Develop </a:t>
+            </a:r>
+            <a:r>
+              <a:rPr lang="en-US" dirty="0"/>
+              <a:t>a web-based application that allows users to order food from various restaurants. </a:t>
+            </a:r>
+            <a:endParaRPr lang="en-US" dirty="0" smtClean="0"/>
+          </a:p>
+          <a:p>
+            <a:r>
+              <a:rPr lang="en-US" dirty="0" smtClean="0"/>
+              <a:t>Provide convenience and security for customers and restaurant users.</a:t>
+            </a:r>
+          </a:p>
+          <a:p>
+            <a:endParaRPr lang="en-CA" dirty="0"/>
           </a:p>
         </p:txBody>
       </p:sp>
@@ -6207,7 +7172,7 @@
           <a:bodyPr/>
           <a:lstStyle/>
           <a:p>
-            <a:endParaRPr lang="en-CA"/>
+            <a:endParaRPr lang="en-CA" dirty="0"/>
           </a:p>
         </p:txBody>
       </p:sp>
@@ -6258,35 +7223,45 @@
           <a:p>
             <a:r>
               <a:rPr lang="en-CA" dirty="0" smtClean="0"/>
-              <a:t>Non-Functional Requirements</a:t>
+              <a:t>MVC Architecture</a:t>
             </a:r>
             <a:endParaRPr lang="en-CA" dirty="0"/>
           </a:p>
         </p:txBody>
       </p:sp>
-      <p:sp>
-        <p:nvSpPr>
-          <p:cNvPr id="3" name="Content Placeholder 2"/>
-          <p:cNvSpPr>
-            <a:spLocks noGrp="1"/>
-          </p:cNvSpPr>
+      <p:pic>
+        <p:nvPicPr>
+          <p:cNvPr id="4" name="Content Placeholder 3"/>
+          <p:cNvPicPr>
+            <a:picLocks noGrp="1" noChangeAspect="1"/>
+          </p:cNvPicPr>
           <p:nvPr>
             <p:ph idx="1"/>
           </p:nvPr>
-        </p:nvSpPr>
-        <p:spPr/>
-        <p:txBody>
-          <a:bodyPr/>
-          <a:lstStyle/>
-          <a:p>
-            <a:endParaRPr lang="en-CA"/>
-          </a:p>
-        </p:txBody>
-      </p:sp>
+        </p:nvPicPr>
+        <p:blipFill>
+          <a:blip r:embed="rId2" cstate="print">
+            <a:extLst>
+              <a:ext uri="{28A0092B-C50C-407E-A947-70E740481C1C}">
+                <a14:useLocalDpi xmlns:a14="http://schemas.microsoft.com/office/drawing/2010/main" val="0"/>
+              </a:ext>
+            </a:extLst>
+          </a:blip>
+          <a:stretch>
+            <a:fillRect/>
+          </a:stretch>
+        </p:blipFill>
+        <p:spPr>
+          <a:xfrm>
+            <a:off x="2688282" y="1152983"/>
+            <a:ext cx="6595672" cy="5588000"/>
+          </a:xfrm>
+        </p:spPr>
+      </p:pic>
     </p:spTree>
     <p:extLst>
       <p:ext uri="{BB962C8B-B14F-4D97-AF65-F5344CB8AC3E}">
-        <p14:creationId xmlns:p14="http://schemas.microsoft.com/office/powerpoint/2010/main" val="1063085096"/>
+        <p14:creationId xmlns:p14="http://schemas.microsoft.com/office/powerpoint/2010/main" val="2481353327"/>
       </p:ext>
     </p:extLst>
   </p:cSld>
@@ -6330,7 +7305,7 @@
           <a:p>
             <a:r>
               <a:rPr lang="en-CA" dirty="0" smtClean="0"/>
-              <a:t>MVC Architectures</a:t>
+              <a:t>Controller</a:t>
             </a:r>
             <a:endParaRPr lang="en-CA" dirty="0"/>
           </a:p>
@@ -6351,14 +7326,14 @@
           <a:bodyPr/>
           <a:lstStyle/>
           <a:p>
-            <a:endParaRPr lang="en-CA"/>
+            <a:endParaRPr lang="en-CA" dirty="0"/>
           </a:p>
         </p:txBody>
       </p:sp>
     </p:spTree>
     <p:extLst>
       <p:ext uri="{BB962C8B-B14F-4D97-AF65-F5344CB8AC3E}">
-        <p14:creationId xmlns:p14="http://schemas.microsoft.com/office/powerpoint/2010/main" val="2481353327"/>
+        <p14:creationId xmlns:p14="http://schemas.microsoft.com/office/powerpoint/2010/main" val="2872084665"/>
       </p:ext>
     </p:extLst>
   </p:cSld>
@@ -6402,7 +7377,7 @@
           <a:p>
             <a:r>
               <a:rPr lang="en-CA" dirty="0" smtClean="0"/>
-              <a:t>UML Tool</a:t>
+              <a:t>View</a:t>
             </a:r>
             <a:endParaRPr lang="en-CA" dirty="0"/>
           </a:p>
@@ -6415,26 +7390,7 @@
             <a:spLocks noGrp="1"/>
           </p:cNvSpPr>
           <p:nvPr>
-            <p:ph sz="half" idx="1"/>
-          </p:nvPr>
-        </p:nvSpPr>
-        <p:spPr/>
-        <p:txBody>
-          <a:bodyPr/>
-          <a:lstStyle/>
-          <a:p>
-            <a:endParaRPr lang="en-CA"/>
-          </a:p>
-        </p:txBody>
-      </p:sp>
-      <p:sp>
-        <p:nvSpPr>
-          <p:cNvPr id="4" name="Content Placeholder 3"/>
-          <p:cNvSpPr>
-            <a:spLocks noGrp="1"/>
-          </p:cNvSpPr>
-          <p:nvPr>
-            <p:ph sz="half" idx="2"/>
+            <p:ph idx="1"/>
           </p:nvPr>
         </p:nvSpPr>
         <p:spPr/>
@@ -6449,7 +7405,7 @@
     </p:spTree>
     <p:extLst>
       <p:ext uri="{BB962C8B-B14F-4D97-AF65-F5344CB8AC3E}">
-        <p14:creationId xmlns:p14="http://schemas.microsoft.com/office/powerpoint/2010/main" val="3724720811"/>
+        <p14:creationId xmlns:p14="http://schemas.microsoft.com/office/powerpoint/2010/main" val="41952309"/>
       </p:ext>
     </p:extLst>
   </p:cSld>
@@ -6493,7 +7449,7 @@
           <a:p>
             <a:r>
               <a:rPr lang="en-CA" dirty="0" smtClean="0"/>
-              <a:t>Design Patterns</a:t>
+              <a:t>Model</a:t>
             </a:r>
             <a:endParaRPr lang="en-CA" dirty="0"/>
           </a:p>
@@ -6506,41 +7462,14 @@
             <a:spLocks noGrp="1"/>
           </p:cNvSpPr>
           <p:nvPr>
-            <p:ph sz="half" idx="1"/>
-          </p:nvPr>
-        </p:nvSpPr>
-        <p:spPr/>
-        <p:txBody>
-          <a:bodyPr/>
-          <a:lstStyle/>
-          <a:p>
-            <a:r>
-              <a:rPr lang="en-CA" dirty="0"/>
-              <a:t>Interpreter Design Pattern</a:t>
-            </a:r>
-            <a:endParaRPr lang="en-CA" dirty="0"/>
-          </a:p>
-        </p:txBody>
-      </p:sp>
-      <p:sp>
-        <p:nvSpPr>
-          <p:cNvPr id="4" name="Content Placeholder 3"/>
-          <p:cNvSpPr>
-            <a:spLocks noGrp="1"/>
-          </p:cNvSpPr>
-          <p:nvPr>
-            <p:ph sz="half" idx="2"/>
-          </p:nvPr>
-        </p:nvSpPr>
-        <p:spPr/>
-        <p:txBody>
-          <a:bodyPr/>
-          <a:lstStyle/>
-          <a:p>
-            <a:r>
-              <a:rPr lang="en-CA" dirty="0"/>
-              <a:t>Builder Design Pattern</a:t>
-            </a:r>
+            <p:ph idx="1"/>
+          </p:nvPr>
+        </p:nvSpPr>
+        <p:spPr/>
+        <p:txBody>
+          <a:bodyPr/>
+          <a:lstStyle/>
+          <a:p>
             <a:endParaRPr lang="en-CA" dirty="0"/>
           </a:p>
         </p:txBody>
@@ -6548,7 +7477,7 @@
     </p:spTree>
     <p:extLst>
       <p:ext uri="{BB962C8B-B14F-4D97-AF65-F5344CB8AC3E}">
-        <p14:creationId xmlns:p14="http://schemas.microsoft.com/office/powerpoint/2010/main" val="3879457690"/>
+        <p14:creationId xmlns:p14="http://schemas.microsoft.com/office/powerpoint/2010/main" val="2794811349"/>
       </p:ext>
     </p:extLst>
   </p:cSld>
@@ -6592,35 +7521,45 @@
           <a:p>
             <a:r>
               <a:rPr lang="en-CA" dirty="0" smtClean="0"/>
-              <a:t>Project Demo</a:t>
+              <a:t>Use Case Diagram - Customer</a:t>
             </a:r>
             <a:endParaRPr lang="en-CA" dirty="0"/>
           </a:p>
         </p:txBody>
       </p:sp>
-      <p:sp>
-        <p:nvSpPr>
-          <p:cNvPr id="3" name="Text Placeholder 2"/>
-          <p:cNvSpPr>
-            <a:spLocks noGrp="1"/>
-          </p:cNvSpPr>
-          <p:nvPr>
-            <p:ph type="body" idx="1"/>
-          </p:nvPr>
-        </p:nvSpPr>
-        <p:spPr/>
-        <p:txBody>
-          <a:bodyPr/>
-          <a:lstStyle/>
-          <a:p>
-            <a:endParaRPr lang="en-CA" dirty="0"/>
-          </a:p>
-        </p:txBody>
-      </p:sp>
+      <p:pic>
+        <p:nvPicPr>
+          <p:cNvPr id="5" name="Content Placeholder 4"/>
+          <p:cNvPicPr>
+            <a:picLocks noGrp="1" noChangeAspect="1"/>
+          </p:cNvPicPr>
+          <p:nvPr>
+            <p:ph sz="half" idx="1"/>
+          </p:nvPr>
+        </p:nvPicPr>
+        <p:blipFill>
+          <a:blip r:embed="rId2" cstate="print">
+            <a:extLst>
+              <a:ext uri="{28A0092B-C50C-407E-A947-70E740481C1C}">
+                <a14:useLocalDpi xmlns:a14="http://schemas.microsoft.com/office/drawing/2010/main" val="0"/>
+              </a:ext>
+            </a:extLst>
+          </a:blip>
+          <a:stretch>
+            <a:fillRect/>
+          </a:stretch>
+        </p:blipFill>
+        <p:spPr>
+          <a:xfrm>
+            <a:off x="3348904" y="1329547"/>
+            <a:ext cx="5562339" cy="5274339"/>
+          </a:xfrm>
+        </p:spPr>
+      </p:pic>
     </p:spTree>
     <p:extLst>
       <p:ext uri="{BB962C8B-B14F-4D97-AF65-F5344CB8AC3E}">
-        <p14:creationId xmlns:p14="http://schemas.microsoft.com/office/powerpoint/2010/main" val="1736004580"/>
+        <p14:creationId xmlns:p14="http://schemas.microsoft.com/office/powerpoint/2010/main" val="3724720811"/>
       </p:ext>
     </p:extLst>
   </p:cSld>
@@ -6631,9 +7570,9 @@
 </file>
 
 <file path=ppt/theme/theme1.xml><?xml version="1.0" encoding="utf-8"?>
-<a:theme xmlns:a="http://schemas.openxmlformats.org/drawingml/2006/main" name="Facet">
+<a:theme xmlns:a="http://schemas.openxmlformats.org/drawingml/2006/main" name="Ion">
   <a:themeElements>
-    <a:clrScheme name="Green">
+    <a:clrScheme name="Ion">
       <a:dk1>
         <a:sysClr val="windowText" lastClr="000000"/>
       </a:dk1>
@@ -6641,52 +7580,52 @@
         <a:sysClr val="window" lastClr="FFFFFF"/>
       </a:lt1>
       <a:dk2>
-        <a:srgbClr val="455F51"/>
+        <a:srgbClr val="1E5155"/>
       </a:dk2>
       <a:lt2>
-        <a:srgbClr val="E3DED1"/>
+        <a:srgbClr val="EBEBEB"/>
       </a:lt2>
       <a:accent1>
-        <a:srgbClr val="549E39"/>
+        <a:srgbClr val="B01513"/>
       </a:accent1>
       <a:accent2>
-        <a:srgbClr val="8AB833"/>
+        <a:srgbClr val="EA6312"/>
       </a:accent2>
       <a:accent3>
-        <a:srgbClr val="C0CF3A"/>
+        <a:srgbClr val="E6B729"/>
       </a:accent3>
       <a:accent4>
-        <a:srgbClr val="029676"/>
+        <a:srgbClr val="6AAC90"/>
       </a:accent4>
       <a:accent5>
-        <a:srgbClr val="4AB5C4"/>
+        <a:srgbClr val="54849A"/>
       </a:accent5>
       <a:accent6>
-        <a:srgbClr val="0989B1"/>
+        <a:srgbClr val="9E5E9B"/>
       </a:accent6>
       <a:hlink>
-        <a:srgbClr val="6B9F25"/>
+        <a:srgbClr val="58C1BA"/>
       </a:hlink>
       <a:folHlink>
-        <a:srgbClr val="BA6906"/>
+        <a:srgbClr val="9DFFCB"/>
       </a:folHlink>
     </a:clrScheme>
-    <a:fontScheme name="Facet">
+    <a:fontScheme name="Ion">
       <a:majorFont>
-        <a:latin typeface="Trebuchet MS" panose="020B0603020202020204"/>
+        <a:latin typeface="Century Gothic" panose="020B0502020202020204"/>
         <a:ea typeface=""/>
         <a:cs typeface=""/>
         <a:font script="Jpan" typeface="メイリオ"/>
         <a:font script="Hang" typeface="맑은 고딕"/>
-        <a:font script="Hans" typeface="方正姚体"/>
-        <a:font script="Hant" typeface="微軟正黑體"/>
-        <a:font script="Arab" typeface="Tahoma"/>
-        <a:font script="Hebr" typeface="Arial"/>
-        <a:font script="Thai" typeface="Cordia New"/>
+        <a:font script="Hans" typeface="宋体"/>
+        <a:font script="Hant" typeface="新細明體"/>
+        <a:font script="Arab" typeface="Times New Roman"/>
+        <a:font script="Hebr" typeface="Times New Roman"/>
+        <a:font script="Thai" typeface="Angsana New"/>
         <a:font script="Ethi" typeface="Nyala"/>
         <a:font script="Beng" typeface="Vrinda"/>
         <a:font script="Gujr" typeface="Shruti"/>
-        <a:font script="Khmr" typeface="DaunPenh"/>
+        <a:font script="Khmr" typeface="MoolBoran"/>
         <a:font script="Knda" typeface="Tunga"/>
         <a:font script="Guru" typeface="Raavi"/>
         <a:font script="Cans" typeface="Euphemia"/>
@@ -6703,21 +7642,21 @@
         <a:font script="Laoo" typeface="DokChampa"/>
         <a:font script="Sinh" typeface="Iskoola Pota"/>
         <a:font script="Mong" typeface="Mongolian Baiti"/>
-        <a:font script="Viet" typeface="Tahoma"/>
+        <a:font script="Viet" typeface="Times New Roman"/>
         <a:font script="Uigh" typeface="Microsoft Uighur"/>
         <a:font script="Geor" typeface="Sylfaen"/>
       </a:majorFont>
       <a:minorFont>
-        <a:latin typeface="Trebuchet MS" panose="020B0603020202020204"/>
+        <a:latin typeface="Century Gothic" panose="020B0502020202020204"/>
         <a:ea typeface=""/>
         <a:cs typeface=""/>
         <a:font script="Jpan" typeface="メイリオ"/>
-        <a:font script="Hang" typeface="HY그래픽M"/>
-        <a:font script="Hans" typeface="华文新魏"/>
-        <a:font script="Hant" typeface="微軟正黑體"/>
-        <a:font script="Arab" typeface="Tahoma"/>
-        <a:font script="Hebr" typeface="Gisha"/>
-        <a:font script="Thai" typeface="IrisUPC"/>
+        <a:font script="Hang" typeface="맑은 고딕"/>
+        <a:font script="Hans" typeface="宋体"/>
+        <a:font script="Hant" typeface="新細明體"/>
+        <a:font script="Arab" typeface="Arial"/>
+        <a:font script="Hebr" typeface="Arial"/>
+        <a:font script="Thai" typeface="Cordia New"/>
         <a:font script="Ethi" typeface="Nyala"/>
         <a:font script="Beng" typeface="Vrinda"/>
         <a:font script="Gujr" typeface="Shruti"/>
@@ -6743,7 +7682,7 @@
         <a:font script="Geor" typeface="Sylfaen"/>
       </a:minorFont>
     </a:fontScheme>
-    <a:fmtScheme name="Facet">
+    <a:fmtScheme name="Ion">
       <a:fillStyleLst>
         <a:solidFill>
           <a:schemeClr val="phClr"/>
@@ -6752,13 +7691,15 @@
           <a:gsLst>
             <a:gs pos="0">
               <a:schemeClr val="phClr">
-                <a:tint val="65000"/>
-                <a:lumMod val="110000"/>
+                <a:tint val="64000"/>
+                <a:lumMod val="118000"/>
               </a:schemeClr>
             </a:gs>
-            <a:gs pos="88000">
+            <a:gs pos="100000">
               <a:schemeClr val="phClr">
-                <a:tint val="90000"/>
+                <a:tint val="92000"/>
+                <a:alpha val="100000"/>
+                <a:lumMod val="110000"/>
               </a:schemeClr>
             </a:gs>
           </a:gsLst>
@@ -6768,14 +7709,14 @@
           <a:gsLst>
             <a:gs pos="0">
               <a:schemeClr val="phClr">
-                <a:tint val="96000"/>
-                <a:lumMod val="100000"/>
+                <a:tint val="98000"/>
+                <a:lumMod val="114000"/>
               </a:schemeClr>
             </a:gs>
-            <a:gs pos="78000">
+            <a:gs pos="100000">
               <a:schemeClr val="phClr">
-                <a:shade val="94000"/>
-                <a:lumMod val="94000"/>
+                <a:shade val="90000"/>
+                <a:lumMod val="84000"/>
               </a:schemeClr>
             </a:gs>
           </a:gsLst>
@@ -6783,7 +7724,7 @@
         </a:gradFill>
       </a:fillStyleLst>
       <a:lnStyleLst>
-        <a:ln w="12700" cap="rnd" cmpd="sng" algn="ctr">
+        <a:ln w="9525" cap="rnd" cmpd="sng" algn="ctr">
           <a:solidFill>
             <a:schemeClr val="phClr"/>
           </a:solidFill>
@@ -6795,7 +7736,7 @@
           </a:solidFill>
           <a:prstDash val="solid"/>
         </a:ln>
-        <a:ln w="25400" cap="rnd" cmpd="sng" algn="ctr">
+        <a:ln w="28575" cap="rnd" cmpd="sng" algn="ctr">
           <a:solidFill>
             <a:schemeClr val="phClr"/>
           </a:solidFill>
@@ -6810,16 +7751,16 @@
           <a:effectLst>
             <a:outerShdw blurRad="38100" dist="25400" dir="5400000" rotWithShape="0">
               <a:srgbClr val="000000">
-                <a:alpha val="35000"/>
+                <a:alpha val="45000"/>
               </a:srgbClr>
             </a:outerShdw>
           </a:effectLst>
         </a:effectStyle>
         <a:effectStyle>
           <a:effectLst>
-            <a:outerShdw blurRad="50800" dist="38100" dir="5400000" rotWithShape="0">
+            <a:outerShdw blurRad="63500" dist="38100" dir="5400000" rotWithShape="0">
               <a:srgbClr val="000000">
-                <a:alpha val="35000"/>
+                <a:alpha val="60000"/>
               </a:srgbClr>
             </a:outerShdw>
           </a:effectLst>
@@ -6842,38 +7783,45 @@
           <a:gsLst>
             <a:gs pos="0">
               <a:schemeClr val="phClr">
-                <a:tint val="90000"/>
-                <a:lumMod val="104000"/>
-              </a:schemeClr>
-            </a:gs>
-            <a:gs pos="94000">
-              <a:schemeClr val="phClr">
-                <a:shade val="96000"/>
-                <a:lumMod val="82000"/>
-              </a:schemeClr>
-            </a:gs>
-          </a:gsLst>
-          <a:lin ang="5400000" scaled="0"/>
-        </a:gradFill>
-        <a:gradFill rotWithShape="1">
-          <a:gsLst>
-            <a:gs pos="0">
-              <a:schemeClr val="phClr">
-                <a:tint val="90000"/>
-                <a:lumMod val="110000"/>
+                <a:tint val="97000"/>
+                <a:hueMod val="88000"/>
+                <a:satMod val="130000"/>
+                <a:lumMod val="124000"/>
               </a:schemeClr>
             </a:gs>
             <a:gs pos="100000">
               <a:schemeClr val="phClr">
-                <a:shade val="94000"/>
-                <a:lumMod val="96000"/>
+                <a:tint val="96000"/>
+                <a:shade val="88000"/>
+                <a:hueMod val="108000"/>
+                <a:satMod val="164000"/>
+                <a:lumMod val="76000"/>
               </a:schemeClr>
             </a:gs>
           </a:gsLst>
           <a:path path="circle">
-            <a:fillToRect l="50000" t="50000" r="100000" b="100000"/>
+            <a:fillToRect l="45000" t="65000" r="125000" b="100000"/>
           </a:path>
         </a:gradFill>
+        <a:blipFill rotWithShape="1">
+          <a:blip xmlns:r="http://schemas.openxmlformats.org/officeDocument/2006/relationships" r:embed="rId1">
+            <a:duotone>
+              <a:schemeClr val="phClr">
+                <a:shade val="69000"/>
+                <a:hueMod val="108000"/>
+                <a:satMod val="164000"/>
+                <a:lumMod val="74000"/>
+              </a:schemeClr>
+              <a:schemeClr val="phClr">
+                <a:tint val="96000"/>
+                <a:hueMod val="88000"/>
+                <a:satMod val="140000"/>
+                <a:lumMod val="132000"/>
+              </a:schemeClr>
+            </a:duotone>
+          </a:blip>
+          <a:stretch/>
+        </a:blipFill>
       </a:bgFillStyleLst>
     </a:fmtScheme>
   </a:themeElements>
@@ -6881,7 +7829,7 @@
   <a:extraClrSchemeLst/>
   <a:extLst>
     <a:ext uri="{05A4C25C-085E-4340-85A3-A5531E510DB2}">
-      <thm15:themeFamily xmlns:thm15="http://schemas.microsoft.com/office/thememl/2012/main" name="Facet" id="{C0C680CD-088A-49FC-A102-D699147F32B2}" vid="{CFBC31BA-B70F-4F30-BCAA-4F3011E16C4D}"/>
+      <thm15:themeFamily xmlns:thm15="http://schemas.microsoft.com/office/thememl/2012/main" name="Ion" id="{B8441ADB-2E43-4AF7-B97A-BD870242C6A8}" vid="{292E63A9-BB86-4E3D-B92A-7223C6510D2E}"/>
     </a:ext>
   </a:extLst>
 </a:theme>

--- a/Documents/Go4Food.pptx
+++ b/Documents/Go4Food.pptx
@@ -9,12 +9,12 @@
     <p:sldId id="258" r:id="rId3"/>
     <p:sldId id="259" r:id="rId4"/>
     <p:sldId id="260" r:id="rId5"/>
-    <p:sldId id="262" r:id="rId6"/>
-    <p:sldId id="274" r:id="rId7"/>
-    <p:sldId id="273" r:id="rId8"/>
-    <p:sldId id="272" r:id="rId9"/>
-    <p:sldId id="264" r:id="rId10"/>
-    <p:sldId id="276" r:id="rId11"/>
+    <p:sldId id="264" r:id="rId6"/>
+    <p:sldId id="276" r:id="rId7"/>
+    <p:sldId id="262" r:id="rId8"/>
+    <p:sldId id="274" r:id="rId9"/>
+    <p:sldId id="273" r:id="rId10"/>
+    <p:sldId id="272" r:id="rId11"/>
     <p:sldId id="277" r:id="rId12"/>
     <p:sldId id="267" r:id="rId13"/>
     <p:sldId id="278" r:id="rId14"/>
@@ -315,7 +315,7 @@
           <a:p>
             <a:fld id="{FD49D357-028A-436C-9364-82B3DD197A27}" type="datetimeFigureOut">
               <a:rPr lang="en-CA" smtClean="0"/>
-              <a:t>2023-07-21</a:t>
+              <a:t>2023-07-26</a:t>
             </a:fld>
             <a:endParaRPr lang="en-CA"/>
           </a:p>
@@ -590,7 +590,7 @@
           <a:p>
             <a:fld id="{FD49D357-028A-436C-9364-82B3DD197A27}" type="datetimeFigureOut">
               <a:rPr lang="en-CA" smtClean="0"/>
-              <a:t>2023-07-21</a:t>
+              <a:t>2023-07-26</a:t>
             </a:fld>
             <a:endParaRPr lang="en-CA"/>
           </a:p>
@@ -784,7 +784,7 @@
           <a:p>
             <a:fld id="{FD49D357-028A-436C-9364-82B3DD197A27}" type="datetimeFigureOut">
               <a:rPr lang="en-CA" smtClean="0"/>
-              <a:t>2023-07-21</a:t>
+              <a:t>2023-07-26</a:t>
             </a:fld>
             <a:endParaRPr lang="en-CA"/>
           </a:p>
@@ -1057,7 +1057,7 @@
           <a:p>
             <a:fld id="{FD49D357-028A-436C-9364-82B3DD197A27}" type="datetimeFigureOut">
               <a:rPr lang="en-CA" smtClean="0"/>
-              <a:t>2023-07-21</a:t>
+              <a:t>2023-07-26</a:t>
             </a:fld>
             <a:endParaRPr lang="en-CA"/>
           </a:p>
@@ -1398,7 +1398,7 @@
           <a:p>
             <a:fld id="{FD49D357-028A-436C-9364-82B3DD197A27}" type="datetimeFigureOut">
               <a:rPr lang="en-CA" smtClean="0"/>
-              <a:t>2023-07-21</a:t>
+              <a:t>2023-07-26</a:t>
             </a:fld>
             <a:endParaRPr lang="en-CA"/>
           </a:p>
@@ -2021,7 +2021,7 @@
           <a:p>
             <a:fld id="{FD49D357-028A-436C-9364-82B3DD197A27}" type="datetimeFigureOut">
               <a:rPr lang="en-CA" smtClean="0"/>
-              <a:t>2023-07-21</a:t>
+              <a:t>2023-07-26</a:t>
             </a:fld>
             <a:endParaRPr lang="en-CA"/>
           </a:p>
@@ -2881,7 +2881,7 @@
           <a:p>
             <a:fld id="{FD49D357-028A-436C-9364-82B3DD197A27}" type="datetimeFigureOut">
               <a:rPr lang="en-CA" smtClean="0"/>
-              <a:t>2023-07-21</a:t>
+              <a:t>2023-07-26</a:t>
             </a:fld>
             <a:endParaRPr lang="en-CA"/>
           </a:p>
@@ -3051,7 +3051,7 @@
           <a:p>
             <a:fld id="{FD49D357-028A-436C-9364-82B3DD197A27}" type="datetimeFigureOut">
               <a:rPr lang="en-CA" smtClean="0"/>
-              <a:t>2023-07-21</a:t>
+              <a:t>2023-07-26</a:t>
             </a:fld>
             <a:endParaRPr lang="en-CA"/>
           </a:p>
@@ -3231,7 +3231,7 @@
           <a:p>
             <a:fld id="{FD49D357-028A-436C-9364-82B3DD197A27}" type="datetimeFigureOut">
               <a:rPr lang="en-CA" smtClean="0"/>
-              <a:t>2023-07-21</a:t>
+              <a:t>2023-07-26</a:t>
             </a:fld>
             <a:endParaRPr lang="en-CA"/>
           </a:p>
@@ -3401,7 +3401,7 @@
           <a:p>
             <a:fld id="{FD49D357-028A-436C-9364-82B3DD197A27}" type="datetimeFigureOut">
               <a:rPr lang="en-CA" smtClean="0"/>
-              <a:t>2023-07-21</a:t>
+              <a:t>2023-07-26</a:t>
             </a:fld>
             <a:endParaRPr lang="en-CA"/>
           </a:p>
@@ -3648,7 +3648,7 @@
           <a:p>
             <a:fld id="{FD49D357-028A-436C-9364-82B3DD197A27}" type="datetimeFigureOut">
               <a:rPr lang="en-CA" smtClean="0"/>
-              <a:t>2023-07-21</a:t>
+              <a:t>2023-07-26</a:t>
             </a:fld>
             <a:endParaRPr lang="en-CA"/>
           </a:p>
@@ -3940,7 +3940,7 @@
           <a:p>
             <a:fld id="{FD49D357-028A-436C-9364-82B3DD197A27}" type="datetimeFigureOut">
               <a:rPr lang="en-CA" smtClean="0"/>
-              <a:t>2023-07-21</a:t>
+              <a:t>2023-07-26</a:t>
             </a:fld>
             <a:endParaRPr lang="en-CA"/>
           </a:p>
@@ -4384,7 +4384,7 @@
           <a:p>
             <a:fld id="{FD49D357-028A-436C-9364-82B3DD197A27}" type="datetimeFigureOut">
               <a:rPr lang="en-CA" smtClean="0"/>
-              <a:t>2023-07-21</a:t>
+              <a:t>2023-07-26</a:t>
             </a:fld>
             <a:endParaRPr lang="en-CA"/>
           </a:p>
@@ -4502,7 +4502,7 @@
           <a:p>
             <a:fld id="{FD49D357-028A-436C-9364-82B3DD197A27}" type="datetimeFigureOut">
               <a:rPr lang="en-CA" smtClean="0"/>
-              <a:t>2023-07-21</a:t>
+              <a:t>2023-07-26</a:t>
             </a:fld>
             <a:endParaRPr lang="en-CA"/>
           </a:p>
@@ -4597,7 +4597,7 @@
           <a:p>
             <a:fld id="{FD49D357-028A-436C-9364-82B3DD197A27}" type="datetimeFigureOut">
               <a:rPr lang="en-CA" smtClean="0"/>
-              <a:t>2023-07-21</a:t>
+              <a:t>2023-07-26</a:t>
             </a:fld>
             <a:endParaRPr lang="en-CA"/>
           </a:p>
@@ -4876,7 +4876,7 @@
           <a:p>
             <a:fld id="{FD49D357-028A-436C-9364-82B3DD197A27}" type="datetimeFigureOut">
               <a:rPr lang="en-CA" smtClean="0"/>
-              <a:t>2023-07-21</a:t>
+              <a:t>2023-07-26</a:t>
             </a:fld>
             <a:endParaRPr lang="en-CA"/>
           </a:p>
@@ -5151,7 +5151,7 @@
           <a:p>
             <a:fld id="{FD49D357-028A-436C-9364-82B3DD197A27}" type="datetimeFigureOut">
               <a:rPr lang="en-CA" smtClean="0"/>
-              <a:t>2023-07-21</a:t>
+              <a:t>2023-07-26</a:t>
             </a:fld>
             <a:endParaRPr lang="en-CA"/>
           </a:p>
@@ -5580,7 +5580,7 @@
           <a:p>
             <a:fld id="{FD49D357-028A-436C-9364-82B3DD197A27}" type="datetimeFigureOut">
               <a:rPr lang="en-CA" smtClean="0"/>
-              <a:t>2023-07-21</a:t>
+              <a:t>2023-07-26</a:t>
             </a:fld>
             <a:endParaRPr lang="en-CA"/>
           </a:p>
@@ -6206,6 +6206,1149 @@
           <a:p>
             <a:r>
               <a:rPr lang="en-CA" dirty="0" smtClean="0"/>
+              <a:t>Model</a:t>
+            </a:r>
+            <a:endParaRPr lang="en-CA" dirty="0"/>
+          </a:p>
+        </p:txBody>
+      </p:sp>
+      <p:sp>
+        <p:nvSpPr>
+          <p:cNvPr id="3" name="Content Placeholder 2"/>
+          <p:cNvSpPr>
+            <a:spLocks noGrp="1"/>
+          </p:cNvSpPr>
+          <p:nvPr>
+            <p:ph idx="1"/>
+          </p:nvPr>
+        </p:nvSpPr>
+        <p:spPr/>
+        <p:txBody>
+          <a:bodyPr/>
+          <a:lstStyle/>
+          <a:p>
+            <a:endParaRPr lang="en-CA" dirty="0"/>
+          </a:p>
+        </p:txBody>
+      </p:sp>
+    </p:spTree>
+    <p:extLst>
+      <p:ext uri="{BB962C8B-B14F-4D97-AF65-F5344CB8AC3E}">
+        <p14:creationId xmlns:p14="http://schemas.microsoft.com/office/powerpoint/2010/main" val="2794811349"/>
+      </p:ext>
+    </p:extLst>
+  </p:cSld>
+  <p:clrMapOvr>
+    <a:masterClrMapping/>
+  </p:clrMapOvr>
+</p:sld>
+</file>
+
+<file path=ppt/slides/slide11.xml><?xml version="1.0" encoding="utf-8"?>
+<p:sld xmlns:a="http://schemas.openxmlformats.org/drawingml/2006/main" xmlns:r="http://schemas.openxmlformats.org/officeDocument/2006/relationships" xmlns:p="http://schemas.openxmlformats.org/presentationml/2006/main">
+  <p:cSld>
+    <p:spTree>
+      <p:nvGrpSpPr>
+        <p:cNvPr id="1" name=""/>
+        <p:cNvGrpSpPr/>
+        <p:nvPr/>
+      </p:nvGrpSpPr>
+      <p:grpSpPr>
+        <a:xfrm>
+          <a:off x="0" y="0"/>
+          <a:ext cx="0" cy="0"/>
+          <a:chOff x="0" y="0"/>
+          <a:chExt cx="0" cy="0"/>
+        </a:xfrm>
+      </p:grpSpPr>
+      <p:sp>
+        <p:nvSpPr>
+          <p:cNvPr id="2" name="Title 1"/>
+          <p:cNvSpPr>
+            <a:spLocks noGrp="1"/>
+          </p:cNvSpPr>
+          <p:nvPr>
+            <p:ph type="title"/>
+          </p:nvPr>
+        </p:nvSpPr>
+        <p:spPr/>
+        <p:txBody>
+          <a:bodyPr/>
+          <a:lstStyle/>
+          <a:p>
+            <a:r>
+              <a:rPr lang="en-CA" dirty="0" smtClean="0"/>
+              <a:t>Class Diagram</a:t>
+            </a:r>
+            <a:endParaRPr lang="en-CA" dirty="0"/>
+          </a:p>
+        </p:txBody>
+      </p:sp>
+    </p:spTree>
+    <p:extLst>
+      <p:ext uri="{BB962C8B-B14F-4D97-AF65-F5344CB8AC3E}">
+        <p14:creationId xmlns:p14="http://schemas.microsoft.com/office/powerpoint/2010/main" val="2555347140"/>
+      </p:ext>
+    </p:extLst>
+  </p:cSld>
+  <p:clrMapOvr>
+    <a:masterClrMapping/>
+  </p:clrMapOvr>
+</p:sld>
+</file>
+
+<file path=ppt/slides/slide12.xml><?xml version="1.0" encoding="utf-8"?>
+<p:sld xmlns:a="http://schemas.openxmlformats.org/drawingml/2006/main" xmlns:r="http://schemas.openxmlformats.org/officeDocument/2006/relationships" xmlns:p="http://schemas.openxmlformats.org/presentationml/2006/main">
+  <p:cSld>
+    <p:spTree>
+      <p:nvGrpSpPr>
+        <p:cNvPr id="1" name=""/>
+        <p:cNvGrpSpPr/>
+        <p:nvPr/>
+      </p:nvGrpSpPr>
+      <p:grpSpPr>
+        <a:xfrm>
+          <a:off x="0" y="0"/>
+          <a:ext cx="0" cy="0"/>
+          <a:chOff x="0" y="0"/>
+          <a:chExt cx="0" cy="0"/>
+        </a:xfrm>
+      </p:grpSpPr>
+      <p:sp>
+        <p:nvSpPr>
+          <p:cNvPr id="2" name="Title 1"/>
+          <p:cNvSpPr>
+            <a:spLocks noGrp="1"/>
+          </p:cNvSpPr>
+          <p:nvPr>
+            <p:ph type="title"/>
+          </p:nvPr>
+        </p:nvSpPr>
+        <p:spPr/>
+        <p:txBody>
+          <a:bodyPr/>
+          <a:lstStyle/>
+          <a:p>
+            <a:r>
+              <a:rPr lang="en-CA" dirty="0" smtClean="0"/>
+              <a:t>Design Pattern1</a:t>
+            </a:r>
+            <a:endParaRPr lang="en-CA" dirty="0"/>
+          </a:p>
+        </p:txBody>
+      </p:sp>
+      <p:sp>
+        <p:nvSpPr>
+          <p:cNvPr id="3" name="Content Placeholder 2"/>
+          <p:cNvSpPr>
+            <a:spLocks noGrp="1"/>
+          </p:cNvSpPr>
+          <p:nvPr>
+            <p:ph sz="half" idx="1"/>
+          </p:nvPr>
+        </p:nvSpPr>
+        <p:spPr/>
+        <p:txBody>
+          <a:bodyPr/>
+          <a:lstStyle/>
+          <a:p>
+            <a:r>
+              <a:rPr lang="en-CA" dirty="0" smtClean="0"/>
+              <a:t>Description</a:t>
+            </a:r>
+            <a:endParaRPr lang="en-CA" dirty="0"/>
+          </a:p>
+        </p:txBody>
+      </p:sp>
+      <p:sp>
+        <p:nvSpPr>
+          <p:cNvPr id="4" name="Content Placeholder 3"/>
+          <p:cNvSpPr>
+            <a:spLocks noGrp="1"/>
+          </p:cNvSpPr>
+          <p:nvPr>
+            <p:ph sz="half" idx="2"/>
+          </p:nvPr>
+        </p:nvSpPr>
+        <p:spPr/>
+        <p:txBody>
+          <a:bodyPr/>
+          <a:lstStyle/>
+          <a:p>
+            <a:endParaRPr lang="en-CA" dirty="0"/>
+          </a:p>
+        </p:txBody>
+      </p:sp>
+    </p:spTree>
+    <p:extLst>
+      <p:ext uri="{BB962C8B-B14F-4D97-AF65-F5344CB8AC3E}">
+        <p14:creationId xmlns:p14="http://schemas.microsoft.com/office/powerpoint/2010/main" val="898104490"/>
+      </p:ext>
+    </p:extLst>
+  </p:cSld>
+  <p:clrMapOvr>
+    <a:masterClrMapping/>
+  </p:clrMapOvr>
+</p:sld>
+</file>
+
+<file path=ppt/slides/slide13.xml><?xml version="1.0" encoding="utf-8"?>
+<p:sld xmlns:a="http://schemas.openxmlformats.org/drawingml/2006/main" xmlns:r="http://schemas.openxmlformats.org/officeDocument/2006/relationships" xmlns:p="http://schemas.openxmlformats.org/presentationml/2006/main">
+  <p:cSld>
+    <p:spTree>
+      <p:nvGrpSpPr>
+        <p:cNvPr id="1" name=""/>
+        <p:cNvGrpSpPr/>
+        <p:nvPr/>
+      </p:nvGrpSpPr>
+      <p:grpSpPr>
+        <a:xfrm>
+          <a:off x="0" y="0"/>
+          <a:ext cx="0" cy="0"/>
+          <a:chOff x="0" y="0"/>
+          <a:chExt cx="0" cy="0"/>
+        </a:xfrm>
+      </p:grpSpPr>
+      <p:sp>
+        <p:nvSpPr>
+          <p:cNvPr id="2" name="Title 1"/>
+          <p:cNvSpPr>
+            <a:spLocks noGrp="1"/>
+          </p:cNvSpPr>
+          <p:nvPr>
+            <p:ph type="title"/>
+          </p:nvPr>
+        </p:nvSpPr>
+        <p:spPr/>
+        <p:txBody>
+          <a:bodyPr/>
+          <a:lstStyle/>
+          <a:p>
+            <a:r>
+              <a:rPr lang="en-CA" dirty="0" smtClean="0"/>
+              <a:t>Design Pattern1</a:t>
+            </a:r>
+            <a:endParaRPr lang="en-CA" dirty="0"/>
+          </a:p>
+        </p:txBody>
+      </p:sp>
+      <p:sp>
+        <p:nvSpPr>
+          <p:cNvPr id="3" name="Content Placeholder 2"/>
+          <p:cNvSpPr>
+            <a:spLocks noGrp="1"/>
+          </p:cNvSpPr>
+          <p:nvPr>
+            <p:ph sz="half" idx="1"/>
+          </p:nvPr>
+        </p:nvSpPr>
+        <p:spPr/>
+        <p:txBody>
+          <a:bodyPr/>
+          <a:lstStyle/>
+          <a:p>
+            <a:r>
+              <a:rPr lang="en-CA" dirty="0" smtClean="0"/>
+              <a:t>Code Picture</a:t>
+            </a:r>
+            <a:endParaRPr lang="en-CA" dirty="0"/>
+          </a:p>
+        </p:txBody>
+      </p:sp>
+      <p:sp>
+        <p:nvSpPr>
+          <p:cNvPr id="4" name="Content Placeholder 3"/>
+          <p:cNvSpPr>
+            <a:spLocks noGrp="1"/>
+          </p:cNvSpPr>
+          <p:nvPr>
+            <p:ph sz="half" idx="2"/>
+          </p:nvPr>
+        </p:nvSpPr>
+        <p:spPr/>
+        <p:txBody>
+          <a:bodyPr/>
+          <a:lstStyle/>
+          <a:p>
+            <a:endParaRPr lang="en-CA" dirty="0"/>
+          </a:p>
+        </p:txBody>
+      </p:sp>
+    </p:spTree>
+    <p:extLst>
+      <p:ext uri="{BB962C8B-B14F-4D97-AF65-F5344CB8AC3E}">
+        <p14:creationId xmlns:p14="http://schemas.microsoft.com/office/powerpoint/2010/main" val="3413050902"/>
+      </p:ext>
+    </p:extLst>
+  </p:cSld>
+  <p:clrMapOvr>
+    <a:masterClrMapping/>
+  </p:clrMapOvr>
+</p:sld>
+</file>
+
+<file path=ppt/slides/slide14.xml><?xml version="1.0" encoding="utf-8"?>
+<p:sld xmlns:a="http://schemas.openxmlformats.org/drawingml/2006/main" xmlns:r="http://schemas.openxmlformats.org/officeDocument/2006/relationships" xmlns:p="http://schemas.openxmlformats.org/presentationml/2006/main">
+  <p:cSld>
+    <p:spTree>
+      <p:nvGrpSpPr>
+        <p:cNvPr id="1" name=""/>
+        <p:cNvGrpSpPr/>
+        <p:nvPr/>
+      </p:nvGrpSpPr>
+      <p:grpSpPr>
+        <a:xfrm>
+          <a:off x="0" y="0"/>
+          <a:ext cx="0" cy="0"/>
+          <a:chOff x="0" y="0"/>
+          <a:chExt cx="0" cy="0"/>
+        </a:xfrm>
+      </p:grpSpPr>
+      <p:sp>
+        <p:nvSpPr>
+          <p:cNvPr id="2" name="Title 1"/>
+          <p:cNvSpPr>
+            <a:spLocks noGrp="1"/>
+          </p:cNvSpPr>
+          <p:nvPr>
+            <p:ph type="title"/>
+          </p:nvPr>
+        </p:nvSpPr>
+        <p:spPr/>
+        <p:txBody>
+          <a:bodyPr/>
+          <a:lstStyle/>
+          <a:p>
+            <a:r>
+              <a:rPr lang="en-CA" dirty="0" smtClean="0"/>
+              <a:t>Design Pattern2</a:t>
+            </a:r>
+            <a:endParaRPr lang="en-CA" dirty="0"/>
+          </a:p>
+        </p:txBody>
+      </p:sp>
+      <p:sp>
+        <p:nvSpPr>
+          <p:cNvPr id="3" name="Content Placeholder 2"/>
+          <p:cNvSpPr>
+            <a:spLocks noGrp="1"/>
+          </p:cNvSpPr>
+          <p:nvPr>
+            <p:ph sz="half" idx="1"/>
+          </p:nvPr>
+        </p:nvSpPr>
+        <p:spPr/>
+        <p:txBody>
+          <a:bodyPr/>
+          <a:lstStyle/>
+          <a:p>
+            <a:r>
+              <a:rPr lang="en-CA" dirty="0"/>
+              <a:t>Description</a:t>
+            </a:r>
+          </a:p>
+        </p:txBody>
+      </p:sp>
+      <p:sp>
+        <p:nvSpPr>
+          <p:cNvPr id="4" name="Content Placeholder 3"/>
+          <p:cNvSpPr>
+            <a:spLocks noGrp="1"/>
+          </p:cNvSpPr>
+          <p:nvPr>
+            <p:ph sz="half" idx="2"/>
+          </p:nvPr>
+        </p:nvSpPr>
+        <p:spPr/>
+        <p:txBody>
+          <a:bodyPr/>
+          <a:lstStyle/>
+          <a:p>
+            <a:endParaRPr lang="en-CA" dirty="0"/>
+          </a:p>
+        </p:txBody>
+      </p:sp>
+    </p:spTree>
+    <p:extLst>
+      <p:ext uri="{BB962C8B-B14F-4D97-AF65-F5344CB8AC3E}">
+        <p14:creationId xmlns:p14="http://schemas.microsoft.com/office/powerpoint/2010/main" val="4192460451"/>
+      </p:ext>
+    </p:extLst>
+  </p:cSld>
+  <p:clrMapOvr>
+    <a:masterClrMapping/>
+  </p:clrMapOvr>
+</p:sld>
+</file>
+
+<file path=ppt/slides/slide15.xml><?xml version="1.0" encoding="utf-8"?>
+<p:sld xmlns:a="http://schemas.openxmlformats.org/drawingml/2006/main" xmlns:r="http://schemas.openxmlformats.org/officeDocument/2006/relationships" xmlns:p="http://schemas.openxmlformats.org/presentationml/2006/main">
+  <p:cSld>
+    <p:spTree>
+      <p:nvGrpSpPr>
+        <p:cNvPr id="1" name=""/>
+        <p:cNvGrpSpPr/>
+        <p:nvPr/>
+      </p:nvGrpSpPr>
+      <p:grpSpPr>
+        <a:xfrm>
+          <a:off x="0" y="0"/>
+          <a:ext cx="0" cy="0"/>
+          <a:chOff x="0" y="0"/>
+          <a:chExt cx="0" cy="0"/>
+        </a:xfrm>
+      </p:grpSpPr>
+      <p:sp>
+        <p:nvSpPr>
+          <p:cNvPr id="2" name="Title 1"/>
+          <p:cNvSpPr>
+            <a:spLocks noGrp="1"/>
+          </p:cNvSpPr>
+          <p:nvPr>
+            <p:ph type="title"/>
+          </p:nvPr>
+        </p:nvSpPr>
+        <p:spPr/>
+        <p:txBody>
+          <a:bodyPr/>
+          <a:lstStyle/>
+          <a:p>
+            <a:r>
+              <a:rPr lang="en-CA" dirty="0" smtClean="0"/>
+              <a:t>Design Pattern2</a:t>
+            </a:r>
+            <a:endParaRPr lang="en-CA" dirty="0"/>
+          </a:p>
+        </p:txBody>
+      </p:sp>
+      <p:sp>
+        <p:nvSpPr>
+          <p:cNvPr id="3" name="Content Placeholder 2"/>
+          <p:cNvSpPr>
+            <a:spLocks noGrp="1"/>
+          </p:cNvSpPr>
+          <p:nvPr>
+            <p:ph sz="half" idx="1"/>
+          </p:nvPr>
+        </p:nvSpPr>
+        <p:spPr/>
+        <p:txBody>
+          <a:bodyPr/>
+          <a:lstStyle/>
+          <a:p>
+            <a:r>
+              <a:rPr lang="en-CA" dirty="0" smtClean="0"/>
+              <a:t>(CODE PICTURE)</a:t>
+            </a:r>
+            <a:endParaRPr lang="en-CA" dirty="0"/>
+          </a:p>
+        </p:txBody>
+      </p:sp>
+      <p:sp>
+        <p:nvSpPr>
+          <p:cNvPr id="4" name="Content Placeholder 3"/>
+          <p:cNvSpPr>
+            <a:spLocks noGrp="1"/>
+          </p:cNvSpPr>
+          <p:nvPr>
+            <p:ph sz="half" idx="2"/>
+          </p:nvPr>
+        </p:nvSpPr>
+        <p:spPr/>
+        <p:txBody>
+          <a:bodyPr/>
+          <a:lstStyle/>
+          <a:p>
+            <a:endParaRPr lang="en-CA" dirty="0"/>
+          </a:p>
+        </p:txBody>
+      </p:sp>
+    </p:spTree>
+    <p:extLst>
+      <p:ext uri="{BB962C8B-B14F-4D97-AF65-F5344CB8AC3E}">
+        <p14:creationId xmlns:p14="http://schemas.microsoft.com/office/powerpoint/2010/main" val="3458060785"/>
+      </p:ext>
+    </p:extLst>
+  </p:cSld>
+  <p:clrMapOvr>
+    <a:masterClrMapping/>
+  </p:clrMapOvr>
+</p:sld>
+</file>
+
+<file path=ppt/slides/slide16.xml><?xml version="1.0" encoding="utf-8"?>
+<p:sld xmlns:a="http://schemas.openxmlformats.org/drawingml/2006/main" xmlns:r="http://schemas.openxmlformats.org/officeDocument/2006/relationships" xmlns:p="http://schemas.openxmlformats.org/presentationml/2006/main">
+  <p:cSld>
+    <p:spTree>
+      <p:nvGrpSpPr>
+        <p:cNvPr id="1" name=""/>
+        <p:cNvGrpSpPr/>
+        <p:nvPr/>
+      </p:nvGrpSpPr>
+      <p:grpSpPr>
+        <a:xfrm>
+          <a:off x="0" y="0"/>
+          <a:ext cx="0" cy="0"/>
+          <a:chOff x="0" y="0"/>
+          <a:chExt cx="0" cy="0"/>
+        </a:xfrm>
+      </p:grpSpPr>
+      <p:sp>
+        <p:nvSpPr>
+          <p:cNvPr id="2" name="Title 1"/>
+          <p:cNvSpPr>
+            <a:spLocks noGrp="1"/>
+          </p:cNvSpPr>
+          <p:nvPr>
+            <p:ph type="title"/>
+          </p:nvPr>
+        </p:nvSpPr>
+        <p:spPr/>
+        <p:txBody>
+          <a:bodyPr/>
+          <a:lstStyle/>
+          <a:p>
+            <a:r>
+              <a:rPr lang="en-CA" dirty="0" smtClean="0"/>
+              <a:t>Design </a:t>
+            </a:r>
+            <a:r>
+              <a:rPr lang="en-CA" dirty="0"/>
+              <a:t>Pattern</a:t>
+            </a:r>
+          </a:p>
+        </p:txBody>
+      </p:sp>
+      <p:sp>
+        <p:nvSpPr>
+          <p:cNvPr id="3" name="Content Placeholder 2"/>
+          <p:cNvSpPr>
+            <a:spLocks noGrp="1"/>
+          </p:cNvSpPr>
+          <p:nvPr>
+            <p:ph sz="half" idx="1"/>
+          </p:nvPr>
+        </p:nvSpPr>
+        <p:spPr/>
+        <p:txBody>
+          <a:bodyPr/>
+          <a:lstStyle/>
+          <a:p>
+            <a:r>
+              <a:rPr lang="en-CA" dirty="0" smtClean="0"/>
+              <a:t>(CODE PICTURE)</a:t>
+            </a:r>
+            <a:endParaRPr lang="en-CA" dirty="0"/>
+          </a:p>
+        </p:txBody>
+      </p:sp>
+      <p:sp>
+        <p:nvSpPr>
+          <p:cNvPr id="4" name="Content Placeholder 3"/>
+          <p:cNvSpPr>
+            <a:spLocks noGrp="1"/>
+          </p:cNvSpPr>
+          <p:nvPr>
+            <p:ph sz="half" idx="2"/>
+          </p:nvPr>
+        </p:nvSpPr>
+        <p:spPr/>
+        <p:txBody>
+          <a:bodyPr/>
+          <a:lstStyle/>
+          <a:p>
+            <a:endParaRPr lang="en-CA" dirty="0"/>
+          </a:p>
+        </p:txBody>
+      </p:sp>
+    </p:spTree>
+    <p:extLst>
+      <p:ext uri="{BB962C8B-B14F-4D97-AF65-F5344CB8AC3E}">
+        <p14:creationId xmlns:p14="http://schemas.microsoft.com/office/powerpoint/2010/main" val="1571068922"/>
+      </p:ext>
+    </p:extLst>
+  </p:cSld>
+  <p:clrMapOvr>
+    <a:masterClrMapping/>
+  </p:clrMapOvr>
+</p:sld>
+</file>
+
+<file path=ppt/slides/slide17.xml><?xml version="1.0" encoding="utf-8"?>
+<p:sld xmlns:a="http://schemas.openxmlformats.org/drawingml/2006/main" xmlns:r="http://schemas.openxmlformats.org/officeDocument/2006/relationships" xmlns:p="http://schemas.openxmlformats.org/presentationml/2006/main">
+  <p:cSld>
+    <p:spTree>
+      <p:nvGrpSpPr>
+        <p:cNvPr id="1" name=""/>
+        <p:cNvGrpSpPr/>
+        <p:nvPr/>
+      </p:nvGrpSpPr>
+      <p:grpSpPr>
+        <a:xfrm>
+          <a:off x="0" y="0"/>
+          <a:ext cx="0" cy="0"/>
+          <a:chOff x="0" y="0"/>
+          <a:chExt cx="0" cy="0"/>
+        </a:xfrm>
+      </p:grpSpPr>
+      <p:sp>
+        <p:nvSpPr>
+          <p:cNvPr id="2" name="Title 1"/>
+          <p:cNvSpPr>
+            <a:spLocks noGrp="1"/>
+          </p:cNvSpPr>
+          <p:nvPr>
+            <p:ph type="title"/>
+          </p:nvPr>
+        </p:nvSpPr>
+        <p:spPr/>
+        <p:txBody>
+          <a:bodyPr/>
+          <a:lstStyle/>
+          <a:p>
+            <a:r>
+              <a:rPr lang="en-CA" dirty="0" smtClean="0"/>
+              <a:t>Project Demo</a:t>
+            </a:r>
+            <a:endParaRPr lang="en-CA" dirty="0"/>
+          </a:p>
+        </p:txBody>
+      </p:sp>
+    </p:spTree>
+    <p:extLst>
+      <p:ext uri="{BB962C8B-B14F-4D97-AF65-F5344CB8AC3E}">
+        <p14:creationId xmlns:p14="http://schemas.microsoft.com/office/powerpoint/2010/main" val="1736004580"/>
+      </p:ext>
+    </p:extLst>
+  </p:cSld>
+  <p:clrMapOvr>
+    <a:masterClrMapping/>
+  </p:clrMapOvr>
+</p:sld>
+</file>
+
+<file path=ppt/slides/slide18.xml><?xml version="1.0" encoding="utf-8"?>
+<p:sld xmlns:a="http://schemas.openxmlformats.org/drawingml/2006/main" xmlns:r="http://schemas.openxmlformats.org/officeDocument/2006/relationships" xmlns:p="http://schemas.openxmlformats.org/presentationml/2006/main">
+  <p:cSld>
+    <p:spTree>
+      <p:nvGrpSpPr>
+        <p:cNvPr id="1" name=""/>
+        <p:cNvGrpSpPr/>
+        <p:nvPr/>
+      </p:nvGrpSpPr>
+      <p:grpSpPr>
+        <a:xfrm>
+          <a:off x="0" y="0"/>
+          <a:ext cx="0" cy="0"/>
+          <a:chOff x="0" y="0"/>
+          <a:chExt cx="0" cy="0"/>
+        </a:xfrm>
+      </p:grpSpPr>
+      <p:sp>
+        <p:nvSpPr>
+          <p:cNvPr id="2" name="Title 1"/>
+          <p:cNvSpPr>
+            <a:spLocks noGrp="1"/>
+          </p:cNvSpPr>
+          <p:nvPr>
+            <p:ph type="title"/>
+          </p:nvPr>
+        </p:nvSpPr>
+        <p:spPr/>
+        <p:txBody>
+          <a:bodyPr/>
+          <a:lstStyle/>
+          <a:p>
+            <a:r>
+              <a:rPr lang="en-CA" dirty="0" smtClean="0"/>
+              <a:t>Feedbacks and Q&amp;As </a:t>
+            </a:r>
+            <a:endParaRPr lang="en-CA" dirty="0"/>
+          </a:p>
+        </p:txBody>
+      </p:sp>
+      <p:sp>
+        <p:nvSpPr>
+          <p:cNvPr id="3" name="Text Placeholder 2"/>
+          <p:cNvSpPr>
+            <a:spLocks noGrp="1"/>
+          </p:cNvSpPr>
+          <p:nvPr>
+            <p:ph type="body" idx="1"/>
+          </p:nvPr>
+        </p:nvSpPr>
+        <p:spPr/>
+        <p:txBody>
+          <a:bodyPr/>
+          <a:lstStyle/>
+          <a:p>
+            <a:r>
+              <a:rPr lang="en-CA" dirty="0" smtClean="0"/>
+              <a:t>Thank You!</a:t>
+            </a:r>
+            <a:endParaRPr lang="en-CA" dirty="0"/>
+          </a:p>
+        </p:txBody>
+      </p:sp>
+    </p:spTree>
+    <p:extLst>
+      <p:ext uri="{BB962C8B-B14F-4D97-AF65-F5344CB8AC3E}">
+        <p14:creationId xmlns:p14="http://schemas.microsoft.com/office/powerpoint/2010/main" val="3083454344"/>
+      </p:ext>
+    </p:extLst>
+  </p:cSld>
+  <p:clrMapOvr>
+    <a:masterClrMapping/>
+  </p:clrMapOvr>
+</p:sld>
+</file>
+
+<file path=ppt/slides/slide2.xml><?xml version="1.0" encoding="utf-8"?>
+<p:sld xmlns:a="http://schemas.openxmlformats.org/drawingml/2006/main" xmlns:r="http://schemas.openxmlformats.org/officeDocument/2006/relationships" xmlns:p="http://schemas.openxmlformats.org/presentationml/2006/main">
+  <p:cSld>
+    <p:spTree>
+      <p:nvGrpSpPr>
+        <p:cNvPr id="1" name=""/>
+        <p:cNvGrpSpPr/>
+        <p:nvPr/>
+      </p:nvGrpSpPr>
+      <p:grpSpPr>
+        <a:xfrm>
+          <a:off x="0" y="0"/>
+          <a:ext cx="0" cy="0"/>
+          <a:chOff x="0" y="0"/>
+          <a:chExt cx="0" cy="0"/>
+        </a:xfrm>
+      </p:grpSpPr>
+      <p:sp>
+        <p:nvSpPr>
+          <p:cNvPr id="2" name="Title 1"/>
+          <p:cNvSpPr>
+            <a:spLocks noGrp="1"/>
+          </p:cNvSpPr>
+          <p:nvPr>
+            <p:ph type="title"/>
+          </p:nvPr>
+        </p:nvSpPr>
+        <p:spPr/>
+        <p:txBody>
+          <a:bodyPr/>
+          <a:lstStyle/>
+          <a:p>
+            <a:r>
+              <a:rPr lang="en-CA" dirty="0" smtClean="0"/>
+              <a:t>The Team and Roles</a:t>
+            </a:r>
+            <a:endParaRPr lang="en-CA" dirty="0"/>
+          </a:p>
+        </p:txBody>
+      </p:sp>
+      <p:sp>
+        <p:nvSpPr>
+          <p:cNvPr id="8" name="Content Placeholder 7"/>
+          <p:cNvSpPr>
+            <a:spLocks noGrp="1"/>
+          </p:cNvSpPr>
+          <p:nvPr>
+            <p:ph sz="half" idx="1"/>
+          </p:nvPr>
+        </p:nvSpPr>
+        <p:spPr>
+          <a:xfrm>
+            <a:off x="646111" y="1853248"/>
+            <a:ext cx="6610900" cy="4300172"/>
+          </a:xfrm>
+        </p:spPr>
+        <p:txBody>
+          <a:bodyPr/>
+          <a:lstStyle/>
+          <a:p>
+            <a:r>
+              <a:rPr lang="en-CA" dirty="0" smtClean="0"/>
+              <a:t>Adnan – Full Stack </a:t>
+            </a:r>
+            <a:r>
+              <a:rPr lang="en-CA" dirty="0" smtClean="0"/>
+              <a:t>Development </a:t>
+            </a:r>
+            <a:endParaRPr lang="en-CA" dirty="0" smtClean="0"/>
+          </a:p>
+          <a:p>
+            <a:r>
+              <a:rPr lang="en-CA" dirty="0" smtClean="0"/>
+              <a:t>JJ – Project Manager and Full Stack</a:t>
+            </a:r>
+          </a:p>
+          <a:p>
+            <a:r>
+              <a:rPr lang="en-CA" dirty="0" smtClean="0"/>
+              <a:t>Mohammad – Project Manager and Front End</a:t>
+            </a:r>
+            <a:endParaRPr lang="en-CA" dirty="0"/>
+          </a:p>
+        </p:txBody>
+      </p:sp>
+    </p:spTree>
+    <p:extLst>
+      <p:ext uri="{BB962C8B-B14F-4D97-AF65-F5344CB8AC3E}">
+        <p14:creationId xmlns:p14="http://schemas.microsoft.com/office/powerpoint/2010/main" val="138383183"/>
+      </p:ext>
+    </p:extLst>
+  </p:cSld>
+  <p:clrMapOvr>
+    <a:masterClrMapping/>
+  </p:clrMapOvr>
+</p:sld>
+</file>
+
+<file path=ppt/slides/slide3.xml><?xml version="1.0" encoding="utf-8"?>
+<p:sld xmlns:a="http://schemas.openxmlformats.org/drawingml/2006/main" xmlns:r="http://schemas.openxmlformats.org/officeDocument/2006/relationships" xmlns:p="http://schemas.openxmlformats.org/presentationml/2006/main">
+  <p:cSld>
+    <p:spTree>
+      <p:nvGrpSpPr>
+        <p:cNvPr id="1" name=""/>
+        <p:cNvGrpSpPr/>
+        <p:nvPr/>
+      </p:nvGrpSpPr>
+      <p:grpSpPr>
+        <a:xfrm>
+          <a:off x="0" y="0"/>
+          <a:ext cx="0" cy="0"/>
+          <a:chOff x="0" y="0"/>
+          <a:chExt cx="0" cy="0"/>
+        </a:xfrm>
+      </p:grpSpPr>
+      <p:sp>
+        <p:nvSpPr>
+          <p:cNvPr id="2" name="Title 1"/>
+          <p:cNvSpPr>
+            <a:spLocks noGrp="1"/>
+          </p:cNvSpPr>
+          <p:nvPr>
+            <p:ph type="title"/>
+          </p:nvPr>
+        </p:nvSpPr>
+        <p:spPr/>
+        <p:txBody>
+          <a:bodyPr/>
+          <a:lstStyle/>
+          <a:p>
+            <a:r>
+              <a:rPr lang="en-CA" dirty="0" smtClean="0"/>
+              <a:t>Project Idea – Go4Food</a:t>
+            </a:r>
+            <a:endParaRPr lang="en-CA" dirty="0"/>
+          </a:p>
+        </p:txBody>
+      </p:sp>
+      <p:sp>
+        <p:nvSpPr>
+          <p:cNvPr id="3" name="Content Placeholder 2"/>
+          <p:cNvSpPr>
+            <a:spLocks noGrp="1"/>
+          </p:cNvSpPr>
+          <p:nvPr>
+            <p:ph idx="1"/>
+          </p:nvPr>
+        </p:nvSpPr>
+        <p:spPr>
+          <a:xfrm>
+            <a:off x="646111" y="1695306"/>
+            <a:ext cx="8946541" cy="4195481"/>
+          </a:xfrm>
+        </p:spPr>
+        <p:txBody>
+          <a:bodyPr>
+            <a:normAutofit/>
+          </a:bodyPr>
+          <a:lstStyle/>
+          <a:p>
+            <a:r>
+              <a:rPr lang="en-US" dirty="0" smtClean="0"/>
+              <a:t>Traditional </a:t>
+            </a:r>
+            <a:r>
+              <a:rPr lang="en-US" dirty="0"/>
+              <a:t>food </a:t>
+            </a:r>
+            <a:r>
+              <a:rPr lang="en-US" dirty="0" smtClean="0"/>
+              <a:t>ordering involves </a:t>
+            </a:r>
+            <a:r>
+              <a:rPr lang="en-US" dirty="0"/>
+              <a:t>lengthy phone calls, miscommunications, and limited menu visibility, leading to inconvenience for customers and operational challenges for restaurant </a:t>
+            </a:r>
+            <a:r>
+              <a:rPr lang="en-US" dirty="0" smtClean="0"/>
+              <a:t>owners. </a:t>
+            </a:r>
+            <a:endParaRPr lang="en-CA" dirty="0"/>
+          </a:p>
+          <a:p>
+            <a:r>
+              <a:rPr lang="en-US" dirty="0" smtClean="0"/>
+              <a:t>Develop </a:t>
+            </a:r>
+            <a:r>
+              <a:rPr lang="en-US" dirty="0"/>
+              <a:t>a web-based application that allows users to order food from various restaurants. </a:t>
+            </a:r>
+            <a:r>
+              <a:rPr lang="en-US" dirty="0" smtClean="0"/>
+              <a:t>As well allow </a:t>
+            </a:r>
+            <a:r>
+              <a:rPr lang="en-CA" dirty="0" smtClean="0"/>
+              <a:t>trouble-free registration and menu management for the restaurants.</a:t>
+            </a:r>
+            <a:endParaRPr lang="en-US" dirty="0" smtClean="0"/>
+          </a:p>
+          <a:p>
+            <a:r>
+              <a:rPr lang="en-US" dirty="0" smtClean="0"/>
+              <a:t>Go4Food </a:t>
+            </a:r>
+            <a:r>
+              <a:rPr lang="en-CA" dirty="0" smtClean="0"/>
+              <a:t>will feature </a:t>
+            </a:r>
+            <a:r>
+              <a:rPr lang="en-US" dirty="0" smtClean="0"/>
+              <a:t>user registration, menu browsing, placing orders, and order tracking. Highlight benefits like convenience, a wide range of restaurant options, and user-friendly interfaces. Lastly, our web app aims to improve </a:t>
+            </a:r>
+            <a:r>
+              <a:rPr lang="en-US" dirty="0"/>
+              <a:t>overall service quality </a:t>
+            </a:r>
+            <a:r>
+              <a:rPr lang="en-US" dirty="0" smtClean="0"/>
+              <a:t>. </a:t>
+            </a:r>
+          </a:p>
+          <a:p>
+            <a:endParaRPr lang="en-US" dirty="0"/>
+          </a:p>
+          <a:p>
+            <a:endParaRPr lang="en-US" dirty="0" smtClean="0"/>
+          </a:p>
+          <a:p>
+            <a:endParaRPr lang="en-CA" dirty="0"/>
+          </a:p>
+        </p:txBody>
+      </p:sp>
+    </p:spTree>
+    <p:extLst>
+      <p:ext uri="{BB962C8B-B14F-4D97-AF65-F5344CB8AC3E}">
+        <p14:creationId xmlns:p14="http://schemas.microsoft.com/office/powerpoint/2010/main" val="915475053"/>
+      </p:ext>
+    </p:extLst>
+  </p:cSld>
+  <p:clrMapOvr>
+    <a:masterClrMapping/>
+  </p:clrMapOvr>
+</p:sld>
+</file>
+
+<file path=ppt/slides/slide4.xml><?xml version="1.0" encoding="utf-8"?>
+<p:sld xmlns:a="http://schemas.openxmlformats.org/drawingml/2006/main" xmlns:r="http://schemas.openxmlformats.org/officeDocument/2006/relationships" xmlns:p="http://schemas.openxmlformats.org/presentationml/2006/main">
+  <p:cSld>
+    <p:spTree>
+      <p:nvGrpSpPr>
+        <p:cNvPr id="1" name=""/>
+        <p:cNvGrpSpPr/>
+        <p:nvPr/>
+      </p:nvGrpSpPr>
+      <p:grpSpPr>
+        <a:xfrm>
+          <a:off x="0" y="0"/>
+          <a:ext cx="0" cy="0"/>
+          <a:chOff x="0" y="0"/>
+          <a:chExt cx="0" cy="0"/>
+        </a:xfrm>
+      </p:grpSpPr>
+      <p:sp>
+        <p:nvSpPr>
+          <p:cNvPr id="2" name="Title 1"/>
+          <p:cNvSpPr>
+            <a:spLocks noGrp="1"/>
+          </p:cNvSpPr>
+          <p:nvPr>
+            <p:ph type="title"/>
+          </p:nvPr>
+        </p:nvSpPr>
+        <p:spPr/>
+        <p:txBody>
+          <a:bodyPr/>
+          <a:lstStyle/>
+          <a:p>
+            <a:r>
+              <a:rPr lang="en-CA" dirty="0" smtClean="0"/>
+              <a:t>Functional Requirements</a:t>
+            </a:r>
+            <a:endParaRPr lang="en-CA" dirty="0"/>
+          </a:p>
+        </p:txBody>
+      </p:sp>
+      <p:pic>
+        <p:nvPicPr>
+          <p:cNvPr id="4" name="Picture 3"/>
+          <p:cNvPicPr>
+            <a:picLocks noChangeAspect="1"/>
+          </p:cNvPicPr>
+          <p:nvPr/>
+        </p:nvPicPr>
+        <p:blipFill>
+          <a:blip r:embed="rId2">
+            <a:extLst>
+              <a:ext uri="{28A0092B-C50C-407E-A947-70E740481C1C}">
+                <a14:useLocalDpi xmlns:a14="http://schemas.microsoft.com/office/drawing/2010/main" val="0"/>
+              </a:ext>
+            </a:extLst>
+          </a:blip>
+          <a:stretch>
+            <a:fillRect/>
+          </a:stretch>
+        </p:blipFill>
+        <p:spPr>
+          <a:xfrm>
+            <a:off x="3045845" y="1230045"/>
+            <a:ext cx="6051667" cy="5340213"/>
+          </a:xfrm>
+          <a:prstGeom prst="rect">
+            <a:avLst/>
+          </a:prstGeom>
+        </p:spPr>
+      </p:pic>
+    </p:spTree>
+    <p:extLst>
+      <p:ext uri="{BB962C8B-B14F-4D97-AF65-F5344CB8AC3E}">
+        <p14:creationId xmlns:p14="http://schemas.microsoft.com/office/powerpoint/2010/main" val="3588560162"/>
+      </p:ext>
+    </p:extLst>
+  </p:cSld>
+  <p:clrMapOvr>
+    <a:masterClrMapping/>
+  </p:clrMapOvr>
+</p:sld>
+</file>
+
+<file path=ppt/slides/slide5.xml><?xml version="1.0" encoding="utf-8"?>
+<p:sld xmlns:a="http://schemas.openxmlformats.org/drawingml/2006/main" xmlns:r="http://schemas.openxmlformats.org/officeDocument/2006/relationships" xmlns:p="http://schemas.openxmlformats.org/presentationml/2006/main">
+  <p:cSld>
+    <p:spTree>
+      <p:nvGrpSpPr>
+        <p:cNvPr id="1" name=""/>
+        <p:cNvGrpSpPr/>
+        <p:nvPr/>
+      </p:nvGrpSpPr>
+      <p:grpSpPr>
+        <a:xfrm>
+          <a:off x="0" y="0"/>
+          <a:ext cx="0" cy="0"/>
+          <a:chOff x="0" y="0"/>
+          <a:chExt cx="0" cy="0"/>
+        </a:xfrm>
+      </p:grpSpPr>
+      <p:sp>
+        <p:nvSpPr>
+          <p:cNvPr id="2" name="Title 1"/>
+          <p:cNvSpPr>
+            <a:spLocks noGrp="1"/>
+          </p:cNvSpPr>
+          <p:nvPr>
+            <p:ph type="title"/>
+          </p:nvPr>
+        </p:nvSpPr>
+        <p:spPr/>
+        <p:txBody>
+          <a:bodyPr/>
+          <a:lstStyle/>
+          <a:p>
+            <a:r>
+              <a:rPr lang="en-CA" dirty="0" smtClean="0"/>
+              <a:t>Use Case Diagram - Customer</a:t>
+            </a:r>
+            <a:endParaRPr lang="en-CA" dirty="0"/>
+          </a:p>
+        </p:txBody>
+      </p:sp>
+      <p:pic>
+        <p:nvPicPr>
+          <p:cNvPr id="5" name="Content Placeholder 4"/>
+          <p:cNvPicPr>
+            <a:picLocks noGrp="1" noChangeAspect="1"/>
+          </p:cNvPicPr>
+          <p:nvPr>
+            <p:ph sz="half" idx="1"/>
+          </p:nvPr>
+        </p:nvPicPr>
+        <p:blipFill>
+          <a:blip r:embed="rId2" cstate="print">
+            <a:extLst>
+              <a:ext uri="{28A0092B-C50C-407E-A947-70E740481C1C}">
+                <a14:useLocalDpi xmlns:a14="http://schemas.microsoft.com/office/drawing/2010/main" val="0"/>
+              </a:ext>
+            </a:extLst>
+          </a:blip>
+          <a:stretch>
+            <a:fillRect/>
+          </a:stretch>
+        </p:blipFill>
+        <p:spPr>
+          <a:xfrm>
+            <a:off x="3348904" y="1329547"/>
+            <a:ext cx="5562339" cy="5274339"/>
+          </a:xfrm>
+        </p:spPr>
+      </p:pic>
+    </p:spTree>
+    <p:extLst>
+      <p:ext uri="{BB962C8B-B14F-4D97-AF65-F5344CB8AC3E}">
+        <p14:creationId xmlns:p14="http://schemas.microsoft.com/office/powerpoint/2010/main" val="3724720811"/>
+      </p:ext>
+    </p:extLst>
+  </p:cSld>
+  <p:clrMapOvr>
+    <a:masterClrMapping/>
+  </p:clrMapOvr>
+</p:sld>
+</file>
+
+<file path=ppt/slides/slide6.xml><?xml version="1.0" encoding="utf-8"?>
+<p:sld xmlns:a="http://schemas.openxmlformats.org/drawingml/2006/main" xmlns:r="http://schemas.openxmlformats.org/officeDocument/2006/relationships" xmlns:p="http://schemas.openxmlformats.org/presentationml/2006/main">
+  <p:cSld>
+    <p:spTree>
+      <p:nvGrpSpPr>
+        <p:cNvPr id="1" name=""/>
+        <p:cNvGrpSpPr/>
+        <p:nvPr/>
+      </p:nvGrpSpPr>
+      <p:grpSpPr>
+        <a:xfrm>
+          <a:off x="0" y="0"/>
+          <a:ext cx="0" cy="0"/>
+          <a:chOff x="0" y="0"/>
+          <a:chExt cx="0" cy="0"/>
+        </a:xfrm>
+      </p:grpSpPr>
+      <p:sp>
+        <p:nvSpPr>
+          <p:cNvPr id="2" name="Title 1"/>
+          <p:cNvSpPr>
+            <a:spLocks noGrp="1"/>
+          </p:cNvSpPr>
+          <p:nvPr>
+            <p:ph type="title"/>
+          </p:nvPr>
+        </p:nvSpPr>
+        <p:spPr/>
+        <p:txBody>
+          <a:bodyPr/>
+          <a:lstStyle/>
+          <a:p>
+            <a:r>
+              <a:rPr lang="en-CA" dirty="0" smtClean="0"/>
               <a:t>Use Case Diagram - Restaurant</a:t>
             </a:r>
             <a:endParaRPr lang="en-CA" dirty="0"/>
@@ -6254,942 +7397,7 @@
 </p:sld>
 </file>
 
-<file path=ppt/slides/slide11.xml><?xml version="1.0" encoding="utf-8"?>
-<p:sld xmlns:a="http://schemas.openxmlformats.org/drawingml/2006/main" xmlns:r="http://schemas.openxmlformats.org/officeDocument/2006/relationships" xmlns:p="http://schemas.openxmlformats.org/presentationml/2006/main">
-  <p:cSld>
-    <p:spTree>
-      <p:nvGrpSpPr>
-        <p:cNvPr id="1" name=""/>
-        <p:cNvGrpSpPr/>
-        <p:nvPr/>
-      </p:nvGrpSpPr>
-      <p:grpSpPr>
-        <a:xfrm>
-          <a:off x="0" y="0"/>
-          <a:ext cx="0" cy="0"/>
-          <a:chOff x="0" y="0"/>
-          <a:chExt cx="0" cy="0"/>
-        </a:xfrm>
-      </p:grpSpPr>
-      <p:sp>
-        <p:nvSpPr>
-          <p:cNvPr id="2" name="Title 1"/>
-          <p:cNvSpPr>
-            <a:spLocks noGrp="1"/>
-          </p:cNvSpPr>
-          <p:nvPr>
-            <p:ph type="title"/>
-          </p:nvPr>
-        </p:nvSpPr>
-        <p:spPr/>
-        <p:txBody>
-          <a:bodyPr/>
-          <a:lstStyle/>
-          <a:p>
-            <a:r>
-              <a:rPr lang="en-CA" dirty="0" smtClean="0"/>
-              <a:t>Class Diagram</a:t>
-            </a:r>
-            <a:endParaRPr lang="en-CA" dirty="0"/>
-          </a:p>
-        </p:txBody>
-      </p:sp>
-      <p:sp>
-        <p:nvSpPr>
-          <p:cNvPr id="3" name="Content Placeholder 2"/>
-          <p:cNvSpPr>
-            <a:spLocks noGrp="1"/>
-          </p:cNvSpPr>
-          <p:nvPr>
-            <p:ph idx="1"/>
-          </p:nvPr>
-        </p:nvSpPr>
-        <p:spPr/>
-        <p:txBody>
-          <a:bodyPr/>
-          <a:lstStyle/>
-          <a:p>
-            <a:endParaRPr lang="en-CA" dirty="0"/>
-          </a:p>
-        </p:txBody>
-      </p:sp>
-    </p:spTree>
-    <p:extLst>
-      <p:ext uri="{BB962C8B-B14F-4D97-AF65-F5344CB8AC3E}">
-        <p14:creationId xmlns:p14="http://schemas.microsoft.com/office/powerpoint/2010/main" val="2555347140"/>
-      </p:ext>
-    </p:extLst>
-  </p:cSld>
-  <p:clrMapOvr>
-    <a:masterClrMapping/>
-  </p:clrMapOvr>
-</p:sld>
-</file>
-
-<file path=ppt/slides/slide12.xml><?xml version="1.0" encoding="utf-8"?>
-<p:sld xmlns:a="http://schemas.openxmlformats.org/drawingml/2006/main" xmlns:r="http://schemas.openxmlformats.org/officeDocument/2006/relationships" xmlns:p="http://schemas.openxmlformats.org/presentationml/2006/main">
-  <p:cSld>
-    <p:spTree>
-      <p:nvGrpSpPr>
-        <p:cNvPr id="1" name=""/>
-        <p:cNvGrpSpPr/>
-        <p:nvPr/>
-      </p:nvGrpSpPr>
-      <p:grpSpPr>
-        <a:xfrm>
-          <a:off x="0" y="0"/>
-          <a:ext cx="0" cy="0"/>
-          <a:chOff x="0" y="0"/>
-          <a:chExt cx="0" cy="0"/>
-        </a:xfrm>
-      </p:grpSpPr>
-      <p:sp>
-        <p:nvSpPr>
-          <p:cNvPr id="2" name="Title 1"/>
-          <p:cNvSpPr>
-            <a:spLocks noGrp="1"/>
-          </p:cNvSpPr>
-          <p:nvPr>
-            <p:ph type="title"/>
-          </p:nvPr>
-        </p:nvSpPr>
-        <p:spPr/>
-        <p:txBody>
-          <a:bodyPr/>
-          <a:lstStyle/>
-          <a:p>
-            <a:r>
-              <a:rPr lang="en-CA" dirty="0" smtClean="0"/>
-              <a:t>Design Pattern1</a:t>
-            </a:r>
-            <a:endParaRPr lang="en-CA" dirty="0"/>
-          </a:p>
-        </p:txBody>
-      </p:sp>
-      <p:sp>
-        <p:nvSpPr>
-          <p:cNvPr id="3" name="Content Placeholder 2"/>
-          <p:cNvSpPr>
-            <a:spLocks noGrp="1"/>
-          </p:cNvSpPr>
-          <p:nvPr>
-            <p:ph sz="half" idx="1"/>
-          </p:nvPr>
-        </p:nvSpPr>
-        <p:spPr/>
-        <p:txBody>
-          <a:bodyPr/>
-          <a:lstStyle/>
-          <a:p>
-            <a:r>
-              <a:rPr lang="en-CA" dirty="0" smtClean="0"/>
-              <a:t>Description</a:t>
-            </a:r>
-            <a:endParaRPr lang="en-CA" dirty="0"/>
-          </a:p>
-        </p:txBody>
-      </p:sp>
-      <p:sp>
-        <p:nvSpPr>
-          <p:cNvPr id="4" name="Content Placeholder 3"/>
-          <p:cNvSpPr>
-            <a:spLocks noGrp="1"/>
-          </p:cNvSpPr>
-          <p:nvPr>
-            <p:ph sz="half" idx="2"/>
-          </p:nvPr>
-        </p:nvSpPr>
-        <p:spPr/>
-        <p:txBody>
-          <a:bodyPr/>
-          <a:lstStyle/>
-          <a:p>
-            <a:endParaRPr lang="en-CA" dirty="0"/>
-          </a:p>
-        </p:txBody>
-      </p:sp>
-    </p:spTree>
-    <p:extLst>
-      <p:ext uri="{BB962C8B-B14F-4D97-AF65-F5344CB8AC3E}">
-        <p14:creationId xmlns:p14="http://schemas.microsoft.com/office/powerpoint/2010/main" val="898104490"/>
-      </p:ext>
-    </p:extLst>
-  </p:cSld>
-  <p:clrMapOvr>
-    <a:masterClrMapping/>
-  </p:clrMapOvr>
-</p:sld>
-</file>
-
-<file path=ppt/slides/slide13.xml><?xml version="1.0" encoding="utf-8"?>
-<p:sld xmlns:a="http://schemas.openxmlformats.org/drawingml/2006/main" xmlns:r="http://schemas.openxmlformats.org/officeDocument/2006/relationships" xmlns:p="http://schemas.openxmlformats.org/presentationml/2006/main">
-  <p:cSld>
-    <p:spTree>
-      <p:nvGrpSpPr>
-        <p:cNvPr id="1" name=""/>
-        <p:cNvGrpSpPr/>
-        <p:nvPr/>
-      </p:nvGrpSpPr>
-      <p:grpSpPr>
-        <a:xfrm>
-          <a:off x="0" y="0"/>
-          <a:ext cx="0" cy="0"/>
-          <a:chOff x="0" y="0"/>
-          <a:chExt cx="0" cy="0"/>
-        </a:xfrm>
-      </p:grpSpPr>
-      <p:sp>
-        <p:nvSpPr>
-          <p:cNvPr id="2" name="Title 1"/>
-          <p:cNvSpPr>
-            <a:spLocks noGrp="1"/>
-          </p:cNvSpPr>
-          <p:nvPr>
-            <p:ph type="title"/>
-          </p:nvPr>
-        </p:nvSpPr>
-        <p:spPr/>
-        <p:txBody>
-          <a:bodyPr/>
-          <a:lstStyle/>
-          <a:p>
-            <a:r>
-              <a:rPr lang="en-CA" dirty="0" smtClean="0"/>
-              <a:t>Design Pattern1</a:t>
-            </a:r>
-            <a:endParaRPr lang="en-CA" dirty="0"/>
-          </a:p>
-        </p:txBody>
-      </p:sp>
-      <p:sp>
-        <p:nvSpPr>
-          <p:cNvPr id="3" name="Content Placeholder 2"/>
-          <p:cNvSpPr>
-            <a:spLocks noGrp="1"/>
-          </p:cNvSpPr>
-          <p:nvPr>
-            <p:ph sz="half" idx="1"/>
-          </p:nvPr>
-        </p:nvSpPr>
-        <p:spPr/>
-        <p:txBody>
-          <a:bodyPr/>
-          <a:lstStyle/>
-          <a:p>
-            <a:r>
-              <a:rPr lang="en-CA" dirty="0" smtClean="0"/>
-              <a:t>Code Picture</a:t>
-            </a:r>
-            <a:endParaRPr lang="en-CA" dirty="0"/>
-          </a:p>
-        </p:txBody>
-      </p:sp>
-      <p:sp>
-        <p:nvSpPr>
-          <p:cNvPr id="4" name="Content Placeholder 3"/>
-          <p:cNvSpPr>
-            <a:spLocks noGrp="1"/>
-          </p:cNvSpPr>
-          <p:nvPr>
-            <p:ph sz="half" idx="2"/>
-          </p:nvPr>
-        </p:nvSpPr>
-        <p:spPr/>
-        <p:txBody>
-          <a:bodyPr/>
-          <a:lstStyle/>
-          <a:p>
-            <a:endParaRPr lang="en-CA" dirty="0"/>
-          </a:p>
-        </p:txBody>
-      </p:sp>
-    </p:spTree>
-    <p:extLst>
-      <p:ext uri="{BB962C8B-B14F-4D97-AF65-F5344CB8AC3E}">
-        <p14:creationId xmlns:p14="http://schemas.microsoft.com/office/powerpoint/2010/main" val="3413050902"/>
-      </p:ext>
-    </p:extLst>
-  </p:cSld>
-  <p:clrMapOvr>
-    <a:masterClrMapping/>
-  </p:clrMapOvr>
-</p:sld>
-</file>
-
-<file path=ppt/slides/slide14.xml><?xml version="1.0" encoding="utf-8"?>
-<p:sld xmlns:a="http://schemas.openxmlformats.org/drawingml/2006/main" xmlns:r="http://schemas.openxmlformats.org/officeDocument/2006/relationships" xmlns:p="http://schemas.openxmlformats.org/presentationml/2006/main">
-  <p:cSld>
-    <p:spTree>
-      <p:nvGrpSpPr>
-        <p:cNvPr id="1" name=""/>
-        <p:cNvGrpSpPr/>
-        <p:nvPr/>
-      </p:nvGrpSpPr>
-      <p:grpSpPr>
-        <a:xfrm>
-          <a:off x="0" y="0"/>
-          <a:ext cx="0" cy="0"/>
-          <a:chOff x="0" y="0"/>
-          <a:chExt cx="0" cy="0"/>
-        </a:xfrm>
-      </p:grpSpPr>
-      <p:sp>
-        <p:nvSpPr>
-          <p:cNvPr id="2" name="Title 1"/>
-          <p:cNvSpPr>
-            <a:spLocks noGrp="1"/>
-          </p:cNvSpPr>
-          <p:nvPr>
-            <p:ph type="title"/>
-          </p:nvPr>
-        </p:nvSpPr>
-        <p:spPr/>
-        <p:txBody>
-          <a:bodyPr/>
-          <a:lstStyle/>
-          <a:p>
-            <a:r>
-              <a:rPr lang="en-CA" dirty="0" smtClean="0"/>
-              <a:t>Design Pattern2</a:t>
-            </a:r>
-            <a:endParaRPr lang="en-CA" dirty="0"/>
-          </a:p>
-        </p:txBody>
-      </p:sp>
-      <p:sp>
-        <p:nvSpPr>
-          <p:cNvPr id="3" name="Content Placeholder 2"/>
-          <p:cNvSpPr>
-            <a:spLocks noGrp="1"/>
-          </p:cNvSpPr>
-          <p:nvPr>
-            <p:ph sz="half" idx="1"/>
-          </p:nvPr>
-        </p:nvSpPr>
-        <p:spPr/>
-        <p:txBody>
-          <a:bodyPr/>
-          <a:lstStyle/>
-          <a:p>
-            <a:r>
-              <a:rPr lang="en-CA" dirty="0"/>
-              <a:t>Description</a:t>
-            </a:r>
-          </a:p>
-        </p:txBody>
-      </p:sp>
-      <p:sp>
-        <p:nvSpPr>
-          <p:cNvPr id="4" name="Content Placeholder 3"/>
-          <p:cNvSpPr>
-            <a:spLocks noGrp="1"/>
-          </p:cNvSpPr>
-          <p:nvPr>
-            <p:ph sz="half" idx="2"/>
-          </p:nvPr>
-        </p:nvSpPr>
-        <p:spPr/>
-        <p:txBody>
-          <a:bodyPr/>
-          <a:lstStyle/>
-          <a:p>
-            <a:endParaRPr lang="en-CA" dirty="0"/>
-          </a:p>
-        </p:txBody>
-      </p:sp>
-    </p:spTree>
-    <p:extLst>
-      <p:ext uri="{BB962C8B-B14F-4D97-AF65-F5344CB8AC3E}">
-        <p14:creationId xmlns:p14="http://schemas.microsoft.com/office/powerpoint/2010/main" val="4192460451"/>
-      </p:ext>
-    </p:extLst>
-  </p:cSld>
-  <p:clrMapOvr>
-    <a:masterClrMapping/>
-  </p:clrMapOvr>
-</p:sld>
-</file>
-
-<file path=ppt/slides/slide15.xml><?xml version="1.0" encoding="utf-8"?>
-<p:sld xmlns:a="http://schemas.openxmlformats.org/drawingml/2006/main" xmlns:r="http://schemas.openxmlformats.org/officeDocument/2006/relationships" xmlns:p="http://schemas.openxmlformats.org/presentationml/2006/main">
-  <p:cSld>
-    <p:spTree>
-      <p:nvGrpSpPr>
-        <p:cNvPr id="1" name=""/>
-        <p:cNvGrpSpPr/>
-        <p:nvPr/>
-      </p:nvGrpSpPr>
-      <p:grpSpPr>
-        <a:xfrm>
-          <a:off x="0" y="0"/>
-          <a:ext cx="0" cy="0"/>
-          <a:chOff x="0" y="0"/>
-          <a:chExt cx="0" cy="0"/>
-        </a:xfrm>
-      </p:grpSpPr>
-      <p:sp>
-        <p:nvSpPr>
-          <p:cNvPr id="2" name="Title 1"/>
-          <p:cNvSpPr>
-            <a:spLocks noGrp="1"/>
-          </p:cNvSpPr>
-          <p:nvPr>
-            <p:ph type="title"/>
-          </p:nvPr>
-        </p:nvSpPr>
-        <p:spPr/>
-        <p:txBody>
-          <a:bodyPr/>
-          <a:lstStyle/>
-          <a:p>
-            <a:r>
-              <a:rPr lang="en-CA" dirty="0" smtClean="0"/>
-              <a:t>Design Pattern2</a:t>
-            </a:r>
-            <a:endParaRPr lang="en-CA" dirty="0"/>
-          </a:p>
-        </p:txBody>
-      </p:sp>
-      <p:sp>
-        <p:nvSpPr>
-          <p:cNvPr id="3" name="Content Placeholder 2"/>
-          <p:cNvSpPr>
-            <a:spLocks noGrp="1"/>
-          </p:cNvSpPr>
-          <p:nvPr>
-            <p:ph sz="half" idx="1"/>
-          </p:nvPr>
-        </p:nvSpPr>
-        <p:spPr/>
-        <p:txBody>
-          <a:bodyPr/>
-          <a:lstStyle/>
-          <a:p>
-            <a:r>
-              <a:rPr lang="en-CA" dirty="0" smtClean="0"/>
-              <a:t>(CODE PICTURE)</a:t>
-            </a:r>
-            <a:endParaRPr lang="en-CA" dirty="0"/>
-          </a:p>
-        </p:txBody>
-      </p:sp>
-      <p:sp>
-        <p:nvSpPr>
-          <p:cNvPr id="4" name="Content Placeholder 3"/>
-          <p:cNvSpPr>
-            <a:spLocks noGrp="1"/>
-          </p:cNvSpPr>
-          <p:nvPr>
-            <p:ph sz="half" idx="2"/>
-          </p:nvPr>
-        </p:nvSpPr>
-        <p:spPr/>
-        <p:txBody>
-          <a:bodyPr/>
-          <a:lstStyle/>
-          <a:p>
-            <a:endParaRPr lang="en-CA" dirty="0"/>
-          </a:p>
-        </p:txBody>
-      </p:sp>
-    </p:spTree>
-    <p:extLst>
-      <p:ext uri="{BB962C8B-B14F-4D97-AF65-F5344CB8AC3E}">
-        <p14:creationId xmlns:p14="http://schemas.microsoft.com/office/powerpoint/2010/main" val="3458060785"/>
-      </p:ext>
-    </p:extLst>
-  </p:cSld>
-  <p:clrMapOvr>
-    <a:masterClrMapping/>
-  </p:clrMapOvr>
-</p:sld>
-</file>
-
-<file path=ppt/slides/slide16.xml><?xml version="1.0" encoding="utf-8"?>
-<p:sld xmlns:a="http://schemas.openxmlformats.org/drawingml/2006/main" xmlns:r="http://schemas.openxmlformats.org/officeDocument/2006/relationships" xmlns:p="http://schemas.openxmlformats.org/presentationml/2006/main">
-  <p:cSld>
-    <p:spTree>
-      <p:nvGrpSpPr>
-        <p:cNvPr id="1" name=""/>
-        <p:cNvGrpSpPr/>
-        <p:nvPr/>
-      </p:nvGrpSpPr>
-      <p:grpSpPr>
-        <a:xfrm>
-          <a:off x="0" y="0"/>
-          <a:ext cx="0" cy="0"/>
-          <a:chOff x="0" y="0"/>
-          <a:chExt cx="0" cy="0"/>
-        </a:xfrm>
-      </p:grpSpPr>
-      <p:sp>
-        <p:nvSpPr>
-          <p:cNvPr id="2" name="Title 1"/>
-          <p:cNvSpPr>
-            <a:spLocks noGrp="1"/>
-          </p:cNvSpPr>
-          <p:nvPr>
-            <p:ph type="title"/>
-          </p:nvPr>
-        </p:nvSpPr>
-        <p:spPr/>
-        <p:txBody>
-          <a:bodyPr/>
-          <a:lstStyle/>
-          <a:p>
-            <a:r>
-              <a:rPr lang="en-CA" dirty="0" smtClean="0"/>
-              <a:t>Design </a:t>
-            </a:r>
-            <a:r>
-              <a:rPr lang="en-CA" dirty="0"/>
-              <a:t>Pattern</a:t>
-            </a:r>
-          </a:p>
-        </p:txBody>
-      </p:sp>
-      <p:sp>
-        <p:nvSpPr>
-          <p:cNvPr id="3" name="Content Placeholder 2"/>
-          <p:cNvSpPr>
-            <a:spLocks noGrp="1"/>
-          </p:cNvSpPr>
-          <p:nvPr>
-            <p:ph sz="half" idx="1"/>
-          </p:nvPr>
-        </p:nvSpPr>
-        <p:spPr/>
-        <p:txBody>
-          <a:bodyPr/>
-          <a:lstStyle/>
-          <a:p>
-            <a:r>
-              <a:rPr lang="en-CA" dirty="0" smtClean="0"/>
-              <a:t>(CODE PICTURE)</a:t>
-            </a:r>
-            <a:endParaRPr lang="en-CA" dirty="0"/>
-          </a:p>
-        </p:txBody>
-      </p:sp>
-      <p:sp>
-        <p:nvSpPr>
-          <p:cNvPr id="4" name="Content Placeholder 3"/>
-          <p:cNvSpPr>
-            <a:spLocks noGrp="1"/>
-          </p:cNvSpPr>
-          <p:nvPr>
-            <p:ph sz="half" idx="2"/>
-          </p:nvPr>
-        </p:nvSpPr>
-        <p:spPr/>
-        <p:txBody>
-          <a:bodyPr/>
-          <a:lstStyle/>
-          <a:p>
-            <a:endParaRPr lang="en-CA" dirty="0"/>
-          </a:p>
-        </p:txBody>
-      </p:sp>
-    </p:spTree>
-    <p:extLst>
-      <p:ext uri="{BB962C8B-B14F-4D97-AF65-F5344CB8AC3E}">
-        <p14:creationId xmlns:p14="http://schemas.microsoft.com/office/powerpoint/2010/main" val="1571068922"/>
-      </p:ext>
-    </p:extLst>
-  </p:cSld>
-  <p:clrMapOvr>
-    <a:masterClrMapping/>
-  </p:clrMapOvr>
-</p:sld>
-</file>
-
-<file path=ppt/slides/slide17.xml><?xml version="1.0" encoding="utf-8"?>
-<p:sld xmlns:a="http://schemas.openxmlformats.org/drawingml/2006/main" xmlns:r="http://schemas.openxmlformats.org/officeDocument/2006/relationships" xmlns:p="http://schemas.openxmlformats.org/presentationml/2006/main">
-  <p:cSld>
-    <p:spTree>
-      <p:nvGrpSpPr>
-        <p:cNvPr id="1" name=""/>
-        <p:cNvGrpSpPr/>
-        <p:nvPr/>
-      </p:nvGrpSpPr>
-      <p:grpSpPr>
-        <a:xfrm>
-          <a:off x="0" y="0"/>
-          <a:ext cx="0" cy="0"/>
-          <a:chOff x="0" y="0"/>
-          <a:chExt cx="0" cy="0"/>
-        </a:xfrm>
-      </p:grpSpPr>
-      <p:sp>
-        <p:nvSpPr>
-          <p:cNvPr id="2" name="Title 1"/>
-          <p:cNvSpPr>
-            <a:spLocks noGrp="1"/>
-          </p:cNvSpPr>
-          <p:nvPr>
-            <p:ph type="title"/>
-          </p:nvPr>
-        </p:nvSpPr>
-        <p:spPr/>
-        <p:txBody>
-          <a:bodyPr/>
-          <a:lstStyle/>
-          <a:p>
-            <a:r>
-              <a:rPr lang="en-CA" dirty="0" smtClean="0"/>
-              <a:t>Project Demo</a:t>
-            </a:r>
-            <a:endParaRPr lang="en-CA" dirty="0"/>
-          </a:p>
-        </p:txBody>
-      </p:sp>
-    </p:spTree>
-    <p:extLst>
-      <p:ext uri="{BB962C8B-B14F-4D97-AF65-F5344CB8AC3E}">
-        <p14:creationId xmlns:p14="http://schemas.microsoft.com/office/powerpoint/2010/main" val="1736004580"/>
-      </p:ext>
-    </p:extLst>
-  </p:cSld>
-  <p:clrMapOvr>
-    <a:masterClrMapping/>
-  </p:clrMapOvr>
-</p:sld>
-</file>
-
-<file path=ppt/slides/slide18.xml><?xml version="1.0" encoding="utf-8"?>
-<p:sld xmlns:a="http://schemas.openxmlformats.org/drawingml/2006/main" xmlns:r="http://schemas.openxmlformats.org/officeDocument/2006/relationships" xmlns:p="http://schemas.openxmlformats.org/presentationml/2006/main">
-  <p:cSld>
-    <p:spTree>
-      <p:nvGrpSpPr>
-        <p:cNvPr id="1" name=""/>
-        <p:cNvGrpSpPr/>
-        <p:nvPr/>
-      </p:nvGrpSpPr>
-      <p:grpSpPr>
-        <a:xfrm>
-          <a:off x="0" y="0"/>
-          <a:ext cx="0" cy="0"/>
-          <a:chOff x="0" y="0"/>
-          <a:chExt cx="0" cy="0"/>
-        </a:xfrm>
-      </p:grpSpPr>
-      <p:sp>
-        <p:nvSpPr>
-          <p:cNvPr id="2" name="Title 1"/>
-          <p:cNvSpPr>
-            <a:spLocks noGrp="1"/>
-          </p:cNvSpPr>
-          <p:nvPr>
-            <p:ph type="title"/>
-          </p:nvPr>
-        </p:nvSpPr>
-        <p:spPr/>
-        <p:txBody>
-          <a:bodyPr/>
-          <a:lstStyle/>
-          <a:p>
-            <a:r>
-              <a:rPr lang="en-CA" dirty="0" smtClean="0"/>
-              <a:t>Feedbacks and Q&amp;As </a:t>
-            </a:r>
-            <a:endParaRPr lang="en-CA" dirty="0"/>
-          </a:p>
-        </p:txBody>
-      </p:sp>
-      <p:sp>
-        <p:nvSpPr>
-          <p:cNvPr id="3" name="Text Placeholder 2"/>
-          <p:cNvSpPr>
-            <a:spLocks noGrp="1"/>
-          </p:cNvSpPr>
-          <p:nvPr>
-            <p:ph type="body" idx="1"/>
-          </p:nvPr>
-        </p:nvSpPr>
-        <p:spPr/>
-        <p:txBody>
-          <a:bodyPr/>
-          <a:lstStyle/>
-          <a:p>
-            <a:r>
-              <a:rPr lang="en-CA" dirty="0" smtClean="0"/>
-              <a:t>Thank You!</a:t>
-            </a:r>
-            <a:endParaRPr lang="en-CA" dirty="0"/>
-          </a:p>
-        </p:txBody>
-      </p:sp>
-    </p:spTree>
-    <p:extLst>
-      <p:ext uri="{BB962C8B-B14F-4D97-AF65-F5344CB8AC3E}">
-        <p14:creationId xmlns:p14="http://schemas.microsoft.com/office/powerpoint/2010/main" val="3083454344"/>
-      </p:ext>
-    </p:extLst>
-  </p:cSld>
-  <p:clrMapOvr>
-    <a:masterClrMapping/>
-  </p:clrMapOvr>
-</p:sld>
-</file>
-
-<file path=ppt/slides/slide2.xml><?xml version="1.0" encoding="utf-8"?>
-<p:sld xmlns:a="http://schemas.openxmlformats.org/drawingml/2006/main" xmlns:r="http://schemas.openxmlformats.org/officeDocument/2006/relationships" xmlns:p="http://schemas.openxmlformats.org/presentationml/2006/main">
-  <p:cSld>
-    <p:spTree>
-      <p:nvGrpSpPr>
-        <p:cNvPr id="1" name=""/>
-        <p:cNvGrpSpPr/>
-        <p:nvPr/>
-      </p:nvGrpSpPr>
-      <p:grpSpPr>
-        <a:xfrm>
-          <a:off x="0" y="0"/>
-          <a:ext cx="0" cy="0"/>
-          <a:chOff x="0" y="0"/>
-          <a:chExt cx="0" cy="0"/>
-        </a:xfrm>
-      </p:grpSpPr>
-      <p:sp>
-        <p:nvSpPr>
-          <p:cNvPr id="2" name="Title 1"/>
-          <p:cNvSpPr>
-            <a:spLocks noGrp="1"/>
-          </p:cNvSpPr>
-          <p:nvPr>
-            <p:ph type="title"/>
-          </p:nvPr>
-        </p:nvSpPr>
-        <p:spPr/>
-        <p:txBody>
-          <a:bodyPr/>
-          <a:lstStyle/>
-          <a:p>
-            <a:r>
-              <a:rPr lang="en-CA" dirty="0" smtClean="0"/>
-              <a:t>The Team and Roles</a:t>
-            </a:r>
-            <a:endParaRPr lang="en-CA" dirty="0"/>
-          </a:p>
-        </p:txBody>
-      </p:sp>
-      <p:sp>
-        <p:nvSpPr>
-          <p:cNvPr id="8" name="Content Placeholder 7"/>
-          <p:cNvSpPr>
-            <a:spLocks noGrp="1"/>
-          </p:cNvSpPr>
-          <p:nvPr>
-            <p:ph sz="half" idx="1"/>
-          </p:nvPr>
-        </p:nvSpPr>
-        <p:spPr>
-          <a:xfrm>
-            <a:off x="646111" y="1853248"/>
-            <a:ext cx="6610900" cy="4300172"/>
-          </a:xfrm>
-        </p:spPr>
-        <p:txBody>
-          <a:bodyPr/>
-          <a:lstStyle/>
-          <a:p>
-            <a:r>
-              <a:rPr lang="en-CA" dirty="0" smtClean="0"/>
-              <a:t>Adnan – Full Stack Development</a:t>
-            </a:r>
-          </a:p>
-          <a:p>
-            <a:r>
-              <a:rPr lang="en-CA" dirty="0" smtClean="0"/>
-              <a:t>JJ – Project Manager and Full Stack</a:t>
-            </a:r>
-          </a:p>
-          <a:p>
-            <a:r>
-              <a:rPr lang="en-CA" dirty="0" smtClean="0"/>
-              <a:t>Mohammad – Project Manager and Front End</a:t>
-            </a:r>
-            <a:endParaRPr lang="en-CA" dirty="0"/>
-          </a:p>
-        </p:txBody>
-      </p:sp>
-    </p:spTree>
-    <p:extLst>
-      <p:ext uri="{BB962C8B-B14F-4D97-AF65-F5344CB8AC3E}">
-        <p14:creationId xmlns:p14="http://schemas.microsoft.com/office/powerpoint/2010/main" val="138383183"/>
-      </p:ext>
-    </p:extLst>
-  </p:cSld>
-  <p:clrMapOvr>
-    <a:masterClrMapping/>
-  </p:clrMapOvr>
-</p:sld>
-</file>
-
-<file path=ppt/slides/slide3.xml><?xml version="1.0" encoding="utf-8"?>
-<p:sld xmlns:a="http://schemas.openxmlformats.org/drawingml/2006/main" xmlns:r="http://schemas.openxmlformats.org/officeDocument/2006/relationships" xmlns:p="http://schemas.openxmlformats.org/presentationml/2006/main">
-  <p:cSld>
-    <p:spTree>
-      <p:nvGrpSpPr>
-        <p:cNvPr id="1" name=""/>
-        <p:cNvGrpSpPr/>
-        <p:nvPr/>
-      </p:nvGrpSpPr>
-      <p:grpSpPr>
-        <a:xfrm>
-          <a:off x="0" y="0"/>
-          <a:ext cx="0" cy="0"/>
-          <a:chOff x="0" y="0"/>
-          <a:chExt cx="0" cy="0"/>
-        </a:xfrm>
-      </p:grpSpPr>
-      <p:sp>
-        <p:nvSpPr>
-          <p:cNvPr id="2" name="Title 1"/>
-          <p:cNvSpPr>
-            <a:spLocks noGrp="1"/>
-          </p:cNvSpPr>
-          <p:nvPr>
-            <p:ph type="title"/>
-          </p:nvPr>
-        </p:nvSpPr>
-        <p:spPr/>
-        <p:txBody>
-          <a:bodyPr/>
-          <a:lstStyle/>
-          <a:p>
-            <a:r>
-              <a:rPr lang="en-CA" dirty="0" smtClean="0"/>
-              <a:t>Project Idea – Go4Food</a:t>
-            </a:r>
-            <a:endParaRPr lang="en-CA" dirty="0"/>
-          </a:p>
-        </p:txBody>
-      </p:sp>
-      <p:sp>
-        <p:nvSpPr>
-          <p:cNvPr id="3" name="Content Placeholder 2"/>
-          <p:cNvSpPr>
-            <a:spLocks noGrp="1"/>
-          </p:cNvSpPr>
-          <p:nvPr>
-            <p:ph idx="1"/>
-          </p:nvPr>
-        </p:nvSpPr>
-        <p:spPr/>
-        <p:txBody>
-          <a:bodyPr/>
-          <a:lstStyle/>
-          <a:p>
-            <a:endParaRPr lang="en-CA" dirty="0"/>
-          </a:p>
-          <a:p>
-            <a:r>
-              <a:rPr lang="en-US" dirty="0" smtClean="0"/>
-              <a:t>Develop </a:t>
-            </a:r>
-            <a:r>
-              <a:rPr lang="en-US" dirty="0"/>
-              <a:t>a web-based application that allows users to order food from various restaurants. </a:t>
-            </a:r>
-            <a:endParaRPr lang="en-US" dirty="0" smtClean="0"/>
-          </a:p>
-          <a:p>
-            <a:r>
-              <a:rPr lang="en-US" dirty="0" smtClean="0"/>
-              <a:t>Provide convenience and security for customers and restaurant users.</a:t>
-            </a:r>
-          </a:p>
-          <a:p>
-            <a:endParaRPr lang="en-CA" dirty="0"/>
-          </a:p>
-        </p:txBody>
-      </p:sp>
-    </p:spTree>
-    <p:extLst>
-      <p:ext uri="{BB962C8B-B14F-4D97-AF65-F5344CB8AC3E}">
-        <p14:creationId xmlns:p14="http://schemas.microsoft.com/office/powerpoint/2010/main" val="915475053"/>
-      </p:ext>
-    </p:extLst>
-  </p:cSld>
-  <p:clrMapOvr>
-    <a:masterClrMapping/>
-  </p:clrMapOvr>
-</p:sld>
-</file>
-
-<file path=ppt/slides/slide4.xml><?xml version="1.0" encoding="utf-8"?>
-<p:sld xmlns:a="http://schemas.openxmlformats.org/drawingml/2006/main" xmlns:r="http://schemas.openxmlformats.org/officeDocument/2006/relationships" xmlns:p="http://schemas.openxmlformats.org/presentationml/2006/main">
-  <p:cSld>
-    <p:spTree>
-      <p:nvGrpSpPr>
-        <p:cNvPr id="1" name=""/>
-        <p:cNvGrpSpPr/>
-        <p:nvPr/>
-      </p:nvGrpSpPr>
-      <p:grpSpPr>
-        <a:xfrm>
-          <a:off x="0" y="0"/>
-          <a:ext cx="0" cy="0"/>
-          <a:chOff x="0" y="0"/>
-          <a:chExt cx="0" cy="0"/>
-        </a:xfrm>
-      </p:grpSpPr>
-      <p:sp>
-        <p:nvSpPr>
-          <p:cNvPr id="2" name="Title 1"/>
-          <p:cNvSpPr>
-            <a:spLocks noGrp="1"/>
-          </p:cNvSpPr>
-          <p:nvPr>
-            <p:ph type="title"/>
-          </p:nvPr>
-        </p:nvSpPr>
-        <p:spPr/>
-        <p:txBody>
-          <a:bodyPr/>
-          <a:lstStyle/>
-          <a:p>
-            <a:r>
-              <a:rPr lang="en-CA" dirty="0" smtClean="0"/>
-              <a:t>Functional Requirements</a:t>
-            </a:r>
-            <a:endParaRPr lang="en-CA" dirty="0"/>
-          </a:p>
-        </p:txBody>
-      </p:sp>
-      <p:sp>
-        <p:nvSpPr>
-          <p:cNvPr id="3" name="Content Placeholder 2"/>
-          <p:cNvSpPr>
-            <a:spLocks noGrp="1"/>
-          </p:cNvSpPr>
-          <p:nvPr>
-            <p:ph idx="1"/>
-          </p:nvPr>
-        </p:nvSpPr>
-        <p:spPr/>
-        <p:txBody>
-          <a:bodyPr/>
-          <a:lstStyle/>
-          <a:p>
-            <a:endParaRPr lang="en-CA" dirty="0"/>
-          </a:p>
-        </p:txBody>
-      </p:sp>
-    </p:spTree>
-    <p:extLst>
-      <p:ext uri="{BB962C8B-B14F-4D97-AF65-F5344CB8AC3E}">
-        <p14:creationId xmlns:p14="http://schemas.microsoft.com/office/powerpoint/2010/main" val="3588560162"/>
-      </p:ext>
-    </p:extLst>
-  </p:cSld>
-  <p:clrMapOvr>
-    <a:masterClrMapping/>
-  </p:clrMapOvr>
-</p:sld>
-</file>
-
-<file path=ppt/slides/slide5.xml><?xml version="1.0" encoding="utf-8"?>
+<file path=ppt/slides/slide7.xml><?xml version="1.0" encoding="utf-8"?>
 <p:sld xmlns:a="http://schemas.openxmlformats.org/drawingml/2006/main" xmlns:r="http://schemas.openxmlformats.org/officeDocument/2006/relationships" xmlns:p="http://schemas.openxmlformats.org/presentationml/2006/main">
   <p:cSld>
     <p:spTree>
@@ -7271,150 +7479,6 @@
 </p:sld>
 </file>
 
-<file path=ppt/slides/slide6.xml><?xml version="1.0" encoding="utf-8"?>
-<p:sld xmlns:a="http://schemas.openxmlformats.org/drawingml/2006/main" xmlns:r="http://schemas.openxmlformats.org/officeDocument/2006/relationships" xmlns:p="http://schemas.openxmlformats.org/presentationml/2006/main">
-  <p:cSld>
-    <p:spTree>
-      <p:nvGrpSpPr>
-        <p:cNvPr id="1" name=""/>
-        <p:cNvGrpSpPr/>
-        <p:nvPr/>
-      </p:nvGrpSpPr>
-      <p:grpSpPr>
-        <a:xfrm>
-          <a:off x="0" y="0"/>
-          <a:ext cx="0" cy="0"/>
-          <a:chOff x="0" y="0"/>
-          <a:chExt cx="0" cy="0"/>
-        </a:xfrm>
-      </p:grpSpPr>
-      <p:sp>
-        <p:nvSpPr>
-          <p:cNvPr id="2" name="Title 1"/>
-          <p:cNvSpPr>
-            <a:spLocks noGrp="1"/>
-          </p:cNvSpPr>
-          <p:nvPr>
-            <p:ph type="title"/>
-          </p:nvPr>
-        </p:nvSpPr>
-        <p:spPr/>
-        <p:txBody>
-          <a:bodyPr/>
-          <a:lstStyle/>
-          <a:p>
-            <a:r>
-              <a:rPr lang="en-CA" dirty="0" smtClean="0"/>
-              <a:t>Controller</a:t>
-            </a:r>
-            <a:endParaRPr lang="en-CA" dirty="0"/>
-          </a:p>
-        </p:txBody>
-      </p:sp>
-      <p:sp>
-        <p:nvSpPr>
-          <p:cNvPr id="3" name="Content Placeholder 2"/>
-          <p:cNvSpPr>
-            <a:spLocks noGrp="1"/>
-          </p:cNvSpPr>
-          <p:nvPr>
-            <p:ph idx="1"/>
-          </p:nvPr>
-        </p:nvSpPr>
-        <p:spPr/>
-        <p:txBody>
-          <a:bodyPr/>
-          <a:lstStyle/>
-          <a:p>
-            <a:endParaRPr lang="en-CA" dirty="0"/>
-          </a:p>
-        </p:txBody>
-      </p:sp>
-    </p:spTree>
-    <p:extLst>
-      <p:ext uri="{BB962C8B-B14F-4D97-AF65-F5344CB8AC3E}">
-        <p14:creationId xmlns:p14="http://schemas.microsoft.com/office/powerpoint/2010/main" val="2872084665"/>
-      </p:ext>
-    </p:extLst>
-  </p:cSld>
-  <p:clrMapOvr>
-    <a:masterClrMapping/>
-  </p:clrMapOvr>
-</p:sld>
-</file>
-
-<file path=ppt/slides/slide7.xml><?xml version="1.0" encoding="utf-8"?>
-<p:sld xmlns:a="http://schemas.openxmlformats.org/drawingml/2006/main" xmlns:r="http://schemas.openxmlformats.org/officeDocument/2006/relationships" xmlns:p="http://schemas.openxmlformats.org/presentationml/2006/main">
-  <p:cSld>
-    <p:spTree>
-      <p:nvGrpSpPr>
-        <p:cNvPr id="1" name=""/>
-        <p:cNvGrpSpPr/>
-        <p:nvPr/>
-      </p:nvGrpSpPr>
-      <p:grpSpPr>
-        <a:xfrm>
-          <a:off x="0" y="0"/>
-          <a:ext cx="0" cy="0"/>
-          <a:chOff x="0" y="0"/>
-          <a:chExt cx="0" cy="0"/>
-        </a:xfrm>
-      </p:grpSpPr>
-      <p:sp>
-        <p:nvSpPr>
-          <p:cNvPr id="2" name="Title 1"/>
-          <p:cNvSpPr>
-            <a:spLocks noGrp="1"/>
-          </p:cNvSpPr>
-          <p:nvPr>
-            <p:ph type="title"/>
-          </p:nvPr>
-        </p:nvSpPr>
-        <p:spPr/>
-        <p:txBody>
-          <a:bodyPr/>
-          <a:lstStyle/>
-          <a:p>
-            <a:r>
-              <a:rPr lang="en-CA" dirty="0" smtClean="0"/>
-              <a:t>View</a:t>
-            </a:r>
-            <a:endParaRPr lang="en-CA" dirty="0"/>
-          </a:p>
-        </p:txBody>
-      </p:sp>
-      <p:sp>
-        <p:nvSpPr>
-          <p:cNvPr id="3" name="Content Placeholder 2"/>
-          <p:cNvSpPr>
-            <a:spLocks noGrp="1"/>
-          </p:cNvSpPr>
-          <p:nvPr>
-            <p:ph idx="1"/>
-          </p:nvPr>
-        </p:nvSpPr>
-        <p:spPr/>
-        <p:txBody>
-          <a:bodyPr/>
-          <a:lstStyle/>
-          <a:p>
-            <a:endParaRPr lang="en-CA"/>
-          </a:p>
-        </p:txBody>
-      </p:sp>
-    </p:spTree>
-    <p:extLst>
-      <p:ext uri="{BB962C8B-B14F-4D97-AF65-F5344CB8AC3E}">
-        <p14:creationId xmlns:p14="http://schemas.microsoft.com/office/powerpoint/2010/main" val="41952309"/>
-      </p:ext>
-    </p:extLst>
-  </p:cSld>
-  <p:clrMapOvr>
-    <a:masterClrMapping/>
-  </p:clrMapOvr>
-</p:sld>
-</file>
-
 <file path=ppt/slides/slide8.xml><?xml version="1.0" encoding="utf-8"?>
 <p:sld xmlns:a="http://schemas.openxmlformats.org/drawingml/2006/main" xmlns:r="http://schemas.openxmlformats.org/officeDocument/2006/relationships" xmlns:p="http://schemas.openxmlformats.org/presentationml/2006/main">
   <p:cSld>
@@ -7449,7 +7513,7 @@
           <a:p>
             <a:r>
               <a:rPr lang="en-CA" dirty="0" smtClean="0"/>
-              <a:t>Model</a:t>
+              <a:t>Controller</a:t>
             </a:r>
             <a:endParaRPr lang="en-CA" dirty="0"/>
           </a:p>
@@ -7477,7 +7541,7 @@
     </p:spTree>
     <p:extLst>
       <p:ext uri="{BB962C8B-B14F-4D97-AF65-F5344CB8AC3E}">
-        <p14:creationId xmlns:p14="http://schemas.microsoft.com/office/powerpoint/2010/main" val="2794811349"/>
+        <p14:creationId xmlns:p14="http://schemas.microsoft.com/office/powerpoint/2010/main" val="2872084665"/>
       </p:ext>
     </p:extLst>
   </p:cSld>
@@ -7521,45 +7585,35 @@
           <a:p>
             <a:r>
               <a:rPr lang="en-CA" dirty="0" smtClean="0"/>
-              <a:t>Use Case Diagram - Customer</a:t>
+              <a:t>View</a:t>
             </a:r>
             <a:endParaRPr lang="en-CA" dirty="0"/>
           </a:p>
         </p:txBody>
       </p:sp>
-      <p:pic>
-        <p:nvPicPr>
-          <p:cNvPr id="5" name="Content Placeholder 4"/>
-          <p:cNvPicPr>
-            <a:picLocks noGrp="1" noChangeAspect="1"/>
-          </p:cNvPicPr>
-          <p:nvPr>
-            <p:ph sz="half" idx="1"/>
-          </p:nvPr>
-        </p:nvPicPr>
-        <p:blipFill>
-          <a:blip r:embed="rId2" cstate="print">
-            <a:extLst>
-              <a:ext uri="{28A0092B-C50C-407E-A947-70E740481C1C}">
-                <a14:useLocalDpi xmlns:a14="http://schemas.microsoft.com/office/drawing/2010/main" val="0"/>
-              </a:ext>
-            </a:extLst>
-          </a:blip>
-          <a:stretch>
-            <a:fillRect/>
-          </a:stretch>
-        </p:blipFill>
-        <p:spPr>
-          <a:xfrm>
-            <a:off x="3348904" y="1329547"/>
-            <a:ext cx="5562339" cy="5274339"/>
-          </a:xfrm>
-        </p:spPr>
-      </p:pic>
+      <p:sp>
+        <p:nvSpPr>
+          <p:cNvPr id="3" name="Content Placeholder 2"/>
+          <p:cNvSpPr>
+            <a:spLocks noGrp="1"/>
+          </p:cNvSpPr>
+          <p:nvPr>
+            <p:ph idx="1"/>
+          </p:nvPr>
+        </p:nvSpPr>
+        <p:spPr/>
+        <p:txBody>
+          <a:bodyPr/>
+          <a:lstStyle/>
+          <a:p>
+            <a:endParaRPr lang="en-CA"/>
+          </a:p>
+        </p:txBody>
+      </p:sp>
     </p:spTree>
     <p:extLst>
       <p:ext uri="{BB962C8B-B14F-4D97-AF65-F5344CB8AC3E}">
-        <p14:creationId xmlns:p14="http://schemas.microsoft.com/office/powerpoint/2010/main" val="3724720811"/>
+        <p14:creationId xmlns:p14="http://schemas.microsoft.com/office/powerpoint/2010/main" val="41952309"/>
       </p:ext>
     </p:extLst>
   </p:cSld>

--- a/Documents/Go4Food.pptx
+++ b/Documents/Go4Food.pptx
@@ -17,12 +17,11 @@
     <p:sldId id="272" r:id="rId11"/>
     <p:sldId id="277" r:id="rId12"/>
     <p:sldId id="267" r:id="rId13"/>
-    <p:sldId id="278" r:id="rId14"/>
+    <p:sldId id="280" r:id="rId14"/>
     <p:sldId id="268" r:id="rId15"/>
     <p:sldId id="279" r:id="rId16"/>
-    <p:sldId id="280" r:id="rId17"/>
-    <p:sldId id="263" r:id="rId18"/>
-    <p:sldId id="266" r:id="rId19"/>
+    <p:sldId id="263" r:id="rId17"/>
+    <p:sldId id="266" r:id="rId18"/>
   </p:sldIdLst>
   <p:sldSz cx="12192000" cy="6858000"/>
   <p:notesSz cx="6858000" cy="9144000"/>
@@ -315,7 +314,7 @@
           <a:p>
             <a:fld id="{FD49D357-028A-436C-9364-82B3DD197A27}" type="datetimeFigureOut">
               <a:rPr lang="en-CA" smtClean="0"/>
-              <a:t>2023-07-26</a:t>
+              <a:t>2023-07-28</a:t>
             </a:fld>
             <a:endParaRPr lang="en-CA"/>
           </a:p>
@@ -590,7 +589,7 @@
           <a:p>
             <a:fld id="{FD49D357-028A-436C-9364-82B3DD197A27}" type="datetimeFigureOut">
               <a:rPr lang="en-CA" smtClean="0"/>
-              <a:t>2023-07-26</a:t>
+              <a:t>2023-07-28</a:t>
             </a:fld>
             <a:endParaRPr lang="en-CA"/>
           </a:p>
@@ -784,7 +783,7 @@
           <a:p>
             <a:fld id="{FD49D357-028A-436C-9364-82B3DD197A27}" type="datetimeFigureOut">
               <a:rPr lang="en-CA" smtClean="0"/>
-              <a:t>2023-07-26</a:t>
+              <a:t>2023-07-28</a:t>
             </a:fld>
             <a:endParaRPr lang="en-CA"/>
           </a:p>
@@ -1057,7 +1056,7 @@
           <a:p>
             <a:fld id="{FD49D357-028A-436C-9364-82B3DD197A27}" type="datetimeFigureOut">
               <a:rPr lang="en-CA" smtClean="0"/>
-              <a:t>2023-07-26</a:t>
+              <a:t>2023-07-28</a:t>
             </a:fld>
             <a:endParaRPr lang="en-CA"/>
           </a:p>
@@ -1398,7 +1397,7 @@
           <a:p>
             <a:fld id="{FD49D357-028A-436C-9364-82B3DD197A27}" type="datetimeFigureOut">
               <a:rPr lang="en-CA" smtClean="0"/>
-              <a:t>2023-07-26</a:t>
+              <a:t>2023-07-28</a:t>
             </a:fld>
             <a:endParaRPr lang="en-CA"/>
           </a:p>
@@ -2021,7 +2020,7 @@
           <a:p>
             <a:fld id="{FD49D357-028A-436C-9364-82B3DD197A27}" type="datetimeFigureOut">
               <a:rPr lang="en-CA" smtClean="0"/>
-              <a:t>2023-07-26</a:t>
+              <a:t>2023-07-28</a:t>
             </a:fld>
             <a:endParaRPr lang="en-CA"/>
           </a:p>
@@ -2881,7 +2880,7 @@
           <a:p>
             <a:fld id="{FD49D357-028A-436C-9364-82B3DD197A27}" type="datetimeFigureOut">
               <a:rPr lang="en-CA" smtClean="0"/>
-              <a:t>2023-07-26</a:t>
+              <a:t>2023-07-28</a:t>
             </a:fld>
             <a:endParaRPr lang="en-CA"/>
           </a:p>
@@ -3051,7 +3050,7 @@
           <a:p>
             <a:fld id="{FD49D357-028A-436C-9364-82B3DD197A27}" type="datetimeFigureOut">
               <a:rPr lang="en-CA" smtClean="0"/>
-              <a:t>2023-07-26</a:t>
+              <a:t>2023-07-28</a:t>
             </a:fld>
             <a:endParaRPr lang="en-CA"/>
           </a:p>
@@ -3231,7 +3230,7 @@
           <a:p>
             <a:fld id="{FD49D357-028A-436C-9364-82B3DD197A27}" type="datetimeFigureOut">
               <a:rPr lang="en-CA" smtClean="0"/>
-              <a:t>2023-07-26</a:t>
+              <a:t>2023-07-28</a:t>
             </a:fld>
             <a:endParaRPr lang="en-CA"/>
           </a:p>
@@ -3401,7 +3400,7 @@
           <a:p>
             <a:fld id="{FD49D357-028A-436C-9364-82B3DD197A27}" type="datetimeFigureOut">
               <a:rPr lang="en-CA" smtClean="0"/>
-              <a:t>2023-07-26</a:t>
+              <a:t>2023-07-28</a:t>
             </a:fld>
             <a:endParaRPr lang="en-CA"/>
           </a:p>
@@ -3648,7 +3647,7 @@
           <a:p>
             <a:fld id="{FD49D357-028A-436C-9364-82B3DD197A27}" type="datetimeFigureOut">
               <a:rPr lang="en-CA" smtClean="0"/>
-              <a:t>2023-07-26</a:t>
+              <a:t>2023-07-28</a:t>
             </a:fld>
             <a:endParaRPr lang="en-CA"/>
           </a:p>
@@ -3940,7 +3939,7 @@
           <a:p>
             <a:fld id="{FD49D357-028A-436C-9364-82B3DD197A27}" type="datetimeFigureOut">
               <a:rPr lang="en-CA" smtClean="0"/>
-              <a:t>2023-07-26</a:t>
+              <a:t>2023-07-28</a:t>
             </a:fld>
             <a:endParaRPr lang="en-CA"/>
           </a:p>
@@ -4384,7 +4383,7 @@
           <a:p>
             <a:fld id="{FD49D357-028A-436C-9364-82B3DD197A27}" type="datetimeFigureOut">
               <a:rPr lang="en-CA" smtClean="0"/>
-              <a:t>2023-07-26</a:t>
+              <a:t>2023-07-28</a:t>
             </a:fld>
             <a:endParaRPr lang="en-CA"/>
           </a:p>
@@ -4502,7 +4501,7 @@
           <a:p>
             <a:fld id="{FD49D357-028A-436C-9364-82B3DD197A27}" type="datetimeFigureOut">
               <a:rPr lang="en-CA" smtClean="0"/>
-              <a:t>2023-07-26</a:t>
+              <a:t>2023-07-28</a:t>
             </a:fld>
             <a:endParaRPr lang="en-CA"/>
           </a:p>
@@ -4597,7 +4596,7 @@
           <a:p>
             <a:fld id="{FD49D357-028A-436C-9364-82B3DD197A27}" type="datetimeFigureOut">
               <a:rPr lang="en-CA" smtClean="0"/>
-              <a:t>2023-07-26</a:t>
+              <a:t>2023-07-28</a:t>
             </a:fld>
             <a:endParaRPr lang="en-CA"/>
           </a:p>
@@ -4876,7 +4875,7 @@
           <a:p>
             <a:fld id="{FD49D357-028A-436C-9364-82B3DD197A27}" type="datetimeFigureOut">
               <a:rPr lang="en-CA" smtClean="0"/>
-              <a:t>2023-07-26</a:t>
+              <a:t>2023-07-28</a:t>
             </a:fld>
             <a:endParaRPr lang="en-CA"/>
           </a:p>
@@ -5151,7 +5150,7 @@
           <a:p>
             <a:fld id="{FD49D357-028A-436C-9364-82B3DD197A27}" type="datetimeFigureOut">
               <a:rPr lang="en-CA" smtClean="0"/>
-              <a:t>2023-07-26</a:t>
+              <a:t>2023-07-28</a:t>
             </a:fld>
             <a:endParaRPr lang="en-CA"/>
           </a:p>
@@ -5580,7 +5579,7 @@
           <a:p>
             <a:fld id="{FD49D357-028A-436C-9364-82B3DD197A27}" type="datetimeFigureOut">
               <a:rPr lang="en-CA" smtClean="0"/>
-              <a:t>2023-07-26</a:t>
+              <a:t>2023-07-28</a:t>
             </a:fld>
             <a:endParaRPr lang="en-CA"/>
           </a:p>
@@ -6426,7 +6425,11 @@
           <a:p>
             <a:r>
               <a:rPr lang="en-CA" dirty="0" smtClean="0"/>
-              <a:t>Design Pattern1</a:t>
+              <a:t>Design </a:t>
+            </a:r>
+            <a:r>
+              <a:rPr lang="en-CA" dirty="0" smtClean="0"/>
+              <a:t>Pattern1</a:t>
             </a:r>
             <a:endParaRPr lang="en-CA" dirty="0"/>
           </a:p>
@@ -6449,7 +6452,7 @@
           <a:p>
             <a:r>
               <a:rPr lang="en-CA" dirty="0" smtClean="0"/>
-              <a:t>Code Picture</a:t>
+              <a:t>(CODE PICTURE)</a:t>
             </a:r>
             <a:endParaRPr lang="en-CA" dirty="0"/>
           </a:p>
@@ -6477,7 +6480,7 @@
     </p:spTree>
     <p:extLst>
       <p:ext uri="{BB962C8B-B14F-4D97-AF65-F5344CB8AC3E}">
-        <p14:creationId xmlns:p14="http://schemas.microsoft.com/office/powerpoint/2010/main" val="3413050902"/>
+        <p14:creationId xmlns:p14="http://schemas.microsoft.com/office/powerpoint/2010/main" val="2182080132"/>
       </p:ext>
     </p:extLst>
   </p:cSld>
@@ -6710,104 +6713,6 @@
           <a:p>
             <a:r>
               <a:rPr lang="en-CA" dirty="0" smtClean="0"/>
-              <a:t>Design </a:t>
-            </a:r>
-            <a:r>
-              <a:rPr lang="en-CA" dirty="0"/>
-              <a:t>Pattern</a:t>
-            </a:r>
-          </a:p>
-        </p:txBody>
-      </p:sp>
-      <p:sp>
-        <p:nvSpPr>
-          <p:cNvPr id="3" name="Content Placeholder 2"/>
-          <p:cNvSpPr>
-            <a:spLocks noGrp="1"/>
-          </p:cNvSpPr>
-          <p:nvPr>
-            <p:ph sz="half" idx="1"/>
-          </p:nvPr>
-        </p:nvSpPr>
-        <p:spPr/>
-        <p:txBody>
-          <a:bodyPr/>
-          <a:lstStyle/>
-          <a:p>
-            <a:r>
-              <a:rPr lang="en-CA" dirty="0" smtClean="0"/>
-              <a:t>(CODE PICTURE)</a:t>
-            </a:r>
-            <a:endParaRPr lang="en-CA" dirty="0"/>
-          </a:p>
-        </p:txBody>
-      </p:sp>
-      <p:sp>
-        <p:nvSpPr>
-          <p:cNvPr id="4" name="Content Placeholder 3"/>
-          <p:cNvSpPr>
-            <a:spLocks noGrp="1"/>
-          </p:cNvSpPr>
-          <p:nvPr>
-            <p:ph sz="half" idx="2"/>
-          </p:nvPr>
-        </p:nvSpPr>
-        <p:spPr/>
-        <p:txBody>
-          <a:bodyPr/>
-          <a:lstStyle/>
-          <a:p>
-            <a:endParaRPr lang="en-CA" dirty="0"/>
-          </a:p>
-        </p:txBody>
-      </p:sp>
-    </p:spTree>
-    <p:extLst>
-      <p:ext uri="{BB962C8B-B14F-4D97-AF65-F5344CB8AC3E}">
-        <p14:creationId xmlns:p14="http://schemas.microsoft.com/office/powerpoint/2010/main" val="1571068922"/>
-      </p:ext>
-    </p:extLst>
-  </p:cSld>
-  <p:clrMapOvr>
-    <a:masterClrMapping/>
-  </p:clrMapOvr>
-</p:sld>
-</file>
-
-<file path=ppt/slides/slide17.xml><?xml version="1.0" encoding="utf-8"?>
-<p:sld xmlns:a="http://schemas.openxmlformats.org/drawingml/2006/main" xmlns:r="http://schemas.openxmlformats.org/officeDocument/2006/relationships" xmlns:p="http://schemas.openxmlformats.org/presentationml/2006/main">
-  <p:cSld>
-    <p:spTree>
-      <p:nvGrpSpPr>
-        <p:cNvPr id="1" name=""/>
-        <p:cNvGrpSpPr/>
-        <p:nvPr/>
-      </p:nvGrpSpPr>
-      <p:grpSpPr>
-        <a:xfrm>
-          <a:off x="0" y="0"/>
-          <a:ext cx="0" cy="0"/>
-          <a:chOff x="0" y="0"/>
-          <a:chExt cx="0" cy="0"/>
-        </a:xfrm>
-      </p:grpSpPr>
-      <p:sp>
-        <p:nvSpPr>
-          <p:cNvPr id="2" name="Title 1"/>
-          <p:cNvSpPr>
-            <a:spLocks noGrp="1"/>
-          </p:cNvSpPr>
-          <p:nvPr>
-            <p:ph type="title"/>
-          </p:nvPr>
-        </p:nvSpPr>
-        <p:spPr/>
-        <p:txBody>
-          <a:bodyPr/>
-          <a:lstStyle/>
-          <a:p>
-            <a:r>
-              <a:rPr lang="en-CA" dirty="0" smtClean="0"/>
               <a:t>Project Demo</a:t>
             </a:r>
             <a:endParaRPr lang="en-CA" dirty="0"/>
@@ -6827,7 +6732,7 @@
 </p:sld>
 </file>
 
-<file path=ppt/slides/slide18.xml><?xml version="1.0" encoding="utf-8"?>
+<file path=ppt/slides/slide17.xml><?xml version="1.0" encoding="utf-8"?>
 <p:sld xmlns:a="http://schemas.openxmlformats.org/drawingml/2006/main" xmlns:r="http://schemas.openxmlformats.org/officeDocument/2006/relationships" xmlns:p="http://schemas.openxmlformats.org/presentationml/2006/main">
   <p:cSld>
     <p:spTree>
@@ -6965,13 +6870,8 @@
           <a:p>
             <a:r>
               <a:rPr lang="en-CA" dirty="0" smtClean="0"/>
-              <a:t>Adnan – Full Stack </a:t>
-            </a:r>
-            <a:r>
-              <a:rPr lang="en-CA" dirty="0" smtClean="0"/>
-              <a:t>Development </a:t>
-            </a:r>
-            <a:endParaRPr lang="en-CA" dirty="0" smtClean="0"/>
+              <a:t>Adnan – Full Stack Development </a:t>
+            </a:r>
           </a:p>
           <a:p>
             <a:r>

--- a/Documents/Go4Food.pptx
+++ b/Documents/Go4Food.pptx
@@ -6221,15 +6221,128 @@
             <p:ph idx="1"/>
           </p:nvPr>
         </p:nvSpPr>
-        <p:spPr/>
-        <p:txBody>
-          <a:bodyPr/>
-          <a:lstStyle/>
+        <p:spPr>
+          <a:xfrm>
+            <a:off x="646111" y="1470863"/>
+            <a:ext cx="8946541" cy="4195481"/>
+          </a:xfrm>
+        </p:spPr>
+        <p:txBody>
+          <a:bodyPr/>
+          <a:lstStyle/>
+          <a:p>
+            <a:r>
+              <a:rPr lang="en-CA" dirty="0" smtClean="0"/>
+              <a:t>It represents the application’s data management and business logics.</a:t>
+            </a:r>
+          </a:p>
+          <a:p>
+            <a:r>
+              <a:rPr lang="en-CA" dirty="0" smtClean="0"/>
+              <a:t>Responsible for defining rules and operations on the given data.</a:t>
+            </a:r>
+          </a:p>
           <a:p>
             <a:endParaRPr lang="en-CA" dirty="0"/>
           </a:p>
         </p:txBody>
       </p:sp>
+      <p:pic>
+        <p:nvPicPr>
+          <p:cNvPr id="4" name="Picture 3"/>
+          <p:cNvPicPr>
+            <a:picLocks noChangeAspect="1"/>
+          </p:cNvPicPr>
+          <p:nvPr/>
+        </p:nvPicPr>
+        <p:blipFill>
+          <a:blip r:embed="rId2">
+            <a:extLst>
+              <a:ext uri="{28A0092B-C50C-407E-A947-70E740481C1C}">
+                <a14:useLocalDpi xmlns:a14="http://schemas.microsoft.com/office/drawing/2010/main" val="0"/>
+              </a:ext>
+            </a:extLst>
+          </a:blip>
+          <a:stretch>
+            <a:fillRect/>
+          </a:stretch>
+        </p:blipFill>
+        <p:spPr>
+          <a:xfrm>
+            <a:off x="2281324" y="3653432"/>
+            <a:ext cx="1162050" cy="2114550"/>
+          </a:xfrm>
+          <a:prstGeom prst="rect">
+            <a:avLst/>
+          </a:prstGeom>
+        </p:spPr>
+      </p:pic>
+      <p:pic>
+        <p:nvPicPr>
+          <p:cNvPr id="5" name="Picture 4"/>
+          <p:cNvPicPr>
+            <a:picLocks noChangeAspect="1"/>
+          </p:cNvPicPr>
+          <p:nvPr/>
+        </p:nvPicPr>
+        <p:blipFill>
+          <a:blip r:embed="rId3">
+            <a:extLst>
+              <a:ext uri="{28A0092B-C50C-407E-A947-70E740481C1C}">
+                <a14:useLocalDpi xmlns:a14="http://schemas.microsoft.com/office/drawing/2010/main" val="0"/>
+              </a:ext>
+            </a:extLst>
+          </a:blip>
+          <a:stretch>
+            <a:fillRect/>
+          </a:stretch>
+        </p:blipFill>
+        <p:spPr>
+          <a:xfrm>
+            <a:off x="6051664" y="2871393"/>
+            <a:ext cx="2571923" cy="3678629"/>
+          </a:xfrm>
+          <a:prstGeom prst="rect">
+            <a:avLst/>
+          </a:prstGeom>
+        </p:spPr>
+      </p:pic>
+      <p:cxnSp>
+        <p:nvCxnSpPr>
+          <p:cNvPr id="7" name="Straight Arrow Connector 6"/>
+          <p:cNvCxnSpPr/>
+          <p:nvPr/>
+        </p:nvCxnSpPr>
+        <p:spPr>
+          <a:xfrm flipV="1">
+            <a:off x="3443374" y="3568603"/>
+            <a:ext cx="2608290" cy="1028335"/>
+          </a:xfrm>
+          <a:prstGeom prst="straightConnector1">
+            <a:avLst/>
+          </a:prstGeom>
+          <a:ln>
+            <a:solidFill>
+              <a:srgbClr val="0D1017"/>
+            </a:solidFill>
+            <a:tailEnd type="triangle"/>
+          </a:ln>
+        </p:spPr>
+        <p:style>
+          <a:lnRef idx="1">
+            <a:schemeClr val="accent1"/>
+          </a:lnRef>
+          <a:fillRef idx="0">
+            <a:schemeClr val="accent1"/>
+          </a:fillRef>
+          <a:effectRef idx="0">
+            <a:schemeClr val="accent1"/>
+          </a:effectRef>
+          <a:fontRef idx="minor">
+            <a:schemeClr val="tx1"/>
+          </a:fontRef>
+        </p:style>
+      </p:cxnSp>
     </p:spTree>
     <p:extLst>
       <p:ext uri="{BB962C8B-B14F-4D97-AF65-F5344CB8AC3E}">
@@ -6425,11 +6538,7 @@
           <a:p>
             <a:r>
               <a:rPr lang="en-CA" dirty="0" smtClean="0"/>
-              <a:t>Design </a:t>
-            </a:r>
-            <a:r>
-              <a:rPr lang="en-CA" dirty="0" smtClean="0"/>
-              <a:t>Pattern1</a:t>
+              <a:t>Design Pattern1</a:t>
             </a:r>
             <a:endParaRPr lang="en-CA" dirty="0"/>
           </a:p>
@@ -7429,15 +7538,127 @@
             <p:ph idx="1"/>
           </p:nvPr>
         </p:nvSpPr>
-        <p:spPr/>
-        <p:txBody>
-          <a:bodyPr/>
-          <a:lstStyle/>
-          <a:p>
-            <a:endParaRPr lang="en-CA" dirty="0"/>
-          </a:p>
-        </p:txBody>
-      </p:sp>
+        <p:spPr>
+          <a:xfrm>
+            <a:off x="875201" y="1604031"/>
+            <a:ext cx="8946541" cy="4195481"/>
+          </a:xfrm>
+        </p:spPr>
+        <p:txBody>
+          <a:bodyPr/>
+          <a:lstStyle/>
+          <a:p>
+            <a:r>
+              <a:rPr lang="en-CA" dirty="0" smtClean="0"/>
+              <a:t>Acts as an intermediary between the Model and View.</a:t>
+            </a:r>
+          </a:p>
+          <a:p>
+            <a:r>
+              <a:rPr lang="en-CA" dirty="0" smtClean="0"/>
+              <a:t>Handles user inputs and decides how or when to update either the Model or View.</a:t>
+            </a:r>
+          </a:p>
+        </p:txBody>
+      </p:sp>
+      <p:pic>
+        <p:nvPicPr>
+          <p:cNvPr id="4" name="Picture 3"/>
+          <p:cNvPicPr>
+            <a:picLocks noChangeAspect="1"/>
+          </p:cNvPicPr>
+          <p:nvPr/>
+        </p:nvPicPr>
+        <p:blipFill>
+          <a:blip r:embed="rId2">
+            <a:extLst>
+              <a:ext uri="{28A0092B-C50C-407E-A947-70E740481C1C}">
+                <a14:useLocalDpi xmlns:a14="http://schemas.microsoft.com/office/drawing/2010/main" val="0"/>
+              </a:ext>
+            </a:extLst>
+          </a:blip>
+          <a:stretch>
+            <a:fillRect/>
+          </a:stretch>
+        </p:blipFill>
+        <p:spPr>
+          <a:xfrm>
+            <a:off x="875201" y="3171478"/>
+            <a:ext cx="1590675" cy="3009900"/>
+          </a:xfrm>
+          <a:prstGeom prst="rect">
+            <a:avLst/>
+          </a:prstGeom>
+        </p:spPr>
+      </p:pic>
+      <p:pic>
+        <p:nvPicPr>
+          <p:cNvPr id="5" name="Picture 4"/>
+          <p:cNvPicPr>
+            <a:picLocks noChangeAspect="1"/>
+          </p:cNvPicPr>
+          <p:nvPr/>
+        </p:nvPicPr>
+        <p:blipFill>
+          <a:blip r:embed="rId3">
+            <a:extLst>
+              <a:ext uri="{28A0092B-C50C-407E-A947-70E740481C1C}">
+                <a14:useLocalDpi xmlns:a14="http://schemas.microsoft.com/office/drawing/2010/main" val="0"/>
+              </a:ext>
+            </a:extLst>
+          </a:blip>
+          <a:stretch>
+            <a:fillRect/>
+          </a:stretch>
+        </p:blipFill>
+        <p:spPr>
+          <a:xfrm>
+            <a:off x="5456537" y="3004561"/>
+            <a:ext cx="3313391" cy="3602073"/>
+          </a:xfrm>
+          <a:prstGeom prst="rect">
+            <a:avLst/>
+          </a:prstGeom>
+        </p:spPr>
+      </p:pic>
+      <p:cxnSp>
+        <p:nvCxnSpPr>
+          <p:cNvPr id="7" name="Straight Arrow Connector 6"/>
+          <p:cNvCxnSpPr>
+            <a:endCxn id="5" idx="1"/>
+          </p:cNvCxnSpPr>
+          <p:nvPr/>
+        </p:nvCxnSpPr>
+        <p:spPr>
+          <a:xfrm flipV="1">
+            <a:off x="2465876" y="4805598"/>
+            <a:ext cx="2990661" cy="73973"/>
+          </a:xfrm>
+          <a:prstGeom prst="straightConnector1">
+            <a:avLst/>
+          </a:prstGeom>
+          <a:ln>
+            <a:solidFill>
+              <a:srgbClr val="0D1017"/>
+            </a:solidFill>
+            <a:tailEnd type="triangle"/>
+          </a:ln>
+        </p:spPr>
+        <p:style>
+          <a:lnRef idx="1">
+            <a:schemeClr val="accent1"/>
+          </a:lnRef>
+          <a:fillRef idx="0">
+            <a:schemeClr val="accent1"/>
+          </a:fillRef>
+          <a:effectRef idx="0">
+            <a:schemeClr val="accent1"/>
+          </a:effectRef>
+          <a:fontRef idx="minor">
+            <a:schemeClr val="tx1"/>
+          </a:fontRef>
+        </p:style>
+      </p:cxnSp>
     </p:spTree>
     <p:extLst>
       <p:ext uri="{BB962C8B-B14F-4D97-AF65-F5344CB8AC3E}">
@@ -7501,15 +7722,201 @@
             <p:ph idx="1"/>
           </p:nvPr>
         </p:nvSpPr>
-        <p:spPr/>
-        <p:txBody>
-          <a:bodyPr/>
-          <a:lstStyle/>
-          <a:p>
-            <a:endParaRPr lang="en-CA"/>
-          </a:p>
-        </p:txBody>
-      </p:sp>
+        <p:spPr>
+          <a:xfrm>
+            <a:off x="488171" y="1853248"/>
+            <a:ext cx="6186949" cy="4195481"/>
+          </a:xfrm>
+        </p:spPr>
+        <p:txBody>
+          <a:bodyPr/>
+          <a:lstStyle/>
+          <a:p>
+            <a:r>
+              <a:rPr lang="en-CA" dirty="0" smtClean="0"/>
+              <a:t>The presentation layer of the applications.</a:t>
+            </a:r>
+          </a:p>
+          <a:p>
+            <a:r>
+              <a:rPr lang="en-CA" dirty="0" smtClean="0"/>
+              <a:t>Customer and Restaurant users interface.</a:t>
+            </a:r>
+          </a:p>
+          <a:p>
+            <a:pPr marL="0" indent="0">
+              <a:buNone/>
+            </a:pPr>
+            <a:endParaRPr lang="en-CA" dirty="0"/>
+          </a:p>
+        </p:txBody>
+      </p:sp>
+      <p:pic>
+        <p:nvPicPr>
+          <p:cNvPr id="4" name="Picture 3"/>
+          <p:cNvPicPr>
+            <a:picLocks noChangeAspect="1"/>
+          </p:cNvPicPr>
+          <p:nvPr/>
+        </p:nvPicPr>
+        <p:blipFill>
+          <a:blip r:embed="rId2">
+            <a:extLst>
+              <a:ext uri="{28A0092B-C50C-407E-A947-70E740481C1C}">
+                <a14:useLocalDpi xmlns:a14="http://schemas.microsoft.com/office/drawing/2010/main" val="0"/>
+              </a:ext>
+            </a:extLst>
+          </a:blip>
+          <a:stretch>
+            <a:fillRect/>
+          </a:stretch>
+        </p:blipFill>
+        <p:spPr>
+          <a:xfrm>
+            <a:off x="8151751" y="924983"/>
+            <a:ext cx="1724025" cy="4552950"/>
+          </a:xfrm>
+          <a:prstGeom prst="rect">
+            <a:avLst/>
+          </a:prstGeom>
+        </p:spPr>
+      </p:pic>
+      <p:pic>
+        <p:nvPicPr>
+          <p:cNvPr id="5" name="Picture 4"/>
+          <p:cNvPicPr>
+            <a:picLocks noChangeAspect="1"/>
+          </p:cNvPicPr>
+          <p:nvPr/>
+        </p:nvPicPr>
+        <p:blipFill>
+          <a:blip r:embed="rId3">
+            <a:extLst>
+              <a:ext uri="{28A0092B-C50C-407E-A947-70E740481C1C}">
+                <a14:useLocalDpi xmlns:a14="http://schemas.microsoft.com/office/drawing/2010/main" val="0"/>
+              </a:ext>
+            </a:extLst>
+          </a:blip>
+          <a:stretch>
+            <a:fillRect/>
+          </a:stretch>
+        </p:blipFill>
+        <p:spPr>
+          <a:xfrm>
+            <a:off x="6776566" y="2535385"/>
+            <a:ext cx="1043504" cy="4079152"/>
+          </a:xfrm>
+          <a:prstGeom prst="rect">
+            <a:avLst/>
+          </a:prstGeom>
+        </p:spPr>
+      </p:pic>
+      <p:pic>
+        <p:nvPicPr>
+          <p:cNvPr id="6" name="Picture 5"/>
+          <p:cNvPicPr>
+            <a:picLocks noChangeAspect="1"/>
+          </p:cNvPicPr>
+          <p:nvPr/>
+        </p:nvPicPr>
+        <p:blipFill>
+          <a:blip r:embed="rId4">
+            <a:extLst>
+              <a:ext uri="{28A0092B-C50C-407E-A947-70E740481C1C}">
+                <a14:useLocalDpi xmlns:a14="http://schemas.microsoft.com/office/drawing/2010/main" val="0"/>
+              </a:ext>
+            </a:extLst>
+          </a:blip>
+          <a:stretch>
+            <a:fillRect/>
+          </a:stretch>
+        </p:blipFill>
+        <p:spPr>
+          <a:xfrm>
+            <a:off x="10498974" y="2535385"/>
+            <a:ext cx="1397110" cy="3949668"/>
+          </a:xfrm>
+          <a:prstGeom prst="rect">
+            <a:avLst/>
+          </a:prstGeom>
+        </p:spPr>
+      </p:pic>
+      <p:cxnSp>
+        <p:nvCxnSpPr>
+          <p:cNvPr id="8" name="Straight Arrow Connector 7"/>
+          <p:cNvCxnSpPr>
+            <a:endCxn id="5" idx="0"/>
+          </p:cNvCxnSpPr>
+          <p:nvPr/>
+        </p:nvCxnSpPr>
+        <p:spPr>
+          <a:xfrm flipH="1">
+            <a:off x="7298318" y="1152983"/>
+            <a:ext cx="853433" cy="1382402"/>
+          </a:xfrm>
+          <a:prstGeom prst="straightConnector1">
+            <a:avLst/>
+          </a:prstGeom>
+          <a:ln>
+            <a:solidFill>
+              <a:srgbClr val="0D1017"/>
+            </a:solidFill>
+            <a:tailEnd type="triangle"/>
+          </a:ln>
+        </p:spPr>
+        <p:style>
+          <a:lnRef idx="1">
+            <a:schemeClr val="accent1"/>
+          </a:lnRef>
+          <a:fillRef idx="0">
+            <a:schemeClr val="accent1"/>
+          </a:fillRef>
+          <a:effectRef idx="0">
+            <a:schemeClr val="accent1"/>
+          </a:effectRef>
+          <a:fontRef idx="minor">
+            <a:schemeClr val="tx1"/>
+          </a:fontRef>
+        </p:style>
+      </p:cxnSp>
+      <p:cxnSp>
+        <p:nvCxnSpPr>
+          <p:cNvPr id="12" name="Straight Arrow Connector 11"/>
+          <p:cNvCxnSpPr>
+            <a:endCxn id="6" idx="0"/>
+          </p:cNvCxnSpPr>
+          <p:nvPr/>
+        </p:nvCxnSpPr>
+        <p:spPr>
+          <a:xfrm>
+            <a:off x="9875776" y="1504604"/>
+            <a:ext cx="1321753" cy="1030781"/>
+          </a:xfrm>
+          <a:prstGeom prst="straightConnector1">
+            <a:avLst/>
+          </a:prstGeom>
+          <a:ln>
+            <a:solidFill>
+              <a:srgbClr val="0D1017"/>
+            </a:solidFill>
+            <a:tailEnd type="triangle"/>
+          </a:ln>
+        </p:spPr>
+        <p:style>
+          <a:lnRef idx="1">
+            <a:schemeClr val="accent1"/>
+          </a:lnRef>
+          <a:fillRef idx="0">
+            <a:schemeClr val="accent1"/>
+          </a:fillRef>
+          <a:effectRef idx="0">
+            <a:schemeClr val="accent1"/>
+          </a:effectRef>
+          <a:fontRef idx="minor">
+            <a:schemeClr val="tx1"/>
+          </a:fontRef>
+        </p:style>
+      </p:cxnSp>
     </p:spTree>
     <p:extLst>
       <p:ext uri="{BB962C8B-B14F-4D97-AF65-F5344CB8AC3E}">
